--- a/Freshman_Training_Signal.pptx
+++ b/Freshman_Training_Signal.pptx
@@ -4264,7 +4264,7 @@
           <p:cNvPr id="20" name="Group 19">
             <a:extLst>
               <a:ext uri="{FF2B5EF4-FFF2-40B4-BE49-F238E27FC236}">
-                <a16:creationId xmlns="" xmlns:a16="http://schemas.microsoft.com/office/drawing/2014/main" id="{C3ED851A-5624-9445-94A3-FC256390EFF0}"/>
+                <a16:creationId xmlns:a16="http://schemas.microsoft.com/office/drawing/2014/main" xmlns="" id="{C3ED851A-5624-9445-94A3-FC256390EFF0}"/>
               </a:ext>
             </a:extLst>
           </p:cNvPr>
@@ -4284,7 +4284,7 @@
             <p:cNvPr id="21" name="箭號: 五邊形 12">
               <a:extLst>
                 <a:ext uri="{FF2B5EF4-FFF2-40B4-BE49-F238E27FC236}">
-                  <a16:creationId xmlns="" xmlns:a16="http://schemas.microsoft.com/office/drawing/2014/main" id="{7DED8486-E1FD-814E-B2DE-F488A3CEA671}"/>
+                  <a16:creationId xmlns:a16="http://schemas.microsoft.com/office/drawing/2014/main" xmlns="" id="{7DED8486-E1FD-814E-B2DE-F488A3CEA671}"/>
                 </a:ext>
               </a:extLst>
             </p:cNvPr>
@@ -4336,7 +4336,7 @@
             <p:cNvPr id="23" name="箭號: 五邊形 12">
               <a:extLst>
                 <a:ext uri="{FF2B5EF4-FFF2-40B4-BE49-F238E27FC236}">
-                  <a16:creationId xmlns="" xmlns:a16="http://schemas.microsoft.com/office/drawing/2014/main" id="{8C392F49-5181-FA4B-9412-A387B34C316C}"/>
+                  <a16:creationId xmlns:a16="http://schemas.microsoft.com/office/drawing/2014/main" xmlns="" id="{8C392F49-5181-FA4B-9412-A387B34C316C}"/>
                 </a:ext>
               </a:extLst>
             </p:cNvPr>
@@ -4395,7 +4395,7 @@
             <p:cNvPr id="26" name="箭號: 五邊形 12">
               <a:extLst>
                 <a:ext uri="{FF2B5EF4-FFF2-40B4-BE49-F238E27FC236}">
-                  <a16:creationId xmlns="" xmlns:a16="http://schemas.microsoft.com/office/drawing/2014/main" id="{A2A2AEE9-8884-2D45-AA3A-3CE8B669A441}"/>
+                  <a16:creationId xmlns:a16="http://schemas.microsoft.com/office/drawing/2014/main" xmlns="" id="{A2A2AEE9-8884-2D45-AA3A-3CE8B669A441}"/>
                 </a:ext>
               </a:extLst>
             </p:cNvPr>
@@ -4824,7 +4824,7 @@
           <p:cNvPr id="34" name="Text Placeholder 3">
             <a:extLst>
               <a:ext uri="{FF2B5EF4-FFF2-40B4-BE49-F238E27FC236}">
-                <a16:creationId xmlns="" xmlns:a16="http://schemas.microsoft.com/office/drawing/2014/main" id="{CB4F27FF-A5B2-0945-A886-8994C9CF0F9A}"/>
+                <a16:creationId xmlns:a16="http://schemas.microsoft.com/office/drawing/2014/main" xmlns="" id="{CB4F27FF-A5B2-0945-A886-8994C9CF0F9A}"/>
               </a:ext>
             </a:extLst>
           </p:cNvPr>
@@ -4878,7 +4878,7 @@
           <p:cNvPr id="35" name="Content Placeholder 5">
             <a:extLst>
               <a:ext uri="{FF2B5EF4-FFF2-40B4-BE49-F238E27FC236}">
-                <a16:creationId xmlns="" xmlns:a16="http://schemas.microsoft.com/office/drawing/2014/main" id="{1CE5651F-F4F6-9D45-A553-66B6FFCA522B}"/>
+                <a16:creationId xmlns:a16="http://schemas.microsoft.com/office/drawing/2014/main" xmlns="" id="{1CE5651F-F4F6-9D45-A553-66B6FFCA522B}"/>
               </a:ext>
             </a:extLst>
           </p:cNvPr>
@@ -4926,7 +4926,7 @@
           <p:cNvPr id="6" name="Picture 5">
             <a:extLst>
               <a:ext uri="{FF2B5EF4-FFF2-40B4-BE49-F238E27FC236}">
-                <a16:creationId xmlns="" xmlns:a16="http://schemas.microsoft.com/office/drawing/2014/main" id="{5BB22815-3E3B-0B48-9DCA-B05C2D5B9D70}"/>
+                <a16:creationId xmlns:a16="http://schemas.microsoft.com/office/drawing/2014/main" xmlns="" id="{5BB22815-3E3B-0B48-9DCA-B05C2D5B9D70}"/>
               </a:ext>
             </a:extLst>
           </p:cNvPr>
@@ -6028,7 +6028,7 @@
           <p:cNvPr id="15" name="直排文字版面配置區 2">
             <a:extLst>
               <a:ext uri="{FF2B5EF4-FFF2-40B4-BE49-F238E27FC236}">
-                <a16:creationId xmlns="" xmlns:a16="http://schemas.microsoft.com/office/drawing/2014/main" id="{5B0754CD-A593-D647-8F43-33A88CDADB61}"/>
+                <a16:creationId xmlns:a16="http://schemas.microsoft.com/office/drawing/2014/main" xmlns="" id="{5B0754CD-A593-D647-8F43-33A88CDADB61}"/>
               </a:ext>
             </a:extLst>
           </p:cNvPr>
@@ -6238,7 +6238,7 @@
           <p:cNvPr id="20" name="Group 19">
             <a:extLst>
               <a:ext uri="{FF2B5EF4-FFF2-40B4-BE49-F238E27FC236}">
-                <a16:creationId xmlns="" xmlns:a16="http://schemas.microsoft.com/office/drawing/2014/main" id="{C3ED851A-5624-9445-94A3-FC256390EFF0}"/>
+                <a16:creationId xmlns:a16="http://schemas.microsoft.com/office/drawing/2014/main" xmlns="" id="{C3ED851A-5624-9445-94A3-FC256390EFF0}"/>
               </a:ext>
             </a:extLst>
           </p:cNvPr>
@@ -6258,7 +6258,7 @@
             <p:cNvPr id="21" name="箭號: 五邊形 12">
               <a:extLst>
                 <a:ext uri="{FF2B5EF4-FFF2-40B4-BE49-F238E27FC236}">
-                  <a16:creationId xmlns="" xmlns:a16="http://schemas.microsoft.com/office/drawing/2014/main" id="{7DED8486-E1FD-814E-B2DE-F488A3CEA671}"/>
+                  <a16:creationId xmlns:a16="http://schemas.microsoft.com/office/drawing/2014/main" xmlns="" id="{7DED8486-E1FD-814E-B2DE-F488A3CEA671}"/>
                 </a:ext>
               </a:extLst>
             </p:cNvPr>
@@ -6310,7 +6310,7 @@
             <p:cNvPr id="23" name="箭號: 五邊形 12">
               <a:extLst>
                 <a:ext uri="{FF2B5EF4-FFF2-40B4-BE49-F238E27FC236}">
-                  <a16:creationId xmlns="" xmlns:a16="http://schemas.microsoft.com/office/drawing/2014/main" id="{8C392F49-5181-FA4B-9412-A387B34C316C}"/>
+                  <a16:creationId xmlns:a16="http://schemas.microsoft.com/office/drawing/2014/main" xmlns="" id="{8C392F49-5181-FA4B-9412-A387B34C316C}"/>
                 </a:ext>
               </a:extLst>
             </p:cNvPr>
@@ -6369,7 +6369,7 @@
             <p:cNvPr id="26" name="箭號: 五邊形 12">
               <a:extLst>
                 <a:ext uri="{FF2B5EF4-FFF2-40B4-BE49-F238E27FC236}">
-                  <a16:creationId xmlns="" xmlns:a16="http://schemas.microsoft.com/office/drawing/2014/main" id="{A2A2AEE9-8884-2D45-AA3A-3CE8B669A441}"/>
+                  <a16:creationId xmlns:a16="http://schemas.microsoft.com/office/drawing/2014/main" xmlns="" id="{A2A2AEE9-8884-2D45-AA3A-3CE8B669A441}"/>
                 </a:ext>
               </a:extLst>
             </p:cNvPr>
@@ -6798,7 +6798,7 @@
           <p:cNvPr id="34" name="Text Placeholder 3">
             <a:extLst>
               <a:ext uri="{FF2B5EF4-FFF2-40B4-BE49-F238E27FC236}">
-                <a16:creationId xmlns="" xmlns:a16="http://schemas.microsoft.com/office/drawing/2014/main" id="{CB4F27FF-A5B2-0945-A886-8994C9CF0F9A}"/>
+                <a16:creationId xmlns:a16="http://schemas.microsoft.com/office/drawing/2014/main" xmlns="" id="{CB4F27FF-A5B2-0945-A886-8994C9CF0F9A}"/>
               </a:ext>
             </a:extLst>
           </p:cNvPr>
@@ -6852,7 +6852,7 @@
           <p:cNvPr id="35" name="Content Placeholder 5">
             <a:extLst>
               <a:ext uri="{FF2B5EF4-FFF2-40B4-BE49-F238E27FC236}">
-                <a16:creationId xmlns="" xmlns:a16="http://schemas.microsoft.com/office/drawing/2014/main" id="{1CE5651F-F4F6-9D45-A553-66B6FFCA522B}"/>
+                <a16:creationId xmlns:a16="http://schemas.microsoft.com/office/drawing/2014/main" xmlns="" id="{1CE5651F-F4F6-9D45-A553-66B6FFCA522B}"/>
               </a:ext>
             </a:extLst>
           </p:cNvPr>
@@ -6900,7 +6900,7 @@
           <p:cNvPr id="6" name="Picture 5">
             <a:extLst>
               <a:ext uri="{FF2B5EF4-FFF2-40B4-BE49-F238E27FC236}">
-                <a16:creationId xmlns="" xmlns:a16="http://schemas.microsoft.com/office/drawing/2014/main" id="{5BB22815-3E3B-0B48-9DCA-B05C2D5B9D70}"/>
+                <a16:creationId xmlns:a16="http://schemas.microsoft.com/office/drawing/2014/main" xmlns="" id="{5BB22815-3E3B-0B48-9DCA-B05C2D5B9D70}"/>
               </a:ext>
             </a:extLst>
           </p:cNvPr>
@@ -7612,7 +7612,7 @@
           <p:cNvPr id="12" name="Group 11">
             <a:extLst>
               <a:ext uri="{FF2B5EF4-FFF2-40B4-BE49-F238E27FC236}">
-                <a16:creationId xmlns="" xmlns:a16="http://schemas.microsoft.com/office/drawing/2014/main" id="{FECCA331-FFA6-F840-9C60-BF25ACF3BDB5}"/>
+                <a16:creationId xmlns:a16="http://schemas.microsoft.com/office/drawing/2014/main" xmlns="" id="{FECCA331-FFA6-F840-9C60-BF25ACF3BDB5}"/>
               </a:ext>
             </a:extLst>
           </p:cNvPr>
@@ -7632,7 +7632,7 @@
             <p:cNvPr id="13" name="箭號: 五邊形 12">
               <a:extLst>
                 <a:ext uri="{FF2B5EF4-FFF2-40B4-BE49-F238E27FC236}">
-                  <a16:creationId xmlns="" xmlns:a16="http://schemas.microsoft.com/office/drawing/2014/main" id="{1ECC6466-4EFD-5345-BC17-67AB57731DB7}"/>
+                  <a16:creationId xmlns:a16="http://schemas.microsoft.com/office/drawing/2014/main" xmlns="" id="{1ECC6466-4EFD-5345-BC17-67AB57731DB7}"/>
                 </a:ext>
               </a:extLst>
             </p:cNvPr>
@@ -7684,7 +7684,7 @@
             <p:cNvPr id="14" name="箭號: 五邊形 12">
               <a:extLst>
                 <a:ext uri="{FF2B5EF4-FFF2-40B4-BE49-F238E27FC236}">
-                  <a16:creationId xmlns="" xmlns:a16="http://schemas.microsoft.com/office/drawing/2014/main" id="{6CF55724-0A99-E64A-AB4C-0938CB62E153}"/>
+                  <a16:creationId xmlns:a16="http://schemas.microsoft.com/office/drawing/2014/main" xmlns="" id="{6CF55724-0A99-E64A-AB4C-0938CB62E153}"/>
                 </a:ext>
               </a:extLst>
             </p:cNvPr>
@@ -7743,7 +7743,7 @@
             <p:cNvPr id="15" name="箭號: 五邊形 12">
               <a:extLst>
                 <a:ext uri="{FF2B5EF4-FFF2-40B4-BE49-F238E27FC236}">
-                  <a16:creationId xmlns="" xmlns:a16="http://schemas.microsoft.com/office/drawing/2014/main" id="{D65D1FB8-4CF4-8B4A-A307-6F7F618C0D88}"/>
+                  <a16:creationId xmlns:a16="http://schemas.microsoft.com/office/drawing/2014/main" xmlns="" id="{D65D1FB8-4CF4-8B4A-A307-6F7F618C0D88}"/>
                 </a:ext>
               </a:extLst>
             </p:cNvPr>
@@ -8052,7 +8052,7 @@
           <p:cNvPr id="5" name="Picture 4">
             <a:extLst>
               <a:ext uri="{FF2B5EF4-FFF2-40B4-BE49-F238E27FC236}">
-                <a16:creationId xmlns="" xmlns:a16="http://schemas.microsoft.com/office/drawing/2014/main" id="{33C27645-19DC-4542-810A-E94761D6E227}"/>
+                <a16:creationId xmlns:a16="http://schemas.microsoft.com/office/drawing/2014/main" xmlns="" id="{33C27645-19DC-4542-810A-E94761D6E227}"/>
               </a:ext>
             </a:extLst>
           </p:cNvPr>
@@ -8551,7 +8551,7 @@
           <p:cNvPr id="23" name="內容版面配置區 2">
             <a:extLst>
               <a:ext uri="{FF2B5EF4-FFF2-40B4-BE49-F238E27FC236}">
-                <a16:creationId xmlns="" xmlns:a16="http://schemas.microsoft.com/office/drawing/2014/main" id="{9D1178A4-A62F-AE47-B4FD-DFBDEBC0B7E1}"/>
+                <a16:creationId xmlns:a16="http://schemas.microsoft.com/office/drawing/2014/main" xmlns="" id="{9D1178A4-A62F-AE47-B4FD-DFBDEBC0B7E1}"/>
               </a:ext>
             </a:extLst>
           </p:cNvPr>
@@ -8698,7 +8698,7 @@
           <p:cNvPr id="24" name="內容版面配置區 2">
             <a:extLst>
               <a:ext uri="{FF2B5EF4-FFF2-40B4-BE49-F238E27FC236}">
-                <a16:creationId xmlns="" xmlns:a16="http://schemas.microsoft.com/office/drawing/2014/main" id="{18BDE748-AF06-9848-B53D-40087470A386}"/>
+                <a16:creationId xmlns:a16="http://schemas.microsoft.com/office/drawing/2014/main" xmlns="" id="{18BDE748-AF06-9848-B53D-40087470A386}"/>
               </a:ext>
             </a:extLst>
           </p:cNvPr>
@@ -9449,7 +9449,7 @@
           <p:cNvPr id="20" name="內容版面配置區 2">
             <a:extLst>
               <a:ext uri="{FF2B5EF4-FFF2-40B4-BE49-F238E27FC236}">
-                <a16:creationId xmlns="" xmlns:a16="http://schemas.microsoft.com/office/drawing/2014/main" id="{9A4A12A5-18A4-CA4A-8E68-97EAFD19927B}"/>
+                <a16:creationId xmlns:a16="http://schemas.microsoft.com/office/drawing/2014/main" xmlns="" id="{9A4A12A5-18A4-CA4A-8E68-97EAFD19927B}"/>
               </a:ext>
             </a:extLst>
           </p:cNvPr>
@@ -9596,7 +9596,7 @@
           <p:cNvPr id="21" name="內容版面配置區 2">
             <a:extLst>
               <a:ext uri="{FF2B5EF4-FFF2-40B4-BE49-F238E27FC236}">
-                <a16:creationId xmlns="" xmlns:a16="http://schemas.microsoft.com/office/drawing/2014/main" id="{E09B3CAD-22B9-BC48-9D7D-2345FF14DD38}"/>
+                <a16:creationId xmlns:a16="http://schemas.microsoft.com/office/drawing/2014/main" xmlns="" id="{E09B3CAD-22B9-BC48-9D7D-2345FF14DD38}"/>
               </a:ext>
             </a:extLst>
           </p:cNvPr>
@@ -10513,7 +10513,7 @@
           <p:cNvPr id="5" name="Group 4">
             <a:extLst>
               <a:ext uri="{FF2B5EF4-FFF2-40B4-BE49-F238E27FC236}">
-                <a16:creationId xmlns="" xmlns:a16="http://schemas.microsoft.com/office/drawing/2014/main" id="{4DADA6C2-E637-F642-95E5-0309E3EB9F41}"/>
+                <a16:creationId xmlns:a16="http://schemas.microsoft.com/office/drawing/2014/main" xmlns="" id="{4DADA6C2-E637-F642-95E5-0309E3EB9F41}"/>
               </a:ext>
             </a:extLst>
           </p:cNvPr>
@@ -10533,7 +10533,7 @@
             <p:cNvPr id="17" name="箭號: 五邊形 12">
               <a:extLst>
                 <a:ext uri="{FF2B5EF4-FFF2-40B4-BE49-F238E27FC236}">
-                  <a16:creationId xmlns="" xmlns:a16="http://schemas.microsoft.com/office/drawing/2014/main" id="{C3424005-2947-5749-B94D-7EE01D59B97D}"/>
+                  <a16:creationId xmlns:a16="http://schemas.microsoft.com/office/drawing/2014/main" xmlns="" id="{C3424005-2947-5749-B94D-7EE01D59B97D}"/>
                 </a:ext>
               </a:extLst>
             </p:cNvPr>
@@ -10585,7 +10585,7 @@
             <p:cNvPr id="16" name="箭號: 五邊形 12">
               <a:extLst>
                 <a:ext uri="{FF2B5EF4-FFF2-40B4-BE49-F238E27FC236}">
-                  <a16:creationId xmlns="" xmlns:a16="http://schemas.microsoft.com/office/drawing/2014/main" id="{78B68587-E393-9C46-A4CA-137BCC2B13AD}"/>
+                  <a16:creationId xmlns:a16="http://schemas.microsoft.com/office/drawing/2014/main" xmlns="" id="{78B68587-E393-9C46-A4CA-137BCC2B13AD}"/>
                 </a:ext>
               </a:extLst>
             </p:cNvPr>
@@ -11053,7 +11053,7 @@
           <p:cNvPr id="18" name="內容版面配置區 2">
             <a:extLst>
               <a:ext uri="{FF2B5EF4-FFF2-40B4-BE49-F238E27FC236}">
-                <a16:creationId xmlns="" xmlns:a16="http://schemas.microsoft.com/office/drawing/2014/main" id="{BB9680E6-3D9F-FF42-BA19-F206A773FE60}"/>
+                <a16:creationId xmlns:a16="http://schemas.microsoft.com/office/drawing/2014/main" xmlns="" id="{BB9680E6-3D9F-FF42-BA19-F206A773FE60}"/>
               </a:ext>
             </a:extLst>
           </p:cNvPr>
@@ -11238,7 +11238,7 @@
           <p:cNvPr id="15" name="Group 14">
             <a:extLst>
               <a:ext uri="{FF2B5EF4-FFF2-40B4-BE49-F238E27FC236}">
-                <a16:creationId xmlns="" xmlns:a16="http://schemas.microsoft.com/office/drawing/2014/main" id="{7108562A-19D8-3347-A5CB-8FD2094D2AC6}"/>
+                <a16:creationId xmlns:a16="http://schemas.microsoft.com/office/drawing/2014/main" xmlns="" id="{7108562A-19D8-3347-A5CB-8FD2094D2AC6}"/>
               </a:ext>
             </a:extLst>
           </p:cNvPr>
@@ -11258,7 +11258,7 @@
             <p:cNvPr id="16" name="箭號: 五邊形 12">
               <a:extLst>
                 <a:ext uri="{FF2B5EF4-FFF2-40B4-BE49-F238E27FC236}">
-                  <a16:creationId xmlns="" xmlns:a16="http://schemas.microsoft.com/office/drawing/2014/main" id="{0350FA7D-8512-F24E-9F36-7F4296D197F2}"/>
+                  <a16:creationId xmlns:a16="http://schemas.microsoft.com/office/drawing/2014/main" xmlns="" id="{0350FA7D-8512-F24E-9F36-7F4296D197F2}"/>
                 </a:ext>
               </a:extLst>
             </p:cNvPr>
@@ -11310,7 +11310,7 @@
             <p:cNvPr id="17" name="箭號: 五邊形 12">
               <a:extLst>
                 <a:ext uri="{FF2B5EF4-FFF2-40B4-BE49-F238E27FC236}">
-                  <a16:creationId xmlns="" xmlns:a16="http://schemas.microsoft.com/office/drawing/2014/main" id="{125DE2BA-1E8B-2447-AEBE-4BDB2873316E}"/>
+                  <a16:creationId xmlns:a16="http://schemas.microsoft.com/office/drawing/2014/main" xmlns="" id="{125DE2BA-1E8B-2447-AEBE-4BDB2873316E}"/>
                 </a:ext>
               </a:extLst>
             </p:cNvPr>
@@ -11369,7 +11369,7 @@
             <p:cNvPr id="18" name="箭號: 五邊形 12">
               <a:extLst>
                 <a:ext uri="{FF2B5EF4-FFF2-40B4-BE49-F238E27FC236}">
-                  <a16:creationId xmlns="" xmlns:a16="http://schemas.microsoft.com/office/drawing/2014/main" id="{467877CF-B77C-BE4F-8D6F-89063BBFC3DE}"/>
+                  <a16:creationId xmlns:a16="http://schemas.microsoft.com/office/drawing/2014/main" xmlns="" id="{467877CF-B77C-BE4F-8D6F-89063BBFC3DE}"/>
                 </a:ext>
               </a:extLst>
             </p:cNvPr>
@@ -11732,7 +11732,7 @@
           <p:cNvPr id="22" name="標題 1">
             <a:extLst>
               <a:ext uri="{FF2B5EF4-FFF2-40B4-BE49-F238E27FC236}">
-                <a16:creationId xmlns="" xmlns:a16="http://schemas.microsoft.com/office/drawing/2014/main" id="{6E193196-9107-784C-A964-C67153D060CB}"/>
+                <a16:creationId xmlns:a16="http://schemas.microsoft.com/office/drawing/2014/main" xmlns="" id="{6E193196-9107-784C-A964-C67153D060CB}"/>
               </a:ext>
             </a:extLst>
           </p:cNvPr>
@@ -11775,7 +11775,7 @@
           <p:cNvPr id="24" name="文字版面配置區 3">
             <a:extLst>
               <a:ext uri="{FF2B5EF4-FFF2-40B4-BE49-F238E27FC236}">
-                <a16:creationId xmlns="" xmlns:a16="http://schemas.microsoft.com/office/drawing/2014/main" id="{5922BEEB-F3AC-E443-B34D-CE264A982284}"/>
+                <a16:creationId xmlns:a16="http://schemas.microsoft.com/office/drawing/2014/main" xmlns="" id="{5922BEEB-F3AC-E443-B34D-CE264A982284}"/>
               </a:ext>
             </a:extLst>
           </p:cNvPr>
@@ -20379,15 +20379,7 @@
                 <a:ea typeface="Times New Roman" charset="0"/>
                 <a:cs typeface="Times New Roman" charset="0"/>
               </a:rPr>
-              <a:t> Transmission </a:t>
-            </a:r>
-            <a:r>
-              <a:rPr lang="en-US" altLang="zh-TW" sz="3200" b="1" dirty="0" smtClean="0">
-                <a:latin typeface="Times New Roman" charset="0"/>
-                <a:ea typeface="Times New Roman" charset="0"/>
-                <a:cs typeface="Times New Roman" charset="0"/>
-              </a:rPr>
-              <a:t>Equation</a:t>
+              <a:t> Transmission Equation</a:t>
             </a:r>
           </a:p>
           <a:p>
@@ -20404,11 +20396,6 @@
               </a:rPr>
               <a:t>Demo</a:t>
             </a:r>
-            <a:endParaRPr lang="en-US" altLang="zh-TW" sz="3200" b="1" dirty="0" smtClean="0">
-              <a:latin typeface="Times New Roman" charset="0"/>
-              <a:ea typeface="Times New Roman" charset="0"/>
-              <a:cs typeface="Times New Roman" charset="0"/>
-            </a:endParaRPr>
           </a:p>
           <a:p>
             <a:pPr>
@@ -20424,11 +20411,6 @@
               </a:rPr>
               <a:t>Reference</a:t>
             </a:r>
-            <a:endParaRPr lang="en-US" altLang="zh-TW" sz="3200" b="1" dirty="0" smtClean="0">
-              <a:latin typeface="Times New Roman" charset="0"/>
-              <a:ea typeface="Times New Roman" charset="0"/>
-              <a:cs typeface="Times New Roman" charset="0"/>
-            </a:endParaRPr>
           </a:p>
           <a:p>
             <a:endParaRPr lang="zh-TW" altLang="en-US" dirty="0"/>
@@ -21098,6 +21080,36 @@
               </a:rPr>
               <a:t>Equation</a:t>
             </a:r>
+          </a:p>
+          <a:p>
+            <a:pPr>
+              <a:lnSpc>
+                <a:spcPct val="150000"/>
+              </a:lnSpc>
+            </a:pPr>
+            <a:r>
+              <a:rPr lang="en-US" altLang="zh-TW" sz="3200" b="1" dirty="0">
+                <a:latin typeface="Times New Roman" charset="0"/>
+                <a:ea typeface="Times New Roman" charset="0"/>
+                <a:cs typeface="Times New Roman" charset="0"/>
+              </a:rPr>
+              <a:t>Demo</a:t>
+            </a:r>
+          </a:p>
+          <a:p>
+            <a:pPr>
+              <a:lnSpc>
+                <a:spcPct val="150000"/>
+              </a:lnSpc>
+            </a:pPr>
+            <a:r>
+              <a:rPr lang="en-US" altLang="zh-TW" sz="3200" b="1" dirty="0" smtClean="0">
+                <a:latin typeface="Times New Roman" charset="0"/>
+                <a:ea typeface="Times New Roman" charset="0"/>
+                <a:cs typeface="Times New Roman" charset="0"/>
+              </a:rPr>
+              <a:t>Reference</a:t>
+            </a:r>
             <a:endParaRPr lang="en-US" altLang="zh-TW" sz="3200" b="1" dirty="0" smtClean="0">
               <a:latin typeface="Times New Roman" charset="0"/>
               <a:ea typeface="Times New Roman" charset="0"/>
@@ -21190,7 +21202,7 @@
         </p:nvSpPr>
         <p:spPr>
           <a:xfrm>
-            <a:off x="335362" y="2416969"/>
+            <a:off x="335362" y="2441032"/>
             <a:ext cx="11521280" cy="4610906"/>
           </a:xfrm>
           <a:prstGeom prst="rect">
@@ -25126,24 +25138,43 @@
                 <a:ea typeface="Times New Roman" charset="0"/>
                 <a:cs typeface="Times New Roman" charset="0"/>
               </a:rPr>
-              <a:t> Transmission </a:t>
-            </a:r>
-            <a:r>
-              <a:rPr lang="en-US" altLang="zh-TW" sz="3200" b="1" dirty="0" smtClean="0">
+              <a:t> Transmission Equation</a:t>
+            </a:r>
+          </a:p>
+          <a:p>
+            <a:pPr>
+              <a:lnSpc>
+                <a:spcPct val="150000"/>
+              </a:lnSpc>
+            </a:pPr>
+            <a:r>
+              <a:rPr lang="en-US" altLang="zh-TW" b="1" dirty="0">
                 <a:latin typeface="Times New Roman" charset="0"/>
                 <a:ea typeface="Times New Roman" charset="0"/>
                 <a:cs typeface="Times New Roman" charset="0"/>
               </a:rPr>
-              <a:t>Equation</a:t>
-            </a:r>
-            <a:endParaRPr lang="en-US" altLang="zh-TW" sz="3200" b="1" dirty="0" smtClean="0">
+              <a:t>Demo</a:t>
+            </a:r>
+          </a:p>
+          <a:p>
+            <a:pPr>
+              <a:lnSpc>
+                <a:spcPct val="150000"/>
+              </a:lnSpc>
+            </a:pPr>
+            <a:r>
+              <a:rPr lang="en-US" altLang="zh-TW" b="1" dirty="0" smtClean="0">
+                <a:latin typeface="Times New Roman" charset="0"/>
+                <a:ea typeface="Times New Roman" charset="0"/>
+                <a:cs typeface="Times New Roman" charset="0"/>
+              </a:rPr>
+              <a:t>Reference</a:t>
+            </a:r>
+            <a:endParaRPr lang="en-US" altLang="zh-TW" b="1" dirty="0">
               <a:latin typeface="Times New Roman" charset="0"/>
               <a:ea typeface="Times New Roman" charset="0"/>
               <a:cs typeface="Times New Roman" charset="0"/>
             </a:endParaRPr>
-          </a:p>
-          <a:p>
-            <a:endParaRPr lang="zh-TW" altLang="en-US" dirty="0"/>
           </a:p>
         </p:txBody>
       </p:sp>

--- a/Freshman_Training_Signal.pptx
+++ b/Freshman_Training_Signal.pptx
@@ -5,7 +5,7 @@
     <p:sldMasterId id="2147483660" r:id="rId1"/>
   </p:sldMasterIdLst>
   <p:notesMasterIdLst>
-    <p:notesMasterId r:id="rId35"/>
+    <p:notesMasterId r:id="rId36"/>
   </p:notesMasterIdLst>
   <p:sldIdLst>
     <p:sldId id="256" r:id="rId2"/>
@@ -41,6 +41,7 @@
     <p:sldId id="352" r:id="rId32"/>
     <p:sldId id="376" r:id="rId33"/>
     <p:sldId id="301" r:id="rId34"/>
+    <p:sldId id="377" r:id="rId35"/>
   </p:sldIdLst>
   <p:sldSz cx="12192000" cy="6858000"/>
   <p:notesSz cx="6858000" cy="9144000"/>
@@ -189,6 +190,7 @@
         <p14:section name="end" id="{EE857F6F-7FD5-644F-8679-010F7E321B91}">
           <p14:sldIdLst>
             <p14:sldId id="301"/>
+            <p14:sldId id="377"/>
           </p14:sldIdLst>
         </p14:section>
       </p14:sectionLst>
@@ -282,7 +284,7 @@
           <a:p>
             <a:fld id="{D417A10C-87C9-49E5-AE05-110105D8C539}" type="datetimeFigureOut">
               <a:rPr lang="zh-TW" altLang="en-US" smtClean="0"/>
-              <a:t>2018/8/6</a:t>
+              <a:t>2018/8/7</a:t>
             </a:fld>
             <a:endParaRPr lang="zh-TW" altLang="en-US"/>
           </a:p>
@@ -4264,7 +4266,7 @@
           <p:cNvPr id="20" name="Group 19">
             <a:extLst>
               <a:ext uri="{FF2B5EF4-FFF2-40B4-BE49-F238E27FC236}">
-                <a16:creationId xmlns:a16="http://schemas.microsoft.com/office/drawing/2014/main" xmlns="" id="{C3ED851A-5624-9445-94A3-FC256390EFF0}"/>
+                <a16:creationId xmlns="" xmlns:a16="http://schemas.microsoft.com/office/drawing/2014/main" id="{C3ED851A-5624-9445-94A3-FC256390EFF0}"/>
               </a:ext>
             </a:extLst>
           </p:cNvPr>
@@ -4284,7 +4286,7 @@
             <p:cNvPr id="21" name="箭號: 五邊形 12">
               <a:extLst>
                 <a:ext uri="{FF2B5EF4-FFF2-40B4-BE49-F238E27FC236}">
-                  <a16:creationId xmlns:a16="http://schemas.microsoft.com/office/drawing/2014/main" xmlns="" id="{7DED8486-E1FD-814E-B2DE-F488A3CEA671}"/>
+                  <a16:creationId xmlns="" xmlns:a16="http://schemas.microsoft.com/office/drawing/2014/main" id="{7DED8486-E1FD-814E-B2DE-F488A3CEA671}"/>
                 </a:ext>
               </a:extLst>
             </p:cNvPr>
@@ -4336,7 +4338,7 @@
             <p:cNvPr id="23" name="箭號: 五邊形 12">
               <a:extLst>
                 <a:ext uri="{FF2B5EF4-FFF2-40B4-BE49-F238E27FC236}">
-                  <a16:creationId xmlns:a16="http://schemas.microsoft.com/office/drawing/2014/main" xmlns="" id="{8C392F49-5181-FA4B-9412-A387B34C316C}"/>
+                  <a16:creationId xmlns="" xmlns:a16="http://schemas.microsoft.com/office/drawing/2014/main" id="{8C392F49-5181-FA4B-9412-A387B34C316C}"/>
                 </a:ext>
               </a:extLst>
             </p:cNvPr>
@@ -4395,7 +4397,7 @@
             <p:cNvPr id="26" name="箭號: 五邊形 12">
               <a:extLst>
                 <a:ext uri="{FF2B5EF4-FFF2-40B4-BE49-F238E27FC236}">
-                  <a16:creationId xmlns:a16="http://schemas.microsoft.com/office/drawing/2014/main" xmlns="" id="{A2A2AEE9-8884-2D45-AA3A-3CE8B669A441}"/>
+                  <a16:creationId xmlns="" xmlns:a16="http://schemas.microsoft.com/office/drawing/2014/main" id="{A2A2AEE9-8884-2D45-AA3A-3CE8B669A441}"/>
                 </a:ext>
               </a:extLst>
             </p:cNvPr>
@@ -4824,7 +4826,7 @@
           <p:cNvPr id="34" name="Text Placeholder 3">
             <a:extLst>
               <a:ext uri="{FF2B5EF4-FFF2-40B4-BE49-F238E27FC236}">
-                <a16:creationId xmlns:a16="http://schemas.microsoft.com/office/drawing/2014/main" xmlns="" id="{CB4F27FF-A5B2-0945-A886-8994C9CF0F9A}"/>
+                <a16:creationId xmlns="" xmlns:a16="http://schemas.microsoft.com/office/drawing/2014/main" id="{CB4F27FF-A5B2-0945-A886-8994C9CF0F9A}"/>
               </a:ext>
             </a:extLst>
           </p:cNvPr>
@@ -4878,7 +4880,7 @@
           <p:cNvPr id="35" name="Content Placeholder 5">
             <a:extLst>
               <a:ext uri="{FF2B5EF4-FFF2-40B4-BE49-F238E27FC236}">
-                <a16:creationId xmlns:a16="http://schemas.microsoft.com/office/drawing/2014/main" xmlns="" id="{1CE5651F-F4F6-9D45-A553-66B6FFCA522B}"/>
+                <a16:creationId xmlns="" xmlns:a16="http://schemas.microsoft.com/office/drawing/2014/main" id="{1CE5651F-F4F6-9D45-A553-66B6FFCA522B}"/>
               </a:ext>
             </a:extLst>
           </p:cNvPr>
@@ -4926,7 +4928,7 @@
           <p:cNvPr id="6" name="Picture 5">
             <a:extLst>
               <a:ext uri="{FF2B5EF4-FFF2-40B4-BE49-F238E27FC236}">
-                <a16:creationId xmlns:a16="http://schemas.microsoft.com/office/drawing/2014/main" xmlns="" id="{5BB22815-3E3B-0B48-9DCA-B05C2D5B9D70}"/>
+                <a16:creationId xmlns="" xmlns:a16="http://schemas.microsoft.com/office/drawing/2014/main" id="{5BB22815-3E3B-0B48-9DCA-B05C2D5B9D70}"/>
               </a:ext>
             </a:extLst>
           </p:cNvPr>
@@ -6028,7 +6030,7 @@
           <p:cNvPr id="15" name="直排文字版面配置區 2">
             <a:extLst>
               <a:ext uri="{FF2B5EF4-FFF2-40B4-BE49-F238E27FC236}">
-                <a16:creationId xmlns:a16="http://schemas.microsoft.com/office/drawing/2014/main" xmlns="" id="{5B0754CD-A593-D647-8F43-33A88CDADB61}"/>
+                <a16:creationId xmlns="" xmlns:a16="http://schemas.microsoft.com/office/drawing/2014/main" id="{5B0754CD-A593-D647-8F43-33A88CDADB61}"/>
               </a:ext>
             </a:extLst>
           </p:cNvPr>
@@ -6238,7 +6240,7 @@
           <p:cNvPr id="20" name="Group 19">
             <a:extLst>
               <a:ext uri="{FF2B5EF4-FFF2-40B4-BE49-F238E27FC236}">
-                <a16:creationId xmlns:a16="http://schemas.microsoft.com/office/drawing/2014/main" xmlns="" id="{C3ED851A-5624-9445-94A3-FC256390EFF0}"/>
+                <a16:creationId xmlns="" xmlns:a16="http://schemas.microsoft.com/office/drawing/2014/main" id="{C3ED851A-5624-9445-94A3-FC256390EFF0}"/>
               </a:ext>
             </a:extLst>
           </p:cNvPr>
@@ -6258,7 +6260,7 @@
             <p:cNvPr id="21" name="箭號: 五邊形 12">
               <a:extLst>
                 <a:ext uri="{FF2B5EF4-FFF2-40B4-BE49-F238E27FC236}">
-                  <a16:creationId xmlns:a16="http://schemas.microsoft.com/office/drawing/2014/main" xmlns="" id="{7DED8486-E1FD-814E-B2DE-F488A3CEA671}"/>
+                  <a16:creationId xmlns="" xmlns:a16="http://schemas.microsoft.com/office/drawing/2014/main" id="{7DED8486-E1FD-814E-B2DE-F488A3CEA671}"/>
                 </a:ext>
               </a:extLst>
             </p:cNvPr>
@@ -6310,7 +6312,7 @@
             <p:cNvPr id="23" name="箭號: 五邊形 12">
               <a:extLst>
                 <a:ext uri="{FF2B5EF4-FFF2-40B4-BE49-F238E27FC236}">
-                  <a16:creationId xmlns:a16="http://schemas.microsoft.com/office/drawing/2014/main" xmlns="" id="{8C392F49-5181-FA4B-9412-A387B34C316C}"/>
+                  <a16:creationId xmlns="" xmlns:a16="http://schemas.microsoft.com/office/drawing/2014/main" id="{8C392F49-5181-FA4B-9412-A387B34C316C}"/>
                 </a:ext>
               </a:extLst>
             </p:cNvPr>
@@ -6369,7 +6371,7 @@
             <p:cNvPr id="26" name="箭號: 五邊形 12">
               <a:extLst>
                 <a:ext uri="{FF2B5EF4-FFF2-40B4-BE49-F238E27FC236}">
-                  <a16:creationId xmlns:a16="http://schemas.microsoft.com/office/drawing/2014/main" xmlns="" id="{A2A2AEE9-8884-2D45-AA3A-3CE8B669A441}"/>
+                  <a16:creationId xmlns="" xmlns:a16="http://schemas.microsoft.com/office/drawing/2014/main" id="{A2A2AEE9-8884-2D45-AA3A-3CE8B669A441}"/>
                 </a:ext>
               </a:extLst>
             </p:cNvPr>
@@ -6798,7 +6800,7 @@
           <p:cNvPr id="34" name="Text Placeholder 3">
             <a:extLst>
               <a:ext uri="{FF2B5EF4-FFF2-40B4-BE49-F238E27FC236}">
-                <a16:creationId xmlns:a16="http://schemas.microsoft.com/office/drawing/2014/main" xmlns="" id="{CB4F27FF-A5B2-0945-A886-8994C9CF0F9A}"/>
+                <a16:creationId xmlns="" xmlns:a16="http://schemas.microsoft.com/office/drawing/2014/main" id="{CB4F27FF-A5B2-0945-A886-8994C9CF0F9A}"/>
               </a:ext>
             </a:extLst>
           </p:cNvPr>
@@ -6852,7 +6854,7 @@
           <p:cNvPr id="35" name="Content Placeholder 5">
             <a:extLst>
               <a:ext uri="{FF2B5EF4-FFF2-40B4-BE49-F238E27FC236}">
-                <a16:creationId xmlns:a16="http://schemas.microsoft.com/office/drawing/2014/main" xmlns="" id="{1CE5651F-F4F6-9D45-A553-66B6FFCA522B}"/>
+                <a16:creationId xmlns="" xmlns:a16="http://schemas.microsoft.com/office/drawing/2014/main" id="{1CE5651F-F4F6-9D45-A553-66B6FFCA522B}"/>
               </a:ext>
             </a:extLst>
           </p:cNvPr>
@@ -6900,7 +6902,7 @@
           <p:cNvPr id="6" name="Picture 5">
             <a:extLst>
               <a:ext uri="{FF2B5EF4-FFF2-40B4-BE49-F238E27FC236}">
-                <a16:creationId xmlns:a16="http://schemas.microsoft.com/office/drawing/2014/main" xmlns="" id="{5BB22815-3E3B-0B48-9DCA-B05C2D5B9D70}"/>
+                <a16:creationId xmlns="" xmlns:a16="http://schemas.microsoft.com/office/drawing/2014/main" id="{5BB22815-3E3B-0B48-9DCA-B05C2D5B9D70}"/>
               </a:ext>
             </a:extLst>
           </p:cNvPr>
@@ -7612,7 +7614,7 @@
           <p:cNvPr id="12" name="Group 11">
             <a:extLst>
               <a:ext uri="{FF2B5EF4-FFF2-40B4-BE49-F238E27FC236}">
-                <a16:creationId xmlns:a16="http://schemas.microsoft.com/office/drawing/2014/main" xmlns="" id="{FECCA331-FFA6-F840-9C60-BF25ACF3BDB5}"/>
+                <a16:creationId xmlns="" xmlns:a16="http://schemas.microsoft.com/office/drawing/2014/main" id="{FECCA331-FFA6-F840-9C60-BF25ACF3BDB5}"/>
               </a:ext>
             </a:extLst>
           </p:cNvPr>
@@ -7632,7 +7634,7 @@
             <p:cNvPr id="13" name="箭號: 五邊形 12">
               <a:extLst>
                 <a:ext uri="{FF2B5EF4-FFF2-40B4-BE49-F238E27FC236}">
-                  <a16:creationId xmlns:a16="http://schemas.microsoft.com/office/drawing/2014/main" xmlns="" id="{1ECC6466-4EFD-5345-BC17-67AB57731DB7}"/>
+                  <a16:creationId xmlns="" xmlns:a16="http://schemas.microsoft.com/office/drawing/2014/main" id="{1ECC6466-4EFD-5345-BC17-67AB57731DB7}"/>
                 </a:ext>
               </a:extLst>
             </p:cNvPr>
@@ -7684,7 +7686,7 @@
             <p:cNvPr id="14" name="箭號: 五邊形 12">
               <a:extLst>
                 <a:ext uri="{FF2B5EF4-FFF2-40B4-BE49-F238E27FC236}">
-                  <a16:creationId xmlns:a16="http://schemas.microsoft.com/office/drawing/2014/main" xmlns="" id="{6CF55724-0A99-E64A-AB4C-0938CB62E153}"/>
+                  <a16:creationId xmlns="" xmlns:a16="http://schemas.microsoft.com/office/drawing/2014/main" id="{6CF55724-0A99-E64A-AB4C-0938CB62E153}"/>
                 </a:ext>
               </a:extLst>
             </p:cNvPr>
@@ -7743,7 +7745,7 @@
             <p:cNvPr id="15" name="箭號: 五邊形 12">
               <a:extLst>
                 <a:ext uri="{FF2B5EF4-FFF2-40B4-BE49-F238E27FC236}">
-                  <a16:creationId xmlns:a16="http://schemas.microsoft.com/office/drawing/2014/main" xmlns="" id="{D65D1FB8-4CF4-8B4A-A307-6F7F618C0D88}"/>
+                  <a16:creationId xmlns="" xmlns:a16="http://schemas.microsoft.com/office/drawing/2014/main" id="{D65D1FB8-4CF4-8B4A-A307-6F7F618C0D88}"/>
                 </a:ext>
               </a:extLst>
             </p:cNvPr>
@@ -8052,7 +8054,7 @@
           <p:cNvPr id="5" name="Picture 4">
             <a:extLst>
               <a:ext uri="{FF2B5EF4-FFF2-40B4-BE49-F238E27FC236}">
-                <a16:creationId xmlns:a16="http://schemas.microsoft.com/office/drawing/2014/main" xmlns="" id="{33C27645-19DC-4542-810A-E94761D6E227}"/>
+                <a16:creationId xmlns="" xmlns:a16="http://schemas.microsoft.com/office/drawing/2014/main" id="{33C27645-19DC-4542-810A-E94761D6E227}"/>
               </a:ext>
             </a:extLst>
           </p:cNvPr>
@@ -8551,7 +8553,7 @@
           <p:cNvPr id="23" name="內容版面配置區 2">
             <a:extLst>
               <a:ext uri="{FF2B5EF4-FFF2-40B4-BE49-F238E27FC236}">
-                <a16:creationId xmlns:a16="http://schemas.microsoft.com/office/drawing/2014/main" xmlns="" id="{9D1178A4-A62F-AE47-B4FD-DFBDEBC0B7E1}"/>
+                <a16:creationId xmlns="" xmlns:a16="http://schemas.microsoft.com/office/drawing/2014/main" id="{9D1178A4-A62F-AE47-B4FD-DFBDEBC0B7E1}"/>
               </a:ext>
             </a:extLst>
           </p:cNvPr>
@@ -8698,7 +8700,7 @@
           <p:cNvPr id="24" name="內容版面配置區 2">
             <a:extLst>
               <a:ext uri="{FF2B5EF4-FFF2-40B4-BE49-F238E27FC236}">
-                <a16:creationId xmlns:a16="http://schemas.microsoft.com/office/drawing/2014/main" xmlns="" id="{18BDE748-AF06-9848-B53D-40087470A386}"/>
+                <a16:creationId xmlns="" xmlns:a16="http://schemas.microsoft.com/office/drawing/2014/main" id="{18BDE748-AF06-9848-B53D-40087470A386}"/>
               </a:ext>
             </a:extLst>
           </p:cNvPr>
@@ -9449,7 +9451,7 @@
           <p:cNvPr id="20" name="內容版面配置區 2">
             <a:extLst>
               <a:ext uri="{FF2B5EF4-FFF2-40B4-BE49-F238E27FC236}">
-                <a16:creationId xmlns:a16="http://schemas.microsoft.com/office/drawing/2014/main" xmlns="" id="{9A4A12A5-18A4-CA4A-8E68-97EAFD19927B}"/>
+                <a16:creationId xmlns="" xmlns:a16="http://schemas.microsoft.com/office/drawing/2014/main" id="{9A4A12A5-18A4-CA4A-8E68-97EAFD19927B}"/>
               </a:ext>
             </a:extLst>
           </p:cNvPr>
@@ -9596,7 +9598,7 @@
           <p:cNvPr id="21" name="內容版面配置區 2">
             <a:extLst>
               <a:ext uri="{FF2B5EF4-FFF2-40B4-BE49-F238E27FC236}">
-                <a16:creationId xmlns:a16="http://schemas.microsoft.com/office/drawing/2014/main" xmlns="" id="{E09B3CAD-22B9-BC48-9D7D-2345FF14DD38}"/>
+                <a16:creationId xmlns="" xmlns:a16="http://schemas.microsoft.com/office/drawing/2014/main" id="{E09B3CAD-22B9-BC48-9D7D-2345FF14DD38}"/>
               </a:ext>
             </a:extLst>
           </p:cNvPr>
@@ -10513,7 +10515,7 @@
           <p:cNvPr id="5" name="Group 4">
             <a:extLst>
               <a:ext uri="{FF2B5EF4-FFF2-40B4-BE49-F238E27FC236}">
-                <a16:creationId xmlns:a16="http://schemas.microsoft.com/office/drawing/2014/main" xmlns="" id="{4DADA6C2-E637-F642-95E5-0309E3EB9F41}"/>
+                <a16:creationId xmlns="" xmlns:a16="http://schemas.microsoft.com/office/drawing/2014/main" id="{4DADA6C2-E637-F642-95E5-0309E3EB9F41}"/>
               </a:ext>
             </a:extLst>
           </p:cNvPr>
@@ -10533,7 +10535,7 @@
             <p:cNvPr id="17" name="箭號: 五邊形 12">
               <a:extLst>
                 <a:ext uri="{FF2B5EF4-FFF2-40B4-BE49-F238E27FC236}">
-                  <a16:creationId xmlns:a16="http://schemas.microsoft.com/office/drawing/2014/main" xmlns="" id="{C3424005-2947-5749-B94D-7EE01D59B97D}"/>
+                  <a16:creationId xmlns="" xmlns:a16="http://schemas.microsoft.com/office/drawing/2014/main" id="{C3424005-2947-5749-B94D-7EE01D59B97D}"/>
                 </a:ext>
               </a:extLst>
             </p:cNvPr>
@@ -10585,7 +10587,7 @@
             <p:cNvPr id="16" name="箭號: 五邊形 12">
               <a:extLst>
                 <a:ext uri="{FF2B5EF4-FFF2-40B4-BE49-F238E27FC236}">
-                  <a16:creationId xmlns:a16="http://schemas.microsoft.com/office/drawing/2014/main" xmlns="" id="{78B68587-E393-9C46-A4CA-137BCC2B13AD}"/>
+                  <a16:creationId xmlns="" xmlns:a16="http://schemas.microsoft.com/office/drawing/2014/main" id="{78B68587-E393-9C46-A4CA-137BCC2B13AD}"/>
                 </a:ext>
               </a:extLst>
             </p:cNvPr>
@@ -11053,7 +11055,7 @@
           <p:cNvPr id="18" name="內容版面配置區 2">
             <a:extLst>
               <a:ext uri="{FF2B5EF4-FFF2-40B4-BE49-F238E27FC236}">
-                <a16:creationId xmlns:a16="http://schemas.microsoft.com/office/drawing/2014/main" xmlns="" id="{BB9680E6-3D9F-FF42-BA19-F206A773FE60}"/>
+                <a16:creationId xmlns="" xmlns:a16="http://schemas.microsoft.com/office/drawing/2014/main" id="{BB9680E6-3D9F-FF42-BA19-F206A773FE60}"/>
               </a:ext>
             </a:extLst>
           </p:cNvPr>
@@ -11238,7 +11240,7 @@
           <p:cNvPr id="15" name="Group 14">
             <a:extLst>
               <a:ext uri="{FF2B5EF4-FFF2-40B4-BE49-F238E27FC236}">
-                <a16:creationId xmlns:a16="http://schemas.microsoft.com/office/drawing/2014/main" xmlns="" id="{7108562A-19D8-3347-A5CB-8FD2094D2AC6}"/>
+                <a16:creationId xmlns="" xmlns:a16="http://schemas.microsoft.com/office/drawing/2014/main" id="{7108562A-19D8-3347-A5CB-8FD2094D2AC6}"/>
               </a:ext>
             </a:extLst>
           </p:cNvPr>
@@ -11258,7 +11260,7 @@
             <p:cNvPr id="16" name="箭號: 五邊形 12">
               <a:extLst>
                 <a:ext uri="{FF2B5EF4-FFF2-40B4-BE49-F238E27FC236}">
-                  <a16:creationId xmlns:a16="http://schemas.microsoft.com/office/drawing/2014/main" xmlns="" id="{0350FA7D-8512-F24E-9F36-7F4296D197F2}"/>
+                  <a16:creationId xmlns="" xmlns:a16="http://schemas.microsoft.com/office/drawing/2014/main" id="{0350FA7D-8512-F24E-9F36-7F4296D197F2}"/>
                 </a:ext>
               </a:extLst>
             </p:cNvPr>
@@ -11310,7 +11312,7 @@
             <p:cNvPr id="17" name="箭號: 五邊形 12">
               <a:extLst>
                 <a:ext uri="{FF2B5EF4-FFF2-40B4-BE49-F238E27FC236}">
-                  <a16:creationId xmlns:a16="http://schemas.microsoft.com/office/drawing/2014/main" xmlns="" id="{125DE2BA-1E8B-2447-AEBE-4BDB2873316E}"/>
+                  <a16:creationId xmlns="" xmlns:a16="http://schemas.microsoft.com/office/drawing/2014/main" id="{125DE2BA-1E8B-2447-AEBE-4BDB2873316E}"/>
                 </a:ext>
               </a:extLst>
             </p:cNvPr>
@@ -11369,7 +11371,7 @@
             <p:cNvPr id="18" name="箭號: 五邊形 12">
               <a:extLst>
                 <a:ext uri="{FF2B5EF4-FFF2-40B4-BE49-F238E27FC236}">
-                  <a16:creationId xmlns:a16="http://schemas.microsoft.com/office/drawing/2014/main" xmlns="" id="{467877CF-B77C-BE4F-8D6F-89063BBFC3DE}"/>
+                  <a16:creationId xmlns="" xmlns:a16="http://schemas.microsoft.com/office/drawing/2014/main" id="{467877CF-B77C-BE4F-8D6F-89063BBFC3DE}"/>
                 </a:ext>
               </a:extLst>
             </p:cNvPr>
@@ -11732,7 +11734,7 @@
           <p:cNvPr id="22" name="標題 1">
             <a:extLst>
               <a:ext uri="{FF2B5EF4-FFF2-40B4-BE49-F238E27FC236}">
-                <a16:creationId xmlns:a16="http://schemas.microsoft.com/office/drawing/2014/main" xmlns="" id="{6E193196-9107-784C-A964-C67153D060CB}"/>
+                <a16:creationId xmlns="" xmlns:a16="http://schemas.microsoft.com/office/drawing/2014/main" id="{6E193196-9107-784C-A964-C67153D060CB}"/>
               </a:ext>
             </a:extLst>
           </p:cNvPr>
@@ -11775,7 +11777,7 @@
           <p:cNvPr id="24" name="文字版面配置區 3">
             <a:extLst>
               <a:ext uri="{FF2B5EF4-FFF2-40B4-BE49-F238E27FC236}">
-                <a16:creationId xmlns:a16="http://schemas.microsoft.com/office/drawing/2014/main" xmlns="" id="{5922BEEB-F3AC-E443-B34D-CE264A982284}"/>
+                <a16:creationId xmlns="" xmlns:a16="http://schemas.microsoft.com/office/drawing/2014/main" id="{5922BEEB-F3AC-E443-B34D-CE264A982284}"/>
               </a:ext>
             </a:extLst>
           </p:cNvPr>
@@ -21070,15 +21072,7 @@
                 <a:ea typeface="Times New Roman" charset="0"/>
                 <a:cs typeface="Times New Roman" charset="0"/>
               </a:rPr>
-              <a:t> Transmission </a:t>
-            </a:r>
-            <a:r>
-              <a:rPr lang="en-US" altLang="zh-TW" sz="3200" b="1" dirty="0" smtClean="0">
-                <a:latin typeface="Times New Roman" charset="0"/>
-                <a:ea typeface="Times New Roman" charset="0"/>
-                <a:cs typeface="Times New Roman" charset="0"/>
-              </a:rPr>
-              <a:t>Equation</a:t>
+              <a:t> Transmission Equation</a:t>
             </a:r>
           </a:p>
           <a:p>
@@ -21110,11 +21104,6 @@
               </a:rPr>
               <a:t>Reference</a:t>
             </a:r>
-            <a:endParaRPr lang="en-US" altLang="zh-TW" sz="3200" b="1" dirty="0" smtClean="0">
-              <a:latin typeface="Times New Roman" charset="0"/>
-              <a:ea typeface="Times New Roman" charset="0"/>
-              <a:cs typeface="Times New Roman" charset="0"/>
-            </a:endParaRPr>
           </a:p>
           <a:p>
             <a:endParaRPr lang="zh-TW" altLang="en-US" dirty="0"/>
@@ -26615,6 +26604,131 @@
       </p:par>
     </p:tnLst>
   </p:timing>
+</p:sld>
+</file>
+
+<file path=ppt/slides/slide34.xml><?xml version="1.0" encoding="utf-8"?>
+<p:sld xmlns:a="http://schemas.openxmlformats.org/drawingml/2006/main" xmlns:r="http://schemas.openxmlformats.org/officeDocument/2006/relationships" xmlns:p="http://schemas.openxmlformats.org/presentationml/2006/main">
+  <p:cSld>
+    <p:spTree>
+      <p:nvGrpSpPr>
+        <p:cNvPr id="1" name=""/>
+        <p:cNvGrpSpPr/>
+        <p:nvPr/>
+      </p:nvGrpSpPr>
+      <p:grpSpPr>
+        <a:xfrm>
+          <a:off x="0" y="0"/>
+          <a:ext cx="0" cy="0"/>
+          <a:chOff x="0" y="0"/>
+          <a:chExt cx="0" cy="0"/>
+        </a:xfrm>
+      </p:grpSpPr>
+      <p:sp>
+        <p:nvSpPr>
+          <p:cNvPr id="2" name="投影片編號版面配置區 1"/>
+          <p:cNvSpPr>
+            <a:spLocks noGrp="1"/>
+          </p:cNvSpPr>
+          <p:nvPr>
+            <p:ph type="sldNum" sz="quarter" idx="12"/>
+          </p:nvPr>
+        </p:nvSpPr>
+        <p:spPr/>
+        <p:txBody>
+          <a:bodyPr/>
+          <a:lstStyle/>
+          <a:p>
+            <a:fld id="{3EBBE1F4-AE36-AD42-8177-96288CD18AD2}" type="slidenum">
+              <a:rPr lang="en-US" smtClean="0"/>
+              <a:t>34</a:t>
+            </a:fld>
+            <a:endParaRPr lang="en-US"/>
+          </a:p>
+        </p:txBody>
+      </p:sp>
+      <p:pic>
+        <p:nvPicPr>
+          <p:cNvPr id="3" name="圖片 2"/>
+          <p:cNvPicPr>
+            <a:picLocks noChangeAspect="1"/>
+          </p:cNvPicPr>
+          <p:nvPr/>
+        </p:nvPicPr>
+        <p:blipFill>
+          <a:blip r:embed="rId2">
+            <a:extLst>
+              <a:ext uri="{28A0092B-C50C-407E-A947-70E740481C1C}">
+                <a14:useLocalDpi xmlns:a14="http://schemas.microsoft.com/office/drawing/2010/main" val="0"/>
+              </a:ext>
+            </a:extLst>
+          </a:blip>
+          <a:stretch>
+            <a:fillRect/>
+          </a:stretch>
+        </p:blipFill>
+        <p:spPr>
+          <a:xfrm>
+            <a:off x="737284" y="238362"/>
+            <a:ext cx="4663575" cy="6136282"/>
+          </a:xfrm>
+          <a:prstGeom prst="rect">
+            <a:avLst/>
+          </a:prstGeom>
+        </p:spPr>
+      </p:pic>
+      <p:pic>
+        <p:nvPicPr>
+          <p:cNvPr id="4" name="圖片 3"/>
+          <p:cNvPicPr>
+            <a:picLocks noChangeAspect="1"/>
+          </p:cNvPicPr>
+          <p:nvPr/>
+        </p:nvPicPr>
+        <p:blipFill>
+          <a:blip r:embed="rId3">
+            <a:extLst>
+              <a:ext uri="{28A0092B-C50C-407E-A947-70E740481C1C}">
+                <a14:useLocalDpi xmlns:a14="http://schemas.microsoft.com/office/drawing/2010/main" val="0"/>
+              </a:ext>
+            </a:extLst>
+          </a:blip>
+          <a:stretch>
+            <a:fillRect/>
+          </a:stretch>
+        </p:blipFill>
+        <p:spPr>
+          <a:xfrm>
+            <a:off x="6039853" y="238362"/>
+            <a:ext cx="4778541" cy="6136281"/>
+          </a:xfrm>
+          <a:prstGeom prst="rect">
+            <a:avLst/>
+          </a:prstGeom>
+        </p:spPr>
+      </p:pic>
+    </p:spTree>
+    <p:extLst>
+      <p:ext uri="{BB962C8B-B14F-4D97-AF65-F5344CB8AC3E}">
+        <p14:creationId xmlns:p14="http://schemas.microsoft.com/office/powerpoint/2010/main" val="598227743"/>
+      </p:ext>
+    </p:extLst>
+  </p:cSld>
+  <p:clrMapOvr>
+    <a:masterClrMapping/>
+  </p:clrMapOvr>
+  <mc:AlternateContent xmlns:mc="http://schemas.openxmlformats.org/markup-compatibility/2006">
+    <mc:Choice xmlns:p14="http://schemas.microsoft.com/office/powerpoint/2010/main" Requires="p14">
+      <p:transition spd="med" p14:dur="700">
+        <p:fade/>
+      </p:transition>
+    </mc:Choice>
+    <mc:Fallback>
+      <p:transition spd="med">
+        <p:fade/>
+      </p:transition>
+    </mc:Fallback>
+  </mc:AlternateContent>
 </p:sld>
 </file>
 

--- a/Freshman_Training_Signal.pptx
+++ b/Freshman_Training_Signal.pptx
@@ -284,7 +284,7 @@
           <a:p>
             <a:fld id="{D417A10C-87C9-49E5-AE05-110105D8C539}" type="datetimeFigureOut">
               <a:rPr lang="zh-TW" altLang="en-US" smtClean="0"/>
-              <a:t>2018/8/7</a:t>
+              <a:t>2018/8/12</a:t>
             </a:fld>
             <a:endParaRPr lang="zh-TW" altLang="en-US"/>
           </a:p>
@@ -4266,7 +4266,7 @@
           <p:cNvPr id="20" name="Group 19">
             <a:extLst>
               <a:ext uri="{FF2B5EF4-FFF2-40B4-BE49-F238E27FC236}">
-                <a16:creationId xmlns="" xmlns:a16="http://schemas.microsoft.com/office/drawing/2014/main" id="{C3ED851A-5624-9445-94A3-FC256390EFF0}"/>
+                <a16:creationId xmlns:a16="http://schemas.microsoft.com/office/drawing/2014/main" xmlns="" id="{C3ED851A-5624-9445-94A3-FC256390EFF0}"/>
               </a:ext>
             </a:extLst>
           </p:cNvPr>
@@ -4286,7 +4286,7 @@
             <p:cNvPr id="21" name="箭號: 五邊形 12">
               <a:extLst>
                 <a:ext uri="{FF2B5EF4-FFF2-40B4-BE49-F238E27FC236}">
-                  <a16:creationId xmlns="" xmlns:a16="http://schemas.microsoft.com/office/drawing/2014/main" id="{7DED8486-E1FD-814E-B2DE-F488A3CEA671}"/>
+                  <a16:creationId xmlns:a16="http://schemas.microsoft.com/office/drawing/2014/main" xmlns="" id="{7DED8486-E1FD-814E-B2DE-F488A3CEA671}"/>
                 </a:ext>
               </a:extLst>
             </p:cNvPr>
@@ -4338,7 +4338,7 @@
             <p:cNvPr id="23" name="箭號: 五邊形 12">
               <a:extLst>
                 <a:ext uri="{FF2B5EF4-FFF2-40B4-BE49-F238E27FC236}">
-                  <a16:creationId xmlns="" xmlns:a16="http://schemas.microsoft.com/office/drawing/2014/main" id="{8C392F49-5181-FA4B-9412-A387B34C316C}"/>
+                  <a16:creationId xmlns:a16="http://schemas.microsoft.com/office/drawing/2014/main" xmlns="" id="{8C392F49-5181-FA4B-9412-A387B34C316C}"/>
                 </a:ext>
               </a:extLst>
             </p:cNvPr>
@@ -4397,7 +4397,7 @@
             <p:cNvPr id="26" name="箭號: 五邊形 12">
               <a:extLst>
                 <a:ext uri="{FF2B5EF4-FFF2-40B4-BE49-F238E27FC236}">
-                  <a16:creationId xmlns="" xmlns:a16="http://schemas.microsoft.com/office/drawing/2014/main" id="{A2A2AEE9-8884-2D45-AA3A-3CE8B669A441}"/>
+                  <a16:creationId xmlns:a16="http://schemas.microsoft.com/office/drawing/2014/main" xmlns="" id="{A2A2AEE9-8884-2D45-AA3A-3CE8B669A441}"/>
                 </a:ext>
               </a:extLst>
             </p:cNvPr>
@@ -4826,7 +4826,7 @@
           <p:cNvPr id="34" name="Text Placeholder 3">
             <a:extLst>
               <a:ext uri="{FF2B5EF4-FFF2-40B4-BE49-F238E27FC236}">
-                <a16:creationId xmlns="" xmlns:a16="http://schemas.microsoft.com/office/drawing/2014/main" id="{CB4F27FF-A5B2-0945-A886-8994C9CF0F9A}"/>
+                <a16:creationId xmlns:a16="http://schemas.microsoft.com/office/drawing/2014/main" xmlns="" id="{CB4F27FF-A5B2-0945-A886-8994C9CF0F9A}"/>
               </a:ext>
             </a:extLst>
           </p:cNvPr>
@@ -4880,7 +4880,7 @@
           <p:cNvPr id="35" name="Content Placeholder 5">
             <a:extLst>
               <a:ext uri="{FF2B5EF4-FFF2-40B4-BE49-F238E27FC236}">
-                <a16:creationId xmlns="" xmlns:a16="http://schemas.microsoft.com/office/drawing/2014/main" id="{1CE5651F-F4F6-9D45-A553-66B6FFCA522B}"/>
+                <a16:creationId xmlns:a16="http://schemas.microsoft.com/office/drawing/2014/main" xmlns="" id="{1CE5651F-F4F6-9D45-A553-66B6FFCA522B}"/>
               </a:ext>
             </a:extLst>
           </p:cNvPr>
@@ -4928,7 +4928,7 @@
           <p:cNvPr id="6" name="Picture 5">
             <a:extLst>
               <a:ext uri="{FF2B5EF4-FFF2-40B4-BE49-F238E27FC236}">
-                <a16:creationId xmlns="" xmlns:a16="http://schemas.microsoft.com/office/drawing/2014/main" id="{5BB22815-3E3B-0B48-9DCA-B05C2D5B9D70}"/>
+                <a16:creationId xmlns:a16="http://schemas.microsoft.com/office/drawing/2014/main" xmlns="" id="{5BB22815-3E3B-0B48-9DCA-B05C2D5B9D70}"/>
               </a:ext>
             </a:extLst>
           </p:cNvPr>
@@ -6030,7 +6030,7 @@
           <p:cNvPr id="15" name="直排文字版面配置區 2">
             <a:extLst>
               <a:ext uri="{FF2B5EF4-FFF2-40B4-BE49-F238E27FC236}">
-                <a16:creationId xmlns="" xmlns:a16="http://schemas.microsoft.com/office/drawing/2014/main" id="{5B0754CD-A593-D647-8F43-33A88CDADB61}"/>
+                <a16:creationId xmlns:a16="http://schemas.microsoft.com/office/drawing/2014/main" xmlns="" id="{5B0754CD-A593-D647-8F43-33A88CDADB61}"/>
               </a:ext>
             </a:extLst>
           </p:cNvPr>
@@ -6240,7 +6240,7 @@
           <p:cNvPr id="20" name="Group 19">
             <a:extLst>
               <a:ext uri="{FF2B5EF4-FFF2-40B4-BE49-F238E27FC236}">
-                <a16:creationId xmlns="" xmlns:a16="http://schemas.microsoft.com/office/drawing/2014/main" id="{C3ED851A-5624-9445-94A3-FC256390EFF0}"/>
+                <a16:creationId xmlns:a16="http://schemas.microsoft.com/office/drawing/2014/main" xmlns="" id="{C3ED851A-5624-9445-94A3-FC256390EFF0}"/>
               </a:ext>
             </a:extLst>
           </p:cNvPr>
@@ -6260,7 +6260,7 @@
             <p:cNvPr id="21" name="箭號: 五邊形 12">
               <a:extLst>
                 <a:ext uri="{FF2B5EF4-FFF2-40B4-BE49-F238E27FC236}">
-                  <a16:creationId xmlns="" xmlns:a16="http://schemas.microsoft.com/office/drawing/2014/main" id="{7DED8486-E1FD-814E-B2DE-F488A3CEA671}"/>
+                  <a16:creationId xmlns:a16="http://schemas.microsoft.com/office/drawing/2014/main" xmlns="" id="{7DED8486-E1FD-814E-B2DE-F488A3CEA671}"/>
                 </a:ext>
               </a:extLst>
             </p:cNvPr>
@@ -6312,7 +6312,7 @@
             <p:cNvPr id="23" name="箭號: 五邊形 12">
               <a:extLst>
                 <a:ext uri="{FF2B5EF4-FFF2-40B4-BE49-F238E27FC236}">
-                  <a16:creationId xmlns="" xmlns:a16="http://schemas.microsoft.com/office/drawing/2014/main" id="{8C392F49-5181-FA4B-9412-A387B34C316C}"/>
+                  <a16:creationId xmlns:a16="http://schemas.microsoft.com/office/drawing/2014/main" xmlns="" id="{8C392F49-5181-FA4B-9412-A387B34C316C}"/>
                 </a:ext>
               </a:extLst>
             </p:cNvPr>
@@ -6371,7 +6371,7 @@
             <p:cNvPr id="26" name="箭號: 五邊形 12">
               <a:extLst>
                 <a:ext uri="{FF2B5EF4-FFF2-40B4-BE49-F238E27FC236}">
-                  <a16:creationId xmlns="" xmlns:a16="http://schemas.microsoft.com/office/drawing/2014/main" id="{A2A2AEE9-8884-2D45-AA3A-3CE8B669A441}"/>
+                  <a16:creationId xmlns:a16="http://schemas.microsoft.com/office/drawing/2014/main" xmlns="" id="{A2A2AEE9-8884-2D45-AA3A-3CE8B669A441}"/>
                 </a:ext>
               </a:extLst>
             </p:cNvPr>
@@ -6800,7 +6800,7 @@
           <p:cNvPr id="34" name="Text Placeholder 3">
             <a:extLst>
               <a:ext uri="{FF2B5EF4-FFF2-40B4-BE49-F238E27FC236}">
-                <a16:creationId xmlns="" xmlns:a16="http://schemas.microsoft.com/office/drawing/2014/main" id="{CB4F27FF-A5B2-0945-A886-8994C9CF0F9A}"/>
+                <a16:creationId xmlns:a16="http://schemas.microsoft.com/office/drawing/2014/main" xmlns="" id="{CB4F27FF-A5B2-0945-A886-8994C9CF0F9A}"/>
               </a:ext>
             </a:extLst>
           </p:cNvPr>
@@ -6854,7 +6854,7 @@
           <p:cNvPr id="35" name="Content Placeholder 5">
             <a:extLst>
               <a:ext uri="{FF2B5EF4-FFF2-40B4-BE49-F238E27FC236}">
-                <a16:creationId xmlns="" xmlns:a16="http://schemas.microsoft.com/office/drawing/2014/main" id="{1CE5651F-F4F6-9D45-A553-66B6FFCA522B}"/>
+                <a16:creationId xmlns:a16="http://schemas.microsoft.com/office/drawing/2014/main" xmlns="" id="{1CE5651F-F4F6-9D45-A553-66B6FFCA522B}"/>
               </a:ext>
             </a:extLst>
           </p:cNvPr>
@@ -6902,7 +6902,7 @@
           <p:cNvPr id="6" name="Picture 5">
             <a:extLst>
               <a:ext uri="{FF2B5EF4-FFF2-40B4-BE49-F238E27FC236}">
-                <a16:creationId xmlns="" xmlns:a16="http://schemas.microsoft.com/office/drawing/2014/main" id="{5BB22815-3E3B-0B48-9DCA-B05C2D5B9D70}"/>
+                <a16:creationId xmlns:a16="http://schemas.microsoft.com/office/drawing/2014/main" xmlns="" id="{5BB22815-3E3B-0B48-9DCA-B05C2D5B9D70}"/>
               </a:ext>
             </a:extLst>
           </p:cNvPr>
@@ -7614,7 +7614,7 @@
           <p:cNvPr id="12" name="Group 11">
             <a:extLst>
               <a:ext uri="{FF2B5EF4-FFF2-40B4-BE49-F238E27FC236}">
-                <a16:creationId xmlns="" xmlns:a16="http://schemas.microsoft.com/office/drawing/2014/main" id="{FECCA331-FFA6-F840-9C60-BF25ACF3BDB5}"/>
+                <a16:creationId xmlns:a16="http://schemas.microsoft.com/office/drawing/2014/main" xmlns="" id="{FECCA331-FFA6-F840-9C60-BF25ACF3BDB5}"/>
               </a:ext>
             </a:extLst>
           </p:cNvPr>
@@ -7634,7 +7634,7 @@
             <p:cNvPr id="13" name="箭號: 五邊形 12">
               <a:extLst>
                 <a:ext uri="{FF2B5EF4-FFF2-40B4-BE49-F238E27FC236}">
-                  <a16:creationId xmlns="" xmlns:a16="http://schemas.microsoft.com/office/drawing/2014/main" id="{1ECC6466-4EFD-5345-BC17-67AB57731DB7}"/>
+                  <a16:creationId xmlns:a16="http://schemas.microsoft.com/office/drawing/2014/main" xmlns="" id="{1ECC6466-4EFD-5345-BC17-67AB57731DB7}"/>
                 </a:ext>
               </a:extLst>
             </p:cNvPr>
@@ -7686,7 +7686,7 @@
             <p:cNvPr id="14" name="箭號: 五邊形 12">
               <a:extLst>
                 <a:ext uri="{FF2B5EF4-FFF2-40B4-BE49-F238E27FC236}">
-                  <a16:creationId xmlns="" xmlns:a16="http://schemas.microsoft.com/office/drawing/2014/main" id="{6CF55724-0A99-E64A-AB4C-0938CB62E153}"/>
+                  <a16:creationId xmlns:a16="http://schemas.microsoft.com/office/drawing/2014/main" xmlns="" id="{6CF55724-0A99-E64A-AB4C-0938CB62E153}"/>
                 </a:ext>
               </a:extLst>
             </p:cNvPr>
@@ -7745,7 +7745,7 @@
             <p:cNvPr id="15" name="箭號: 五邊形 12">
               <a:extLst>
                 <a:ext uri="{FF2B5EF4-FFF2-40B4-BE49-F238E27FC236}">
-                  <a16:creationId xmlns="" xmlns:a16="http://schemas.microsoft.com/office/drawing/2014/main" id="{D65D1FB8-4CF4-8B4A-A307-6F7F618C0D88}"/>
+                  <a16:creationId xmlns:a16="http://schemas.microsoft.com/office/drawing/2014/main" xmlns="" id="{D65D1FB8-4CF4-8B4A-A307-6F7F618C0D88}"/>
                 </a:ext>
               </a:extLst>
             </p:cNvPr>
@@ -8054,7 +8054,7 @@
           <p:cNvPr id="5" name="Picture 4">
             <a:extLst>
               <a:ext uri="{FF2B5EF4-FFF2-40B4-BE49-F238E27FC236}">
-                <a16:creationId xmlns="" xmlns:a16="http://schemas.microsoft.com/office/drawing/2014/main" id="{33C27645-19DC-4542-810A-E94761D6E227}"/>
+                <a16:creationId xmlns:a16="http://schemas.microsoft.com/office/drawing/2014/main" xmlns="" id="{33C27645-19DC-4542-810A-E94761D6E227}"/>
               </a:ext>
             </a:extLst>
           </p:cNvPr>
@@ -8553,7 +8553,7 @@
           <p:cNvPr id="23" name="內容版面配置區 2">
             <a:extLst>
               <a:ext uri="{FF2B5EF4-FFF2-40B4-BE49-F238E27FC236}">
-                <a16:creationId xmlns="" xmlns:a16="http://schemas.microsoft.com/office/drawing/2014/main" id="{9D1178A4-A62F-AE47-B4FD-DFBDEBC0B7E1}"/>
+                <a16:creationId xmlns:a16="http://schemas.microsoft.com/office/drawing/2014/main" xmlns="" id="{9D1178A4-A62F-AE47-B4FD-DFBDEBC0B7E1}"/>
               </a:ext>
             </a:extLst>
           </p:cNvPr>
@@ -8700,7 +8700,7 @@
           <p:cNvPr id="24" name="內容版面配置區 2">
             <a:extLst>
               <a:ext uri="{FF2B5EF4-FFF2-40B4-BE49-F238E27FC236}">
-                <a16:creationId xmlns="" xmlns:a16="http://schemas.microsoft.com/office/drawing/2014/main" id="{18BDE748-AF06-9848-B53D-40087470A386}"/>
+                <a16:creationId xmlns:a16="http://schemas.microsoft.com/office/drawing/2014/main" xmlns="" id="{18BDE748-AF06-9848-B53D-40087470A386}"/>
               </a:ext>
             </a:extLst>
           </p:cNvPr>
@@ -9451,7 +9451,7 @@
           <p:cNvPr id="20" name="內容版面配置區 2">
             <a:extLst>
               <a:ext uri="{FF2B5EF4-FFF2-40B4-BE49-F238E27FC236}">
-                <a16:creationId xmlns="" xmlns:a16="http://schemas.microsoft.com/office/drawing/2014/main" id="{9A4A12A5-18A4-CA4A-8E68-97EAFD19927B}"/>
+                <a16:creationId xmlns:a16="http://schemas.microsoft.com/office/drawing/2014/main" xmlns="" id="{9A4A12A5-18A4-CA4A-8E68-97EAFD19927B}"/>
               </a:ext>
             </a:extLst>
           </p:cNvPr>
@@ -9598,7 +9598,7 @@
           <p:cNvPr id="21" name="內容版面配置區 2">
             <a:extLst>
               <a:ext uri="{FF2B5EF4-FFF2-40B4-BE49-F238E27FC236}">
-                <a16:creationId xmlns="" xmlns:a16="http://schemas.microsoft.com/office/drawing/2014/main" id="{E09B3CAD-22B9-BC48-9D7D-2345FF14DD38}"/>
+                <a16:creationId xmlns:a16="http://schemas.microsoft.com/office/drawing/2014/main" xmlns="" id="{E09B3CAD-22B9-BC48-9D7D-2345FF14DD38}"/>
               </a:ext>
             </a:extLst>
           </p:cNvPr>
@@ -10515,7 +10515,7 @@
           <p:cNvPr id="5" name="Group 4">
             <a:extLst>
               <a:ext uri="{FF2B5EF4-FFF2-40B4-BE49-F238E27FC236}">
-                <a16:creationId xmlns="" xmlns:a16="http://schemas.microsoft.com/office/drawing/2014/main" id="{4DADA6C2-E637-F642-95E5-0309E3EB9F41}"/>
+                <a16:creationId xmlns:a16="http://schemas.microsoft.com/office/drawing/2014/main" xmlns="" id="{4DADA6C2-E637-F642-95E5-0309E3EB9F41}"/>
               </a:ext>
             </a:extLst>
           </p:cNvPr>
@@ -10535,7 +10535,7 @@
             <p:cNvPr id="17" name="箭號: 五邊形 12">
               <a:extLst>
                 <a:ext uri="{FF2B5EF4-FFF2-40B4-BE49-F238E27FC236}">
-                  <a16:creationId xmlns="" xmlns:a16="http://schemas.microsoft.com/office/drawing/2014/main" id="{C3424005-2947-5749-B94D-7EE01D59B97D}"/>
+                  <a16:creationId xmlns:a16="http://schemas.microsoft.com/office/drawing/2014/main" xmlns="" id="{C3424005-2947-5749-B94D-7EE01D59B97D}"/>
                 </a:ext>
               </a:extLst>
             </p:cNvPr>
@@ -10587,7 +10587,7 @@
             <p:cNvPr id="16" name="箭號: 五邊形 12">
               <a:extLst>
                 <a:ext uri="{FF2B5EF4-FFF2-40B4-BE49-F238E27FC236}">
-                  <a16:creationId xmlns="" xmlns:a16="http://schemas.microsoft.com/office/drawing/2014/main" id="{78B68587-E393-9C46-A4CA-137BCC2B13AD}"/>
+                  <a16:creationId xmlns:a16="http://schemas.microsoft.com/office/drawing/2014/main" xmlns="" id="{78B68587-E393-9C46-A4CA-137BCC2B13AD}"/>
                 </a:ext>
               </a:extLst>
             </p:cNvPr>
@@ -11055,7 +11055,7 @@
           <p:cNvPr id="18" name="內容版面配置區 2">
             <a:extLst>
               <a:ext uri="{FF2B5EF4-FFF2-40B4-BE49-F238E27FC236}">
-                <a16:creationId xmlns="" xmlns:a16="http://schemas.microsoft.com/office/drawing/2014/main" id="{BB9680E6-3D9F-FF42-BA19-F206A773FE60}"/>
+                <a16:creationId xmlns:a16="http://schemas.microsoft.com/office/drawing/2014/main" xmlns="" id="{BB9680E6-3D9F-FF42-BA19-F206A773FE60}"/>
               </a:ext>
             </a:extLst>
           </p:cNvPr>
@@ -11240,7 +11240,7 @@
           <p:cNvPr id="15" name="Group 14">
             <a:extLst>
               <a:ext uri="{FF2B5EF4-FFF2-40B4-BE49-F238E27FC236}">
-                <a16:creationId xmlns="" xmlns:a16="http://schemas.microsoft.com/office/drawing/2014/main" id="{7108562A-19D8-3347-A5CB-8FD2094D2AC6}"/>
+                <a16:creationId xmlns:a16="http://schemas.microsoft.com/office/drawing/2014/main" xmlns="" id="{7108562A-19D8-3347-A5CB-8FD2094D2AC6}"/>
               </a:ext>
             </a:extLst>
           </p:cNvPr>
@@ -11260,7 +11260,7 @@
             <p:cNvPr id="16" name="箭號: 五邊形 12">
               <a:extLst>
                 <a:ext uri="{FF2B5EF4-FFF2-40B4-BE49-F238E27FC236}">
-                  <a16:creationId xmlns="" xmlns:a16="http://schemas.microsoft.com/office/drawing/2014/main" id="{0350FA7D-8512-F24E-9F36-7F4296D197F2}"/>
+                  <a16:creationId xmlns:a16="http://schemas.microsoft.com/office/drawing/2014/main" xmlns="" id="{0350FA7D-8512-F24E-9F36-7F4296D197F2}"/>
                 </a:ext>
               </a:extLst>
             </p:cNvPr>
@@ -11312,7 +11312,7 @@
             <p:cNvPr id="17" name="箭號: 五邊形 12">
               <a:extLst>
                 <a:ext uri="{FF2B5EF4-FFF2-40B4-BE49-F238E27FC236}">
-                  <a16:creationId xmlns="" xmlns:a16="http://schemas.microsoft.com/office/drawing/2014/main" id="{125DE2BA-1E8B-2447-AEBE-4BDB2873316E}"/>
+                  <a16:creationId xmlns:a16="http://schemas.microsoft.com/office/drawing/2014/main" xmlns="" id="{125DE2BA-1E8B-2447-AEBE-4BDB2873316E}"/>
                 </a:ext>
               </a:extLst>
             </p:cNvPr>
@@ -11371,7 +11371,7 @@
             <p:cNvPr id="18" name="箭號: 五邊形 12">
               <a:extLst>
                 <a:ext uri="{FF2B5EF4-FFF2-40B4-BE49-F238E27FC236}">
-                  <a16:creationId xmlns="" xmlns:a16="http://schemas.microsoft.com/office/drawing/2014/main" id="{467877CF-B77C-BE4F-8D6F-89063BBFC3DE}"/>
+                  <a16:creationId xmlns:a16="http://schemas.microsoft.com/office/drawing/2014/main" xmlns="" id="{467877CF-B77C-BE4F-8D6F-89063BBFC3DE}"/>
                 </a:ext>
               </a:extLst>
             </p:cNvPr>
@@ -11734,7 +11734,7 @@
           <p:cNvPr id="22" name="標題 1">
             <a:extLst>
               <a:ext uri="{FF2B5EF4-FFF2-40B4-BE49-F238E27FC236}">
-                <a16:creationId xmlns="" xmlns:a16="http://schemas.microsoft.com/office/drawing/2014/main" id="{6E193196-9107-784C-A964-C67153D060CB}"/>
+                <a16:creationId xmlns:a16="http://schemas.microsoft.com/office/drawing/2014/main" xmlns="" id="{6E193196-9107-784C-A964-C67153D060CB}"/>
               </a:ext>
             </a:extLst>
           </p:cNvPr>
@@ -11777,7 +11777,7 @@
           <p:cNvPr id="24" name="文字版面配置區 3">
             <a:extLst>
               <a:ext uri="{FF2B5EF4-FFF2-40B4-BE49-F238E27FC236}">
-                <a16:creationId xmlns="" xmlns:a16="http://schemas.microsoft.com/office/drawing/2014/main" id="{5922BEEB-F3AC-E443-B34D-CE264A982284}"/>
+                <a16:creationId xmlns:a16="http://schemas.microsoft.com/office/drawing/2014/main" xmlns="" id="{5922BEEB-F3AC-E443-B34D-CE264A982284}"/>
               </a:ext>
             </a:extLst>
           </p:cNvPr>
@@ -26717,13 +26717,13 @@
   <p:clrMapOvr>
     <a:masterClrMapping/>
   </p:clrMapOvr>
-  <mc:AlternateContent xmlns:mc="http://schemas.openxmlformats.org/markup-compatibility/2006">
-    <mc:Choice xmlns:p14="http://schemas.microsoft.com/office/powerpoint/2010/main" Requires="p14">
+  <mc:AlternateContent xmlns:mc="http://schemas.openxmlformats.org/markup-compatibility/2006" xmlns:p14="http://schemas.microsoft.com/office/powerpoint/2010/main">
+    <mc:Choice Requires="p14">
       <p:transition spd="med" p14:dur="700">
         <p:fade/>
       </p:transition>
     </mc:Choice>
-    <mc:Fallback>
+    <mc:Fallback xmlns="">
       <p:transition spd="med">
         <p:fade/>
       </p:transition>
@@ -30205,8 +30205,8 @@
           </a:p>
         </p:txBody>
       </p:sp>
-      <mc:AlternateContent xmlns:mc="http://schemas.openxmlformats.org/markup-compatibility/2006" xmlns:a14="http://schemas.microsoft.com/office/drawing/2010/main">
-        <mc:Choice Requires="a14">
+      <mc:AlternateContent xmlns:mc="http://schemas.openxmlformats.org/markup-compatibility/2006">
+        <mc:Choice xmlns:a14="http://schemas.microsoft.com/office/drawing/2010/main" Requires="a14">
           <p:sp>
             <p:nvSpPr>
               <p:cNvPr id="3" name="內容版面配置區 2"/>
@@ -30589,7 +30589,10 @@
                           <m:t>−</m:t>
                         </m:r>
                         <m:r>
-                          <a:rPr kumimoji="1" lang="en-US" altLang="zh-TW" sz="4000" i="1">
+                          <a:rPr kumimoji="1" lang="en-US" altLang="zh-TW" sz="4000" i="1" smtClean="0">
+                            <a:solidFill>
+                              <a:srgbClr val="FF0000"/>
+                            </a:solidFill>
                             <a:latin typeface="Cambria Math" charset="0"/>
                             <a:ea typeface="Cambria Math" charset="0"/>
                             <a:cs typeface="Cambria Math" charset="0"/>
@@ -30608,7 +30611,10 @@
                           <m:t>𝑗</m:t>
                         </m:r>
                         <m:r>
-                          <a:rPr kumimoji="1" lang="en-US" altLang="zh-TW" sz="4000" i="1">
+                          <a:rPr kumimoji="1" lang="en-US" altLang="zh-TW" sz="4000" i="1" smtClean="0">
+                            <a:solidFill>
+                              <a:srgbClr val="FF0000"/>
+                            </a:solidFill>
                             <a:latin typeface="Cambria Math" charset="0"/>
                             <a:ea typeface="Cambria Math" charset="0"/>
                             <a:cs typeface="Cambria Math" charset="0"/>
@@ -30616,7 +30622,10 @@
                           <m:t>𝜋</m:t>
                         </m:r>
                         <m:r>
-                          <a:rPr kumimoji="1" lang="en-US" altLang="zh-TW" sz="4000" i="1">
+                          <a:rPr kumimoji="1" lang="en-US" altLang="zh-TW" sz="4000" i="1" smtClean="0">
+                            <a:solidFill>
+                              <a:srgbClr val="FF0000"/>
+                            </a:solidFill>
                             <a:latin typeface="Cambria Math" charset="0"/>
                             <a:ea typeface="Cambria Math" charset="0"/>
                             <a:cs typeface="Cambria Math" charset="0"/>
@@ -30627,6 +30636,9 @@
                           <m:sSubPr>
                             <m:ctrlPr>
                               <a:rPr kumimoji="1" lang="en-US" altLang="zh-TW" sz="4000" i="1">
+                                <a:solidFill>
+                                  <a:srgbClr val="FF0000"/>
+                                </a:solidFill>
                                 <a:latin typeface="Cambria Math" charset="0"/>
                                 <a:ea typeface="Cambria Math" charset="0"/>
                                 <a:cs typeface="Cambria Math" charset="0"/>
@@ -30636,6 +30648,9 @@
                           <m:e>
                             <m:r>
                               <a:rPr kumimoji="1" lang="en-US" altLang="zh-TW" sz="4000" i="1">
+                                <a:solidFill>
+                                  <a:srgbClr val="FF0000"/>
+                                </a:solidFill>
                                 <a:latin typeface="Cambria Math" charset="0"/>
                                 <a:ea typeface="Cambria Math" charset="0"/>
                                 <a:cs typeface="Cambria Math" charset="0"/>
@@ -30646,6 +30661,9 @@
                           <m:sub>
                             <m:r>
                               <a:rPr kumimoji="1" lang="en-US" altLang="zh-TW" sz="4000" i="1">
+                                <a:solidFill>
+                                  <a:srgbClr val="FF0000"/>
+                                </a:solidFill>
                                 <a:latin typeface="Cambria Math" charset="0"/>
                                 <a:ea typeface="Cambria Math" charset="0"/>
                                 <a:cs typeface="Cambria Math" charset="0"/>
@@ -30779,7 +30797,7 @@
             </p:txBody>
           </p:sp>
         </mc:Choice>
-        <mc:Fallback xmlns="">
+        <mc:Fallback>
           <p:sp>
             <p:nvSpPr>
               <p:cNvPr id="3" name="內容版面配置區 2"/>

--- a/Freshman_Training_Signal.pptx
+++ b/Freshman_Training_Signal.pptx
@@ -284,7 +284,7 @@
           <a:p>
             <a:fld id="{D417A10C-87C9-49E5-AE05-110105D8C539}" type="datetimeFigureOut">
               <a:rPr lang="zh-TW" altLang="en-US" smtClean="0"/>
-              <a:t>2018/8/12</a:t>
+              <a:t>2018/8/13</a:t>
             </a:fld>
             <a:endParaRPr lang="zh-TW" altLang="en-US"/>
           </a:p>
@@ -4266,7 +4266,7 @@
           <p:cNvPr id="20" name="Group 19">
             <a:extLst>
               <a:ext uri="{FF2B5EF4-FFF2-40B4-BE49-F238E27FC236}">
-                <a16:creationId xmlns:a16="http://schemas.microsoft.com/office/drawing/2014/main" xmlns="" id="{C3ED851A-5624-9445-94A3-FC256390EFF0}"/>
+                <a16:creationId xmlns="" xmlns:a16="http://schemas.microsoft.com/office/drawing/2014/main" id="{C3ED851A-5624-9445-94A3-FC256390EFF0}"/>
               </a:ext>
             </a:extLst>
           </p:cNvPr>
@@ -4286,7 +4286,7 @@
             <p:cNvPr id="21" name="箭號: 五邊形 12">
               <a:extLst>
                 <a:ext uri="{FF2B5EF4-FFF2-40B4-BE49-F238E27FC236}">
-                  <a16:creationId xmlns:a16="http://schemas.microsoft.com/office/drawing/2014/main" xmlns="" id="{7DED8486-E1FD-814E-B2DE-F488A3CEA671}"/>
+                  <a16:creationId xmlns="" xmlns:a16="http://schemas.microsoft.com/office/drawing/2014/main" id="{7DED8486-E1FD-814E-B2DE-F488A3CEA671}"/>
                 </a:ext>
               </a:extLst>
             </p:cNvPr>
@@ -4338,7 +4338,7 @@
             <p:cNvPr id="23" name="箭號: 五邊形 12">
               <a:extLst>
                 <a:ext uri="{FF2B5EF4-FFF2-40B4-BE49-F238E27FC236}">
-                  <a16:creationId xmlns:a16="http://schemas.microsoft.com/office/drawing/2014/main" xmlns="" id="{8C392F49-5181-FA4B-9412-A387B34C316C}"/>
+                  <a16:creationId xmlns="" xmlns:a16="http://schemas.microsoft.com/office/drawing/2014/main" id="{8C392F49-5181-FA4B-9412-A387B34C316C}"/>
                 </a:ext>
               </a:extLst>
             </p:cNvPr>
@@ -4397,7 +4397,7 @@
             <p:cNvPr id="26" name="箭號: 五邊形 12">
               <a:extLst>
                 <a:ext uri="{FF2B5EF4-FFF2-40B4-BE49-F238E27FC236}">
-                  <a16:creationId xmlns:a16="http://schemas.microsoft.com/office/drawing/2014/main" xmlns="" id="{A2A2AEE9-8884-2D45-AA3A-3CE8B669A441}"/>
+                  <a16:creationId xmlns="" xmlns:a16="http://schemas.microsoft.com/office/drawing/2014/main" id="{A2A2AEE9-8884-2D45-AA3A-3CE8B669A441}"/>
                 </a:ext>
               </a:extLst>
             </p:cNvPr>
@@ -4826,7 +4826,7 @@
           <p:cNvPr id="34" name="Text Placeholder 3">
             <a:extLst>
               <a:ext uri="{FF2B5EF4-FFF2-40B4-BE49-F238E27FC236}">
-                <a16:creationId xmlns:a16="http://schemas.microsoft.com/office/drawing/2014/main" xmlns="" id="{CB4F27FF-A5B2-0945-A886-8994C9CF0F9A}"/>
+                <a16:creationId xmlns="" xmlns:a16="http://schemas.microsoft.com/office/drawing/2014/main" id="{CB4F27FF-A5B2-0945-A886-8994C9CF0F9A}"/>
               </a:ext>
             </a:extLst>
           </p:cNvPr>
@@ -4880,7 +4880,7 @@
           <p:cNvPr id="35" name="Content Placeholder 5">
             <a:extLst>
               <a:ext uri="{FF2B5EF4-FFF2-40B4-BE49-F238E27FC236}">
-                <a16:creationId xmlns:a16="http://schemas.microsoft.com/office/drawing/2014/main" xmlns="" id="{1CE5651F-F4F6-9D45-A553-66B6FFCA522B}"/>
+                <a16:creationId xmlns="" xmlns:a16="http://schemas.microsoft.com/office/drawing/2014/main" id="{1CE5651F-F4F6-9D45-A553-66B6FFCA522B}"/>
               </a:ext>
             </a:extLst>
           </p:cNvPr>
@@ -4928,7 +4928,7 @@
           <p:cNvPr id="6" name="Picture 5">
             <a:extLst>
               <a:ext uri="{FF2B5EF4-FFF2-40B4-BE49-F238E27FC236}">
-                <a16:creationId xmlns:a16="http://schemas.microsoft.com/office/drawing/2014/main" xmlns="" id="{5BB22815-3E3B-0B48-9DCA-B05C2D5B9D70}"/>
+                <a16:creationId xmlns="" xmlns:a16="http://schemas.microsoft.com/office/drawing/2014/main" id="{5BB22815-3E3B-0B48-9DCA-B05C2D5B9D70}"/>
               </a:ext>
             </a:extLst>
           </p:cNvPr>
@@ -6030,7 +6030,7 @@
           <p:cNvPr id="15" name="直排文字版面配置區 2">
             <a:extLst>
               <a:ext uri="{FF2B5EF4-FFF2-40B4-BE49-F238E27FC236}">
-                <a16:creationId xmlns:a16="http://schemas.microsoft.com/office/drawing/2014/main" xmlns="" id="{5B0754CD-A593-D647-8F43-33A88CDADB61}"/>
+                <a16:creationId xmlns="" xmlns:a16="http://schemas.microsoft.com/office/drawing/2014/main" id="{5B0754CD-A593-D647-8F43-33A88CDADB61}"/>
               </a:ext>
             </a:extLst>
           </p:cNvPr>
@@ -6240,7 +6240,7 @@
           <p:cNvPr id="20" name="Group 19">
             <a:extLst>
               <a:ext uri="{FF2B5EF4-FFF2-40B4-BE49-F238E27FC236}">
-                <a16:creationId xmlns:a16="http://schemas.microsoft.com/office/drawing/2014/main" xmlns="" id="{C3ED851A-5624-9445-94A3-FC256390EFF0}"/>
+                <a16:creationId xmlns="" xmlns:a16="http://schemas.microsoft.com/office/drawing/2014/main" id="{C3ED851A-5624-9445-94A3-FC256390EFF0}"/>
               </a:ext>
             </a:extLst>
           </p:cNvPr>
@@ -6260,7 +6260,7 @@
             <p:cNvPr id="21" name="箭號: 五邊形 12">
               <a:extLst>
                 <a:ext uri="{FF2B5EF4-FFF2-40B4-BE49-F238E27FC236}">
-                  <a16:creationId xmlns:a16="http://schemas.microsoft.com/office/drawing/2014/main" xmlns="" id="{7DED8486-E1FD-814E-B2DE-F488A3CEA671}"/>
+                  <a16:creationId xmlns="" xmlns:a16="http://schemas.microsoft.com/office/drawing/2014/main" id="{7DED8486-E1FD-814E-B2DE-F488A3CEA671}"/>
                 </a:ext>
               </a:extLst>
             </p:cNvPr>
@@ -6312,7 +6312,7 @@
             <p:cNvPr id="23" name="箭號: 五邊形 12">
               <a:extLst>
                 <a:ext uri="{FF2B5EF4-FFF2-40B4-BE49-F238E27FC236}">
-                  <a16:creationId xmlns:a16="http://schemas.microsoft.com/office/drawing/2014/main" xmlns="" id="{8C392F49-5181-FA4B-9412-A387B34C316C}"/>
+                  <a16:creationId xmlns="" xmlns:a16="http://schemas.microsoft.com/office/drawing/2014/main" id="{8C392F49-5181-FA4B-9412-A387B34C316C}"/>
                 </a:ext>
               </a:extLst>
             </p:cNvPr>
@@ -6371,7 +6371,7 @@
             <p:cNvPr id="26" name="箭號: 五邊形 12">
               <a:extLst>
                 <a:ext uri="{FF2B5EF4-FFF2-40B4-BE49-F238E27FC236}">
-                  <a16:creationId xmlns:a16="http://schemas.microsoft.com/office/drawing/2014/main" xmlns="" id="{A2A2AEE9-8884-2D45-AA3A-3CE8B669A441}"/>
+                  <a16:creationId xmlns="" xmlns:a16="http://schemas.microsoft.com/office/drawing/2014/main" id="{A2A2AEE9-8884-2D45-AA3A-3CE8B669A441}"/>
                 </a:ext>
               </a:extLst>
             </p:cNvPr>
@@ -6800,7 +6800,7 @@
           <p:cNvPr id="34" name="Text Placeholder 3">
             <a:extLst>
               <a:ext uri="{FF2B5EF4-FFF2-40B4-BE49-F238E27FC236}">
-                <a16:creationId xmlns:a16="http://schemas.microsoft.com/office/drawing/2014/main" xmlns="" id="{CB4F27FF-A5B2-0945-A886-8994C9CF0F9A}"/>
+                <a16:creationId xmlns="" xmlns:a16="http://schemas.microsoft.com/office/drawing/2014/main" id="{CB4F27FF-A5B2-0945-A886-8994C9CF0F9A}"/>
               </a:ext>
             </a:extLst>
           </p:cNvPr>
@@ -6854,7 +6854,7 @@
           <p:cNvPr id="35" name="Content Placeholder 5">
             <a:extLst>
               <a:ext uri="{FF2B5EF4-FFF2-40B4-BE49-F238E27FC236}">
-                <a16:creationId xmlns:a16="http://schemas.microsoft.com/office/drawing/2014/main" xmlns="" id="{1CE5651F-F4F6-9D45-A553-66B6FFCA522B}"/>
+                <a16:creationId xmlns="" xmlns:a16="http://schemas.microsoft.com/office/drawing/2014/main" id="{1CE5651F-F4F6-9D45-A553-66B6FFCA522B}"/>
               </a:ext>
             </a:extLst>
           </p:cNvPr>
@@ -6902,7 +6902,7 @@
           <p:cNvPr id="6" name="Picture 5">
             <a:extLst>
               <a:ext uri="{FF2B5EF4-FFF2-40B4-BE49-F238E27FC236}">
-                <a16:creationId xmlns:a16="http://schemas.microsoft.com/office/drawing/2014/main" xmlns="" id="{5BB22815-3E3B-0B48-9DCA-B05C2D5B9D70}"/>
+                <a16:creationId xmlns="" xmlns:a16="http://schemas.microsoft.com/office/drawing/2014/main" id="{5BB22815-3E3B-0B48-9DCA-B05C2D5B9D70}"/>
               </a:ext>
             </a:extLst>
           </p:cNvPr>
@@ -7614,7 +7614,7 @@
           <p:cNvPr id="12" name="Group 11">
             <a:extLst>
               <a:ext uri="{FF2B5EF4-FFF2-40B4-BE49-F238E27FC236}">
-                <a16:creationId xmlns:a16="http://schemas.microsoft.com/office/drawing/2014/main" xmlns="" id="{FECCA331-FFA6-F840-9C60-BF25ACF3BDB5}"/>
+                <a16:creationId xmlns="" xmlns:a16="http://schemas.microsoft.com/office/drawing/2014/main" id="{FECCA331-FFA6-F840-9C60-BF25ACF3BDB5}"/>
               </a:ext>
             </a:extLst>
           </p:cNvPr>
@@ -7634,7 +7634,7 @@
             <p:cNvPr id="13" name="箭號: 五邊形 12">
               <a:extLst>
                 <a:ext uri="{FF2B5EF4-FFF2-40B4-BE49-F238E27FC236}">
-                  <a16:creationId xmlns:a16="http://schemas.microsoft.com/office/drawing/2014/main" xmlns="" id="{1ECC6466-4EFD-5345-BC17-67AB57731DB7}"/>
+                  <a16:creationId xmlns="" xmlns:a16="http://schemas.microsoft.com/office/drawing/2014/main" id="{1ECC6466-4EFD-5345-BC17-67AB57731DB7}"/>
                 </a:ext>
               </a:extLst>
             </p:cNvPr>
@@ -7686,7 +7686,7 @@
             <p:cNvPr id="14" name="箭號: 五邊形 12">
               <a:extLst>
                 <a:ext uri="{FF2B5EF4-FFF2-40B4-BE49-F238E27FC236}">
-                  <a16:creationId xmlns:a16="http://schemas.microsoft.com/office/drawing/2014/main" xmlns="" id="{6CF55724-0A99-E64A-AB4C-0938CB62E153}"/>
+                  <a16:creationId xmlns="" xmlns:a16="http://schemas.microsoft.com/office/drawing/2014/main" id="{6CF55724-0A99-E64A-AB4C-0938CB62E153}"/>
                 </a:ext>
               </a:extLst>
             </p:cNvPr>
@@ -7745,7 +7745,7 @@
             <p:cNvPr id="15" name="箭號: 五邊形 12">
               <a:extLst>
                 <a:ext uri="{FF2B5EF4-FFF2-40B4-BE49-F238E27FC236}">
-                  <a16:creationId xmlns:a16="http://schemas.microsoft.com/office/drawing/2014/main" xmlns="" id="{D65D1FB8-4CF4-8B4A-A307-6F7F618C0D88}"/>
+                  <a16:creationId xmlns="" xmlns:a16="http://schemas.microsoft.com/office/drawing/2014/main" id="{D65D1FB8-4CF4-8B4A-A307-6F7F618C0D88}"/>
                 </a:ext>
               </a:extLst>
             </p:cNvPr>
@@ -8054,7 +8054,7 @@
           <p:cNvPr id="5" name="Picture 4">
             <a:extLst>
               <a:ext uri="{FF2B5EF4-FFF2-40B4-BE49-F238E27FC236}">
-                <a16:creationId xmlns:a16="http://schemas.microsoft.com/office/drawing/2014/main" xmlns="" id="{33C27645-19DC-4542-810A-E94761D6E227}"/>
+                <a16:creationId xmlns="" xmlns:a16="http://schemas.microsoft.com/office/drawing/2014/main" id="{33C27645-19DC-4542-810A-E94761D6E227}"/>
               </a:ext>
             </a:extLst>
           </p:cNvPr>
@@ -8553,7 +8553,7 @@
           <p:cNvPr id="23" name="內容版面配置區 2">
             <a:extLst>
               <a:ext uri="{FF2B5EF4-FFF2-40B4-BE49-F238E27FC236}">
-                <a16:creationId xmlns:a16="http://schemas.microsoft.com/office/drawing/2014/main" xmlns="" id="{9D1178A4-A62F-AE47-B4FD-DFBDEBC0B7E1}"/>
+                <a16:creationId xmlns="" xmlns:a16="http://schemas.microsoft.com/office/drawing/2014/main" id="{9D1178A4-A62F-AE47-B4FD-DFBDEBC0B7E1}"/>
               </a:ext>
             </a:extLst>
           </p:cNvPr>
@@ -8700,7 +8700,7 @@
           <p:cNvPr id="24" name="內容版面配置區 2">
             <a:extLst>
               <a:ext uri="{FF2B5EF4-FFF2-40B4-BE49-F238E27FC236}">
-                <a16:creationId xmlns:a16="http://schemas.microsoft.com/office/drawing/2014/main" xmlns="" id="{18BDE748-AF06-9848-B53D-40087470A386}"/>
+                <a16:creationId xmlns="" xmlns:a16="http://schemas.microsoft.com/office/drawing/2014/main" id="{18BDE748-AF06-9848-B53D-40087470A386}"/>
               </a:ext>
             </a:extLst>
           </p:cNvPr>
@@ -9451,7 +9451,7 @@
           <p:cNvPr id="20" name="內容版面配置區 2">
             <a:extLst>
               <a:ext uri="{FF2B5EF4-FFF2-40B4-BE49-F238E27FC236}">
-                <a16:creationId xmlns:a16="http://schemas.microsoft.com/office/drawing/2014/main" xmlns="" id="{9A4A12A5-18A4-CA4A-8E68-97EAFD19927B}"/>
+                <a16:creationId xmlns="" xmlns:a16="http://schemas.microsoft.com/office/drawing/2014/main" id="{9A4A12A5-18A4-CA4A-8E68-97EAFD19927B}"/>
               </a:ext>
             </a:extLst>
           </p:cNvPr>
@@ -9598,7 +9598,7 @@
           <p:cNvPr id="21" name="內容版面配置區 2">
             <a:extLst>
               <a:ext uri="{FF2B5EF4-FFF2-40B4-BE49-F238E27FC236}">
-                <a16:creationId xmlns:a16="http://schemas.microsoft.com/office/drawing/2014/main" xmlns="" id="{E09B3CAD-22B9-BC48-9D7D-2345FF14DD38}"/>
+                <a16:creationId xmlns="" xmlns:a16="http://schemas.microsoft.com/office/drawing/2014/main" id="{E09B3CAD-22B9-BC48-9D7D-2345FF14DD38}"/>
               </a:ext>
             </a:extLst>
           </p:cNvPr>
@@ -10515,7 +10515,7 @@
           <p:cNvPr id="5" name="Group 4">
             <a:extLst>
               <a:ext uri="{FF2B5EF4-FFF2-40B4-BE49-F238E27FC236}">
-                <a16:creationId xmlns:a16="http://schemas.microsoft.com/office/drawing/2014/main" xmlns="" id="{4DADA6C2-E637-F642-95E5-0309E3EB9F41}"/>
+                <a16:creationId xmlns="" xmlns:a16="http://schemas.microsoft.com/office/drawing/2014/main" id="{4DADA6C2-E637-F642-95E5-0309E3EB9F41}"/>
               </a:ext>
             </a:extLst>
           </p:cNvPr>
@@ -10535,7 +10535,7 @@
             <p:cNvPr id="17" name="箭號: 五邊形 12">
               <a:extLst>
                 <a:ext uri="{FF2B5EF4-FFF2-40B4-BE49-F238E27FC236}">
-                  <a16:creationId xmlns:a16="http://schemas.microsoft.com/office/drawing/2014/main" xmlns="" id="{C3424005-2947-5749-B94D-7EE01D59B97D}"/>
+                  <a16:creationId xmlns="" xmlns:a16="http://schemas.microsoft.com/office/drawing/2014/main" id="{C3424005-2947-5749-B94D-7EE01D59B97D}"/>
                 </a:ext>
               </a:extLst>
             </p:cNvPr>
@@ -10587,7 +10587,7 @@
             <p:cNvPr id="16" name="箭號: 五邊形 12">
               <a:extLst>
                 <a:ext uri="{FF2B5EF4-FFF2-40B4-BE49-F238E27FC236}">
-                  <a16:creationId xmlns:a16="http://schemas.microsoft.com/office/drawing/2014/main" xmlns="" id="{78B68587-E393-9C46-A4CA-137BCC2B13AD}"/>
+                  <a16:creationId xmlns="" xmlns:a16="http://schemas.microsoft.com/office/drawing/2014/main" id="{78B68587-E393-9C46-A4CA-137BCC2B13AD}"/>
                 </a:ext>
               </a:extLst>
             </p:cNvPr>
@@ -11055,7 +11055,7 @@
           <p:cNvPr id="18" name="內容版面配置區 2">
             <a:extLst>
               <a:ext uri="{FF2B5EF4-FFF2-40B4-BE49-F238E27FC236}">
-                <a16:creationId xmlns:a16="http://schemas.microsoft.com/office/drawing/2014/main" xmlns="" id="{BB9680E6-3D9F-FF42-BA19-F206A773FE60}"/>
+                <a16:creationId xmlns="" xmlns:a16="http://schemas.microsoft.com/office/drawing/2014/main" id="{BB9680E6-3D9F-FF42-BA19-F206A773FE60}"/>
               </a:ext>
             </a:extLst>
           </p:cNvPr>
@@ -11240,7 +11240,7 @@
           <p:cNvPr id="15" name="Group 14">
             <a:extLst>
               <a:ext uri="{FF2B5EF4-FFF2-40B4-BE49-F238E27FC236}">
-                <a16:creationId xmlns:a16="http://schemas.microsoft.com/office/drawing/2014/main" xmlns="" id="{7108562A-19D8-3347-A5CB-8FD2094D2AC6}"/>
+                <a16:creationId xmlns="" xmlns:a16="http://schemas.microsoft.com/office/drawing/2014/main" id="{7108562A-19D8-3347-A5CB-8FD2094D2AC6}"/>
               </a:ext>
             </a:extLst>
           </p:cNvPr>
@@ -11260,7 +11260,7 @@
             <p:cNvPr id="16" name="箭號: 五邊形 12">
               <a:extLst>
                 <a:ext uri="{FF2B5EF4-FFF2-40B4-BE49-F238E27FC236}">
-                  <a16:creationId xmlns:a16="http://schemas.microsoft.com/office/drawing/2014/main" xmlns="" id="{0350FA7D-8512-F24E-9F36-7F4296D197F2}"/>
+                  <a16:creationId xmlns="" xmlns:a16="http://schemas.microsoft.com/office/drawing/2014/main" id="{0350FA7D-8512-F24E-9F36-7F4296D197F2}"/>
                 </a:ext>
               </a:extLst>
             </p:cNvPr>
@@ -11312,7 +11312,7 @@
             <p:cNvPr id="17" name="箭號: 五邊形 12">
               <a:extLst>
                 <a:ext uri="{FF2B5EF4-FFF2-40B4-BE49-F238E27FC236}">
-                  <a16:creationId xmlns:a16="http://schemas.microsoft.com/office/drawing/2014/main" xmlns="" id="{125DE2BA-1E8B-2447-AEBE-4BDB2873316E}"/>
+                  <a16:creationId xmlns="" xmlns:a16="http://schemas.microsoft.com/office/drawing/2014/main" id="{125DE2BA-1E8B-2447-AEBE-4BDB2873316E}"/>
                 </a:ext>
               </a:extLst>
             </p:cNvPr>
@@ -11371,7 +11371,7 @@
             <p:cNvPr id="18" name="箭號: 五邊形 12">
               <a:extLst>
                 <a:ext uri="{FF2B5EF4-FFF2-40B4-BE49-F238E27FC236}">
-                  <a16:creationId xmlns:a16="http://schemas.microsoft.com/office/drawing/2014/main" xmlns="" id="{467877CF-B77C-BE4F-8D6F-89063BBFC3DE}"/>
+                  <a16:creationId xmlns="" xmlns:a16="http://schemas.microsoft.com/office/drawing/2014/main" id="{467877CF-B77C-BE4F-8D6F-89063BBFC3DE}"/>
                 </a:ext>
               </a:extLst>
             </p:cNvPr>
@@ -11734,7 +11734,7 @@
           <p:cNvPr id="22" name="標題 1">
             <a:extLst>
               <a:ext uri="{FF2B5EF4-FFF2-40B4-BE49-F238E27FC236}">
-                <a16:creationId xmlns:a16="http://schemas.microsoft.com/office/drawing/2014/main" xmlns="" id="{6E193196-9107-784C-A964-C67153D060CB}"/>
+                <a16:creationId xmlns="" xmlns:a16="http://schemas.microsoft.com/office/drawing/2014/main" id="{6E193196-9107-784C-A964-C67153D060CB}"/>
               </a:ext>
             </a:extLst>
           </p:cNvPr>
@@ -11777,7 +11777,7 @@
           <p:cNvPr id="24" name="文字版面配置區 3">
             <a:extLst>
               <a:ext uri="{FF2B5EF4-FFF2-40B4-BE49-F238E27FC236}">
-                <a16:creationId xmlns:a16="http://schemas.microsoft.com/office/drawing/2014/main" xmlns="" id="{5922BEEB-F3AC-E443-B34D-CE264A982284}"/>
+                <a16:creationId xmlns="" xmlns:a16="http://schemas.microsoft.com/office/drawing/2014/main" id="{5922BEEB-F3AC-E443-B34D-CE264A982284}"/>
               </a:ext>
             </a:extLst>
           </p:cNvPr>
@@ -28122,8 +28122,8 @@
           </a:p>
         </p:txBody>
       </p:sp>
-      <mc:AlternateContent xmlns:mc="http://schemas.openxmlformats.org/markup-compatibility/2006" xmlns:a14="http://schemas.microsoft.com/office/drawing/2010/main">
-        <mc:Choice Requires="a14">
+      <mc:AlternateContent xmlns:mc="http://schemas.openxmlformats.org/markup-compatibility/2006">
+        <mc:Choice xmlns:a14="http://schemas.microsoft.com/office/drawing/2010/main" Requires="a14">
           <p:sp>
             <p:nvSpPr>
               <p:cNvPr id="3" name="內容版面配置區 2"/>
@@ -28148,7 +28148,7 @@
                   <a:t>Change to </a:t>
                 </a:r>
                 <a:r>
-                  <a:rPr kumimoji="1" lang="en-US" altLang="zh-TW" sz="3200" dirty="0" err="1" smtClean="0">
+                  <a:rPr kumimoji="1" lang="en-US" altLang="zh-TW" sz="3200" dirty="0">
                     <a:solidFill>
                       <a:srgbClr val="FF0000"/>
                     </a:solidFill>
@@ -28156,18 +28156,7 @@
                     <a:ea typeface="Times New Roman" charset="0"/>
                     <a:cs typeface="Times New Roman" charset="0"/>
                   </a:rPr>
-                  <a:t>Cartesianor</a:t>
-                </a:r>
-                <a:r>
-                  <a:rPr kumimoji="1" lang="zh-TW" altLang="en-US" sz="3200" dirty="0" smtClean="0">
-                    <a:solidFill>
-                      <a:srgbClr val="FF0000"/>
-                    </a:solidFill>
-                    <a:latin typeface="Times New Roman" charset="0"/>
-                    <a:ea typeface="Times New Roman" charset="0"/>
-                    <a:cs typeface="Times New Roman" charset="0"/>
-                  </a:rPr>
-                  <a:t> </a:t>
+                  <a:t>Cartesian Rectangular </a:t>
                 </a:r>
                 <a:r>
                   <a:rPr kumimoji="1" lang="en-US" altLang="zh-TW" sz="3200" dirty="0" smtClean="0">
@@ -28178,7 +28167,7 @@
                     <a:ea typeface="Times New Roman" charset="0"/>
                     <a:cs typeface="Times New Roman" charset="0"/>
                   </a:rPr>
-                  <a:t>Rectangular Form</a:t>
+                  <a:t>Form</a:t>
                 </a:r>
                 <a:endParaRPr kumimoji="1" lang="en-US" altLang="zh-TW" sz="3200" dirty="0">
                   <a:solidFill>
@@ -28808,7 +28797,7 @@
             </p:txBody>
           </p:sp>
         </mc:Choice>
-        <mc:Fallback xmlns="">
+        <mc:Fallback>
           <p:sp>
             <p:nvSpPr>
               <p:cNvPr id="3" name="內容版面配置區 2"/>
@@ -28946,8 +28935,8 @@
           </a:p>
         </p:txBody>
       </p:sp>
-      <mc:AlternateContent xmlns:mc="http://schemas.openxmlformats.org/markup-compatibility/2006" xmlns:a14="http://schemas.microsoft.com/office/drawing/2010/main">
-        <mc:Choice Requires="a14">
+      <mc:AlternateContent xmlns:mc="http://schemas.openxmlformats.org/markup-compatibility/2006">
+        <mc:Choice xmlns:a14="http://schemas.microsoft.com/office/drawing/2010/main" Requires="a14">
           <p:sp>
             <p:nvSpPr>
               <p:cNvPr id="3" name="內容版面配置區 2"/>
@@ -28972,28 +28961,6 @@
                   <a:t>Change to </a:t>
                 </a:r>
                 <a:r>
-                  <a:rPr kumimoji="1" lang="en-US" altLang="zh-TW" sz="3200" dirty="0" err="1" smtClean="0">
-                    <a:solidFill>
-                      <a:srgbClr val="FF0000"/>
-                    </a:solidFill>
-                    <a:latin typeface="Times New Roman" charset="0"/>
-                    <a:ea typeface="Times New Roman" charset="0"/>
-                    <a:cs typeface="Times New Roman" charset="0"/>
-                  </a:rPr>
-                  <a:t>Cartesianor</a:t>
-                </a:r>
-                <a:r>
-                  <a:rPr kumimoji="1" lang="zh-TW" altLang="en-US" sz="3200" dirty="0" smtClean="0">
-                    <a:solidFill>
-                      <a:srgbClr val="FF0000"/>
-                    </a:solidFill>
-                    <a:latin typeface="Times New Roman" charset="0"/>
-                    <a:ea typeface="Times New Roman" charset="0"/>
-                    <a:cs typeface="Times New Roman" charset="0"/>
-                  </a:rPr>
-                  <a:t> </a:t>
-                </a:r>
-                <a:r>
                   <a:rPr kumimoji="1" lang="en-US" altLang="zh-TW" sz="3200" dirty="0" smtClean="0">
                     <a:solidFill>
                       <a:srgbClr val="FF0000"/>
@@ -29002,16 +28969,8 @@
                     <a:ea typeface="Times New Roman" charset="0"/>
                     <a:cs typeface="Times New Roman" charset="0"/>
                   </a:rPr>
-                  <a:t>Rectangular Form</a:t>
+                  <a:t>Cartesian Rectangular Form</a:t>
                 </a:r>
-                <a:endParaRPr kumimoji="1" lang="en-US" altLang="zh-TW" sz="3200" dirty="0">
-                  <a:solidFill>
-                    <a:srgbClr val="FF0000"/>
-                  </a:solidFill>
-                  <a:latin typeface="Times New Roman" charset="0"/>
-                  <a:ea typeface="Times New Roman" charset="0"/>
-                  <a:cs typeface="Times New Roman" charset="0"/>
-                </a:endParaRPr>
               </a:p>
               <a:p>
                 <a:pPr marL="11112" indent="0">
@@ -29021,17 +28980,6 @@
                   <a:buNone/>
                 </a:pPr>
                 <a:r>
-                  <a:rPr kumimoji="1" lang="en-US" altLang="zh-TW" sz="3600" dirty="0">
-                    <a:solidFill>
-                      <a:srgbClr val="FF0000"/>
-                    </a:solidFill>
-                    <a:latin typeface="Times New Roman" charset="0"/>
-                    <a:ea typeface="Times New Roman" charset="0"/>
-                    <a:cs typeface="Times New Roman" charset="0"/>
-                  </a:rPr>
-                  <a:t> </a:t>
-                </a:r>
-                <a:r>
                   <a:rPr kumimoji="1" lang="en-US" altLang="zh-TW" sz="3600" dirty="0" smtClean="0">
                     <a:solidFill>
                       <a:srgbClr val="FF0000"/>
@@ -29040,7 +28988,7 @@
                     <a:ea typeface="Times New Roman" charset="0"/>
                     <a:cs typeface="Times New Roman" charset="0"/>
                   </a:rPr>
-                  <a:t>           </a:t>
+                  <a:t>            </a:t>
                 </a:r>
                 <a14:m>
                   <m:oMath xmlns:m="http://schemas.openxmlformats.org/officeDocument/2006/math">
@@ -29950,7 +29898,7 @@
             </p:txBody>
           </p:sp>
         </mc:Choice>
-        <mc:Fallback xmlns="">
+        <mc:Fallback>
           <p:sp>
             <p:nvSpPr>
               <p:cNvPr id="3" name="內容版面配置區 2"/>
@@ -30732,7 +30680,10 @@
                       <m:t>=</m:t>
                     </m:r>
                     <m:r>
-                      <a:rPr kumimoji="1" lang="en-US" altLang="zh-TW" sz="4000" i="1">
+                      <a:rPr kumimoji="1" lang="en-US" altLang="zh-TW" sz="4000" i="1" smtClean="0">
+                        <a:solidFill>
+                          <a:srgbClr val="FF0000"/>
+                        </a:solidFill>
                         <a:latin typeface="Cambria Math" charset="0"/>
                         <a:ea typeface="Cambria Math" charset="0"/>
                         <a:cs typeface="Cambria Math" charset="0"/>
@@ -30740,7 +30691,10 @@
                       <m:t>2</m:t>
                     </m:r>
                     <m:r>
-                      <a:rPr kumimoji="1" lang="en-US" altLang="zh-TW" sz="4000" i="1">
+                      <a:rPr kumimoji="1" lang="en-US" altLang="zh-TW" sz="4000" i="1" smtClean="0">
+                        <a:solidFill>
+                          <a:srgbClr val="FF0000"/>
+                        </a:solidFill>
                         <a:latin typeface="Cambria Math" charset="0"/>
                         <a:ea typeface="Cambria Math" charset="0"/>
                         <a:cs typeface="Cambria Math" charset="0"/>
@@ -30748,7 +30702,10 @@
                       <m:t>𝜋</m:t>
                     </m:r>
                     <m:r>
-                      <a:rPr kumimoji="1" lang="en-US" altLang="zh-TW" sz="4000" i="1">
+                      <a:rPr kumimoji="1" lang="en-US" altLang="zh-TW" sz="4000" i="1" smtClean="0">
+                        <a:solidFill>
+                          <a:srgbClr val="FF0000"/>
+                        </a:solidFill>
                         <a:latin typeface="Cambria Math" charset="0"/>
                         <a:ea typeface="Cambria Math" charset="0"/>
                         <a:cs typeface="Cambria Math" charset="0"/>
@@ -30759,6 +30716,9 @@
                       <m:sSubPr>
                         <m:ctrlPr>
                           <a:rPr kumimoji="1" lang="en-US" altLang="zh-TW" sz="4000" i="1">
+                            <a:solidFill>
+                              <a:srgbClr val="FF0000"/>
+                            </a:solidFill>
                             <a:latin typeface="Cambria Math" charset="0"/>
                             <a:ea typeface="Cambria Math" charset="0"/>
                             <a:cs typeface="Cambria Math" charset="0"/>
@@ -30768,6 +30728,9 @@
                       <m:e>
                         <m:r>
                           <a:rPr kumimoji="1" lang="en-US" altLang="zh-TW" sz="4000" i="1">
+                            <a:solidFill>
+                              <a:srgbClr val="FF0000"/>
+                            </a:solidFill>
                             <a:latin typeface="Cambria Math" charset="0"/>
                             <a:ea typeface="Cambria Math" charset="0"/>
                             <a:cs typeface="Cambria Math" charset="0"/>
@@ -30778,6 +30741,9 @@
                       <m:sub>
                         <m:r>
                           <a:rPr kumimoji="1" lang="en-US" altLang="zh-TW" sz="4000" i="1">
+                            <a:solidFill>
+                              <a:srgbClr val="FF0000"/>
+                            </a:solidFill>
                             <a:latin typeface="Cambria Math" charset="0"/>
                             <a:ea typeface="Cambria Math" charset="0"/>
                             <a:cs typeface="Cambria Math" charset="0"/>

--- a/Freshman_Training_Signal.pptx
+++ b/Freshman_Training_Signal.pptx
@@ -284,7 +284,7 @@
           <a:p>
             <a:fld id="{D417A10C-87C9-49E5-AE05-110105D8C539}" type="datetimeFigureOut">
               <a:rPr lang="zh-TW" altLang="en-US" smtClean="0"/>
-              <a:t>2018/8/13</a:t>
+              <a:t>2018/8/14</a:t>
             </a:fld>
             <a:endParaRPr lang="zh-TW" altLang="en-US"/>
           </a:p>
@@ -4266,7 +4266,7 @@
           <p:cNvPr id="20" name="Group 19">
             <a:extLst>
               <a:ext uri="{FF2B5EF4-FFF2-40B4-BE49-F238E27FC236}">
-                <a16:creationId xmlns="" xmlns:a16="http://schemas.microsoft.com/office/drawing/2014/main" id="{C3ED851A-5624-9445-94A3-FC256390EFF0}"/>
+                <a16:creationId xmlns:a16="http://schemas.microsoft.com/office/drawing/2014/main" xmlns="" id="{C3ED851A-5624-9445-94A3-FC256390EFF0}"/>
               </a:ext>
             </a:extLst>
           </p:cNvPr>
@@ -4286,7 +4286,7 @@
             <p:cNvPr id="21" name="箭號: 五邊形 12">
               <a:extLst>
                 <a:ext uri="{FF2B5EF4-FFF2-40B4-BE49-F238E27FC236}">
-                  <a16:creationId xmlns="" xmlns:a16="http://schemas.microsoft.com/office/drawing/2014/main" id="{7DED8486-E1FD-814E-B2DE-F488A3CEA671}"/>
+                  <a16:creationId xmlns:a16="http://schemas.microsoft.com/office/drawing/2014/main" xmlns="" id="{7DED8486-E1FD-814E-B2DE-F488A3CEA671}"/>
                 </a:ext>
               </a:extLst>
             </p:cNvPr>
@@ -4338,7 +4338,7 @@
             <p:cNvPr id="23" name="箭號: 五邊形 12">
               <a:extLst>
                 <a:ext uri="{FF2B5EF4-FFF2-40B4-BE49-F238E27FC236}">
-                  <a16:creationId xmlns="" xmlns:a16="http://schemas.microsoft.com/office/drawing/2014/main" id="{8C392F49-5181-FA4B-9412-A387B34C316C}"/>
+                  <a16:creationId xmlns:a16="http://schemas.microsoft.com/office/drawing/2014/main" xmlns="" id="{8C392F49-5181-FA4B-9412-A387B34C316C}"/>
                 </a:ext>
               </a:extLst>
             </p:cNvPr>
@@ -4397,7 +4397,7 @@
             <p:cNvPr id="26" name="箭號: 五邊形 12">
               <a:extLst>
                 <a:ext uri="{FF2B5EF4-FFF2-40B4-BE49-F238E27FC236}">
-                  <a16:creationId xmlns="" xmlns:a16="http://schemas.microsoft.com/office/drawing/2014/main" id="{A2A2AEE9-8884-2D45-AA3A-3CE8B669A441}"/>
+                  <a16:creationId xmlns:a16="http://schemas.microsoft.com/office/drawing/2014/main" xmlns="" id="{A2A2AEE9-8884-2D45-AA3A-3CE8B669A441}"/>
                 </a:ext>
               </a:extLst>
             </p:cNvPr>
@@ -4826,7 +4826,7 @@
           <p:cNvPr id="34" name="Text Placeholder 3">
             <a:extLst>
               <a:ext uri="{FF2B5EF4-FFF2-40B4-BE49-F238E27FC236}">
-                <a16:creationId xmlns="" xmlns:a16="http://schemas.microsoft.com/office/drawing/2014/main" id="{CB4F27FF-A5B2-0945-A886-8994C9CF0F9A}"/>
+                <a16:creationId xmlns:a16="http://schemas.microsoft.com/office/drawing/2014/main" xmlns="" id="{CB4F27FF-A5B2-0945-A886-8994C9CF0F9A}"/>
               </a:ext>
             </a:extLst>
           </p:cNvPr>
@@ -4880,7 +4880,7 @@
           <p:cNvPr id="35" name="Content Placeholder 5">
             <a:extLst>
               <a:ext uri="{FF2B5EF4-FFF2-40B4-BE49-F238E27FC236}">
-                <a16:creationId xmlns="" xmlns:a16="http://schemas.microsoft.com/office/drawing/2014/main" id="{1CE5651F-F4F6-9D45-A553-66B6FFCA522B}"/>
+                <a16:creationId xmlns:a16="http://schemas.microsoft.com/office/drawing/2014/main" xmlns="" id="{1CE5651F-F4F6-9D45-A553-66B6FFCA522B}"/>
               </a:ext>
             </a:extLst>
           </p:cNvPr>
@@ -4928,7 +4928,7 @@
           <p:cNvPr id="6" name="Picture 5">
             <a:extLst>
               <a:ext uri="{FF2B5EF4-FFF2-40B4-BE49-F238E27FC236}">
-                <a16:creationId xmlns="" xmlns:a16="http://schemas.microsoft.com/office/drawing/2014/main" id="{5BB22815-3E3B-0B48-9DCA-B05C2D5B9D70}"/>
+                <a16:creationId xmlns:a16="http://schemas.microsoft.com/office/drawing/2014/main" xmlns="" id="{5BB22815-3E3B-0B48-9DCA-B05C2D5B9D70}"/>
               </a:ext>
             </a:extLst>
           </p:cNvPr>
@@ -6030,7 +6030,7 @@
           <p:cNvPr id="15" name="直排文字版面配置區 2">
             <a:extLst>
               <a:ext uri="{FF2B5EF4-FFF2-40B4-BE49-F238E27FC236}">
-                <a16:creationId xmlns="" xmlns:a16="http://schemas.microsoft.com/office/drawing/2014/main" id="{5B0754CD-A593-D647-8F43-33A88CDADB61}"/>
+                <a16:creationId xmlns:a16="http://schemas.microsoft.com/office/drawing/2014/main" xmlns="" id="{5B0754CD-A593-D647-8F43-33A88CDADB61}"/>
               </a:ext>
             </a:extLst>
           </p:cNvPr>
@@ -6240,7 +6240,7 @@
           <p:cNvPr id="20" name="Group 19">
             <a:extLst>
               <a:ext uri="{FF2B5EF4-FFF2-40B4-BE49-F238E27FC236}">
-                <a16:creationId xmlns="" xmlns:a16="http://schemas.microsoft.com/office/drawing/2014/main" id="{C3ED851A-5624-9445-94A3-FC256390EFF0}"/>
+                <a16:creationId xmlns:a16="http://schemas.microsoft.com/office/drawing/2014/main" xmlns="" id="{C3ED851A-5624-9445-94A3-FC256390EFF0}"/>
               </a:ext>
             </a:extLst>
           </p:cNvPr>
@@ -6260,7 +6260,7 @@
             <p:cNvPr id="21" name="箭號: 五邊形 12">
               <a:extLst>
                 <a:ext uri="{FF2B5EF4-FFF2-40B4-BE49-F238E27FC236}">
-                  <a16:creationId xmlns="" xmlns:a16="http://schemas.microsoft.com/office/drawing/2014/main" id="{7DED8486-E1FD-814E-B2DE-F488A3CEA671}"/>
+                  <a16:creationId xmlns:a16="http://schemas.microsoft.com/office/drawing/2014/main" xmlns="" id="{7DED8486-E1FD-814E-B2DE-F488A3CEA671}"/>
                 </a:ext>
               </a:extLst>
             </p:cNvPr>
@@ -6312,7 +6312,7 @@
             <p:cNvPr id="23" name="箭號: 五邊形 12">
               <a:extLst>
                 <a:ext uri="{FF2B5EF4-FFF2-40B4-BE49-F238E27FC236}">
-                  <a16:creationId xmlns="" xmlns:a16="http://schemas.microsoft.com/office/drawing/2014/main" id="{8C392F49-5181-FA4B-9412-A387B34C316C}"/>
+                  <a16:creationId xmlns:a16="http://schemas.microsoft.com/office/drawing/2014/main" xmlns="" id="{8C392F49-5181-FA4B-9412-A387B34C316C}"/>
                 </a:ext>
               </a:extLst>
             </p:cNvPr>
@@ -6371,7 +6371,7 @@
             <p:cNvPr id="26" name="箭號: 五邊形 12">
               <a:extLst>
                 <a:ext uri="{FF2B5EF4-FFF2-40B4-BE49-F238E27FC236}">
-                  <a16:creationId xmlns="" xmlns:a16="http://schemas.microsoft.com/office/drawing/2014/main" id="{A2A2AEE9-8884-2D45-AA3A-3CE8B669A441}"/>
+                  <a16:creationId xmlns:a16="http://schemas.microsoft.com/office/drawing/2014/main" xmlns="" id="{A2A2AEE9-8884-2D45-AA3A-3CE8B669A441}"/>
                 </a:ext>
               </a:extLst>
             </p:cNvPr>
@@ -6800,7 +6800,7 @@
           <p:cNvPr id="34" name="Text Placeholder 3">
             <a:extLst>
               <a:ext uri="{FF2B5EF4-FFF2-40B4-BE49-F238E27FC236}">
-                <a16:creationId xmlns="" xmlns:a16="http://schemas.microsoft.com/office/drawing/2014/main" id="{CB4F27FF-A5B2-0945-A886-8994C9CF0F9A}"/>
+                <a16:creationId xmlns:a16="http://schemas.microsoft.com/office/drawing/2014/main" xmlns="" id="{CB4F27FF-A5B2-0945-A886-8994C9CF0F9A}"/>
               </a:ext>
             </a:extLst>
           </p:cNvPr>
@@ -6854,7 +6854,7 @@
           <p:cNvPr id="35" name="Content Placeholder 5">
             <a:extLst>
               <a:ext uri="{FF2B5EF4-FFF2-40B4-BE49-F238E27FC236}">
-                <a16:creationId xmlns="" xmlns:a16="http://schemas.microsoft.com/office/drawing/2014/main" id="{1CE5651F-F4F6-9D45-A553-66B6FFCA522B}"/>
+                <a16:creationId xmlns:a16="http://schemas.microsoft.com/office/drawing/2014/main" xmlns="" id="{1CE5651F-F4F6-9D45-A553-66B6FFCA522B}"/>
               </a:ext>
             </a:extLst>
           </p:cNvPr>
@@ -6902,7 +6902,7 @@
           <p:cNvPr id="6" name="Picture 5">
             <a:extLst>
               <a:ext uri="{FF2B5EF4-FFF2-40B4-BE49-F238E27FC236}">
-                <a16:creationId xmlns="" xmlns:a16="http://schemas.microsoft.com/office/drawing/2014/main" id="{5BB22815-3E3B-0B48-9DCA-B05C2D5B9D70}"/>
+                <a16:creationId xmlns:a16="http://schemas.microsoft.com/office/drawing/2014/main" xmlns="" id="{5BB22815-3E3B-0B48-9DCA-B05C2D5B9D70}"/>
               </a:ext>
             </a:extLst>
           </p:cNvPr>
@@ -7614,7 +7614,7 @@
           <p:cNvPr id="12" name="Group 11">
             <a:extLst>
               <a:ext uri="{FF2B5EF4-FFF2-40B4-BE49-F238E27FC236}">
-                <a16:creationId xmlns="" xmlns:a16="http://schemas.microsoft.com/office/drawing/2014/main" id="{FECCA331-FFA6-F840-9C60-BF25ACF3BDB5}"/>
+                <a16:creationId xmlns:a16="http://schemas.microsoft.com/office/drawing/2014/main" xmlns="" id="{FECCA331-FFA6-F840-9C60-BF25ACF3BDB5}"/>
               </a:ext>
             </a:extLst>
           </p:cNvPr>
@@ -7634,7 +7634,7 @@
             <p:cNvPr id="13" name="箭號: 五邊形 12">
               <a:extLst>
                 <a:ext uri="{FF2B5EF4-FFF2-40B4-BE49-F238E27FC236}">
-                  <a16:creationId xmlns="" xmlns:a16="http://schemas.microsoft.com/office/drawing/2014/main" id="{1ECC6466-4EFD-5345-BC17-67AB57731DB7}"/>
+                  <a16:creationId xmlns:a16="http://schemas.microsoft.com/office/drawing/2014/main" xmlns="" id="{1ECC6466-4EFD-5345-BC17-67AB57731DB7}"/>
                 </a:ext>
               </a:extLst>
             </p:cNvPr>
@@ -7686,7 +7686,7 @@
             <p:cNvPr id="14" name="箭號: 五邊形 12">
               <a:extLst>
                 <a:ext uri="{FF2B5EF4-FFF2-40B4-BE49-F238E27FC236}">
-                  <a16:creationId xmlns="" xmlns:a16="http://schemas.microsoft.com/office/drawing/2014/main" id="{6CF55724-0A99-E64A-AB4C-0938CB62E153}"/>
+                  <a16:creationId xmlns:a16="http://schemas.microsoft.com/office/drawing/2014/main" xmlns="" id="{6CF55724-0A99-E64A-AB4C-0938CB62E153}"/>
                 </a:ext>
               </a:extLst>
             </p:cNvPr>
@@ -7745,7 +7745,7 @@
             <p:cNvPr id="15" name="箭號: 五邊形 12">
               <a:extLst>
                 <a:ext uri="{FF2B5EF4-FFF2-40B4-BE49-F238E27FC236}">
-                  <a16:creationId xmlns="" xmlns:a16="http://schemas.microsoft.com/office/drawing/2014/main" id="{D65D1FB8-4CF4-8B4A-A307-6F7F618C0D88}"/>
+                  <a16:creationId xmlns:a16="http://schemas.microsoft.com/office/drawing/2014/main" xmlns="" id="{D65D1FB8-4CF4-8B4A-A307-6F7F618C0D88}"/>
                 </a:ext>
               </a:extLst>
             </p:cNvPr>
@@ -8054,7 +8054,7 @@
           <p:cNvPr id="5" name="Picture 4">
             <a:extLst>
               <a:ext uri="{FF2B5EF4-FFF2-40B4-BE49-F238E27FC236}">
-                <a16:creationId xmlns="" xmlns:a16="http://schemas.microsoft.com/office/drawing/2014/main" id="{33C27645-19DC-4542-810A-E94761D6E227}"/>
+                <a16:creationId xmlns:a16="http://schemas.microsoft.com/office/drawing/2014/main" xmlns="" id="{33C27645-19DC-4542-810A-E94761D6E227}"/>
               </a:ext>
             </a:extLst>
           </p:cNvPr>
@@ -8553,7 +8553,7 @@
           <p:cNvPr id="23" name="內容版面配置區 2">
             <a:extLst>
               <a:ext uri="{FF2B5EF4-FFF2-40B4-BE49-F238E27FC236}">
-                <a16:creationId xmlns="" xmlns:a16="http://schemas.microsoft.com/office/drawing/2014/main" id="{9D1178A4-A62F-AE47-B4FD-DFBDEBC0B7E1}"/>
+                <a16:creationId xmlns:a16="http://schemas.microsoft.com/office/drawing/2014/main" xmlns="" id="{9D1178A4-A62F-AE47-B4FD-DFBDEBC0B7E1}"/>
               </a:ext>
             </a:extLst>
           </p:cNvPr>
@@ -8700,7 +8700,7 @@
           <p:cNvPr id="24" name="內容版面配置區 2">
             <a:extLst>
               <a:ext uri="{FF2B5EF4-FFF2-40B4-BE49-F238E27FC236}">
-                <a16:creationId xmlns="" xmlns:a16="http://schemas.microsoft.com/office/drawing/2014/main" id="{18BDE748-AF06-9848-B53D-40087470A386}"/>
+                <a16:creationId xmlns:a16="http://schemas.microsoft.com/office/drawing/2014/main" xmlns="" id="{18BDE748-AF06-9848-B53D-40087470A386}"/>
               </a:ext>
             </a:extLst>
           </p:cNvPr>
@@ -9451,7 +9451,7 @@
           <p:cNvPr id="20" name="內容版面配置區 2">
             <a:extLst>
               <a:ext uri="{FF2B5EF4-FFF2-40B4-BE49-F238E27FC236}">
-                <a16:creationId xmlns="" xmlns:a16="http://schemas.microsoft.com/office/drawing/2014/main" id="{9A4A12A5-18A4-CA4A-8E68-97EAFD19927B}"/>
+                <a16:creationId xmlns:a16="http://schemas.microsoft.com/office/drawing/2014/main" xmlns="" id="{9A4A12A5-18A4-CA4A-8E68-97EAFD19927B}"/>
               </a:ext>
             </a:extLst>
           </p:cNvPr>
@@ -9598,7 +9598,7 @@
           <p:cNvPr id="21" name="內容版面配置區 2">
             <a:extLst>
               <a:ext uri="{FF2B5EF4-FFF2-40B4-BE49-F238E27FC236}">
-                <a16:creationId xmlns="" xmlns:a16="http://schemas.microsoft.com/office/drawing/2014/main" id="{E09B3CAD-22B9-BC48-9D7D-2345FF14DD38}"/>
+                <a16:creationId xmlns:a16="http://schemas.microsoft.com/office/drawing/2014/main" xmlns="" id="{E09B3CAD-22B9-BC48-9D7D-2345FF14DD38}"/>
               </a:ext>
             </a:extLst>
           </p:cNvPr>
@@ -10515,7 +10515,7 @@
           <p:cNvPr id="5" name="Group 4">
             <a:extLst>
               <a:ext uri="{FF2B5EF4-FFF2-40B4-BE49-F238E27FC236}">
-                <a16:creationId xmlns="" xmlns:a16="http://schemas.microsoft.com/office/drawing/2014/main" id="{4DADA6C2-E637-F642-95E5-0309E3EB9F41}"/>
+                <a16:creationId xmlns:a16="http://schemas.microsoft.com/office/drawing/2014/main" xmlns="" id="{4DADA6C2-E637-F642-95E5-0309E3EB9F41}"/>
               </a:ext>
             </a:extLst>
           </p:cNvPr>
@@ -10535,7 +10535,7 @@
             <p:cNvPr id="17" name="箭號: 五邊形 12">
               <a:extLst>
                 <a:ext uri="{FF2B5EF4-FFF2-40B4-BE49-F238E27FC236}">
-                  <a16:creationId xmlns="" xmlns:a16="http://schemas.microsoft.com/office/drawing/2014/main" id="{C3424005-2947-5749-B94D-7EE01D59B97D}"/>
+                  <a16:creationId xmlns:a16="http://schemas.microsoft.com/office/drawing/2014/main" xmlns="" id="{C3424005-2947-5749-B94D-7EE01D59B97D}"/>
                 </a:ext>
               </a:extLst>
             </p:cNvPr>
@@ -10587,7 +10587,7 @@
             <p:cNvPr id="16" name="箭號: 五邊形 12">
               <a:extLst>
                 <a:ext uri="{FF2B5EF4-FFF2-40B4-BE49-F238E27FC236}">
-                  <a16:creationId xmlns="" xmlns:a16="http://schemas.microsoft.com/office/drawing/2014/main" id="{78B68587-E393-9C46-A4CA-137BCC2B13AD}"/>
+                  <a16:creationId xmlns:a16="http://schemas.microsoft.com/office/drawing/2014/main" xmlns="" id="{78B68587-E393-9C46-A4CA-137BCC2B13AD}"/>
                 </a:ext>
               </a:extLst>
             </p:cNvPr>
@@ -11055,7 +11055,7 @@
           <p:cNvPr id="18" name="內容版面配置區 2">
             <a:extLst>
               <a:ext uri="{FF2B5EF4-FFF2-40B4-BE49-F238E27FC236}">
-                <a16:creationId xmlns="" xmlns:a16="http://schemas.microsoft.com/office/drawing/2014/main" id="{BB9680E6-3D9F-FF42-BA19-F206A773FE60}"/>
+                <a16:creationId xmlns:a16="http://schemas.microsoft.com/office/drawing/2014/main" xmlns="" id="{BB9680E6-3D9F-FF42-BA19-F206A773FE60}"/>
               </a:ext>
             </a:extLst>
           </p:cNvPr>
@@ -11240,7 +11240,7 @@
           <p:cNvPr id="15" name="Group 14">
             <a:extLst>
               <a:ext uri="{FF2B5EF4-FFF2-40B4-BE49-F238E27FC236}">
-                <a16:creationId xmlns="" xmlns:a16="http://schemas.microsoft.com/office/drawing/2014/main" id="{7108562A-19D8-3347-A5CB-8FD2094D2AC6}"/>
+                <a16:creationId xmlns:a16="http://schemas.microsoft.com/office/drawing/2014/main" xmlns="" id="{7108562A-19D8-3347-A5CB-8FD2094D2AC6}"/>
               </a:ext>
             </a:extLst>
           </p:cNvPr>
@@ -11260,7 +11260,7 @@
             <p:cNvPr id="16" name="箭號: 五邊形 12">
               <a:extLst>
                 <a:ext uri="{FF2B5EF4-FFF2-40B4-BE49-F238E27FC236}">
-                  <a16:creationId xmlns="" xmlns:a16="http://schemas.microsoft.com/office/drawing/2014/main" id="{0350FA7D-8512-F24E-9F36-7F4296D197F2}"/>
+                  <a16:creationId xmlns:a16="http://schemas.microsoft.com/office/drawing/2014/main" xmlns="" id="{0350FA7D-8512-F24E-9F36-7F4296D197F2}"/>
                 </a:ext>
               </a:extLst>
             </p:cNvPr>
@@ -11312,7 +11312,7 @@
             <p:cNvPr id="17" name="箭號: 五邊形 12">
               <a:extLst>
                 <a:ext uri="{FF2B5EF4-FFF2-40B4-BE49-F238E27FC236}">
-                  <a16:creationId xmlns="" xmlns:a16="http://schemas.microsoft.com/office/drawing/2014/main" id="{125DE2BA-1E8B-2447-AEBE-4BDB2873316E}"/>
+                  <a16:creationId xmlns:a16="http://schemas.microsoft.com/office/drawing/2014/main" xmlns="" id="{125DE2BA-1E8B-2447-AEBE-4BDB2873316E}"/>
                 </a:ext>
               </a:extLst>
             </p:cNvPr>
@@ -11371,7 +11371,7 @@
             <p:cNvPr id="18" name="箭號: 五邊形 12">
               <a:extLst>
                 <a:ext uri="{FF2B5EF4-FFF2-40B4-BE49-F238E27FC236}">
-                  <a16:creationId xmlns="" xmlns:a16="http://schemas.microsoft.com/office/drawing/2014/main" id="{467877CF-B77C-BE4F-8D6F-89063BBFC3DE}"/>
+                  <a16:creationId xmlns:a16="http://schemas.microsoft.com/office/drawing/2014/main" xmlns="" id="{467877CF-B77C-BE4F-8D6F-89063BBFC3DE}"/>
                 </a:ext>
               </a:extLst>
             </p:cNvPr>
@@ -11734,7 +11734,7 @@
           <p:cNvPr id="22" name="標題 1">
             <a:extLst>
               <a:ext uri="{FF2B5EF4-FFF2-40B4-BE49-F238E27FC236}">
-                <a16:creationId xmlns="" xmlns:a16="http://schemas.microsoft.com/office/drawing/2014/main" id="{6E193196-9107-784C-A964-C67153D060CB}"/>
+                <a16:creationId xmlns:a16="http://schemas.microsoft.com/office/drawing/2014/main" xmlns="" id="{6E193196-9107-784C-A964-C67153D060CB}"/>
               </a:ext>
             </a:extLst>
           </p:cNvPr>
@@ -11777,7 +11777,7 @@
           <p:cNvPr id="24" name="文字版面配置區 3">
             <a:extLst>
               <a:ext uri="{FF2B5EF4-FFF2-40B4-BE49-F238E27FC236}">
-                <a16:creationId xmlns="" xmlns:a16="http://schemas.microsoft.com/office/drawing/2014/main" id="{5922BEEB-F3AC-E443-B34D-CE264A982284}"/>
+                <a16:creationId xmlns:a16="http://schemas.microsoft.com/office/drawing/2014/main" xmlns="" id="{5922BEEB-F3AC-E443-B34D-CE264A982284}"/>
               </a:ext>
             </a:extLst>
           </p:cNvPr>
@@ -26157,49 +26157,109 @@
       </p:sp>
       <p:sp>
         <p:nvSpPr>
-          <p:cNvPr id="3" name="矩形 2"/>
+          <p:cNvPr id="4" name="文字方塊 3"/>
+          <p:cNvSpPr txBox="1"/>
+          <p:nvPr/>
+        </p:nvSpPr>
+        <p:spPr>
+          <a:xfrm>
+            <a:off x="1355270" y="4121906"/>
+            <a:ext cx="6760029" cy="1754326"/>
+          </a:xfrm>
+          <a:prstGeom prst="rect">
+            <a:avLst/>
+          </a:prstGeom>
+        </p:spPr>
+        <p:txBody>
+          <a:bodyPr vert="horz" wrap="square" lIns="91440" tIns="45720" rIns="91440" bIns="45720" rtlCol="0" anchor="ctr">
+            <a:spAutoFit/>
+          </a:bodyPr>
+          <a:lstStyle/>
+          <a:p>
+            <a:r>
+              <a:rPr lang="en-US" altLang="zh-TW" sz="3600" dirty="0">
+                <a:solidFill>
+                  <a:schemeClr val="bg1">
+                    <a:lumMod val="95000"/>
+                  </a:schemeClr>
+                </a:solidFill>
+                <a:latin typeface="Times New Roman" charset="0"/>
+                <a:ea typeface="Times New Roman" charset="0"/>
+                <a:cs typeface="Times New Roman" charset="0"/>
+                <a:hlinkClick r:id="rId3" invalidUrl="https://github.com/ChenFaHaung/Signal_Training_Freshman/tree/master/Sample Code"/>
+              </a:rPr>
+              <a:t>https://</a:t>
+            </a:r>
+            <a:r>
+              <a:rPr lang="en-US" altLang="zh-TW" sz="3600" dirty="0" smtClean="0">
+                <a:solidFill>
+                  <a:schemeClr val="bg1">
+                    <a:lumMod val="95000"/>
+                  </a:schemeClr>
+                </a:solidFill>
+                <a:latin typeface="Times New Roman" charset="0"/>
+                <a:ea typeface="Times New Roman" charset="0"/>
+                <a:cs typeface="Times New Roman" charset="0"/>
+                <a:hlinkClick r:id="rId4" invalidUrl="https://github.com/ChenFaHaung/Signal_Training_Freshman/tree/master/Sample Code"/>
+              </a:rPr>
+              <a:t>github.com/ChenFaHaung/Signal_Training_Freshman/tree/master/Sample%20Code</a:t>
+            </a:r>
+            <a:r>
+              <a:rPr lang="en-US" altLang="zh-TW" sz="3600" dirty="0" smtClean="0">
+                <a:solidFill>
+                  <a:schemeClr val="bg1">
+                    <a:lumMod val="95000"/>
+                  </a:schemeClr>
+                </a:solidFill>
+                <a:latin typeface="Times New Roman" charset="0"/>
+                <a:ea typeface="Times New Roman" charset="0"/>
+                <a:cs typeface="Times New Roman" charset="0"/>
+              </a:rPr>
+              <a:t> </a:t>
+            </a:r>
+            <a:endParaRPr lang="zh-TW" altLang="en-US" sz="3600" b="0" baseline="0" dirty="0">
+              <a:solidFill>
+                <a:schemeClr val="bg1">
+                  <a:lumMod val="95000"/>
+                </a:schemeClr>
+              </a:solidFill>
+              <a:latin typeface="Times New Roman" charset="0"/>
+              <a:ea typeface="Times New Roman" charset="0"/>
+              <a:cs typeface="Times New Roman" charset="0"/>
+            </a:endParaRPr>
+          </a:p>
+        </p:txBody>
+      </p:sp>
+      <p:sp>
+        <p:nvSpPr>
+          <p:cNvPr id="5" name="矩形 4"/>
           <p:cNvSpPr/>
           <p:nvPr/>
         </p:nvSpPr>
         <p:spPr>
           <a:xfrm>
-            <a:off x="0" y="-148281"/>
-            <a:ext cx="12282616" cy="7364627"/>
+            <a:off x="1355270" y="2264620"/>
+            <a:ext cx="2108269" cy="1015663"/>
           </a:xfrm>
           <a:prstGeom prst="rect">
             <a:avLst/>
           </a:prstGeom>
-          <a:solidFill>
-            <a:schemeClr val="tx1">
-              <a:lumMod val="65000"/>
-              <a:lumOff val="35000"/>
-              <a:alpha val="86000"/>
-            </a:schemeClr>
-          </a:solidFill>
         </p:spPr>
-        <p:style>
-          <a:lnRef idx="2">
-            <a:schemeClr val="accent1">
-              <a:shade val="50000"/>
-            </a:schemeClr>
-          </a:lnRef>
-          <a:fillRef idx="1">
-            <a:schemeClr val="accent1"/>
-          </a:fillRef>
-          <a:effectRef idx="0">
-            <a:schemeClr val="accent1"/>
-          </a:effectRef>
-          <a:fontRef idx="minor">
-            <a:schemeClr val="lt1"/>
-          </a:fontRef>
-        </p:style>
         <p:txBody>
-          <a:bodyPr rtlCol="0" anchor="ctr"/>
+          <a:bodyPr wrap="none">
+            <a:spAutoFit/>
+          </a:bodyPr>
           <a:lstStyle/>
           <a:p>
             <a:pPr algn="ctr"/>
             <a:r>
-              <a:rPr lang="en-US" altLang="zh-TW" sz="6000" b="1" dirty="0" smtClean="0">
+              <a:rPr lang="en-US" altLang="zh-TW" sz="6000" b="1" dirty="0">
+                <a:solidFill>
+                  <a:schemeClr val="tx1">
+                    <a:lumMod val="95000"/>
+                    <a:lumOff val="5000"/>
+                  </a:schemeClr>
+                </a:solidFill>
                 <a:latin typeface="Times New Roman" charset="0"/>
                 <a:ea typeface="Times New Roman" charset="0"/>
                 <a:cs typeface="Times New Roman" charset="0"/>
@@ -26207,6 +26267,12 @@
               <a:t>Demo</a:t>
             </a:r>
             <a:endParaRPr lang="zh-TW" altLang="en-US" sz="6000" b="1" dirty="0">
+              <a:solidFill>
+                <a:schemeClr val="tx1">
+                  <a:lumMod val="95000"/>
+                  <a:lumOff val="5000"/>
+                </a:schemeClr>
+              </a:solidFill>
               <a:latin typeface="Times New Roman" charset="0"/>
               <a:ea typeface="Times New Roman" charset="0"/>
               <a:cs typeface="Times New Roman" charset="0"/>
@@ -28122,8 +28188,8 @@
           </a:p>
         </p:txBody>
       </p:sp>
-      <mc:AlternateContent xmlns:mc="http://schemas.openxmlformats.org/markup-compatibility/2006">
-        <mc:Choice xmlns:a14="http://schemas.microsoft.com/office/drawing/2010/main" Requires="a14">
+      <mc:AlternateContent xmlns:mc="http://schemas.openxmlformats.org/markup-compatibility/2006" xmlns:a14="http://schemas.microsoft.com/office/drawing/2010/main">
+        <mc:Choice Requires="a14">
           <p:sp>
             <p:nvSpPr>
               <p:cNvPr id="3" name="內容版面配置區 2"/>
@@ -28797,7 +28863,7 @@
             </p:txBody>
           </p:sp>
         </mc:Choice>
-        <mc:Fallback>
+        <mc:Fallback xmlns="">
           <p:sp>
             <p:nvSpPr>
               <p:cNvPr id="3" name="內容版面配置區 2"/>
@@ -28935,8 +29001,8 @@
           </a:p>
         </p:txBody>
       </p:sp>
-      <mc:AlternateContent xmlns:mc="http://schemas.openxmlformats.org/markup-compatibility/2006">
-        <mc:Choice xmlns:a14="http://schemas.microsoft.com/office/drawing/2010/main" Requires="a14">
+      <mc:AlternateContent xmlns:mc="http://schemas.openxmlformats.org/markup-compatibility/2006" xmlns:a14="http://schemas.microsoft.com/office/drawing/2010/main">
+        <mc:Choice Requires="a14">
           <p:sp>
             <p:nvSpPr>
               <p:cNvPr id="3" name="內容版面配置區 2"/>
@@ -29898,7 +29964,7 @@
             </p:txBody>
           </p:sp>
         </mc:Choice>
-        <mc:Fallback>
+        <mc:Fallback xmlns="">
           <p:sp>
             <p:nvSpPr>
               <p:cNvPr id="3" name="內容版面配置區 2"/>
@@ -30153,8 +30219,8 @@
           </a:p>
         </p:txBody>
       </p:sp>
-      <mc:AlternateContent xmlns:mc="http://schemas.openxmlformats.org/markup-compatibility/2006">
-        <mc:Choice xmlns:a14="http://schemas.microsoft.com/office/drawing/2010/main" Requires="a14">
+      <mc:AlternateContent xmlns:mc="http://schemas.openxmlformats.org/markup-compatibility/2006" xmlns:a14="http://schemas.microsoft.com/office/drawing/2010/main">
+        <mc:Choice Requires="a14">
           <p:sp>
             <p:nvSpPr>
               <p:cNvPr id="3" name="內容版面配置區 2"/>
@@ -30763,7 +30829,7 @@
             </p:txBody>
           </p:sp>
         </mc:Choice>
-        <mc:Fallback>
+        <mc:Fallback xmlns="">
           <p:sp>
             <p:nvSpPr>
               <p:cNvPr id="3" name="內容版面配置區 2"/>

--- a/Freshman_Training_Signal.pptx
+++ b/Freshman_Training_Signal.pptx
@@ -5,7 +5,7 @@
     <p:sldMasterId id="2147483660" r:id="rId1"/>
   </p:sldMasterIdLst>
   <p:notesMasterIdLst>
-    <p:notesMasterId r:id="rId36"/>
+    <p:notesMasterId r:id="rId37"/>
   </p:notesMasterIdLst>
   <p:sldIdLst>
     <p:sldId id="256" r:id="rId2"/>
@@ -15,33 +15,34 @@
     <p:sldId id="314" r:id="rId6"/>
     <p:sldId id="315" r:id="rId7"/>
     <p:sldId id="319" r:id="rId8"/>
-    <p:sldId id="317" r:id="rId9"/>
-    <p:sldId id="316" r:id="rId10"/>
-    <p:sldId id="323" r:id="rId11"/>
-    <p:sldId id="321" r:id="rId12"/>
-    <p:sldId id="374" r:id="rId13"/>
-    <p:sldId id="373" r:id="rId14"/>
-    <p:sldId id="322" r:id="rId15"/>
-    <p:sldId id="324" r:id="rId16"/>
-    <p:sldId id="375" r:id="rId17"/>
-    <p:sldId id="325" r:id="rId18"/>
-    <p:sldId id="326" r:id="rId19"/>
-    <p:sldId id="327" r:id="rId20"/>
-    <p:sldId id="328" r:id="rId21"/>
-    <p:sldId id="318" r:id="rId22"/>
-    <p:sldId id="304" r:id="rId23"/>
-    <p:sldId id="308" r:id="rId24"/>
-    <p:sldId id="307" r:id="rId25"/>
-    <p:sldId id="309" r:id="rId26"/>
-    <p:sldId id="310" r:id="rId27"/>
-    <p:sldId id="311" r:id="rId28"/>
-    <p:sldId id="312" r:id="rId29"/>
-    <p:sldId id="313" r:id="rId30"/>
-    <p:sldId id="329" r:id="rId31"/>
-    <p:sldId id="352" r:id="rId32"/>
-    <p:sldId id="376" r:id="rId33"/>
-    <p:sldId id="301" r:id="rId34"/>
-    <p:sldId id="377" r:id="rId35"/>
+    <p:sldId id="378" r:id="rId9"/>
+    <p:sldId id="317" r:id="rId10"/>
+    <p:sldId id="316" r:id="rId11"/>
+    <p:sldId id="323" r:id="rId12"/>
+    <p:sldId id="321" r:id="rId13"/>
+    <p:sldId id="374" r:id="rId14"/>
+    <p:sldId id="373" r:id="rId15"/>
+    <p:sldId id="322" r:id="rId16"/>
+    <p:sldId id="324" r:id="rId17"/>
+    <p:sldId id="375" r:id="rId18"/>
+    <p:sldId id="325" r:id="rId19"/>
+    <p:sldId id="326" r:id="rId20"/>
+    <p:sldId id="327" r:id="rId21"/>
+    <p:sldId id="328" r:id="rId22"/>
+    <p:sldId id="318" r:id="rId23"/>
+    <p:sldId id="304" r:id="rId24"/>
+    <p:sldId id="308" r:id="rId25"/>
+    <p:sldId id="307" r:id="rId26"/>
+    <p:sldId id="309" r:id="rId27"/>
+    <p:sldId id="310" r:id="rId28"/>
+    <p:sldId id="311" r:id="rId29"/>
+    <p:sldId id="312" r:id="rId30"/>
+    <p:sldId id="313" r:id="rId31"/>
+    <p:sldId id="329" r:id="rId32"/>
+    <p:sldId id="352" r:id="rId33"/>
+    <p:sldId id="376" r:id="rId34"/>
+    <p:sldId id="301" r:id="rId35"/>
+    <p:sldId id="377" r:id="rId36"/>
   </p:sldIdLst>
   <p:sldSz cx="12192000" cy="6858000"/>
   <p:notesSz cx="6858000" cy="9144000"/>
@@ -156,6 +157,7 @@
             <p14:sldId id="314"/>
             <p14:sldId id="315"/>
             <p14:sldId id="319"/>
+            <p14:sldId id="378"/>
             <p14:sldId id="317"/>
             <p14:sldId id="316"/>
             <p14:sldId id="323"/>
@@ -720,7 +722,7 @@
           <a:p>
             <a:fld id="{C79F9334-C2B5-40DC-A82F-94CC416C9799}" type="slidenum">
               <a:rPr lang="zh-TW" altLang="en-US" smtClean="0"/>
-              <a:t>12</a:t>
+              <a:t>13</a:t>
             </a:fld>
             <a:endParaRPr lang="zh-TW" altLang="en-US"/>
           </a:p>
@@ -849,7 +851,7 @@
           <a:p>
             <a:fld id="{C79F9334-C2B5-40DC-A82F-94CC416C9799}" type="slidenum">
               <a:rPr lang="zh-TW" altLang="en-US" smtClean="0"/>
-              <a:t>13</a:t>
+              <a:t>14</a:t>
             </a:fld>
             <a:endParaRPr lang="zh-TW" altLang="en-US"/>
           </a:p>
@@ -955,7 +957,7 @@
           <a:p>
             <a:fld id="{C79F9334-C2B5-40DC-A82F-94CC416C9799}" type="slidenum">
               <a:rPr lang="zh-TW" altLang="en-US" smtClean="0"/>
-              <a:t>14</a:t>
+              <a:t>15</a:t>
             </a:fld>
             <a:endParaRPr lang="zh-TW" altLang="en-US"/>
           </a:p>
@@ -1047,7 +1049,7 @@
           <a:p>
             <a:fld id="{C79F9334-C2B5-40DC-A82F-94CC416C9799}" type="slidenum">
               <a:rPr lang="zh-TW" altLang="en-US" smtClean="0"/>
-              <a:t>15</a:t>
+              <a:t>16</a:t>
             </a:fld>
             <a:endParaRPr lang="zh-TW" altLang="en-US"/>
           </a:p>
@@ -1162,7 +1164,7 @@
           <a:p>
             <a:fld id="{C79F9334-C2B5-40DC-A82F-94CC416C9799}" type="slidenum">
               <a:rPr lang="zh-TW" altLang="en-US" smtClean="0"/>
-              <a:t>16</a:t>
+              <a:t>17</a:t>
             </a:fld>
             <a:endParaRPr lang="zh-TW" altLang="en-US"/>
           </a:p>
@@ -1328,7 +1330,7 @@
           <a:p>
             <a:fld id="{C79F9334-C2B5-40DC-A82F-94CC416C9799}" type="slidenum">
               <a:rPr lang="zh-TW" altLang="en-US" smtClean="0"/>
-              <a:t>17</a:t>
+              <a:t>18</a:t>
             </a:fld>
             <a:endParaRPr lang="zh-TW" altLang="en-US"/>
           </a:p>
@@ -1420,7 +1422,7 @@
           <a:p>
             <a:fld id="{C79F9334-C2B5-40DC-A82F-94CC416C9799}" type="slidenum">
               <a:rPr lang="zh-TW" altLang="en-US" smtClean="0"/>
-              <a:t>18</a:t>
+              <a:t>19</a:t>
             </a:fld>
             <a:endParaRPr lang="zh-TW" altLang="en-US"/>
           </a:p>
@@ -1543,7 +1545,7 @@
           <a:p>
             <a:fld id="{C79F9334-C2B5-40DC-A82F-94CC416C9799}" type="slidenum">
               <a:rPr lang="zh-TW" altLang="en-US" smtClean="0"/>
-              <a:t>19</a:t>
+              <a:t>20</a:t>
             </a:fld>
             <a:endParaRPr lang="zh-TW" altLang="en-US"/>
           </a:p>
@@ -1649,7 +1651,7 @@
           <a:p>
             <a:fld id="{C79F9334-C2B5-40DC-A82F-94CC416C9799}" type="slidenum">
               <a:rPr lang="zh-TW" altLang="en-US" smtClean="0"/>
-              <a:t>20</a:t>
+              <a:t>21</a:t>
             </a:fld>
             <a:endParaRPr lang="zh-TW" altLang="en-US"/>
           </a:p>
@@ -1797,7 +1799,7 @@
           <a:p>
             <a:fld id="{C79F9334-C2B5-40DC-A82F-94CC416C9799}" type="slidenum">
               <a:rPr lang="zh-TW" altLang="en-US" smtClean="0"/>
-              <a:t>21</a:t>
+              <a:t>22</a:t>
             </a:fld>
             <a:endParaRPr lang="zh-TW" altLang="en-US"/>
           </a:p>
@@ -2037,7 +2039,7 @@
           <a:p>
             <a:fld id="{C79F9334-C2B5-40DC-A82F-94CC416C9799}" type="slidenum">
               <a:rPr lang="zh-TW" altLang="en-US" smtClean="0"/>
-              <a:t>22</a:t>
+              <a:t>23</a:t>
             </a:fld>
             <a:endParaRPr lang="zh-TW" altLang="en-US"/>
           </a:p>
@@ -2179,7 +2181,7 @@
           <a:p>
             <a:fld id="{C79F9334-C2B5-40DC-A82F-94CC416C9799}" type="slidenum">
               <a:rPr lang="zh-TW" altLang="en-US" smtClean="0"/>
-              <a:t>23</a:t>
+              <a:t>24</a:t>
             </a:fld>
             <a:endParaRPr lang="zh-TW" altLang="en-US"/>
           </a:p>
@@ -2267,7 +2269,7 @@
           <a:p>
             <a:fld id="{C79F9334-C2B5-40DC-A82F-94CC416C9799}" type="slidenum">
               <a:rPr lang="zh-TW" altLang="en-US" smtClean="0"/>
-              <a:t>24</a:t>
+              <a:t>25</a:t>
             </a:fld>
             <a:endParaRPr lang="zh-TW" altLang="en-US"/>
           </a:p>
@@ -2374,7 +2376,7 @@
           <a:p>
             <a:fld id="{C79F9334-C2B5-40DC-A82F-94CC416C9799}" type="slidenum">
               <a:rPr lang="zh-TW" altLang="en-US" smtClean="0"/>
-              <a:t>25</a:t>
+              <a:t>26</a:t>
             </a:fld>
             <a:endParaRPr lang="zh-TW" altLang="en-US"/>
           </a:p>
@@ -2528,7 +2530,7 @@
           <a:p>
             <a:fld id="{C79F9334-C2B5-40DC-A82F-94CC416C9799}" type="slidenum">
               <a:rPr lang="zh-TW" altLang="en-US" smtClean="0"/>
-              <a:t>26</a:t>
+              <a:t>27</a:t>
             </a:fld>
             <a:endParaRPr lang="zh-TW" altLang="en-US"/>
           </a:p>
@@ -2624,7 +2626,7 @@
           <a:p>
             <a:fld id="{C79F9334-C2B5-40DC-A82F-94CC416C9799}" type="slidenum">
               <a:rPr lang="zh-TW" altLang="en-US" smtClean="0"/>
-              <a:t>27</a:t>
+              <a:t>28</a:t>
             </a:fld>
             <a:endParaRPr lang="zh-TW" altLang="en-US"/>
           </a:p>
@@ -2738,7 +2740,7 @@
           <a:p>
             <a:fld id="{C79F9334-C2B5-40DC-A82F-94CC416C9799}" type="slidenum">
               <a:rPr lang="zh-TW" altLang="en-US" smtClean="0"/>
-              <a:t>28</a:t>
+              <a:t>29</a:t>
             </a:fld>
             <a:endParaRPr lang="zh-TW" altLang="en-US"/>
           </a:p>
@@ -2834,7 +2836,7 @@
           <a:p>
             <a:fld id="{C79F9334-C2B5-40DC-A82F-94CC416C9799}" type="slidenum">
               <a:rPr lang="zh-TW" altLang="en-US" smtClean="0"/>
-              <a:t>29</a:t>
+              <a:t>30</a:t>
             </a:fld>
             <a:endParaRPr lang="zh-TW" altLang="en-US"/>
           </a:p>
@@ -2954,7 +2956,7 @@
           <a:p>
             <a:fld id="{C79F9334-C2B5-40DC-A82F-94CC416C9799}" type="slidenum">
               <a:rPr lang="zh-TW" altLang="en-US" smtClean="0"/>
-              <a:t>30</a:t>
+              <a:t>31</a:t>
             </a:fld>
             <a:endParaRPr lang="zh-TW" altLang="en-US"/>
           </a:p>
@@ -3054,7 +3056,7 @@
           <a:p>
             <a:fld id="{C79F9334-C2B5-40DC-A82F-94CC416C9799}" type="slidenum">
               <a:rPr lang="zh-TW" altLang="en-US" smtClean="0"/>
-              <a:t>31</a:t>
+              <a:t>32</a:t>
             </a:fld>
             <a:endParaRPr lang="zh-TW" altLang="en-US"/>
           </a:p>
@@ -3311,7 +3313,7 @@
           <a:p>
             <a:fld id="{C79F9334-C2B5-40DC-A82F-94CC416C9799}" type="slidenum">
               <a:rPr lang="zh-TW" altLang="en-US" smtClean="0"/>
-              <a:t>32</a:t>
+              <a:t>33</a:t>
             </a:fld>
             <a:endParaRPr lang="zh-TW" altLang="en-US"/>
           </a:p>
@@ -3399,7 +3401,7 @@
           <a:p>
             <a:fld id="{C79F9334-C2B5-40DC-A82F-94CC416C9799}" type="slidenum">
               <a:rPr lang="zh-TW" altLang="en-US" smtClean="0"/>
-              <a:t>33</a:t>
+              <a:t>34</a:t>
             </a:fld>
             <a:endParaRPr lang="zh-TW" altLang="en-US"/>
           </a:p>
@@ -3871,7 +3873,7 @@
           <a:p>
             <a:fld id="{C79F9334-C2B5-40DC-A82F-94CC416C9799}" type="slidenum">
               <a:rPr lang="zh-TW" altLang="en-US" smtClean="0"/>
-              <a:t>8</a:t>
+              <a:t>9</a:t>
             </a:fld>
             <a:endParaRPr lang="zh-TW" altLang="en-US"/>
           </a:p>
@@ -4008,7 +4010,7 @@
           <a:p>
             <a:fld id="{C79F9334-C2B5-40DC-A82F-94CC416C9799}" type="slidenum">
               <a:rPr lang="zh-TW" altLang="en-US" smtClean="0"/>
-              <a:t>9</a:t>
+              <a:t>10</a:t>
             </a:fld>
             <a:endParaRPr lang="zh-TW" altLang="en-US"/>
           </a:p>
@@ -4100,7 +4102,7 @@
           <a:p>
             <a:fld id="{C79F9334-C2B5-40DC-A82F-94CC416C9799}" type="slidenum">
               <a:rPr lang="zh-TW" altLang="en-US" smtClean="0"/>
-              <a:t>10</a:t>
+              <a:t>11</a:t>
             </a:fld>
             <a:endParaRPr lang="zh-TW" altLang="en-US"/>
           </a:p>
@@ -4195,7 +4197,7 @@
           <a:p>
             <a:fld id="{C79F9334-C2B5-40DC-A82F-94CC416C9799}" type="slidenum">
               <a:rPr lang="zh-TW" altLang="en-US" smtClean="0"/>
-              <a:t>11</a:t>
+              <a:t>12</a:t>
             </a:fld>
             <a:endParaRPr lang="zh-TW" altLang="en-US"/>
           </a:p>
@@ -12486,7 +12488,30 @@
       </p:grpSpPr>
       <p:sp>
         <p:nvSpPr>
-          <p:cNvPr id="2" name="投影片編號版面配置區 1"/>
+          <p:cNvPr id="2" name="標題 1"/>
+          <p:cNvSpPr>
+            <a:spLocks noGrp="1"/>
+          </p:cNvSpPr>
+          <p:nvPr>
+            <p:ph type="title"/>
+          </p:nvPr>
+        </p:nvSpPr>
+        <p:spPr/>
+        <p:txBody>
+          <a:bodyPr/>
+          <a:lstStyle/>
+          <a:p>
+            <a:r>
+              <a:rPr kumimoji="1" lang="en-US" altLang="zh-TW" dirty="0" smtClean="0"/>
+              <a:t>Channel Fading</a:t>
+            </a:r>
+            <a:endParaRPr kumimoji="1" lang="zh-TW" altLang="en-US" dirty="0"/>
+          </a:p>
+        </p:txBody>
+      </p:sp>
+      <p:sp>
+        <p:nvSpPr>
+          <p:cNvPr id="4" name="投影片編號版面配置區 3"/>
           <p:cNvSpPr>
             <a:spLocks noGrp="1"/>
           </p:cNvSpPr>
@@ -12501,75 +12526,524 @@
           <a:p>
             <a:fld id="{3EBBE1F4-AE36-AD42-8177-96288CD18AD2}" type="slidenum">
               <a:rPr lang="en-US" smtClean="0"/>
+              <a:pPr/>
               <a:t>10</a:t>
             </a:fld>
             <a:endParaRPr lang="en-US"/>
           </a:p>
         </p:txBody>
       </p:sp>
-      <p:sp>
-        <p:nvSpPr>
-          <p:cNvPr id="3" name="矩形 2"/>
-          <p:cNvSpPr/>
-          <p:nvPr/>
-        </p:nvSpPr>
+      <p:pic>
+        <p:nvPicPr>
+          <p:cNvPr id="60" name="內容版面配置區 59"/>
+          <p:cNvPicPr>
+            <a:picLocks noGrp="1" noChangeAspect="1"/>
+          </p:cNvPicPr>
+          <p:nvPr>
+            <p:ph idx="1"/>
+          </p:nvPr>
+        </p:nvPicPr>
+        <p:blipFill>
+          <a:blip r:embed="rId3">
+            <a:extLst>
+              <a:ext uri="{28A0092B-C50C-407E-A947-70E740481C1C}">
+                <a14:useLocalDpi xmlns:a14="http://schemas.microsoft.com/office/drawing/2010/main" val="0"/>
+              </a:ext>
+            </a:extLst>
+          </a:blip>
+          <a:stretch>
+            <a:fillRect/>
+          </a:stretch>
+        </p:blipFill>
         <p:spPr>
           <a:xfrm>
-            <a:off x="0" y="-148281"/>
-            <a:ext cx="12282616" cy="7364627"/>
+            <a:off x="335360" y="1769641"/>
+            <a:ext cx="7117527" cy="4611687"/>
           </a:xfrm>
-          <a:prstGeom prst="rect">
+        </p:spPr>
+      </p:pic>
+      <p:cxnSp>
+        <p:nvCxnSpPr>
+          <p:cNvPr id="62" name="直線接點 61"/>
+          <p:cNvCxnSpPr/>
+          <p:nvPr/>
+        </p:nvCxnSpPr>
+        <p:spPr>
+          <a:xfrm>
+            <a:off x="5915756" y="4555158"/>
+            <a:ext cx="1537131" cy="583227"/>
+          </a:xfrm>
+          <a:prstGeom prst="line">
             <a:avLst/>
           </a:prstGeom>
-          <a:solidFill>
-            <a:schemeClr val="tx1">
-              <a:lumMod val="65000"/>
-              <a:lumOff val="35000"/>
-              <a:alpha val="86000"/>
-            </a:schemeClr>
-          </a:solidFill>
+          <a:ln w="12700">
+            <a:solidFill>
+              <a:srgbClr val="F60F1F"/>
+            </a:solidFill>
+          </a:ln>
         </p:spPr>
         <p:style>
-          <a:lnRef idx="2">
-            <a:schemeClr val="accent1">
-              <a:shade val="50000"/>
-            </a:schemeClr>
+          <a:lnRef idx="1">
+            <a:schemeClr val="accent1"/>
           </a:lnRef>
-          <a:fillRef idx="1">
+          <a:fillRef idx="0">
             <a:schemeClr val="accent1"/>
           </a:fillRef>
           <a:effectRef idx="0">
             <a:schemeClr val="accent1"/>
           </a:effectRef>
           <a:fontRef idx="minor">
-            <a:schemeClr val="lt1"/>
+            <a:schemeClr val="tx1"/>
           </a:fontRef>
         </p:style>
+      </p:cxnSp>
+      <p:sp>
+        <p:nvSpPr>
+          <p:cNvPr id="69" name="文字方塊 68"/>
+          <p:cNvSpPr txBox="1"/>
+          <p:nvPr/>
+        </p:nvSpPr>
+        <p:spPr>
+          <a:xfrm>
+            <a:off x="6795896" y="4410655"/>
+            <a:ext cx="4575290" cy="1015663"/>
+          </a:xfrm>
+          <a:prstGeom prst="rect">
+            <a:avLst/>
+          </a:prstGeom>
+        </p:spPr>
         <p:txBody>
-          <a:bodyPr rtlCol="0" anchor="ctr"/>
+          <a:bodyPr vert="horz" wrap="none" lIns="91440" tIns="45720" rIns="91440" bIns="45720" rtlCol="0" anchor="ctr">
+            <a:spAutoFit/>
+          </a:bodyPr>
           <a:lstStyle/>
           <a:p>
             <a:pPr algn="ctr"/>
             <a:r>
-              <a:rPr lang="en-US" altLang="zh-TW" sz="6000" b="1" dirty="0" smtClean="0">
+              <a:rPr lang="en-US" altLang="zh-TW" sz="2800" dirty="0">
+                <a:solidFill>
+                  <a:srgbClr val="FF0000"/>
+                </a:solidFill>
                 <a:latin typeface="Times New Roman" charset="0"/>
                 <a:ea typeface="Times New Roman" charset="0"/>
                 <a:cs typeface="Times New Roman" charset="0"/>
               </a:rPr>
-              <a:t>Small-Scale Fading</a:t>
-            </a:r>
-            <a:endParaRPr lang="zh-TW" altLang="en-US" sz="6000" b="1" dirty="0">
+              <a:t>Fluctuation of the local mean: </a:t>
+            </a:r>
+            <a:endParaRPr lang="en-US" altLang="zh-TW" sz="2800" dirty="0" smtClean="0">
+              <a:solidFill>
+                <a:srgbClr val="FF0000"/>
+              </a:solidFill>
               <a:latin typeface="Times New Roman" charset="0"/>
               <a:ea typeface="Times New Roman" charset="0"/>
               <a:cs typeface="Times New Roman" charset="0"/>
             </a:endParaRPr>
           </a:p>
+          <a:p>
+            <a:pPr algn="ctr"/>
+            <a:r>
+              <a:rPr lang="en-US" altLang="zh-TW" sz="3200" b="1" dirty="0" smtClean="0">
+                <a:solidFill>
+                  <a:srgbClr val="FF0000"/>
+                </a:solidFill>
+                <a:latin typeface="Times New Roman" charset="0"/>
+                <a:ea typeface="Times New Roman" charset="0"/>
+                <a:cs typeface="Times New Roman" charset="0"/>
+              </a:rPr>
+              <a:t>Large-scale</a:t>
+            </a:r>
+            <a:r>
+              <a:rPr lang="en-US" altLang="zh-TW" sz="3200" dirty="0" smtClean="0">
+                <a:solidFill>
+                  <a:srgbClr val="FF0000"/>
+                </a:solidFill>
+                <a:latin typeface="Times New Roman" charset="0"/>
+                <a:ea typeface="Times New Roman" charset="0"/>
+                <a:cs typeface="Times New Roman" charset="0"/>
+              </a:rPr>
+              <a:t> </a:t>
+            </a:r>
+            <a:r>
+              <a:rPr lang="en-US" altLang="zh-TW" sz="2800" dirty="0" smtClean="0">
+                <a:solidFill>
+                  <a:srgbClr val="FF0000"/>
+                </a:solidFill>
+                <a:latin typeface="Times New Roman" charset="0"/>
+                <a:ea typeface="Times New Roman" charset="0"/>
+                <a:cs typeface="Times New Roman" charset="0"/>
+              </a:rPr>
+              <a:t>fading</a:t>
+            </a:r>
+            <a:endParaRPr lang="en-US" altLang="zh-TW" sz="2800" dirty="0">
+              <a:solidFill>
+                <a:srgbClr val="FF0000"/>
+              </a:solidFill>
+              <a:latin typeface="Times New Roman" charset="0"/>
+              <a:ea typeface="Times New Roman" charset="0"/>
+              <a:cs typeface="Times New Roman" charset="0"/>
+            </a:endParaRPr>
+          </a:p>
         </p:txBody>
       </p:sp>
+      <p:cxnSp>
+        <p:nvCxnSpPr>
+          <p:cNvPr id="71" name="直線箭頭接點 70"/>
+          <p:cNvCxnSpPr/>
+          <p:nvPr/>
+        </p:nvCxnSpPr>
+        <p:spPr>
+          <a:xfrm flipV="1">
+            <a:off x="6206515" y="2909152"/>
+            <a:ext cx="1246372" cy="506496"/>
+          </a:xfrm>
+          <a:prstGeom prst="straightConnector1">
+            <a:avLst/>
+          </a:prstGeom>
+          <a:ln w="12700">
+            <a:headEnd type="triangle" w="lg" len="med"/>
+            <a:tailEnd type="none"/>
+          </a:ln>
+        </p:spPr>
+        <p:style>
+          <a:lnRef idx="1">
+            <a:schemeClr val="accent1"/>
+          </a:lnRef>
+          <a:fillRef idx="0">
+            <a:schemeClr val="accent1"/>
+          </a:fillRef>
+          <a:effectRef idx="0">
+            <a:schemeClr val="accent1"/>
+          </a:effectRef>
+          <a:fontRef idx="minor">
+            <a:schemeClr val="tx1"/>
+          </a:fontRef>
+        </p:style>
+      </p:cxnSp>
+      <p:sp>
+        <p:nvSpPr>
+          <p:cNvPr id="76" name="文字方塊 75"/>
+          <p:cNvSpPr txBox="1"/>
+          <p:nvPr/>
+        </p:nvSpPr>
+        <p:spPr>
+          <a:xfrm>
+            <a:off x="6805101" y="2147219"/>
+            <a:ext cx="4575290" cy="1015663"/>
+          </a:xfrm>
+          <a:prstGeom prst="rect">
+            <a:avLst/>
+          </a:prstGeom>
+        </p:spPr>
+        <p:txBody>
+          <a:bodyPr vert="horz" wrap="none" lIns="91440" tIns="45720" rIns="91440" bIns="45720" rtlCol="0" anchor="ctr">
+            <a:spAutoFit/>
+          </a:bodyPr>
+          <a:lstStyle/>
+          <a:p>
+            <a:pPr algn="ctr"/>
+            <a:r>
+              <a:rPr lang="en-US" altLang="zh-TW" sz="2800" dirty="0">
+                <a:solidFill>
+                  <a:schemeClr val="accent1"/>
+                </a:solidFill>
+                <a:latin typeface="Times New Roman" charset="0"/>
+                <a:ea typeface="Times New Roman" charset="0"/>
+                <a:cs typeface="Times New Roman" charset="0"/>
+              </a:rPr>
+              <a:t>Fluctuation of the local mean: </a:t>
+            </a:r>
+          </a:p>
+          <a:p>
+            <a:pPr algn="ctr"/>
+            <a:r>
+              <a:rPr lang="en-US" altLang="zh-TW" sz="3200" b="1" dirty="0" smtClean="0">
+                <a:solidFill>
+                  <a:schemeClr val="accent1"/>
+                </a:solidFill>
+                <a:latin typeface="Times New Roman" charset="0"/>
+                <a:ea typeface="Times New Roman" charset="0"/>
+                <a:cs typeface="Times New Roman" charset="0"/>
+              </a:rPr>
+              <a:t>Small-scale</a:t>
+            </a:r>
+            <a:r>
+              <a:rPr lang="en-US" altLang="zh-TW" sz="3200" dirty="0" smtClean="0">
+                <a:solidFill>
+                  <a:schemeClr val="accent1"/>
+                </a:solidFill>
+                <a:latin typeface="Times New Roman" charset="0"/>
+                <a:ea typeface="Times New Roman" charset="0"/>
+                <a:cs typeface="Times New Roman" charset="0"/>
+              </a:rPr>
+              <a:t> </a:t>
+            </a:r>
+            <a:r>
+              <a:rPr lang="en-US" altLang="zh-TW" sz="2800" dirty="0" smtClean="0">
+                <a:solidFill>
+                  <a:schemeClr val="accent1"/>
+                </a:solidFill>
+                <a:latin typeface="Times New Roman" charset="0"/>
+                <a:ea typeface="Times New Roman" charset="0"/>
+                <a:cs typeface="Times New Roman" charset="0"/>
+              </a:rPr>
+              <a:t>fading</a:t>
+            </a:r>
+            <a:endParaRPr lang="en-US" altLang="zh-TW" sz="2800" dirty="0">
+              <a:solidFill>
+                <a:schemeClr val="accent1"/>
+              </a:solidFill>
+              <a:latin typeface="Times New Roman" charset="0"/>
+              <a:ea typeface="Times New Roman" charset="0"/>
+              <a:cs typeface="Times New Roman" charset="0"/>
+            </a:endParaRPr>
+          </a:p>
+        </p:txBody>
+      </p:sp>
+      <mc:AlternateContent xmlns:mc="http://schemas.openxmlformats.org/markup-compatibility/2006" xmlns:a14="http://schemas.microsoft.com/office/drawing/2010/main">
+        <mc:Choice Requires="a14">
+          <p:sp>
+            <p:nvSpPr>
+              <p:cNvPr id="77" name="文字方塊 76"/>
+              <p:cNvSpPr txBox="1"/>
+              <p:nvPr/>
+            </p:nvSpPr>
+            <p:spPr>
+              <a:xfrm>
+                <a:off x="7267467" y="5609783"/>
+                <a:ext cx="3632148" cy="954107"/>
+              </a:xfrm>
+              <a:prstGeom prst="rect">
+                <a:avLst/>
+              </a:prstGeom>
+            </p:spPr>
+            <p:txBody>
+              <a:bodyPr vert="horz" wrap="none" lIns="91440" tIns="45720" rIns="91440" bIns="45720" rtlCol="0" anchor="ctr">
+                <a:spAutoFit/>
+              </a:bodyPr>
+              <a:lstStyle/>
+              <a:p>
+                <a14:m>
+                  <m:oMath xmlns:m="http://schemas.openxmlformats.org/officeDocument/2006/math">
+                    <m:sSub>
+                      <m:sSubPr>
+                        <m:ctrlPr>
+                          <a:rPr kumimoji="1" lang="en-US" altLang="zh-TW" sz="2800" b="0" i="1" baseline="0" smtClean="0">
+                            <a:solidFill>
+                              <a:schemeClr val="tx1">
+                                <a:lumMod val="65000"/>
+                                <a:lumOff val="35000"/>
+                              </a:schemeClr>
+                            </a:solidFill>
+                            <a:latin typeface="Cambria Math" charset="0"/>
+                            <a:ea typeface="微軟正黑體" panose="020B0604030504040204" pitchFamily="34" charset="-120"/>
+                            <a:cs typeface="Arial" panose="020B0604020202020204" pitchFamily="34" charset="0"/>
+                          </a:rPr>
+                        </m:ctrlPr>
+                      </m:sSubPr>
+                      <m:e>
+                        <m:r>
+                          <a:rPr kumimoji="1" lang="en-US" altLang="zh-TW" sz="2800" b="0" i="1" baseline="0" smtClean="0">
+                            <a:solidFill>
+                              <a:schemeClr val="tx1">
+                                <a:lumMod val="65000"/>
+                                <a:lumOff val="35000"/>
+                              </a:schemeClr>
+                            </a:solidFill>
+                            <a:latin typeface="Cambria Math" charset="0"/>
+                            <a:ea typeface="微軟正黑體" panose="020B0604030504040204" pitchFamily="34" charset="-120"/>
+                            <a:cs typeface="Arial" panose="020B0604020202020204" pitchFamily="34" charset="0"/>
+                          </a:rPr>
+                          <m:t>𝑃</m:t>
+                        </m:r>
+                      </m:e>
+                      <m:sub>
+                        <m:r>
+                          <a:rPr kumimoji="1" lang="en-US" altLang="zh-TW" sz="2800" b="0" i="1" baseline="0" smtClean="0">
+                            <a:solidFill>
+                              <a:schemeClr val="tx1">
+                                <a:lumMod val="65000"/>
+                                <a:lumOff val="35000"/>
+                              </a:schemeClr>
+                            </a:solidFill>
+                            <a:latin typeface="Cambria Math" charset="0"/>
+                            <a:ea typeface="微軟正黑體" panose="020B0604030504040204" pitchFamily="34" charset="-120"/>
+                            <a:cs typeface="Arial" panose="020B0604020202020204" pitchFamily="34" charset="0"/>
+                          </a:rPr>
+                          <m:t>𝑡</m:t>
+                        </m:r>
+                      </m:sub>
+                    </m:sSub>
+                  </m:oMath>
+                </a14:m>
+                <a:r>
+                  <a:rPr kumimoji="1" lang="en-US" altLang="zh-TW" sz="2800" b="0" baseline="0" dirty="0" smtClean="0">
+                    <a:solidFill>
+                      <a:schemeClr val="tx1">
+                        <a:lumMod val="65000"/>
+                        <a:lumOff val="35000"/>
+                      </a:schemeClr>
+                    </a:solidFill>
+                    <a:latin typeface="Calibri" panose="020F0502020204030204" pitchFamily="34" charset="0"/>
+                    <a:ea typeface="微軟正黑體" panose="020B0604030504040204" pitchFamily="34" charset="-120"/>
+                    <a:cs typeface="Arial" panose="020B0604020202020204" pitchFamily="34" charset="0"/>
+                  </a:rPr>
+                  <a:t> : transmission power</a:t>
+                </a:r>
+              </a:p>
+              <a:p>
+                <a14:m>
+                  <m:oMath xmlns:m="http://schemas.openxmlformats.org/officeDocument/2006/math">
+                    <m:sSub>
+                      <m:sSubPr>
+                        <m:ctrlPr>
+                          <a:rPr kumimoji="1" lang="en-US" altLang="zh-TW" sz="2800" i="1">
+                            <a:solidFill>
+                              <a:schemeClr val="tx1">
+                                <a:lumMod val="65000"/>
+                                <a:lumOff val="35000"/>
+                              </a:schemeClr>
+                            </a:solidFill>
+                            <a:latin typeface="Cambria Math" charset="0"/>
+                            <a:ea typeface="微軟正黑體" panose="020B0604030504040204" pitchFamily="34" charset="-120"/>
+                            <a:cs typeface="Arial" panose="020B0604020202020204" pitchFamily="34" charset="0"/>
+                          </a:rPr>
+                        </m:ctrlPr>
+                      </m:sSubPr>
+                      <m:e>
+                        <m:r>
+                          <a:rPr kumimoji="1" lang="en-US" altLang="zh-TW" sz="2800" i="1">
+                            <a:solidFill>
+                              <a:schemeClr val="tx1">
+                                <a:lumMod val="65000"/>
+                                <a:lumOff val="35000"/>
+                              </a:schemeClr>
+                            </a:solidFill>
+                            <a:latin typeface="Cambria Math" charset="0"/>
+                            <a:ea typeface="微軟正黑體" panose="020B0604030504040204" pitchFamily="34" charset="-120"/>
+                            <a:cs typeface="Arial" panose="020B0604020202020204" pitchFamily="34" charset="0"/>
+                          </a:rPr>
+                          <m:t>𝑃</m:t>
+                        </m:r>
+                      </m:e>
+                      <m:sub>
+                        <m:r>
+                          <a:rPr kumimoji="1" lang="en-US" altLang="zh-TW" sz="2800" b="0" i="1" smtClean="0">
+                            <a:solidFill>
+                              <a:schemeClr val="tx1">
+                                <a:lumMod val="65000"/>
+                                <a:lumOff val="35000"/>
+                              </a:schemeClr>
+                            </a:solidFill>
+                            <a:latin typeface="Cambria Math" charset="0"/>
+                            <a:ea typeface="微軟正黑體" panose="020B0604030504040204" pitchFamily="34" charset="-120"/>
+                            <a:cs typeface="Arial" panose="020B0604020202020204" pitchFamily="34" charset="0"/>
+                          </a:rPr>
+                          <m:t>𝑟</m:t>
+                        </m:r>
+                      </m:sub>
+                    </m:sSub>
+                  </m:oMath>
+                </a14:m>
+                <a:r>
+                  <a:rPr kumimoji="1" lang="en-US" altLang="zh-TW" sz="2800" dirty="0">
+                    <a:solidFill>
+                      <a:schemeClr val="tx1">
+                        <a:lumMod val="65000"/>
+                        <a:lumOff val="35000"/>
+                      </a:schemeClr>
+                    </a:solidFill>
+                    <a:latin typeface="Calibri" panose="020F0502020204030204" pitchFamily="34" charset="0"/>
+                    <a:ea typeface="微軟正黑體" panose="020B0604030504040204" pitchFamily="34" charset="-120"/>
+                    <a:cs typeface="Arial" panose="020B0604020202020204" pitchFamily="34" charset="0"/>
+                  </a:rPr>
+                  <a:t> : </a:t>
+                </a:r>
+                <a:r>
+                  <a:rPr kumimoji="1" lang="en-US" altLang="zh-TW" sz="2800" dirty="0" smtClean="0">
+                    <a:solidFill>
+                      <a:schemeClr val="tx1">
+                        <a:lumMod val="65000"/>
+                        <a:lumOff val="35000"/>
+                      </a:schemeClr>
+                    </a:solidFill>
+                    <a:latin typeface="Calibri" panose="020F0502020204030204" pitchFamily="34" charset="0"/>
+                    <a:ea typeface="微軟正黑體" panose="020B0604030504040204" pitchFamily="34" charset="-120"/>
+                    <a:cs typeface="Arial" panose="020B0604020202020204" pitchFamily="34" charset="0"/>
+                  </a:rPr>
+                  <a:t>received </a:t>
+                </a:r>
+                <a:r>
+                  <a:rPr kumimoji="1" lang="en-US" altLang="zh-TW" sz="2800" dirty="0">
+                    <a:solidFill>
+                      <a:schemeClr val="tx1">
+                        <a:lumMod val="65000"/>
+                        <a:lumOff val="35000"/>
+                      </a:schemeClr>
+                    </a:solidFill>
+                    <a:latin typeface="Calibri" panose="020F0502020204030204" pitchFamily="34" charset="0"/>
+                    <a:ea typeface="微軟正黑體" panose="020B0604030504040204" pitchFamily="34" charset="-120"/>
+                    <a:cs typeface="Arial" panose="020B0604020202020204" pitchFamily="34" charset="0"/>
+                  </a:rPr>
+                  <a:t>power</a:t>
+                </a:r>
+                <a:endParaRPr kumimoji="1" lang="zh-TW" altLang="en-US" sz="2800" b="0" baseline="0" dirty="0">
+                  <a:solidFill>
+                    <a:schemeClr val="tx1">
+                      <a:lumMod val="65000"/>
+                      <a:lumOff val="35000"/>
+                    </a:schemeClr>
+                  </a:solidFill>
+                  <a:latin typeface="Calibri" panose="020F0502020204030204" pitchFamily="34" charset="0"/>
+                  <a:ea typeface="微軟正黑體" panose="020B0604030504040204" pitchFamily="34" charset="-120"/>
+                  <a:cs typeface="Arial" panose="020B0604020202020204" pitchFamily="34" charset="0"/>
+                </a:endParaRPr>
+              </a:p>
+            </p:txBody>
+          </p:sp>
+        </mc:Choice>
+        <mc:Fallback xmlns="">
+          <p:sp>
+            <p:nvSpPr>
+              <p:cNvPr id="77" name="文字方塊 76"/>
+              <p:cNvSpPr txBox="1">
+                <a:spLocks noRot="1" noChangeAspect="1" noMove="1" noResize="1" noEditPoints="1" noAdjustHandles="1" noChangeArrowheads="1" noChangeShapeType="1" noTextEdit="1"/>
+              </p:cNvSpPr>
+              <p:nvPr/>
+            </p:nvSpPr>
+            <p:spPr>
+              <a:xfrm>
+                <a:off x="7267467" y="5609783"/>
+                <a:ext cx="3632148" cy="954107"/>
+              </a:xfrm>
+              <a:prstGeom prst="rect">
+                <a:avLst/>
+              </a:prstGeom>
+              <a:blipFill rotWithShape="0">
+                <a:blip r:embed="rId4"/>
+                <a:stretch>
+                  <a:fillRect t="-5732" r="-2349" b="-17834"/>
+                </a:stretch>
+              </a:blipFill>
+            </p:spPr>
+            <p:txBody>
+              <a:bodyPr/>
+              <a:lstStyle/>
+              <a:p>
+                <a:r>
+                  <a:rPr lang="zh-TW" altLang="en-US">
+                    <a:noFill/>
+                  </a:rPr>
+                  <a:t> </a:t>
+                </a:r>
+              </a:p>
+            </p:txBody>
+          </p:sp>
+        </mc:Fallback>
+      </mc:AlternateContent>
     </p:spTree>
     <p:extLst>
       <p:ext uri="{BB962C8B-B14F-4D97-AF65-F5344CB8AC3E}">
-        <p14:creationId xmlns:p14="http://schemas.microsoft.com/office/powerpoint/2010/main" val="432575987"/>
+        <p14:creationId xmlns:p14="http://schemas.microsoft.com/office/powerpoint/2010/main" val="1570010807"/>
       </p:ext>
     </p:extLst>
   </p:cSld>
@@ -12617,125 +13091,7 @@
       </p:grpSpPr>
       <p:sp>
         <p:nvSpPr>
-          <p:cNvPr id="2" name="標題 1"/>
-          <p:cNvSpPr>
-            <a:spLocks noGrp="1"/>
-          </p:cNvSpPr>
-          <p:nvPr>
-            <p:ph type="title"/>
-          </p:nvPr>
-        </p:nvSpPr>
-        <p:spPr/>
-        <p:txBody>
-          <a:bodyPr/>
-          <a:lstStyle/>
-          <a:p>
-            <a:r>
-              <a:rPr kumimoji="1" lang="en-US" altLang="zh-TW" dirty="0"/>
-              <a:t>Channel Fading</a:t>
-            </a:r>
-            <a:endParaRPr kumimoji="1" lang="zh-TW" altLang="en-US" dirty="0"/>
-          </a:p>
-        </p:txBody>
-      </p:sp>
-      <p:sp>
-        <p:nvSpPr>
-          <p:cNvPr id="3" name="內容版面配置區 2"/>
-          <p:cNvSpPr>
-            <a:spLocks noGrp="1"/>
-          </p:cNvSpPr>
-          <p:nvPr>
-            <p:ph idx="1"/>
-          </p:nvPr>
-        </p:nvSpPr>
-        <p:spPr/>
-        <p:txBody>
-          <a:bodyPr/>
-          <a:lstStyle/>
-          <a:p>
-            <a:pPr>
-              <a:lnSpc>
-                <a:spcPct val="200000"/>
-              </a:lnSpc>
-            </a:pPr>
-            <a:r>
-              <a:rPr kumimoji="1" lang="en-US" altLang="zh-TW" sz="3200" dirty="0" smtClean="0">
-                <a:latin typeface="Times New Roman" charset="0"/>
-                <a:ea typeface="Times New Roman" charset="0"/>
-                <a:cs typeface="Times New Roman" charset="0"/>
-              </a:rPr>
-              <a:t>Mobility</a:t>
-            </a:r>
-          </a:p>
-          <a:p>
-            <a:pPr lvl="1"/>
-            <a:r>
-              <a:rPr kumimoji="1" lang="en-US" altLang="zh-TW" sz="3200" dirty="0" smtClean="0">
-                <a:latin typeface="Times New Roman" charset="0"/>
-                <a:ea typeface="Times New Roman" charset="0"/>
-                <a:cs typeface="Times New Roman" charset="0"/>
-              </a:rPr>
-              <a:t>Slow Fading</a:t>
-            </a:r>
-          </a:p>
-          <a:p>
-            <a:pPr lvl="1"/>
-            <a:r>
-              <a:rPr kumimoji="1" lang="en-US" altLang="zh-TW" sz="3200" dirty="0" smtClean="0">
-                <a:latin typeface="Times New Roman" charset="0"/>
-                <a:ea typeface="Times New Roman" charset="0"/>
-                <a:cs typeface="Times New Roman" charset="0"/>
-              </a:rPr>
-              <a:t>Fast Fading</a:t>
-            </a:r>
-          </a:p>
-          <a:p>
-            <a:pPr>
-              <a:lnSpc>
-                <a:spcPct val="200000"/>
-              </a:lnSpc>
-            </a:pPr>
-            <a:r>
-              <a:rPr kumimoji="1" lang="en-US" altLang="zh-TW" sz="3200" dirty="0" smtClean="0">
-                <a:latin typeface="Times New Roman" charset="0"/>
-                <a:ea typeface="Times New Roman" charset="0"/>
-                <a:cs typeface="Times New Roman" charset="0"/>
-              </a:rPr>
-              <a:t>Multipath</a:t>
-            </a:r>
-          </a:p>
-          <a:p>
-            <a:pPr lvl="1"/>
-            <a:r>
-              <a:rPr kumimoji="1" lang="en-US" altLang="zh-TW" sz="3200" dirty="0" smtClean="0">
-                <a:latin typeface="Times New Roman" charset="0"/>
-                <a:ea typeface="Times New Roman" charset="0"/>
-                <a:cs typeface="Times New Roman" charset="0"/>
-              </a:rPr>
-              <a:t>Flat Fading </a:t>
-            </a:r>
-          </a:p>
-          <a:p>
-            <a:pPr lvl="1"/>
-            <a:r>
-              <a:rPr kumimoji="1" lang="en-US" altLang="zh-TW" sz="3200" dirty="0" smtClean="0">
-                <a:latin typeface="Times New Roman" charset="0"/>
-                <a:ea typeface="Times New Roman" charset="0"/>
-                <a:cs typeface="Times New Roman" charset="0"/>
-              </a:rPr>
-              <a:t>Frequency-selective Fading</a:t>
-            </a:r>
-            <a:endParaRPr kumimoji="1" lang="zh-TW" altLang="en-US" sz="3200" dirty="0">
-              <a:latin typeface="Times New Roman" charset="0"/>
-              <a:ea typeface="Times New Roman" charset="0"/>
-              <a:cs typeface="Times New Roman" charset="0"/>
-            </a:endParaRPr>
-          </a:p>
-        </p:txBody>
-      </p:sp>
-      <p:sp>
-        <p:nvSpPr>
-          <p:cNvPr id="4" name="投影片編號版面配置區 3"/>
+          <p:cNvPr id="2" name="投影片編號版面配置區 1"/>
           <p:cNvSpPr>
             <a:spLocks noGrp="1"/>
           </p:cNvSpPr>
@@ -12750,17 +13106,75 @@
           <a:p>
             <a:fld id="{3EBBE1F4-AE36-AD42-8177-96288CD18AD2}" type="slidenum">
               <a:rPr lang="en-US" smtClean="0"/>
-              <a:pPr/>
               <a:t>11</a:t>
             </a:fld>
             <a:endParaRPr lang="en-US"/>
+          </a:p>
+        </p:txBody>
+      </p:sp>
+      <p:sp>
+        <p:nvSpPr>
+          <p:cNvPr id="3" name="矩形 2"/>
+          <p:cNvSpPr/>
+          <p:nvPr/>
+        </p:nvSpPr>
+        <p:spPr>
+          <a:xfrm>
+            <a:off x="0" y="-148281"/>
+            <a:ext cx="12282616" cy="7364627"/>
+          </a:xfrm>
+          <a:prstGeom prst="rect">
+            <a:avLst/>
+          </a:prstGeom>
+          <a:solidFill>
+            <a:schemeClr val="tx1">
+              <a:lumMod val="65000"/>
+              <a:lumOff val="35000"/>
+              <a:alpha val="86000"/>
+            </a:schemeClr>
+          </a:solidFill>
+        </p:spPr>
+        <p:style>
+          <a:lnRef idx="2">
+            <a:schemeClr val="accent1">
+              <a:shade val="50000"/>
+            </a:schemeClr>
+          </a:lnRef>
+          <a:fillRef idx="1">
+            <a:schemeClr val="accent1"/>
+          </a:fillRef>
+          <a:effectRef idx="0">
+            <a:schemeClr val="accent1"/>
+          </a:effectRef>
+          <a:fontRef idx="minor">
+            <a:schemeClr val="lt1"/>
+          </a:fontRef>
+        </p:style>
+        <p:txBody>
+          <a:bodyPr rtlCol="0" anchor="ctr"/>
+          <a:lstStyle/>
+          <a:p>
+            <a:pPr algn="ctr"/>
+            <a:r>
+              <a:rPr lang="en-US" altLang="zh-TW" sz="6000" b="1" dirty="0" smtClean="0">
+                <a:latin typeface="Times New Roman" charset="0"/>
+                <a:ea typeface="Times New Roman" charset="0"/>
+                <a:cs typeface="Times New Roman" charset="0"/>
+              </a:rPr>
+              <a:t>Small-Scale Fading</a:t>
+            </a:r>
+            <a:endParaRPr lang="zh-TW" altLang="en-US" sz="6000" b="1" dirty="0">
+              <a:latin typeface="Times New Roman" charset="0"/>
+              <a:ea typeface="Times New Roman" charset="0"/>
+              <a:cs typeface="Times New Roman" charset="0"/>
+            </a:endParaRPr>
           </a:p>
         </p:txBody>
       </p:sp>
     </p:spTree>
     <p:extLst>
       <p:ext uri="{BB962C8B-B14F-4D97-AF65-F5344CB8AC3E}">
-        <p14:creationId xmlns:p14="http://schemas.microsoft.com/office/powerpoint/2010/main" val="1814054625"/>
+        <p14:creationId xmlns:p14="http://schemas.microsoft.com/office/powerpoint/2010/main" val="432575987"/>
       </p:ext>
     </p:extLst>
   </p:cSld>
@@ -12943,6 +13357,197 @@
               <a:rPr lang="en-US" smtClean="0"/>
               <a:pPr/>
               <a:t>12</a:t>
+            </a:fld>
+            <a:endParaRPr lang="en-US"/>
+          </a:p>
+        </p:txBody>
+      </p:sp>
+    </p:spTree>
+    <p:extLst>
+      <p:ext uri="{BB962C8B-B14F-4D97-AF65-F5344CB8AC3E}">
+        <p14:creationId xmlns:p14="http://schemas.microsoft.com/office/powerpoint/2010/main" val="1814054625"/>
+      </p:ext>
+    </p:extLst>
+  </p:cSld>
+  <p:clrMapOvr>
+    <a:masterClrMapping/>
+  </p:clrMapOvr>
+  <mc:AlternateContent xmlns:mc="http://schemas.openxmlformats.org/markup-compatibility/2006" xmlns:p14="http://schemas.microsoft.com/office/powerpoint/2010/main">
+    <mc:Choice Requires="p14">
+      <p:transition spd="med" p14:dur="700">
+        <p:fade/>
+      </p:transition>
+    </mc:Choice>
+    <mc:Fallback xmlns="">
+      <p:transition spd="med">
+        <p:fade/>
+      </p:transition>
+    </mc:Fallback>
+  </mc:AlternateContent>
+  <p:timing>
+    <p:tnLst>
+      <p:par>
+        <p:cTn id="1" dur="indefinite" restart="never" nodeType="tmRoot"/>
+      </p:par>
+    </p:tnLst>
+  </p:timing>
+</p:sld>
+</file>
+
+<file path=ppt/slides/slide13.xml><?xml version="1.0" encoding="utf-8"?>
+<p:sld xmlns:a="http://schemas.openxmlformats.org/drawingml/2006/main" xmlns:r="http://schemas.openxmlformats.org/officeDocument/2006/relationships" xmlns:p="http://schemas.openxmlformats.org/presentationml/2006/main">
+  <p:cSld>
+    <p:spTree>
+      <p:nvGrpSpPr>
+        <p:cNvPr id="1" name=""/>
+        <p:cNvGrpSpPr/>
+        <p:nvPr/>
+      </p:nvGrpSpPr>
+      <p:grpSpPr>
+        <a:xfrm>
+          <a:off x="0" y="0"/>
+          <a:ext cx="0" cy="0"/>
+          <a:chOff x="0" y="0"/>
+          <a:chExt cx="0" cy="0"/>
+        </a:xfrm>
+      </p:grpSpPr>
+      <p:sp>
+        <p:nvSpPr>
+          <p:cNvPr id="2" name="標題 1"/>
+          <p:cNvSpPr>
+            <a:spLocks noGrp="1"/>
+          </p:cNvSpPr>
+          <p:nvPr>
+            <p:ph type="title"/>
+          </p:nvPr>
+        </p:nvSpPr>
+        <p:spPr/>
+        <p:txBody>
+          <a:bodyPr/>
+          <a:lstStyle/>
+          <a:p>
+            <a:r>
+              <a:rPr kumimoji="1" lang="en-US" altLang="zh-TW" dirty="0"/>
+              <a:t>Channel Fading</a:t>
+            </a:r>
+            <a:endParaRPr kumimoji="1" lang="zh-TW" altLang="en-US" dirty="0"/>
+          </a:p>
+        </p:txBody>
+      </p:sp>
+      <p:sp>
+        <p:nvSpPr>
+          <p:cNvPr id="3" name="內容版面配置區 2"/>
+          <p:cNvSpPr>
+            <a:spLocks noGrp="1"/>
+          </p:cNvSpPr>
+          <p:nvPr>
+            <p:ph idx="1"/>
+          </p:nvPr>
+        </p:nvSpPr>
+        <p:spPr/>
+        <p:txBody>
+          <a:bodyPr/>
+          <a:lstStyle/>
+          <a:p>
+            <a:pPr>
+              <a:lnSpc>
+                <a:spcPct val="200000"/>
+              </a:lnSpc>
+            </a:pPr>
+            <a:r>
+              <a:rPr kumimoji="1" lang="en-US" altLang="zh-TW" sz="3200" dirty="0" smtClean="0">
+                <a:latin typeface="Times New Roman" charset="0"/>
+                <a:ea typeface="Times New Roman" charset="0"/>
+                <a:cs typeface="Times New Roman" charset="0"/>
+              </a:rPr>
+              <a:t>Mobility</a:t>
+            </a:r>
+          </a:p>
+          <a:p>
+            <a:pPr lvl="1"/>
+            <a:r>
+              <a:rPr kumimoji="1" lang="en-US" altLang="zh-TW" sz="3200" dirty="0" smtClean="0">
+                <a:latin typeface="Times New Roman" charset="0"/>
+                <a:ea typeface="Times New Roman" charset="0"/>
+                <a:cs typeface="Times New Roman" charset="0"/>
+              </a:rPr>
+              <a:t>Slow Fading</a:t>
+            </a:r>
+          </a:p>
+          <a:p>
+            <a:pPr lvl="1"/>
+            <a:r>
+              <a:rPr kumimoji="1" lang="en-US" altLang="zh-TW" sz="3200" dirty="0" smtClean="0">
+                <a:latin typeface="Times New Roman" charset="0"/>
+                <a:ea typeface="Times New Roman" charset="0"/>
+                <a:cs typeface="Times New Roman" charset="0"/>
+              </a:rPr>
+              <a:t>Fast Fading</a:t>
+            </a:r>
+          </a:p>
+          <a:p>
+            <a:pPr>
+              <a:lnSpc>
+                <a:spcPct val="200000"/>
+              </a:lnSpc>
+            </a:pPr>
+            <a:r>
+              <a:rPr kumimoji="1" lang="en-US" altLang="zh-TW" sz="3200" dirty="0" smtClean="0">
+                <a:latin typeface="Times New Roman" charset="0"/>
+                <a:ea typeface="Times New Roman" charset="0"/>
+                <a:cs typeface="Times New Roman" charset="0"/>
+              </a:rPr>
+              <a:t>Multipath</a:t>
+            </a:r>
+          </a:p>
+          <a:p>
+            <a:pPr lvl="1"/>
+            <a:r>
+              <a:rPr kumimoji="1" lang="en-US" altLang="zh-TW" sz="3200" dirty="0" smtClean="0">
+                <a:latin typeface="Times New Roman" charset="0"/>
+                <a:ea typeface="Times New Roman" charset="0"/>
+                <a:cs typeface="Times New Roman" charset="0"/>
+              </a:rPr>
+              <a:t>Flat Fading </a:t>
+            </a:r>
+          </a:p>
+          <a:p>
+            <a:pPr lvl="1"/>
+            <a:r>
+              <a:rPr kumimoji="1" lang="en-US" altLang="zh-TW" sz="3200" dirty="0" smtClean="0">
+                <a:latin typeface="Times New Roman" charset="0"/>
+                <a:ea typeface="Times New Roman" charset="0"/>
+                <a:cs typeface="Times New Roman" charset="0"/>
+              </a:rPr>
+              <a:t>Frequency-selective Fading</a:t>
+            </a:r>
+            <a:endParaRPr kumimoji="1" lang="zh-TW" altLang="en-US" sz="3200" dirty="0">
+              <a:latin typeface="Times New Roman" charset="0"/>
+              <a:ea typeface="Times New Roman" charset="0"/>
+              <a:cs typeface="Times New Roman" charset="0"/>
+            </a:endParaRPr>
+          </a:p>
+        </p:txBody>
+      </p:sp>
+      <p:sp>
+        <p:nvSpPr>
+          <p:cNvPr id="4" name="投影片編號版面配置區 3"/>
+          <p:cNvSpPr>
+            <a:spLocks noGrp="1"/>
+          </p:cNvSpPr>
+          <p:nvPr>
+            <p:ph type="sldNum" sz="quarter" idx="12"/>
+          </p:nvPr>
+        </p:nvSpPr>
+        <p:spPr/>
+        <p:txBody>
+          <a:bodyPr/>
+          <a:lstStyle/>
+          <a:p>
+            <a:fld id="{3EBBE1F4-AE36-AD42-8177-96288CD18AD2}" type="slidenum">
+              <a:rPr lang="en-US" smtClean="0"/>
+              <a:pPr/>
+              <a:t>13</a:t>
             </a:fld>
             <a:endParaRPr lang="en-US"/>
           </a:p>
@@ -13263,7 +13868,7 @@
 </p:sld>
 </file>
 
-<file path=ppt/slides/slide13.xml><?xml version="1.0" encoding="utf-8"?>
+<file path=ppt/slides/slide14.xml><?xml version="1.0" encoding="utf-8"?>
 <p:sld xmlns:a="http://schemas.openxmlformats.org/drawingml/2006/main" xmlns:r="http://schemas.openxmlformats.org/officeDocument/2006/relationships" xmlns:p="http://schemas.openxmlformats.org/presentationml/2006/main">
   <p:cSld>
     <p:spTree>
@@ -13795,7 +14400,7 @@
             <a:fld id="{3EBBE1F4-AE36-AD42-8177-96288CD18AD2}" type="slidenum">
               <a:rPr lang="en-US" smtClean="0"/>
               <a:pPr/>
-              <a:t>13</a:t>
+              <a:t>14</a:t>
             </a:fld>
             <a:endParaRPr lang="en-US"/>
           </a:p>
@@ -13833,7 +14438,7 @@
 </p:sld>
 </file>
 
-<file path=ppt/slides/slide14.xml><?xml version="1.0" encoding="utf-8"?>
+<file path=ppt/slides/slide15.xml><?xml version="1.0" encoding="utf-8"?>
 <p:sld xmlns:a="http://schemas.openxmlformats.org/drawingml/2006/main" xmlns:r="http://schemas.openxmlformats.org/officeDocument/2006/relationships" xmlns:p="http://schemas.openxmlformats.org/presentationml/2006/main">
   <p:cSld>
     <p:spTree>
@@ -14155,7 +14760,7 @@
             <a:fld id="{3EBBE1F4-AE36-AD42-8177-96288CD18AD2}" type="slidenum">
               <a:rPr lang="en-US" smtClean="0"/>
               <a:pPr/>
-              <a:t>14</a:t>
+              <a:t>15</a:t>
             </a:fld>
             <a:endParaRPr lang="en-US"/>
           </a:p>
@@ -15185,7 +15790,7 @@
 </p:sld>
 </file>
 
-<file path=ppt/slides/slide15.xml><?xml version="1.0" encoding="utf-8"?>
+<file path=ppt/slides/slide16.xml><?xml version="1.0" encoding="utf-8"?>
 <p:sld xmlns:a="http://schemas.openxmlformats.org/drawingml/2006/main" xmlns:r="http://schemas.openxmlformats.org/officeDocument/2006/relationships" xmlns:p="http://schemas.openxmlformats.org/presentationml/2006/main">
   <p:cSld>
     <p:spTree>
@@ -15507,7 +16112,7 @@
             <a:fld id="{3EBBE1F4-AE36-AD42-8177-96288CD18AD2}" type="slidenum">
               <a:rPr lang="en-US" smtClean="0"/>
               <a:pPr/>
-              <a:t>15</a:t>
+              <a:t>16</a:t>
             </a:fld>
             <a:endParaRPr lang="en-US"/>
           </a:p>
@@ -16545,7 +17150,7 @@
 </p:sld>
 </file>
 
-<file path=ppt/slides/slide16.xml><?xml version="1.0" encoding="utf-8"?>
+<file path=ppt/slides/slide17.xml><?xml version="1.0" encoding="utf-8"?>
 <p:sld xmlns:a="http://schemas.openxmlformats.org/drawingml/2006/main" xmlns:r="http://schemas.openxmlformats.org/officeDocument/2006/relationships" xmlns:p="http://schemas.openxmlformats.org/presentationml/2006/main">
   <p:cSld>
     <p:spTree>
@@ -16698,7 +17303,7 @@
             <a:fld id="{3EBBE1F4-AE36-AD42-8177-96288CD18AD2}" type="slidenum">
               <a:rPr lang="en-US" smtClean="0"/>
               <a:pPr/>
-              <a:t>16</a:t>
+              <a:t>17</a:t>
             </a:fld>
             <a:endParaRPr lang="en-US"/>
           </a:p>
@@ -17019,7 +17624,7 @@
 </p:sld>
 </file>
 
-<file path=ppt/slides/slide17.xml><?xml version="1.0" encoding="utf-8"?>
+<file path=ppt/slides/slide18.xml><?xml version="1.0" encoding="utf-8"?>
 <p:sld xmlns:a="http://schemas.openxmlformats.org/drawingml/2006/main" xmlns:r="http://schemas.openxmlformats.org/officeDocument/2006/relationships" xmlns:p="http://schemas.openxmlformats.org/presentationml/2006/main">
   <p:cSld>
     <p:spTree>
@@ -17492,7 +18097,7 @@
             <a:fld id="{3EBBE1F4-AE36-AD42-8177-96288CD18AD2}" type="slidenum">
               <a:rPr lang="en-US" smtClean="0"/>
               <a:pPr/>
-              <a:t>17</a:t>
+              <a:t>18</a:t>
             </a:fld>
             <a:endParaRPr lang="en-US"/>
           </a:p>
@@ -17530,7 +18135,7 @@
 </p:sld>
 </file>
 
-<file path=ppt/slides/slide18.xml><?xml version="1.0" encoding="utf-8"?>
+<file path=ppt/slides/slide19.xml><?xml version="1.0" encoding="utf-8"?>
 <p:sld xmlns:a="http://schemas.openxmlformats.org/drawingml/2006/main" xmlns:r="http://schemas.openxmlformats.org/officeDocument/2006/relationships" xmlns:p="http://schemas.openxmlformats.org/presentationml/2006/main">
   <p:cSld>
     <p:spTree>
@@ -17912,7 +18517,7 @@
             <a:fld id="{3EBBE1F4-AE36-AD42-8177-96288CD18AD2}" type="slidenum">
               <a:rPr lang="en-US" smtClean="0"/>
               <a:pPr/>
-              <a:t>18</a:t>
+              <a:t>19</a:t>
             </a:fld>
             <a:endParaRPr lang="en-US"/>
           </a:p>
@@ -18907,7 +19512,196 @@
 </p:sld>
 </file>
 
-<file path=ppt/slides/slide19.xml><?xml version="1.0" encoding="utf-8"?>
+<file path=ppt/slides/slide2.xml><?xml version="1.0" encoding="utf-8"?>
+<p:sld xmlns:a="http://schemas.openxmlformats.org/drawingml/2006/main" xmlns:r="http://schemas.openxmlformats.org/officeDocument/2006/relationships" xmlns:p="http://schemas.openxmlformats.org/presentationml/2006/main">
+  <p:cSld>
+    <p:spTree>
+      <p:nvGrpSpPr>
+        <p:cNvPr id="1" name=""/>
+        <p:cNvGrpSpPr/>
+        <p:nvPr/>
+      </p:nvGrpSpPr>
+      <p:grpSpPr>
+        <a:xfrm>
+          <a:off x="0" y="0"/>
+          <a:ext cx="0" cy="0"/>
+          <a:chOff x="0" y="0"/>
+          <a:chExt cx="0" cy="0"/>
+        </a:xfrm>
+      </p:grpSpPr>
+      <p:sp>
+        <p:nvSpPr>
+          <p:cNvPr id="2" name="標題 1"/>
+          <p:cNvSpPr>
+            <a:spLocks noGrp="1"/>
+          </p:cNvSpPr>
+          <p:nvPr>
+            <p:ph type="title"/>
+          </p:nvPr>
+        </p:nvSpPr>
+        <p:spPr/>
+        <p:txBody>
+          <a:bodyPr/>
+          <a:lstStyle/>
+          <a:p>
+            <a:r>
+              <a:rPr lang="en-US" altLang="zh-TW" dirty="0" smtClean="0">
+                <a:latin typeface="Times New Roman" panose="02020603050405020304" pitchFamily="18" charset="0"/>
+                <a:cs typeface="Times New Roman" panose="02020603050405020304" pitchFamily="18" charset="0"/>
+              </a:rPr>
+              <a:t>Outline</a:t>
+            </a:r>
+            <a:endParaRPr lang="zh-TW" altLang="en-US" dirty="0">
+              <a:latin typeface="Times New Roman" panose="02020603050405020304" pitchFamily="18" charset="0"/>
+              <a:cs typeface="Times New Roman" panose="02020603050405020304" pitchFamily="18" charset="0"/>
+            </a:endParaRPr>
+          </a:p>
+        </p:txBody>
+      </p:sp>
+      <p:sp>
+        <p:nvSpPr>
+          <p:cNvPr id="3" name="內容版面配置區 2"/>
+          <p:cNvSpPr>
+            <a:spLocks noGrp="1"/>
+          </p:cNvSpPr>
+          <p:nvPr>
+            <p:ph idx="1"/>
+          </p:nvPr>
+        </p:nvSpPr>
+        <p:spPr/>
+        <p:txBody>
+          <a:bodyPr/>
+          <a:lstStyle/>
+          <a:p>
+            <a:pPr>
+              <a:lnSpc>
+                <a:spcPct val="150000"/>
+              </a:lnSpc>
+            </a:pPr>
+            <a:r>
+              <a:rPr lang="en-US" altLang="zh-TW" sz="3200" b="1" dirty="0" smtClean="0">
+                <a:latin typeface="Times New Roman" charset="0"/>
+                <a:ea typeface="Times New Roman" charset="0"/>
+                <a:cs typeface="Times New Roman" charset="0"/>
+              </a:rPr>
+              <a:t>Channel</a:t>
+            </a:r>
+          </a:p>
+          <a:p>
+            <a:pPr>
+              <a:lnSpc>
+                <a:spcPct val="150000"/>
+              </a:lnSpc>
+            </a:pPr>
+            <a:r>
+              <a:rPr lang="en-US" altLang="zh-TW" sz="3200" b="1" dirty="0" err="1" smtClean="0">
+                <a:latin typeface="Times New Roman" charset="0"/>
+                <a:ea typeface="Times New Roman" charset="0"/>
+                <a:cs typeface="Times New Roman" charset="0"/>
+              </a:rPr>
+              <a:t>Friis</a:t>
+            </a:r>
+            <a:r>
+              <a:rPr lang="en-US" altLang="zh-TW" sz="3200" b="1" dirty="0" smtClean="0">
+                <a:latin typeface="Times New Roman" charset="0"/>
+                <a:ea typeface="Times New Roman" charset="0"/>
+                <a:cs typeface="Times New Roman" charset="0"/>
+              </a:rPr>
+              <a:t> Transmission Equation</a:t>
+            </a:r>
+          </a:p>
+          <a:p>
+            <a:pPr>
+              <a:lnSpc>
+                <a:spcPct val="150000"/>
+              </a:lnSpc>
+            </a:pPr>
+            <a:r>
+              <a:rPr lang="en-US" altLang="zh-TW" sz="3200" b="1" dirty="0" smtClean="0">
+                <a:latin typeface="Times New Roman" charset="0"/>
+                <a:ea typeface="Times New Roman" charset="0"/>
+                <a:cs typeface="Times New Roman" charset="0"/>
+              </a:rPr>
+              <a:t>Demo</a:t>
+            </a:r>
+          </a:p>
+          <a:p>
+            <a:pPr>
+              <a:lnSpc>
+                <a:spcPct val="150000"/>
+              </a:lnSpc>
+            </a:pPr>
+            <a:r>
+              <a:rPr lang="en-US" altLang="zh-TW" sz="3200" b="1" dirty="0" smtClean="0">
+                <a:latin typeface="Times New Roman" charset="0"/>
+                <a:ea typeface="Times New Roman" charset="0"/>
+                <a:cs typeface="Times New Roman" charset="0"/>
+              </a:rPr>
+              <a:t>Reference</a:t>
+            </a:r>
+          </a:p>
+          <a:p>
+            <a:endParaRPr lang="zh-TW" altLang="en-US" dirty="0"/>
+          </a:p>
+        </p:txBody>
+      </p:sp>
+      <p:sp>
+        <p:nvSpPr>
+          <p:cNvPr id="4" name="投影片編號版面配置區 3"/>
+          <p:cNvSpPr>
+            <a:spLocks noGrp="1"/>
+          </p:cNvSpPr>
+          <p:nvPr>
+            <p:ph type="sldNum" sz="quarter" idx="12"/>
+          </p:nvPr>
+        </p:nvSpPr>
+        <p:spPr/>
+        <p:txBody>
+          <a:bodyPr/>
+          <a:lstStyle/>
+          <a:p>
+            <a:fld id="{3EBBE1F4-AE36-AD42-8177-96288CD18AD2}" type="slidenum">
+              <a:rPr lang="en-US" smtClean="0"/>
+              <a:pPr/>
+              <a:t>2</a:t>
+            </a:fld>
+            <a:endParaRPr lang="en-US"/>
+          </a:p>
+        </p:txBody>
+      </p:sp>
+    </p:spTree>
+    <p:extLst>
+      <p:ext uri="{BB962C8B-B14F-4D97-AF65-F5344CB8AC3E}">
+        <p14:creationId xmlns:p14="http://schemas.microsoft.com/office/powerpoint/2010/main" val="195901084"/>
+      </p:ext>
+    </p:extLst>
+  </p:cSld>
+  <p:clrMapOvr>
+    <a:masterClrMapping/>
+  </p:clrMapOvr>
+  <mc:AlternateContent xmlns:mc="http://schemas.openxmlformats.org/markup-compatibility/2006" xmlns:p14="http://schemas.microsoft.com/office/powerpoint/2010/main">
+    <mc:Choice Requires="p14">
+      <p:transition spd="med" p14:dur="700">
+        <p:fade/>
+      </p:transition>
+    </mc:Choice>
+    <mc:Fallback xmlns="">
+      <p:transition spd="med">
+        <p:fade/>
+      </p:transition>
+    </mc:Fallback>
+  </mc:AlternateContent>
+  <p:timing>
+    <p:tnLst>
+      <p:par>
+        <p:cTn id="1" dur="indefinite" restart="never" nodeType="tmRoot"/>
+      </p:par>
+    </p:tnLst>
+  </p:timing>
+</p:sld>
+</file>
+
+<file path=ppt/slides/slide20.xml><?xml version="1.0" encoding="utf-8"?>
 <p:sld xmlns:a="http://schemas.openxmlformats.org/drawingml/2006/main" xmlns:r="http://schemas.openxmlformats.org/officeDocument/2006/relationships" xmlns:p="http://schemas.openxmlformats.org/presentationml/2006/main">
   <p:cSld>
     <p:spTree>
@@ -19289,7 +20083,7 @@
             <a:fld id="{3EBBE1F4-AE36-AD42-8177-96288CD18AD2}" type="slidenum">
               <a:rPr lang="en-US" smtClean="0"/>
               <a:pPr/>
-              <a:t>19</a:t>
+              <a:t>20</a:t>
             </a:fld>
             <a:endParaRPr lang="en-US"/>
           </a:p>
@@ -20286,196 +21080,7 @@
 </p:sld>
 </file>
 
-<file path=ppt/slides/slide2.xml><?xml version="1.0" encoding="utf-8"?>
-<p:sld xmlns:a="http://schemas.openxmlformats.org/drawingml/2006/main" xmlns:r="http://schemas.openxmlformats.org/officeDocument/2006/relationships" xmlns:p="http://schemas.openxmlformats.org/presentationml/2006/main">
-  <p:cSld>
-    <p:spTree>
-      <p:nvGrpSpPr>
-        <p:cNvPr id="1" name=""/>
-        <p:cNvGrpSpPr/>
-        <p:nvPr/>
-      </p:nvGrpSpPr>
-      <p:grpSpPr>
-        <a:xfrm>
-          <a:off x="0" y="0"/>
-          <a:ext cx="0" cy="0"/>
-          <a:chOff x="0" y="0"/>
-          <a:chExt cx="0" cy="0"/>
-        </a:xfrm>
-      </p:grpSpPr>
-      <p:sp>
-        <p:nvSpPr>
-          <p:cNvPr id="2" name="標題 1"/>
-          <p:cNvSpPr>
-            <a:spLocks noGrp="1"/>
-          </p:cNvSpPr>
-          <p:nvPr>
-            <p:ph type="title"/>
-          </p:nvPr>
-        </p:nvSpPr>
-        <p:spPr/>
-        <p:txBody>
-          <a:bodyPr/>
-          <a:lstStyle/>
-          <a:p>
-            <a:r>
-              <a:rPr lang="en-US" altLang="zh-TW" dirty="0" smtClean="0">
-                <a:latin typeface="Times New Roman" panose="02020603050405020304" pitchFamily="18" charset="0"/>
-                <a:cs typeface="Times New Roman" panose="02020603050405020304" pitchFamily="18" charset="0"/>
-              </a:rPr>
-              <a:t>Outline</a:t>
-            </a:r>
-            <a:endParaRPr lang="zh-TW" altLang="en-US" dirty="0">
-              <a:latin typeface="Times New Roman" panose="02020603050405020304" pitchFamily="18" charset="0"/>
-              <a:cs typeface="Times New Roman" panose="02020603050405020304" pitchFamily="18" charset="0"/>
-            </a:endParaRPr>
-          </a:p>
-        </p:txBody>
-      </p:sp>
-      <p:sp>
-        <p:nvSpPr>
-          <p:cNvPr id="3" name="內容版面配置區 2"/>
-          <p:cNvSpPr>
-            <a:spLocks noGrp="1"/>
-          </p:cNvSpPr>
-          <p:nvPr>
-            <p:ph idx="1"/>
-          </p:nvPr>
-        </p:nvSpPr>
-        <p:spPr/>
-        <p:txBody>
-          <a:bodyPr/>
-          <a:lstStyle/>
-          <a:p>
-            <a:pPr>
-              <a:lnSpc>
-                <a:spcPct val="150000"/>
-              </a:lnSpc>
-            </a:pPr>
-            <a:r>
-              <a:rPr lang="en-US" altLang="zh-TW" sz="3200" b="1" dirty="0" smtClean="0">
-                <a:latin typeface="Times New Roman" charset="0"/>
-                <a:ea typeface="Times New Roman" charset="0"/>
-                <a:cs typeface="Times New Roman" charset="0"/>
-              </a:rPr>
-              <a:t>Channel</a:t>
-            </a:r>
-          </a:p>
-          <a:p>
-            <a:pPr>
-              <a:lnSpc>
-                <a:spcPct val="150000"/>
-              </a:lnSpc>
-            </a:pPr>
-            <a:r>
-              <a:rPr lang="en-US" altLang="zh-TW" sz="3200" b="1" dirty="0" err="1" smtClean="0">
-                <a:latin typeface="Times New Roman" charset="0"/>
-                <a:ea typeface="Times New Roman" charset="0"/>
-                <a:cs typeface="Times New Roman" charset="0"/>
-              </a:rPr>
-              <a:t>Friis</a:t>
-            </a:r>
-            <a:r>
-              <a:rPr lang="en-US" altLang="zh-TW" sz="3200" b="1" dirty="0" smtClean="0">
-                <a:latin typeface="Times New Roman" charset="0"/>
-                <a:ea typeface="Times New Roman" charset="0"/>
-                <a:cs typeface="Times New Roman" charset="0"/>
-              </a:rPr>
-              <a:t> Transmission Equation</a:t>
-            </a:r>
-          </a:p>
-          <a:p>
-            <a:pPr>
-              <a:lnSpc>
-                <a:spcPct val="150000"/>
-              </a:lnSpc>
-            </a:pPr>
-            <a:r>
-              <a:rPr lang="en-US" altLang="zh-TW" sz="3200" b="1" dirty="0" smtClean="0">
-                <a:latin typeface="Times New Roman" charset="0"/>
-                <a:ea typeface="Times New Roman" charset="0"/>
-                <a:cs typeface="Times New Roman" charset="0"/>
-              </a:rPr>
-              <a:t>Demo</a:t>
-            </a:r>
-          </a:p>
-          <a:p>
-            <a:pPr>
-              <a:lnSpc>
-                <a:spcPct val="150000"/>
-              </a:lnSpc>
-            </a:pPr>
-            <a:r>
-              <a:rPr lang="en-US" altLang="zh-TW" sz="3200" b="1" dirty="0" smtClean="0">
-                <a:latin typeface="Times New Roman" charset="0"/>
-                <a:ea typeface="Times New Roman" charset="0"/>
-                <a:cs typeface="Times New Roman" charset="0"/>
-              </a:rPr>
-              <a:t>Reference</a:t>
-            </a:r>
-          </a:p>
-          <a:p>
-            <a:endParaRPr lang="zh-TW" altLang="en-US" dirty="0"/>
-          </a:p>
-        </p:txBody>
-      </p:sp>
-      <p:sp>
-        <p:nvSpPr>
-          <p:cNvPr id="4" name="投影片編號版面配置區 3"/>
-          <p:cNvSpPr>
-            <a:spLocks noGrp="1"/>
-          </p:cNvSpPr>
-          <p:nvPr>
-            <p:ph type="sldNum" sz="quarter" idx="12"/>
-          </p:nvPr>
-        </p:nvSpPr>
-        <p:spPr/>
-        <p:txBody>
-          <a:bodyPr/>
-          <a:lstStyle/>
-          <a:p>
-            <a:fld id="{3EBBE1F4-AE36-AD42-8177-96288CD18AD2}" type="slidenum">
-              <a:rPr lang="en-US" smtClean="0"/>
-              <a:pPr/>
-              <a:t>2</a:t>
-            </a:fld>
-            <a:endParaRPr lang="en-US"/>
-          </a:p>
-        </p:txBody>
-      </p:sp>
-    </p:spTree>
-    <p:extLst>
-      <p:ext uri="{BB962C8B-B14F-4D97-AF65-F5344CB8AC3E}">
-        <p14:creationId xmlns:p14="http://schemas.microsoft.com/office/powerpoint/2010/main" val="195901084"/>
-      </p:ext>
-    </p:extLst>
-  </p:cSld>
-  <p:clrMapOvr>
-    <a:masterClrMapping/>
-  </p:clrMapOvr>
-  <mc:AlternateContent xmlns:mc="http://schemas.openxmlformats.org/markup-compatibility/2006" xmlns:p14="http://schemas.microsoft.com/office/powerpoint/2010/main">
-    <mc:Choice Requires="p14">
-      <p:transition spd="med" p14:dur="700">
-        <p:fade/>
-      </p:transition>
-    </mc:Choice>
-    <mc:Fallback xmlns="">
-      <p:transition spd="med">
-        <p:fade/>
-      </p:transition>
-    </mc:Fallback>
-  </mc:AlternateContent>
-  <p:timing>
-    <p:tnLst>
-      <p:par>
-        <p:cTn id="1" dur="indefinite" restart="never" nodeType="tmRoot"/>
-      </p:par>
-    </p:tnLst>
-  </p:timing>
-</p:sld>
-</file>
-
-<file path=ppt/slides/slide20.xml><?xml version="1.0" encoding="utf-8"?>
+<file path=ppt/slides/slide21.xml><?xml version="1.0" encoding="utf-8"?>
 <p:sld xmlns:a="http://schemas.openxmlformats.org/drawingml/2006/main" xmlns:r="http://schemas.openxmlformats.org/officeDocument/2006/relationships" xmlns:p="http://schemas.openxmlformats.org/presentationml/2006/main">
   <p:cSld>
     <p:spTree>
@@ -20509,7 +21114,7 @@
           <a:p>
             <a:fld id="{3EBBE1F4-AE36-AD42-8177-96288CD18AD2}" type="slidenum">
               <a:rPr lang="en-US" smtClean="0"/>
-              <a:t>20</a:t>
+              <a:t>21</a:t>
             </a:fld>
             <a:endParaRPr lang="en-US"/>
           </a:p>
@@ -20578,372 +21183,6 @@
     <p:extLst>
       <p:ext uri="{BB962C8B-B14F-4D97-AF65-F5344CB8AC3E}">
         <p14:creationId xmlns:p14="http://schemas.microsoft.com/office/powerpoint/2010/main" val="2045946095"/>
-      </p:ext>
-    </p:extLst>
-  </p:cSld>
-  <p:clrMapOvr>
-    <a:masterClrMapping/>
-  </p:clrMapOvr>
-  <mc:AlternateContent xmlns:mc="http://schemas.openxmlformats.org/markup-compatibility/2006" xmlns:p14="http://schemas.microsoft.com/office/powerpoint/2010/main">
-    <mc:Choice Requires="p14">
-      <p:transition spd="med" p14:dur="700">
-        <p:fade/>
-      </p:transition>
-    </mc:Choice>
-    <mc:Fallback xmlns="">
-      <p:transition spd="med">
-        <p:fade/>
-      </p:transition>
-    </mc:Fallback>
-  </mc:AlternateContent>
-  <p:timing>
-    <p:tnLst>
-      <p:par>
-        <p:cTn id="1" dur="indefinite" restart="never" nodeType="tmRoot"/>
-      </p:par>
-    </p:tnLst>
-  </p:timing>
-</p:sld>
-</file>
-
-<file path=ppt/slides/slide21.xml><?xml version="1.0" encoding="utf-8"?>
-<p:sld xmlns:a="http://schemas.openxmlformats.org/drawingml/2006/main" xmlns:r="http://schemas.openxmlformats.org/officeDocument/2006/relationships" xmlns:p="http://schemas.openxmlformats.org/presentationml/2006/main">
-  <p:cSld>
-    <p:spTree>
-      <p:nvGrpSpPr>
-        <p:cNvPr id="1" name=""/>
-        <p:cNvGrpSpPr/>
-        <p:nvPr/>
-      </p:nvGrpSpPr>
-      <p:grpSpPr>
-        <a:xfrm>
-          <a:off x="0" y="0"/>
-          <a:ext cx="0" cy="0"/>
-          <a:chOff x="0" y="0"/>
-          <a:chExt cx="0" cy="0"/>
-        </a:xfrm>
-      </p:grpSpPr>
-      <p:sp>
-        <p:nvSpPr>
-          <p:cNvPr id="2" name="標題 1"/>
-          <p:cNvSpPr>
-            <a:spLocks noGrp="1"/>
-          </p:cNvSpPr>
-          <p:nvPr>
-            <p:ph type="title"/>
-          </p:nvPr>
-        </p:nvSpPr>
-        <p:spPr/>
-        <p:txBody>
-          <a:bodyPr/>
-          <a:lstStyle/>
-          <a:p>
-            <a:r>
-              <a:rPr kumimoji="1" lang="en-US" altLang="zh-TW" dirty="0" smtClean="0"/>
-              <a:t>Path Loss</a:t>
-            </a:r>
-            <a:endParaRPr kumimoji="1" lang="zh-TW" altLang="en-US" dirty="0"/>
-          </a:p>
-        </p:txBody>
-      </p:sp>
-      <p:sp>
-        <p:nvSpPr>
-          <p:cNvPr id="3" name="內容版面配置區 2"/>
-          <p:cNvSpPr>
-            <a:spLocks noGrp="1"/>
-          </p:cNvSpPr>
-          <p:nvPr>
-            <p:ph idx="1"/>
-          </p:nvPr>
-        </p:nvSpPr>
-        <p:spPr/>
-        <p:txBody>
-          <a:bodyPr/>
-          <a:lstStyle/>
-          <a:p>
-            <a:r>
-              <a:rPr kumimoji="1" lang="en-US" altLang="zh-TW" sz="3400" dirty="0" smtClean="0">
-                <a:solidFill>
-                  <a:srgbClr val="FF0000"/>
-                </a:solidFill>
-                <a:latin typeface="Times New Roman" charset="0"/>
-                <a:ea typeface="Times New Roman" charset="0"/>
-                <a:cs typeface="Times New Roman" charset="0"/>
-              </a:rPr>
-              <a:t>Linear</a:t>
-            </a:r>
-            <a:r>
-              <a:rPr kumimoji="1" lang="en-US" altLang="zh-TW" sz="3400" dirty="0" smtClean="0">
-                <a:latin typeface="Times New Roman" charset="0"/>
-                <a:ea typeface="Times New Roman" charset="0"/>
-                <a:cs typeface="Times New Roman" charset="0"/>
-              </a:rPr>
-              <a:t> path loss of the channel is the </a:t>
-            </a:r>
-            <a:r>
-              <a:rPr kumimoji="1" lang="en-US" altLang="zh-TW" sz="3400" dirty="0" smtClean="0">
-                <a:solidFill>
-                  <a:srgbClr val="FF0000"/>
-                </a:solidFill>
-                <a:latin typeface="Times New Roman" charset="0"/>
-                <a:ea typeface="Times New Roman" charset="0"/>
-                <a:cs typeface="Times New Roman" charset="0"/>
-              </a:rPr>
-              <a:t>ratio of transmit</a:t>
-            </a:r>
-          </a:p>
-          <a:p>
-            <a:pPr marL="11112" indent="0">
-              <a:buNone/>
-            </a:pPr>
-            <a:r>
-              <a:rPr kumimoji="1" lang="en-US" altLang="zh-TW" sz="3400" dirty="0">
-                <a:solidFill>
-                  <a:srgbClr val="FF0000"/>
-                </a:solidFill>
-                <a:latin typeface="Times New Roman" charset="0"/>
-                <a:ea typeface="Times New Roman" charset="0"/>
-                <a:cs typeface="Times New Roman" charset="0"/>
-              </a:rPr>
-              <a:t> </a:t>
-            </a:r>
-            <a:r>
-              <a:rPr kumimoji="1" lang="en-US" altLang="zh-TW" sz="3400" dirty="0" smtClean="0">
-                <a:solidFill>
-                  <a:srgbClr val="FF0000"/>
-                </a:solidFill>
-                <a:latin typeface="Times New Roman" charset="0"/>
-                <a:ea typeface="Times New Roman" charset="0"/>
-                <a:cs typeface="Times New Roman" charset="0"/>
-              </a:rPr>
-              <a:t>  power to receive power</a:t>
-            </a:r>
-            <a:r>
-              <a:rPr kumimoji="1" lang="en-US" altLang="zh-TW" sz="3400" dirty="0" smtClean="0">
-                <a:latin typeface="Times New Roman" charset="0"/>
-                <a:ea typeface="Times New Roman" charset="0"/>
-                <a:cs typeface="Times New Roman" charset="0"/>
-              </a:rPr>
-              <a:t>.</a:t>
-            </a:r>
-          </a:p>
-          <a:p>
-            <a:pPr>
-              <a:lnSpc>
-                <a:spcPct val="200000"/>
-              </a:lnSpc>
-            </a:pPr>
-            <a:r>
-              <a:rPr kumimoji="1" lang="en-US" altLang="zh-TW" sz="3400" dirty="0" smtClean="0">
-                <a:latin typeface="Times New Roman" charset="0"/>
-                <a:ea typeface="Times New Roman" charset="0"/>
-                <a:cs typeface="Times New Roman" charset="0"/>
-              </a:rPr>
-              <a:t>The power of </a:t>
-            </a:r>
-            <a:r>
-              <a:rPr kumimoji="1" lang="en-US" altLang="zh-TW" sz="3400" dirty="0" smtClean="0">
-                <a:solidFill>
-                  <a:srgbClr val="FF0000"/>
-                </a:solidFill>
-                <a:latin typeface="Times New Roman" charset="0"/>
-                <a:ea typeface="Times New Roman" charset="0"/>
-                <a:cs typeface="Times New Roman" charset="0"/>
-              </a:rPr>
-              <a:t>received signal</a:t>
-            </a:r>
-            <a:r>
-              <a:rPr kumimoji="1" lang="en-US" altLang="zh-TW" sz="3400" dirty="0" smtClean="0">
-                <a:latin typeface="Times New Roman" charset="0"/>
-                <a:ea typeface="Times New Roman" charset="0"/>
-                <a:cs typeface="Times New Roman" charset="0"/>
-              </a:rPr>
-              <a:t> is averaged over any random</a:t>
-            </a:r>
-          </a:p>
-          <a:p>
-            <a:pPr marL="11112" indent="0">
-              <a:buNone/>
-            </a:pPr>
-            <a:r>
-              <a:rPr kumimoji="1" lang="en-US" altLang="zh-TW" sz="3400" dirty="0">
-                <a:latin typeface="Times New Roman" charset="0"/>
-                <a:ea typeface="Times New Roman" charset="0"/>
-                <a:cs typeface="Times New Roman" charset="0"/>
-              </a:rPr>
-              <a:t> </a:t>
-            </a:r>
-            <a:r>
-              <a:rPr kumimoji="1" lang="en-US" altLang="zh-TW" sz="3400" dirty="0" smtClean="0">
-                <a:latin typeface="Times New Roman" charset="0"/>
-                <a:ea typeface="Times New Roman" charset="0"/>
-                <a:cs typeface="Times New Roman" charset="0"/>
-              </a:rPr>
-              <a:t>   variations due to </a:t>
-            </a:r>
-            <a:r>
-              <a:rPr kumimoji="1" lang="en-US" altLang="zh-TW" sz="3400" dirty="0" smtClean="0">
-                <a:solidFill>
-                  <a:srgbClr val="FF0000"/>
-                </a:solidFill>
-                <a:latin typeface="Times New Roman" charset="0"/>
-                <a:ea typeface="Times New Roman" charset="0"/>
-                <a:cs typeface="Times New Roman" charset="0"/>
-              </a:rPr>
-              <a:t>shadowing</a:t>
-            </a:r>
-            <a:r>
-              <a:rPr kumimoji="1" lang="en-US" altLang="zh-TW" sz="3400" dirty="0" smtClean="0">
-                <a:latin typeface="Times New Roman" charset="0"/>
-                <a:ea typeface="Times New Roman" charset="0"/>
-                <a:cs typeface="Times New Roman" charset="0"/>
-              </a:rPr>
-              <a:t>.</a:t>
-            </a:r>
-          </a:p>
-          <a:p>
-            <a:pPr>
-              <a:lnSpc>
-                <a:spcPct val="200000"/>
-              </a:lnSpc>
-            </a:pPr>
-            <a:r>
-              <a:rPr kumimoji="1" lang="en-US" altLang="zh-TW" sz="3400" dirty="0" smtClean="0">
-                <a:latin typeface="Times New Roman" charset="0"/>
-                <a:ea typeface="Times New Roman" charset="0"/>
-                <a:cs typeface="Times New Roman" charset="0"/>
-              </a:rPr>
-              <a:t>Shadowing is the effect that the received signal power</a:t>
-            </a:r>
-          </a:p>
-          <a:p>
-            <a:pPr marL="11112" indent="0">
-              <a:buNone/>
-            </a:pPr>
-            <a:r>
-              <a:rPr kumimoji="1" lang="en-US" altLang="zh-TW" sz="3400" dirty="0">
-                <a:latin typeface="Times New Roman" charset="0"/>
-                <a:ea typeface="Times New Roman" charset="0"/>
-                <a:cs typeface="Times New Roman" charset="0"/>
-              </a:rPr>
-              <a:t> </a:t>
-            </a:r>
-            <a:r>
-              <a:rPr kumimoji="1" lang="en-US" altLang="zh-TW" sz="3400" dirty="0" smtClean="0">
-                <a:latin typeface="Times New Roman" charset="0"/>
-                <a:ea typeface="Times New Roman" charset="0"/>
-                <a:cs typeface="Times New Roman" charset="0"/>
-              </a:rPr>
-              <a:t>   </a:t>
-            </a:r>
-            <a:r>
-              <a:rPr kumimoji="1" lang="en-US" altLang="zh-TW" sz="3400" dirty="0" smtClean="0">
-                <a:solidFill>
-                  <a:srgbClr val="FF0000"/>
-                </a:solidFill>
-                <a:latin typeface="Times New Roman" charset="0"/>
-                <a:ea typeface="Times New Roman" charset="0"/>
-                <a:cs typeface="Times New Roman" charset="0"/>
-              </a:rPr>
-              <a:t>fluctuates due to objects obstructing </a:t>
-            </a:r>
-            <a:r>
-              <a:rPr kumimoji="1" lang="en-US" altLang="zh-TW" sz="3400" dirty="0" smtClean="0">
-                <a:latin typeface="Times New Roman" charset="0"/>
-                <a:ea typeface="Times New Roman" charset="0"/>
-                <a:cs typeface="Times New Roman" charset="0"/>
-              </a:rPr>
-              <a:t>the propagation path </a:t>
-            </a:r>
-          </a:p>
-          <a:p>
-            <a:pPr marL="11112" indent="0">
-              <a:buNone/>
-            </a:pPr>
-            <a:r>
-              <a:rPr kumimoji="1" lang="en-US" altLang="zh-TW" sz="3400" dirty="0">
-                <a:latin typeface="Times New Roman" charset="0"/>
-                <a:ea typeface="Times New Roman" charset="0"/>
-                <a:cs typeface="Times New Roman" charset="0"/>
-              </a:rPr>
-              <a:t> </a:t>
-            </a:r>
-            <a:r>
-              <a:rPr kumimoji="1" lang="en-US" altLang="zh-TW" sz="3400" dirty="0" smtClean="0">
-                <a:latin typeface="Times New Roman" charset="0"/>
-                <a:ea typeface="Times New Roman" charset="0"/>
-                <a:cs typeface="Times New Roman" charset="0"/>
-              </a:rPr>
-              <a:t>   between </a:t>
-            </a:r>
-            <a:r>
-              <a:rPr kumimoji="1" lang="en-US" altLang="zh-TW" sz="3400" dirty="0" err="1" smtClean="0">
-                <a:latin typeface="Times New Roman" charset="0"/>
-                <a:ea typeface="Times New Roman" charset="0"/>
-                <a:cs typeface="Times New Roman" charset="0"/>
-              </a:rPr>
-              <a:t>tx</a:t>
-            </a:r>
-            <a:r>
-              <a:rPr kumimoji="1" lang="en-US" altLang="zh-TW" sz="3400" dirty="0" smtClean="0">
-                <a:latin typeface="Times New Roman" charset="0"/>
-                <a:ea typeface="Times New Roman" charset="0"/>
-                <a:cs typeface="Times New Roman" charset="0"/>
-              </a:rPr>
-              <a:t> and </a:t>
-            </a:r>
-            <a:r>
-              <a:rPr kumimoji="1" lang="en-US" altLang="zh-TW" sz="3400" dirty="0" err="1" smtClean="0">
-                <a:latin typeface="Times New Roman" charset="0"/>
-                <a:ea typeface="Times New Roman" charset="0"/>
-                <a:cs typeface="Times New Roman" charset="0"/>
-              </a:rPr>
-              <a:t>rx</a:t>
-            </a:r>
-            <a:r>
-              <a:rPr kumimoji="1" lang="en-US" altLang="zh-TW" sz="3400" dirty="0" smtClean="0">
-                <a:latin typeface="Times New Roman" charset="0"/>
-                <a:ea typeface="Times New Roman" charset="0"/>
-                <a:cs typeface="Times New Roman" charset="0"/>
-              </a:rPr>
-              <a:t>.</a:t>
-            </a:r>
-            <a:endParaRPr kumimoji="1" lang="zh-TW" altLang="en-US" sz="3400" dirty="0">
-              <a:latin typeface="Times New Roman" charset="0"/>
-              <a:ea typeface="Times New Roman" charset="0"/>
-              <a:cs typeface="Times New Roman" charset="0"/>
-            </a:endParaRPr>
-          </a:p>
-        </p:txBody>
-      </p:sp>
-      <p:sp>
-        <p:nvSpPr>
-          <p:cNvPr id="4" name="投影片編號版面配置區 3"/>
-          <p:cNvSpPr>
-            <a:spLocks noGrp="1"/>
-          </p:cNvSpPr>
-          <p:nvPr>
-            <p:ph type="sldNum" sz="quarter" idx="12"/>
-          </p:nvPr>
-        </p:nvSpPr>
-        <p:spPr/>
-        <p:txBody>
-          <a:bodyPr/>
-          <a:lstStyle/>
-          <a:p>
-            <a:fld id="{3EBBE1F4-AE36-AD42-8177-96288CD18AD2}" type="slidenum">
-              <a:rPr lang="en-US" smtClean="0"/>
-              <a:pPr/>
-              <a:t>21</a:t>
-            </a:fld>
-            <a:endParaRPr lang="en-US"/>
-          </a:p>
-        </p:txBody>
-      </p:sp>
-    </p:spTree>
-    <p:extLst>
-      <p:ext uri="{BB962C8B-B14F-4D97-AF65-F5344CB8AC3E}">
-        <p14:creationId xmlns:p14="http://schemas.microsoft.com/office/powerpoint/2010/main" val="596092803"/>
       </p:ext>
     </p:extLst>
   </p:cSld>
@@ -21005,6 +21244,372 @@
           <a:lstStyle/>
           <a:p>
             <a:r>
+              <a:rPr kumimoji="1" lang="en-US" altLang="zh-TW" dirty="0" smtClean="0"/>
+              <a:t>Path Loss</a:t>
+            </a:r>
+            <a:endParaRPr kumimoji="1" lang="zh-TW" altLang="en-US" dirty="0"/>
+          </a:p>
+        </p:txBody>
+      </p:sp>
+      <p:sp>
+        <p:nvSpPr>
+          <p:cNvPr id="3" name="內容版面配置區 2"/>
+          <p:cNvSpPr>
+            <a:spLocks noGrp="1"/>
+          </p:cNvSpPr>
+          <p:nvPr>
+            <p:ph idx="1"/>
+          </p:nvPr>
+        </p:nvSpPr>
+        <p:spPr/>
+        <p:txBody>
+          <a:bodyPr/>
+          <a:lstStyle/>
+          <a:p>
+            <a:r>
+              <a:rPr kumimoji="1" lang="en-US" altLang="zh-TW" sz="3400" dirty="0" smtClean="0">
+                <a:solidFill>
+                  <a:srgbClr val="FF0000"/>
+                </a:solidFill>
+                <a:latin typeface="Times New Roman" charset="0"/>
+                <a:ea typeface="Times New Roman" charset="0"/>
+                <a:cs typeface="Times New Roman" charset="0"/>
+              </a:rPr>
+              <a:t>Linear</a:t>
+            </a:r>
+            <a:r>
+              <a:rPr kumimoji="1" lang="en-US" altLang="zh-TW" sz="3400" dirty="0" smtClean="0">
+                <a:latin typeface="Times New Roman" charset="0"/>
+                <a:ea typeface="Times New Roman" charset="0"/>
+                <a:cs typeface="Times New Roman" charset="0"/>
+              </a:rPr>
+              <a:t> path loss of the channel is the </a:t>
+            </a:r>
+            <a:r>
+              <a:rPr kumimoji="1" lang="en-US" altLang="zh-TW" sz="3400" dirty="0" smtClean="0">
+                <a:solidFill>
+                  <a:srgbClr val="FF0000"/>
+                </a:solidFill>
+                <a:latin typeface="Times New Roman" charset="0"/>
+                <a:ea typeface="Times New Roman" charset="0"/>
+                <a:cs typeface="Times New Roman" charset="0"/>
+              </a:rPr>
+              <a:t>ratio of transmit</a:t>
+            </a:r>
+          </a:p>
+          <a:p>
+            <a:pPr marL="11112" indent="0">
+              <a:buNone/>
+            </a:pPr>
+            <a:r>
+              <a:rPr kumimoji="1" lang="en-US" altLang="zh-TW" sz="3400" dirty="0">
+                <a:solidFill>
+                  <a:srgbClr val="FF0000"/>
+                </a:solidFill>
+                <a:latin typeface="Times New Roman" charset="0"/>
+                <a:ea typeface="Times New Roman" charset="0"/>
+                <a:cs typeface="Times New Roman" charset="0"/>
+              </a:rPr>
+              <a:t> </a:t>
+            </a:r>
+            <a:r>
+              <a:rPr kumimoji="1" lang="en-US" altLang="zh-TW" sz="3400" dirty="0" smtClean="0">
+                <a:solidFill>
+                  <a:srgbClr val="FF0000"/>
+                </a:solidFill>
+                <a:latin typeface="Times New Roman" charset="0"/>
+                <a:ea typeface="Times New Roman" charset="0"/>
+                <a:cs typeface="Times New Roman" charset="0"/>
+              </a:rPr>
+              <a:t>  power to receive power</a:t>
+            </a:r>
+            <a:r>
+              <a:rPr kumimoji="1" lang="en-US" altLang="zh-TW" sz="3400" dirty="0" smtClean="0">
+                <a:latin typeface="Times New Roman" charset="0"/>
+                <a:ea typeface="Times New Roman" charset="0"/>
+                <a:cs typeface="Times New Roman" charset="0"/>
+              </a:rPr>
+              <a:t>.</a:t>
+            </a:r>
+          </a:p>
+          <a:p>
+            <a:pPr>
+              <a:lnSpc>
+                <a:spcPct val="200000"/>
+              </a:lnSpc>
+            </a:pPr>
+            <a:r>
+              <a:rPr kumimoji="1" lang="en-US" altLang="zh-TW" sz="3400" dirty="0" smtClean="0">
+                <a:latin typeface="Times New Roman" charset="0"/>
+                <a:ea typeface="Times New Roman" charset="0"/>
+                <a:cs typeface="Times New Roman" charset="0"/>
+              </a:rPr>
+              <a:t>The power of </a:t>
+            </a:r>
+            <a:r>
+              <a:rPr kumimoji="1" lang="en-US" altLang="zh-TW" sz="3400" dirty="0" smtClean="0">
+                <a:solidFill>
+                  <a:srgbClr val="FF0000"/>
+                </a:solidFill>
+                <a:latin typeface="Times New Roman" charset="0"/>
+                <a:ea typeface="Times New Roman" charset="0"/>
+                <a:cs typeface="Times New Roman" charset="0"/>
+              </a:rPr>
+              <a:t>received signal</a:t>
+            </a:r>
+            <a:r>
+              <a:rPr kumimoji="1" lang="en-US" altLang="zh-TW" sz="3400" dirty="0" smtClean="0">
+                <a:latin typeface="Times New Roman" charset="0"/>
+                <a:ea typeface="Times New Roman" charset="0"/>
+                <a:cs typeface="Times New Roman" charset="0"/>
+              </a:rPr>
+              <a:t> is averaged over any random</a:t>
+            </a:r>
+          </a:p>
+          <a:p>
+            <a:pPr marL="11112" indent="0">
+              <a:buNone/>
+            </a:pPr>
+            <a:r>
+              <a:rPr kumimoji="1" lang="en-US" altLang="zh-TW" sz="3400" dirty="0">
+                <a:latin typeface="Times New Roman" charset="0"/>
+                <a:ea typeface="Times New Roman" charset="0"/>
+                <a:cs typeface="Times New Roman" charset="0"/>
+              </a:rPr>
+              <a:t> </a:t>
+            </a:r>
+            <a:r>
+              <a:rPr kumimoji="1" lang="en-US" altLang="zh-TW" sz="3400" dirty="0" smtClean="0">
+                <a:latin typeface="Times New Roman" charset="0"/>
+                <a:ea typeface="Times New Roman" charset="0"/>
+                <a:cs typeface="Times New Roman" charset="0"/>
+              </a:rPr>
+              <a:t>   variations due to </a:t>
+            </a:r>
+            <a:r>
+              <a:rPr kumimoji="1" lang="en-US" altLang="zh-TW" sz="3400" dirty="0" smtClean="0">
+                <a:solidFill>
+                  <a:srgbClr val="FF0000"/>
+                </a:solidFill>
+                <a:latin typeface="Times New Roman" charset="0"/>
+                <a:ea typeface="Times New Roman" charset="0"/>
+                <a:cs typeface="Times New Roman" charset="0"/>
+              </a:rPr>
+              <a:t>shadowing</a:t>
+            </a:r>
+            <a:r>
+              <a:rPr kumimoji="1" lang="en-US" altLang="zh-TW" sz="3400" dirty="0" smtClean="0">
+                <a:latin typeface="Times New Roman" charset="0"/>
+                <a:ea typeface="Times New Roman" charset="0"/>
+                <a:cs typeface="Times New Roman" charset="0"/>
+              </a:rPr>
+              <a:t>.</a:t>
+            </a:r>
+          </a:p>
+          <a:p>
+            <a:pPr>
+              <a:lnSpc>
+                <a:spcPct val="200000"/>
+              </a:lnSpc>
+            </a:pPr>
+            <a:r>
+              <a:rPr kumimoji="1" lang="en-US" altLang="zh-TW" sz="3400" dirty="0" smtClean="0">
+                <a:latin typeface="Times New Roman" charset="0"/>
+                <a:ea typeface="Times New Roman" charset="0"/>
+                <a:cs typeface="Times New Roman" charset="0"/>
+              </a:rPr>
+              <a:t>Shadowing is the effect that the received signal power</a:t>
+            </a:r>
+          </a:p>
+          <a:p>
+            <a:pPr marL="11112" indent="0">
+              <a:buNone/>
+            </a:pPr>
+            <a:r>
+              <a:rPr kumimoji="1" lang="en-US" altLang="zh-TW" sz="3400" dirty="0">
+                <a:latin typeface="Times New Roman" charset="0"/>
+                <a:ea typeface="Times New Roman" charset="0"/>
+                <a:cs typeface="Times New Roman" charset="0"/>
+              </a:rPr>
+              <a:t> </a:t>
+            </a:r>
+            <a:r>
+              <a:rPr kumimoji="1" lang="en-US" altLang="zh-TW" sz="3400" dirty="0" smtClean="0">
+                <a:latin typeface="Times New Roman" charset="0"/>
+                <a:ea typeface="Times New Roman" charset="0"/>
+                <a:cs typeface="Times New Roman" charset="0"/>
+              </a:rPr>
+              <a:t>   </a:t>
+            </a:r>
+            <a:r>
+              <a:rPr kumimoji="1" lang="en-US" altLang="zh-TW" sz="3400" dirty="0" smtClean="0">
+                <a:solidFill>
+                  <a:srgbClr val="FF0000"/>
+                </a:solidFill>
+                <a:latin typeface="Times New Roman" charset="0"/>
+                <a:ea typeface="Times New Roman" charset="0"/>
+                <a:cs typeface="Times New Roman" charset="0"/>
+              </a:rPr>
+              <a:t>fluctuates due to objects obstructing </a:t>
+            </a:r>
+            <a:r>
+              <a:rPr kumimoji="1" lang="en-US" altLang="zh-TW" sz="3400" dirty="0" smtClean="0">
+                <a:latin typeface="Times New Roman" charset="0"/>
+                <a:ea typeface="Times New Roman" charset="0"/>
+                <a:cs typeface="Times New Roman" charset="0"/>
+              </a:rPr>
+              <a:t>the propagation path </a:t>
+            </a:r>
+          </a:p>
+          <a:p>
+            <a:pPr marL="11112" indent="0">
+              <a:buNone/>
+            </a:pPr>
+            <a:r>
+              <a:rPr kumimoji="1" lang="en-US" altLang="zh-TW" sz="3400" dirty="0">
+                <a:latin typeface="Times New Roman" charset="0"/>
+                <a:ea typeface="Times New Roman" charset="0"/>
+                <a:cs typeface="Times New Roman" charset="0"/>
+              </a:rPr>
+              <a:t> </a:t>
+            </a:r>
+            <a:r>
+              <a:rPr kumimoji="1" lang="en-US" altLang="zh-TW" sz="3400" dirty="0" smtClean="0">
+                <a:latin typeface="Times New Roman" charset="0"/>
+                <a:ea typeface="Times New Roman" charset="0"/>
+                <a:cs typeface="Times New Roman" charset="0"/>
+              </a:rPr>
+              <a:t>   between </a:t>
+            </a:r>
+            <a:r>
+              <a:rPr kumimoji="1" lang="en-US" altLang="zh-TW" sz="3400" dirty="0" err="1" smtClean="0">
+                <a:latin typeface="Times New Roman" charset="0"/>
+                <a:ea typeface="Times New Roman" charset="0"/>
+                <a:cs typeface="Times New Roman" charset="0"/>
+              </a:rPr>
+              <a:t>tx</a:t>
+            </a:r>
+            <a:r>
+              <a:rPr kumimoji="1" lang="en-US" altLang="zh-TW" sz="3400" dirty="0" smtClean="0">
+                <a:latin typeface="Times New Roman" charset="0"/>
+                <a:ea typeface="Times New Roman" charset="0"/>
+                <a:cs typeface="Times New Roman" charset="0"/>
+              </a:rPr>
+              <a:t> and </a:t>
+            </a:r>
+            <a:r>
+              <a:rPr kumimoji="1" lang="en-US" altLang="zh-TW" sz="3400" dirty="0" err="1" smtClean="0">
+                <a:latin typeface="Times New Roman" charset="0"/>
+                <a:ea typeface="Times New Roman" charset="0"/>
+                <a:cs typeface="Times New Roman" charset="0"/>
+              </a:rPr>
+              <a:t>rx</a:t>
+            </a:r>
+            <a:r>
+              <a:rPr kumimoji="1" lang="en-US" altLang="zh-TW" sz="3400" dirty="0" smtClean="0">
+                <a:latin typeface="Times New Roman" charset="0"/>
+                <a:ea typeface="Times New Roman" charset="0"/>
+                <a:cs typeface="Times New Roman" charset="0"/>
+              </a:rPr>
+              <a:t>.</a:t>
+            </a:r>
+            <a:endParaRPr kumimoji="1" lang="zh-TW" altLang="en-US" sz="3400" dirty="0">
+              <a:latin typeface="Times New Roman" charset="0"/>
+              <a:ea typeface="Times New Roman" charset="0"/>
+              <a:cs typeface="Times New Roman" charset="0"/>
+            </a:endParaRPr>
+          </a:p>
+        </p:txBody>
+      </p:sp>
+      <p:sp>
+        <p:nvSpPr>
+          <p:cNvPr id="4" name="投影片編號版面配置區 3"/>
+          <p:cNvSpPr>
+            <a:spLocks noGrp="1"/>
+          </p:cNvSpPr>
+          <p:nvPr>
+            <p:ph type="sldNum" sz="quarter" idx="12"/>
+          </p:nvPr>
+        </p:nvSpPr>
+        <p:spPr/>
+        <p:txBody>
+          <a:bodyPr/>
+          <a:lstStyle/>
+          <a:p>
+            <a:fld id="{3EBBE1F4-AE36-AD42-8177-96288CD18AD2}" type="slidenum">
+              <a:rPr lang="en-US" smtClean="0"/>
+              <a:pPr/>
+              <a:t>22</a:t>
+            </a:fld>
+            <a:endParaRPr lang="en-US"/>
+          </a:p>
+        </p:txBody>
+      </p:sp>
+    </p:spTree>
+    <p:extLst>
+      <p:ext uri="{BB962C8B-B14F-4D97-AF65-F5344CB8AC3E}">
+        <p14:creationId xmlns:p14="http://schemas.microsoft.com/office/powerpoint/2010/main" val="596092803"/>
+      </p:ext>
+    </p:extLst>
+  </p:cSld>
+  <p:clrMapOvr>
+    <a:masterClrMapping/>
+  </p:clrMapOvr>
+  <mc:AlternateContent xmlns:mc="http://schemas.openxmlformats.org/markup-compatibility/2006" xmlns:p14="http://schemas.microsoft.com/office/powerpoint/2010/main">
+    <mc:Choice Requires="p14">
+      <p:transition spd="med" p14:dur="700">
+        <p:fade/>
+      </p:transition>
+    </mc:Choice>
+    <mc:Fallback xmlns="">
+      <p:transition spd="med">
+        <p:fade/>
+      </p:transition>
+    </mc:Fallback>
+  </mc:AlternateContent>
+  <p:timing>
+    <p:tnLst>
+      <p:par>
+        <p:cTn id="1" dur="indefinite" restart="never" nodeType="tmRoot"/>
+      </p:par>
+    </p:tnLst>
+  </p:timing>
+</p:sld>
+</file>
+
+<file path=ppt/slides/slide23.xml><?xml version="1.0" encoding="utf-8"?>
+<p:sld xmlns:a="http://schemas.openxmlformats.org/drawingml/2006/main" xmlns:r="http://schemas.openxmlformats.org/officeDocument/2006/relationships" xmlns:p="http://schemas.openxmlformats.org/presentationml/2006/main">
+  <p:cSld>
+    <p:spTree>
+      <p:nvGrpSpPr>
+        <p:cNvPr id="1" name=""/>
+        <p:cNvGrpSpPr/>
+        <p:nvPr/>
+      </p:nvGrpSpPr>
+      <p:grpSpPr>
+        <a:xfrm>
+          <a:off x="0" y="0"/>
+          <a:ext cx="0" cy="0"/>
+          <a:chOff x="0" y="0"/>
+          <a:chExt cx="0" cy="0"/>
+        </a:xfrm>
+      </p:grpSpPr>
+      <p:sp>
+        <p:nvSpPr>
+          <p:cNvPr id="2" name="標題 1"/>
+          <p:cNvSpPr>
+            <a:spLocks noGrp="1"/>
+          </p:cNvSpPr>
+          <p:nvPr>
+            <p:ph type="title"/>
+          </p:nvPr>
+        </p:nvSpPr>
+        <p:spPr/>
+        <p:txBody>
+          <a:bodyPr/>
+          <a:lstStyle/>
+          <a:p>
+            <a:r>
               <a:rPr lang="en-US" altLang="zh-TW" dirty="0" smtClean="0">
                 <a:latin typeface="Times New Roman" panose="02020603050405020304" pitchFamily="18" charset="0"/>
                 <a:cs typeface="Times New Roman" panose="02020603050405020304" pitchFamily="18" charset="0"/>
@@ -21128,7 +21733,7 @@
             <a:fld id="{3EBBE1F4-AE36-AD42-8177-96288CD18AD2}" type="slidenum">
               <a:rPr lang="en-US" smtClean="0"/>
               <a:pPr/>
-              <a:t>22</a:t>
+              <a:t>23</a:t>
             </a:fld>
             <a:endParaRPr lang="en-US"/>
           </a:p>
@@ -21432,7 +22037,7 @@
 </p:sld>
 </file>
 
-<file path=ppt/slides/slide23.xml><?xml version="1.0" encoding="utf-8"?>
+<file path=ppt/slides/slide24.xml><?xml version="1.0" encoding="utf-8"?>
 <p:sld xmlns:a="http://schemas.openxmlformats.org/drawingml/2006/main" xmlns:r="http://schemas.openxmlformats.org/officeDocument/2006/relationships" xmlns:p="http://schemas.openxmlformats.org/presentationml/2006/main">
   <p:cSld>
     <p:spTree>
@@ -21544,7 +22149,7 @@
             <a:fld id="{3EBBE1F4-AE36-AD42-8177-96288CD18AD2}" type="slidenum">
               <a:rPr lang="en-US" smtClean="0"/>
               <a:pPr/>
-              <a:t>23</a:t>
+              <a:t>24</a:t>
             </a:fld>
             <a:endParaRPr lang="en-US"/>
           </a:p>
@@ -21680,7 +22285,7 @@
 </p:sld>
 </file>
 
-<file path=ppt/slides/slide24.xml><?xml version="1.0" encoding="utf-8"?>
+<file path=ppt/slides/slide25.xml><?xml version="1.0" encoding="utf-8"?>
 <p:sld xmlns:a="http://schemas.openxmlformats.org/drawingml/2006/main" xmlns:r="http://schemas.openxmlformats.org/officeDocument/2006/relationships" xmlns:p="http://schemas.openxmlformats.org/presentationml/2006/main">
   <p:cSld>
     <p:spTree>
@@ -22069,7 +22674,7 @@
             <a:fld id="{3EBBE1F4-AE36-AD42-8177-96288CD18AD2}" type="slidenum">
               <a:rPr lang="en-US" smtClean="0"/>
               <a:pPr/>
-              <a:t>24</a:t>
+              <a:t>25</a:t>
             </a:fld>
             <a:endParaRPr lang="en-US"/>
           </a:p>
@@ -22457,7 +23062,7 @@
 </p:sld>
 </file>
 
-<file path=ppt/slides/slide25.xml><?xml version="1.0" encoding="utf-8"?>
+<file path=ppt/slides/slide26.xml><?xml version="1.0" encoding="utf-8"?>
 <p:sld xmlns:a="http://schemas.openxmlformats.org/drawingml/2006/main" xmlns:r="http://schemas.openxmlformats.org/officeDocument/2006/relationships" xmlns:p="http://schemas.openxmlformats.org/presentationml/2006/main">
   <p:cSld>
     <p:spTree>
@@ -22523,7 +23128,7 @@
             <a:fld id="{3EBBE1F4-AE36-AD42-8177-96288CD18AD2}" type="slidenum">
               <a:rPr lang="en-US" smtClean="0"/>
               <a:pPr/>
-              <a:t>25</a:t>
+              <a:t>26</a:t>
             </a:fld>
             <a:endParaRPr lang="en-US"/>
           </a:p>
@@ -22892,7 +23497,7 @@
 </p:sld>
 </file>
 
-<file path=ppt/slides/slide26.xml><?xml version="1.0" encoding="utf-8"?>
+<file path=ppt/slides/slide27.xml><?xml version="1.0" encoding="utf-8"?>
 <p:sld xmlns:a="http://schemas.openxmlformats.org/drawingml/2006/main" xmlns:r="http://schemas.openxmlformats.org/officeDocument/2006/relationships" xmlns:p="http://schemas.openxmlformats.org/presentationml/2006/main" show="0">
   <p:cSld>
     <p:spTree>
@@ -22958,7 +23563,7 @@
             <a:fld id="{3EBBE1F4-AE36-AD42-8177-96288CD18AD2}" type="slidenum">
               <a:rPr lang="en-US" smtClean="0"/>
               <a:pPr/>
-              <a:t>26</a:t>
+              <a:t>27</a:t>
             </a:fld>
             <a:endParaRPr lang="en-US"/>
           </a:p>
@@ -23531,7 +24136,7 @@
 </p:sld>
 </file>
 
-<file path=ppt/slides/slide27.xml><?xml version="1.0" encoding="utf-8"?>
+<file path=ppt/slides/slide28.xml><?xml version="1.0" encoding="utf-8"?>
 <p:sld xmlns:a="http://schemas.openxmlformats.org/drawingml/2006/main" xmlns:r="http://schemas.openxmlformats.org/officeDocument/2006/relationships" xmlns:p="http://schemas.openxmlformats.org/presentationml/2006/main" show="0">
   <p:cSld>
     <p:spTree>
@@ -23597,7 +24202,7 @@
             <a:fld id="{3EBBE1F4-AE36-AD42-8177-96288CD18AD2}" type="slidenum">
               <a:rPr lang="en-US" smtClean="0"/>
               <a:pPr/>
-              <a:t>27</a:t>
+              <a:t>28</a:t>
             </a:fld>
             <a:endParaRPr lang="en-US"/>
           </a:p>
@@ -23940,7 +24545,7 @@
 </p:sld>
 </file>
 
-<file path=ppt/slides/slide28.xml><?xml version="1.0" encoding="utf-8"?>
+<file path=ppt/slides/slide29.xml><?xml version="1.0" encoding="utf-8"?>
 <p:sld xmlns:a="http://schemas.openxmlformats.org/drawingml/2006/main" xmlns:r="http://schemas.openxmlformats.org/officeDocument/2006/relationships" xmlns:p="http://schemas.openxmlformats.org/presentationml/2006/main" show="0">
   <p:cSld>
     <p:spTree>
@@ -24006,7 +24611,7 @@
             <a:fld id="{3EBBE1F4-AE36-AD42-8177-96288CD18AD2}" type="slidenum">
               <a:rPr lang="en-US" smtClean="0"/>
               <a:pPr/>
-              <a:t>28</a:t>
+              <a:t>29</a:t>
             </a:fld>
             <a:endParaRPr lang="en-US"/>
           </a:p>
@@ -24206,7 +24811,453 @@
 </p:sld>
 </file>
 
-<file path=ppt/slides/slide29.xml><?xml version="1.0" encoding="utf-8"?>
+<file path=ppt/slides/slide3.xml><?xml version="1.0" encoding="utf-8"?>
+<p:sld xmlns:a="http://schemas.openxmlformats.org/drawingml/2006/main" xmlns:r="http://schemas.openxmlformats.org/officeDocument/2006/relationships" xmlns:p="http://schemas.openxmlformats.org/presentationml/2006/main">
+  <p:cSld>
+    <p:spTree>
+      <p:nvGrpSpPr>
+        <p:cNvPr id="1" name=""/>
+        <p:cNvGrpSpPr/>
+        <p:nvPr/>
+      </p:nvGrpSpPr>
+      <p:grpSpPr>
+        <a:xfrm>
+          <a:off x="0" y="0"/>
+          <a:ext cx="0" cy="0"/>
+          <a:chOff x="0" y="0"/>
+          <a:chExt cx="0" cy="0"/>
+        </a:xfrm>
+      </p:grpSpPr>
+      <p:sp>
+        <p:nvSpPr>
+          <p:cNvPr id="2" name="標題 1"/>
+          <p:cNvSpPr>
+            <a:spLocks noGrp="1"/>
+          </p:cNvSpPr>
+          <p:nvPr>
+            <p:ph type="title"/>
+          </p:nvPr>
+        </p:nvSpPr>
+        <p:spPr/>
+        <p:txBody>
+          <a:bodyPr/>
+          <a:lstStyle/>
+          <a:p>
+            <a:r>
+              <a:rPr lang="en-US" altLang="zh-TW" dirty="0" smtClean="0">
+                <a:latin typeface="Times New Roman" panose="02020603050405020304" pitchFamily="18" charset="0"/>
+                <a:cs typeface="Times New Roman" panose="02020603050405020304" pitchFamily="18" charset="0"/>
+              </a:rPr>
+              <a:t>Outline</a:t>
+            </a:r>
+            <a:endParaRPr lang="zh-TW" altLang="en-US" dirty="0">
+              <a:latin typeface="Times New Roman" panose="02020603050405020304" pitchFamily="18" charset="0"/>
+              <a:cs typeface="Times New Roman" panose="02020603050405020304" pitchFamily="18" charset="0"/>
+            </a:endParaRPr>
+          </a:p>
+        </p:txBody>
+      </p:sp>
+      <p:sp>
+        <p:nvSpPr>
+          <p:cNvPr id="3" name="內容版面配置區 2"/>
+          <p:cNvSpPr>
+            <a:spLocks noGrp="1"/>
+          </p:cNvSpPr>
+          <p:nvPr>
+            <p:ph idx="1"/>
+          </p:nvPr>
+        </p:nvSpPr>
+        <p:spPr/>
+        <p:txBody>
+          <a:bodyPr/>
+          <a:lstStyle/>
+          <a:p>
+            <a:pPr>
+              <a:lnSpc>
+                <a:spcPct val="150000"/>
+              </a:lnSpc>
+            </a:pPr>
+            <a:r>
+              <a:rPr lang="en-US" altLang="zh-TW" sz="3200" b="1" dirty="0" smtClean="0">
+                <a:latin typeface="Times New Roman" charset="0"/>
+                <a:ea typeface="Times New Roman" charset="0"/>
+                <a:cs typeface="Times New Roman" charset="0"/>
+              </a:rPr>
+              <a:t>Channel</a:t>
+            </a:r>
+          </a:p>
+          <a:p>
+            <a:pPr>
+              <a:lnSpc>
+                <a:spcPct val="150000"/>
+              </a:lnSpc>
+            </a:pPr>
+            <a:r>
+              <a:rPr lang="en-US" altLang="zh-TW" sz="3200" b="1" dirty="0" err="1" smtClean="0">
+                <a:latin typeface="Times New Roman" charset="0"/>
+                <a:ea typeface="Times New Roman" charset="0"/>
+                <a:cs typeface="Times New Roman" charset="0"/>
+              </a:rPr>
+              <a:t>Friis</a:t>
+            </a:r>
+            <a:r>
+              <a:rPr lang="en-US" altLang="zh-TW" sz="3200" b="1" dirty="0" smtClean="0">
+                <a:latin typeface="Times New Roman" charset="0"/>
+                <a:ea typeface="Times New Roman" charset="0"/>
+                <a:cs typeface="Times New Roman" charset="0"/>
+              </a:rPr>
+              <a:t> Transmission Equation</a:t>
+            </a:r>
+          </a:p>
+          <a:p>
+            <a:pPr>
+              <a:lnSpc>
+                <a:spcPct val="150000"/>
+              </a:lnSpc>
+            </a:pPr>
+            <a:r>
+              <a:rPr lang="en-US" altLang="zh-TW" b="1" dirty="0">
+                <a:latin typeface="Times New Roman" charset="0"/>
+                <a:ea typeface="Times New Roman" charset="0"/>
+                <a:cs typeface="Times New Roman" charset="0"/>
+              </a:rPr>
+              <a:t>Demo</a:t>
+            </a:r>
+          </a:p>
+          <a:p>
+            <a:pPr>
+              <a:lnSpc>
+                <a:spcPct val="150000"/>
+              </a:lnSpc>
+            </a:pPr>
+            <a:r>
+              <a:rPr lang="en-US" altLang="zh-TW" b="1" dirty="0" smtClean="0">
+                <a:latin typeface="Times New Roman" charset="0"/>
+                <a:ea typeface="Times New Roman" charset="0"/>
+                <a:cs typeface="Times New Roman" charset="0"/>
+              </a:rPr>
+              <a:t>Reference</a:t>
+            </a:r>
+            <a:endParaRPr lang="en-US" altLang="zh-TW" b="1" dirty="0">
+              <a:latin typeface="Times New Roman" charset="0"/>
+              <a:ea typeface="Times New Roman" charset="0"/>
+              <a:cs typeface="Times New Roman" charset="0"/>
+            </a:endParaRPr>
+          </a:p>
+        </p:txBody>
+      </p:sp>
+      <p:sp>
+        <p:nvSpPr>
+          <p:cNvPr id="4" name="投影片編號版面配置區 3"/>
+          <p:cNvSpPr>
+            <a:spLocks noGrp="1"/>
+          </p:cNvSpPr>
+          <p:nvPr>
+            <p:ph type="sldNum" sz="quarter" idx="12"/>
+          </p:nvPr>
+        </p:nvSpPr>
+        <p:spPr/>
+        <p:txBody>
+          <a:bodyPr/>
+          <a:lstStyle/>
+          <a:p>
+            <a:fld id="{3EBBE1F4-AE36-AD42-8177-96288CD18AD2}" type="slidenum">
+              <a:rPr lang="en-US" smtClean="0"/>
+              <a:pPr/>
+              <a:t>3</a:t>
+            </a:fld>
+            <a:endParaRPr lang="en-US"/>
+          </a:p>
+        </p:txBody>
+      </p:sp>
+      <p:sp>
+        <p:nvSpPr>
+          <p:cNvPr id="5" name="矩形 4"/>
+          <p:cNvSpPr/>
+          <p:nvPr/>
+        </p:nvSpPr>
+        <p:spPr>
+          <a:xfrm>
+            <a:off x="0" y="-148281"/>
+            <a:ext cx="12282616" cy="7364627"/>
+          </a:xfrm>
+          <a:prstGeom prst="rect">
+            <a:avLst/>
+          </a:prstGeom>
+          <a:solidFill>
+            <a:schemeClr val="tx1">
+              <a:lumMod val="65000"/>
+              <a:lumOff val="35000"/>
+              <a:alpha val="86000"/>
+            </a:schemeClr>
+          </a:solidFill>
+        </p:spPr>
+        <p:style>
+          <a:lnRef idx="2">
+            <a:schemeClr val="accent1">
+              <a:shade val="50000"/>
+            </a:schemeClr>
+          </a:lnRef>
+          <a:fillRef idx="1">
+            <a:schemeClr val="accent1"/>
+          </a:fillRef>
+          <a:effectRef idx="0">
+            <a:schemeClr val="accent1"/>
+          </a:effectRef>
+          <a:fontRef idx="minor">
+            <a:schemeClr val="lt1"/>
+          </a:fontRef>
+        </p:style>
+        <p:txBody>
+          <a:bodyPr rtlCol="0" anchor="ctr"/>
+          <a:lstStyle/>
+          <a:p>
+            <a:pPr algn="ctr"/>
+            <a:endParaRPr lang="zh-TW" altLang="en-US"/>
+          </a:p>
+        </p:txBody>
+      </p:sp>
+      <p:sp>
+        <p:nvSpPr>
+          <p:cNvPr id="8" name="內容版面配置區 2"/>
+          <p:cNvSpPr txBox="1">
+            <a:spLocks/>
+          </p:cNvSpPr>
+          <p:nvPr/>
+        </p:nvSpPr>
+        <p:spPr>
+          <a:xfrm>
+            <a:off x="335362" y="1700811"/>
+            <a:ext cx="11521280" cy="4610906"/>
+          </a:xfrm>
+          <a:prstGeom prst="rect">
+            <a:avLst/>
+          </a:prstGeom>
+        </p:spPr>
+        <p:txBody>
+          <a:bodyPr/>
+          <a:lstStyle>
+            <a:lvl1pPr marL="403225" indent="-392113" algn="l" defTabSz="914400" rtl="0" eaLnBrk="1" latinLnBrk="0" hangingPunct="1">
+              <a:lnSpc>
+                <a:spcPct val="100000"/>
+              </a:lnSpc>
+              <a:spcBef>
+                <a:spcPts val="0"/>
+              </a:spcBef>
+              <a:buFont typeface="Helvetica" pitchFamily="2" charset="0"/>
+              <a:buChar char="●"/>
+              <a:tabLst/>
+              <a:defRPr sz="2800" kern="1200" baseline="0">
+                <a:solidFill>
+                  <a:schemeClr val="tx1"/>
+                </a:solidFill>
+                <a:latin typeface="Arial" panose="020B0604020202020204" pitchFamily="34" charset="0"/>
+                <a:ea typeface="微軟正黑體" panose="020B0604030504040204" pitchFamily="34" charset="-120"/>
+                <a:cs typeface="Arial" panose="020B0604020202020204" pitchFamily="34" charset="0"/>
+              </a:defRPr>
+            </a:lvl1pPr>
+            <a:lvl2pPr marL="808038" indent="-404813" algn="l" defTabSz="914400" rtl="0" eaLnBrk="1" latinLnBrk="0" hangingPunct="1">
+              <a:lnSpc>
+                <a:spcPct val="100000"/>
+              </a:lnSpc>
+              <a:spcBef>
+                <a:spcPts val="0"/>
+              </a:spcBef>
+              <a:buFont typeface="Helvetica" pitchFamily="2" charset="0"/>
+              <a:buChar char="●"/>
+              <a:tabLst/>
+              <a:defRPr sz="2800" kern="1200" baseline="0">
+                <a:solidFill>
+                  <a:schemeClr val="tx1"/>
+                </a:solidFill>
+                <a:latin typeface="Arial" panose="020B0604020202020204" pitchFamily="34" charset="0"/>
+                <a:ea typeface="微軟正黑體" panose="020B0604030504040204" pitchFamily="34" charset="-120"/>
+                <a:cs typeface="Arial" panose="020B0604020202020204" pitchFamily="34" charset="0"/>
+              </a:defRPr>
+            </a:lvl2pPr>
+            <a:lvl3pPr marL="1157288" indent="-349250" algn="l" defTabSz="914400" rtl="0" eaLnBrk="1" latinLnBrk="0" hangingPunct="1">
+              <a:lnSpc>
+                <a:spcPct val="100000"/>
+              </a:lnSpc>
+              <a:spcBef>
+                <a:spcPts val="0"/>
+              </a:spcBef>
+              <a:buFont typeface="Helvetica" pitchFamily="2" charset="0"/>
+              <a:buChar char="●"/>
+              <a:tabLst/>
+              <a:defRPr sz="2800" kern="1200" baseline="0">
+                <a:solidFill>
+                  <a:schemeClr val="tx1"/>
+                </a:solidFill>
+                <a:latin typeface="Arial" panose="020B0604020202020204" pitchFamily="34" charset="0"/>
+                <a:ea typeface="微軟正黑體" panose="020B0604030504040204" pitchFamily="34" charset="-120"/>
+                <a:cs typeface="Arial" panose="020B0604020202020204" pitchFamily="34" charset="0"/>
+              </a:defRPr>
+            </a:lvl3pPr>
+            <a:lvl4pPr marL="1516063" indent="-358775" algn="l" defTabSz="914400" rtl="0" eaLnBrk="1" latinLnBrk="0" hangingPunct="1">
+              <a:lnSpc>
+                <a:spcPct val="100000"/>
+              </a:lnSpc>
+              <a:spcBef>
+                <a:spcPts val="0"/>
+              </a:spcBef>
+              <a:buFont typeface="Helvetica" pitchFamily="2" charset="0"/>
+              <a:buChar char="●"/>
+              <a:tabLst/>
+              <a:defRPr sz="2800" kern="1200" baseline="0">
+                <a:solidFill>
+                  <a:schemeClr val="tx1"/>
+                </a:solidFill>
+                <a:latin typeface="Arial" panose="020B0604020202020204" pitchFamily="34" charset="0"/>
+                <a:ea typeface="微軟正黑體" panose="020B0604030504040204" pitchFamily="34" charset="-120"/>
+                <a:cs typeface="Arial" panose="020B0604020202020204" pitchFamily="34" charset="0"/>
+              </a:defRPr>
+            </a:lvl4pPr>
+            <a:lvl5pPr marL="1876425" indent="-360363" algn="l" defTabSz="914400" rtl="0" eaLnBrk="1" latinLnBrk="0" hangingPunct="1">
+              <a:lnSpc>
+                <a:spcPct val="100000"/>
+              </a:lnSpc>
+              <a:spcBef>
+                <a:spcPts val="0"/>
+              </a:spcBef>
+              <a:buFont typeface="Helvetica" pitchFamily="2" charset="0"/>
+              <a:buChar char="●"/>
+              <a:tabLst/>
+              <a:defRPr sz="2800" kern="1200" baseline="0">
+                <a:solidFill>
+                  <a:schemeClr val="tx1"/>
+                </a:solidFill>
+                <a:latin typeface="Arial" panose="020B0604020202020204" pitchFamily="34" charset="0"/>
+                <a:ea typeface="微軟正黑體" panose="020B0604030504040204" pitchFamily="34" charset="-120"/>
+                <a:cs typeface="Arial" panose="020B0604020202020204" pitchFamily="34" charset="0"/>
+              </a:defRPr>
+            </a:lvl5pPr>
+            <a:lvl6pPr marL="2514600" indent="-228600" algn="l" defTabSz="914400" rtl="0" eaLnBrk="1" latinLnBrk="0" hangingPunct="1">
+              <a:lnSpc>
+                <a:spcPct val="90000"/>
+              </a:lnSpc>
+              <a:spcBef>
+                <a:spcPts val="500"/>
+              </a:spcBef>
+              <a:buFont typeface="Arial" panose="020B0604020202020204" pitchFamily="34" charset="0"/>
+              <a:buChar char="•"/>
+              <a:defRPr sz="1800" kern="1200">
+                <a:solidFill>
+                  <a:schemeClr val="tx1"/>
+                </a:solidFill>
+                <a:latin typeface="+mn-lt"/>
+                <a:ea typeface="+mn-ea"/>
+                <a:cs typeface="+mn-cs"/>
+              </a:defRPr>
+            </a:lvl6pPr>
+            <a:lvl7pPr marL="2971800" indent="-228600" algn="l" defTabSz="914400" rtl="0" eaLnBrk="1" latinLnBrk="0" hangingPunct="1">
+              <a:lnSpc>
+                <a:spcPct val="90000"/>
+              </a:lnSpc>
+              <a:spcBef>
+                <a:spcPts val="500"/>
+              </a:spcBef>
+              <a:buFont typeface="Arial" panose="020B0604020202020204" pitchFamily="34" charset="0"/>
+              <a:buChar char="•"/>
+              <a:defRPr sz="1800" kern="1200">
+                <a:solidFill>
+                  <a:schemeClr val="tx1"/>
+                </a:solidFill>
+                <a:latin typeface="+mn-lt"/>
+                <a:ea typeface="+mn-ea"/>
+                <a:cs typeface="+mn-cs"/>
+              </a:defRPr>
+            </a:lvl7pPr>
+            <a:lvl8pPr marL="3429000" indent="-228600" algn="l" defTabSz="914400" rtl="0" eaLnBrk="1" latinLnBrk="0" hangingPunct="1">
+              <a:lnSpc>
+                <a:spcPct val="90000"/>
+              </a:lnSpc>
+              <a:spcBef>
+                <a:spcPts val="500"/>
+              </a:spcBef>
+              <a:buFont typeface="Arial" panose="020B0604020202020204" pitchFamily="34" charset="0"/>
+              <a:buChar char="•"/>
+              <a:defRPr sz="1800" kern="1200">
+                <a:solidFill>
+                  <a:schemeClr val="tx1"/>
+                </a:solidFill>
+                <a:latin typeface="+mn-lt"/>
+                <a:ea typeface="+mn-ea"/>
+                <a:cs typeface="+mn-cs"/>
+              </a:defRPr>
+            </a:lvl8pPr>
+            <a:lvl9pPr marL="3886200" indent="-228600" algn="l" defTabSz="914400" rtl="0" eaLnBrk="1" latinLnBrk="0" hangingPunct="1">
+              <a:lnSpc>
+                <a:spcPct val="90000"/>
+              </a:lnSpc>
+              <a:spcBef>
+                <a:spcPts val="500"/>
+              </a:spcBef>
+              <a:buFont typeface="Arial" panose="020B0604020202020204" pitchFamily="34" charset="0"/>
+              <a:buChar char="•"/>
+              <a:defRPr sz="1800" kern="1200">
+                <a:solidFill>
+                  <a:schemeClr val="tx1"/>
+                </a:solidFill>
+                <a:latin typeface="+mn-lt"/>
+                <a:ea typeface="+mn-ea"/>
+                <a:cs typeface="+mn-cs"/>
+              </a:defRPr>
+            </a:lvl9pPr>
+          </a:lstStyle>
+          <a:p>
+            <a:pPr>
+              <a:lnSpc>
+                <a:spcPct val="150000"/>
+              </a:lnSpc>
+            </a:pPr>
+            <a:r>
+              <a:rPr lang="en-US" altLang="zh-TW" sz="3200" b="1" dirty="0" smtClean="0">
+                <a:solidFill>
+                  <a:srgbClr val="FFFF00"/>
+                </a:solidFill>
+                <a:latin typeface="Times New Roman" charset="0"/>
+                <a:ea typeface="Times New Roman" charset="0"/>
+                <a:cs typeface="Times New Roman" charset="0"/>
+              </a:rPr>
+              <a:t>Channel</a:t>
+            </a:r>
+          </a:p>
+        </p:txBody>
+      </p:sp>
+    </p:spTree>
+    <p:extLst>
+      <p:ext uri="{BB962C8B-B14F-4D97-AF65-F5344CB8AC3E}">
+        <p14:creationId xmlns:p14="http://schemas.microsoft.com/office/powerpoint/2010/main" val="154414517"/>
+      </p:ext>
+    </p:extLst>
+  </p:cSld>
+  <p:clrMapOvr>
+    <a:masterClrMapping/>
+  </p:clrMapOvr>
+  <mc:AlternateContent xmlns:mc="http://schemas.openxmlformats.org/markup-compatibility/2006" xmlns:p14="http://schemas.microsoft.com/office/powerpoint/2010/main">
+    <mc:Choice Requires="p14">
+      <p:transition spd="med" p14:dur="700">
+        <p:fade/>
+      </p:transition>
+    </mc:Choice>
+    <mc:Fallback xmlns="">
+      <p:transition spd="med">
+        <p:fade/>
+      </p:transition>
+    </mc:Fallback>
+  </mc:AlternateContent>
+  <p:timing>
+    <p:tnLst>
+      <p:par>
+        <p:cTn id="1" dur="indefinite" restart="never" nodeType="tmRoot"/>
+      </p:par>
+    </p:tnLst>
+  </p:timing>
+</p:sld>
+</file>
+
+<file path=ppt/slides/slide30.xml><?xml version="1.0" encoding="utf-8"?>
 <p:sld xmlns:a="http://schemas.openxmlformats.org/drawingml/2006/main" xmlns:r="http://schemas.openxmlformats.org/officeDocument/2006/relationships" xmlns:p="http://schemas.openxmlformats.org/presentationml/2006/main">
   <p:cSld>
     <p:spTree>
@@ -24240,7 +25291,7 @@
           <a:p>
             <a:fld id="{3EBBE1F4-AE36-AD42-8177-96288CD18AD2}" type="slidenum">
               <a:rPr lang="en-US" smtClean="0"/>
-              <a:t>29</a:t>
+              <a:t>30</a:t>
             </a:fld>
             <a:endParaRPr lang="en-US"/>
           </a:p>
@@ -25032,7 +26083,7 @@
 </p:sld>
 </file>
 
-<file path=ppt/slides/slide3.xml><?xml version="1.0" encoding="utf-8"?>
+<file path=ppt/slides/slide31.xml><?xml version="1.0" encoding="utf-8"?>
 <p:sld xmlns:a="http://schemas.openxmlformats.org/drawingml/2006/main" xmlns:r="http://schemas.openxmlformats.org/officeDocument/2006/relationships" xmlns:p="http://schemas.openxmlformats.org/presentationml/2006/main">
   <p:cSld>
     <p:spTree>
@@ -25065,452 +26116,6 @@
           <a:lstStyle/>
           <a:p>
             <a:r>
-              <a:rPr lang="en-US" altLang="zh-TW" dirty="0" smtClean="0">
-                <a:latin typeface="Times New Roman" panose="02020603050405020304" pitchFamily="18" charset="0"/>
-                <a:cs typeface="Times New Roman" panose="02020603050405020304" pitchFamily="18" charset="0"/>
-              </a:rPr>
-              <a:t>Outline</a:t>
-            </a:r>
-            <a:endParaRPr lang="zh-TW" altLang="en-US" dirty="0">
-              <a:latin typeface="Times New Roman" panose="02020603050405020304" pitchFamily="18" charset="0"/>
-              <a:cs typeface="Times New Roman" panose="02020603050405020304" pitchFamily="18" charset="0"/>
-            </a:endParaRPr>
-          </a:p>
-        </p:txBody>
-      </p:sp>
-      <p:sp>
-        <p:nvSpPr>
-          <p:cNvPr id="3" name="內容版面配置區 2"/>
-          <p:cNvSpPr>
-            <a:spLocks noGrp="1"/>
-          </p:cNvSpPr>
-          <p:nvPr>
-            <p:ph idx="1"/>
-          </p:nvPr>
-        </p:nvSpPr>
-        <p:spPr/>
-        <p:txBody>
-          <a:bodyPr/>
-          <a:lstStyle/>
-          <a:p>
-            <a:pPr>
-              <a:lnSpc>
-                <a:spcPct val="150000"/>
-              </a:lnSpc>
-            </a:pPr>
-            <a:r>
-              <a:rPr lang="en-US" altLang="zh-TW" sz="3200" b="1" dirty="0" smtClean="0">
-                <a:latin typeface="Times New Roman" charset="0"/>
-                <a:ea typeface="Times New Roman" charset="0"/>
-                <a:cs typeface="Times New Roman" charset="0"/>
-              </a:rPr>
-              <a:t>Channel</a:t>
-            </a:r>
-          </a:p>
-          <a:p>
-            <a:pPr>
-              <a:lnSpc>
-                <a:spcPct val="150000"/>
-              </a:lnSpc>
-            </a:pPr>
-            <a:r>
-              <a:rPr lang="en-US" altLang="zh-TW" sz="3200" b="1" dirty="0" err="1" smtClean="0">
-                <a:latin typeface="Times New Roman" charset="0"/>
-                <a:ea typeface="Times New Roman" charset="0"/>
-                <a:cs typeface="Times New Roman" charset="0"/>
-              </a:rPr>
-              <a:t>Friis</a:t>
-            </a:r>
-            <a:r>
-              <a:rPr lang="en-US" altLang="zh-TW" sz="3200" b="1" dirty="0" smtClean="0">
-                <a:latin typeface="Times New Roman" charset="0"/>
-                <a:ea typeface="Times New Roman" charset="0"/>
-                <a:cs typeface="Times New Roman" charset="0"/>
-              </a:rPr>
-              <a:t> Transmission Equation</a:t>
-            </a:r>
-          </a:p>
-          <a:p>
-            <a:pPr>
-              <a:lnSpc>
-                <a:spcPct val="150000"/>
-              </a:lnSpc>
-            </a:pPr>
-            <a:r>
-              <a:rPr lang="en-US" altLang="zh-TW" b="1" dirty="0">
-                <a:latin typeface="Times New Roman" charset="0"/>
-                <a:ea typeface="Times New Roman" charset="0"/>
-                <a:cs typeface="Times New Roman" charset="0"/>
-              </a:rPr>
-              <a:t>Demo</a:t>
-            </a:r>
-          </a:p>
-          <a:p>
-            <a:pPr>
-              <a:lnSpc>
-                <a:spcPct val="150000"/>
-              </a:lnSpc>
-            </a:pPr>
-            <a:r>
-              <a:rPr lang="en-US" altLang="zh-TW" b="1" dirty="0" smtClean="0">
-                <a:latin typeface="Times New Roman" charset="0"/>
-                <a:ea typeface="Times New Roman" charset="0"/>
-                <a:cs typeface="Times New Roman" charset="0"/>
-              </a:rPr>
-              <a:t>Reference</a:t>
-            </a:r>
-            <a:endParaRPr lang="en-US" altLang="zh-TW" b="1" dirty="0">
-              <a:latin typeface="Times New Roman" charset="0"/>
-              <a:ea typeface="Times New Roman" charset="0"/>
-              <a:cs typeface="Times New Roman" charset="0"/>
-            </a:endParaRPr>
-          </a:p>
-        </p:txBody>
-      </p:sp>
-      <p:sp>
-        <p:nvSpPr>
-          <p:cNvPr id="4" name="投影片編號版面配置區 3"/>
-          <p:cNvSpPr>
-            <a:spLocks noGrp="1"/>
-          </p:cNvSpPr>
-          <p:nvPr>
-            <p:ph type="sldNum" sz="quarter" idx="12"/>
-          </p:nvPr>
-        </p:nvSpPr>
-        <p:spPr/>
-        <p:txBody>
-          <a:bodyPr/>
-          <a:lstStyle/>
-          <a:p>
-            <a:fld id="{3EBBE1F4-AE36-AD42-8177-96288CD18AD2}" type="slidenum">
-              <a:rPr lang="en-US" smtClean="0"/>
-              <a:pPr/>
-              <a:t>3</a:t>
-            </a:fld>
-            <a:endParaRPr lang="en-US"/>
-          </a:p>
-        </p:txBody>
-      </p:sp>
-      <p:sp>
-        <p:nvSpPr>
-          <p:cNvPr id="5" name="矩形 4"/>
-          <p:cNvSpPr/>
-          <p:nvPr/>
-        </p:nvSpPr>
-        <p:spPr>
-          <a:xfrm>
-            <a:off x="0" y="-148281"/>
-            <a:ext cx="12282616" cy="7364627"/>
-          </a:xfrm>
-          <a:prstGeom prst="rect">
-            <a:avLst/>
-          </a:prstGeom>
-          <a:solidFill>
-            <a:schemeClr val="tx1">
-              <a:lumMod val="65000"/>
-              <a:lumOff val="35000"/>
-              <a:alpha val="86000"/>
-            </a:schemeClr>
-          </a:solidFill>
-        </p:spPr>
-        <p:style>
-          <a:lnRef idx="2">
-            <a:schemeClr val="accent1">
-              <a:shade val="50000"/>
-            </a:schemeClr>
-          </a:lnRef>
-          <a:fillRef idx="1">
-            <a:schemeClr val="accent1"/>
-          </a:fillRef>
-          <a:effectRef idx="0">
-            <a:schemeClr val="accent1"/>
-          </a:effectRef>
-          <a:fontRef idx="minor">
-            <a:schemeClr val="lt1"/>
-          </a:fontRef>
-        </p:style>
-        <p:txBody>
-          <a:bodyPr rtlCol="0" anchor="ctr"/>
-          <a:lstStyle/>
-          <a:p>
-            <a:pPr algn="ctr"/>
-            <a:endParaRPr lang="zh-TW" altLang="en-US"/>
-          </a:p>
-        </p:txBody>
-      </p:sp>
-      <p:sp>
-        <p:nvSpPr>
-          <p:cNvPr id="8" name="內容版面配置區 2"/>
-          <p:cNvSpPr txBox="1">
-            <a:spLocks/>
-          </p:cNvSpPr>
-          <p:nvPr/>
-        </p:nvSpPr>
-        <p:spPr>
-          <a:xfrm>
-            <a:off x="335362" y="1700811"/>
-            <a:ext cx="11521280" cy="4610906"/>
-          </a:xfrm>
-          <a:prstGeom prst="rect">
-            <a:avLst/>
-          </a:prstGeom>
-        </p:spPr>
-        <p:txBody>
-          <a:bodyPr/>
-          <a:lstStyle>
-            <a:lvl1pPr marL="403225" indent="-392113" algn="l" defTabSz="914400" rtl="0" eaLnBrk="1" latinLnBrk="0" hangingPunct="1">
-              <a:lnSpc>
-                <a:spcPct val="100000"/>
-              </a:lnSpc>
-              <a:spcBef>
-                <a:spcPts val="0"/>
-              </a:spcBef>
-              <a:buFont typeface="Helvetica" pitchFamily="2" charset="0"/>
-              <a:buChar char="●"/>
-              <a:tabLst/>
-              <a:defRPr sz="2800" kern="1200" baseline="0">
-                <a:solidFill>
-                  <a:schemeClr val="tx1"/>
-                </a:solidFill>
-                <a:latin typeface="Arial" panose="020B0604020202020204" pitchFamily="34" charset="0"/>
-                <a:ea typeface="微軟正黑體" panose="020B0604030504040204" pitchFamily="34" charset="-120"/>
-                <a:cs typeface="Arial" panose="020B0604020202020204" pitchFamily="34" charset="0"/>
-              </a:defRPr>
-            </a:lvl1pPr>
-            <a:lvl2pPr marL="808038" indent="-404813" algn="l" defTabSz="914400" rtl="0" eaLnBrk="1" latinLnBrk="0" hangingPunct="1">
-              <a:lnSpc>
-                <a:spcPct val="100000"/>
-              </a:lnSpc>
-              <a:spcBef>
-                <a:spcPts val="0"/>
-              </a:spcBef>
-              <a:buFont typeface="Helvetica" pitchFamily="2" charset="0"/>
-              <a:buChar char="●"/>
-              <a:tabLst/>
-              <a:defRPr sz="2800" kern="1200" baseline="0">
-                <a:solidFill>
-                  <a:schemeClr val="tx1"/>
-                </a:solidFill>
-                <a:latin typeface="Arial" panose="020B0604020202020204" pitchFamily="34" charset="0"/>
-                <a:ea typeface="微軟正黑體" panose="020B0604030504040204" pitchFamily="34" charset="-120"/>
-                <a:cs typeface="Arial" panose="020B0604020202020204" pitchFamily="34" charset="0"/>
-              </a:defRPr>
-            </a:lvl2pPr>
-            <a:lvl3pPr marL="1157288" indent="-349250" algn="l" defTabSz="914400" rtl="0" eaLnBrk="1" latinLnBrk="0" hangingPunct="1">
-              <a:lnSpc>
-                <a:spcPct val="100000"/>
-              </a:lnSpc>
-              <a:spcBef>
-                <a:spcPts val="0"/>
-              </a:spcBef>
-              <a:buFont typeface="Helvetica" pitchFamily="2" charset="0"/>
-              <a:buChar char="●"/>
-              <a:tabLst/>
-              <a:defRPr sz="2800" kern="1200" baseline="0">
-                <a:solidFill>
-                  <a:schemeClr val="tx1"/>
-                </a:solidFill>
-                <a:latin typeface="Arial" panose="020B0604020202020204" pitchFamily="34" charset="0"/>
-                <a:ea typeface="微軟正黑體" panose="020B0604030504040204" pitchFamily="34" charset="-120"/>
-                <a:cs typeface="Arial" panose="020B0604020202020204" pitchFamily="34" charset="0"/>
-              </a:defRPr>
-            </a:lvl3pPr>
-            <a:lvl4pPr marL="1516063" indent="-358775" algn="l" defTabSz="914400" rtl="0" eaLnBrk="1" latinLnBrk="0" hangingPunct="1">
-              <a:lnSpc>
-                <a:spcPct val="100000"/>
-              </a:lnSpc>
-              <a:spcBef>
-                <a:spcPts val="0"/>
-              </a:spcBef>
-              <a:buFont typeface="Helvetica" pitchFamily="2" charset="0"/>
-              <a:buChar char="●"/>
-              <a:tabLst/>
-              <a:defRPr sz="2800" kern="1200" baseline="0">
-                <a:solidFill>
-                  <a:schemeClr val="tx1"/>
-                </a:solidFill>
-                <a:latin typeface="Arial" panose="020B0604020202020204" pitchFamily="34" charset="0"/>
-                <a:ea typeface="微軟正黑體" panose="020B0604030504040204" pitchFamily="34" charset="-120"/>
-                <a:cs typeface="Arial" panose="020B0604020202020204" pitchFamily="34" charset="0"/>
-              </a:defRPr>
-            </a:lvl4pPr>
-            <a:lvl5pPr marL="1876425" indent="-360363" algn="l" defTabSz="914400" rtl="0" eaLnBrk="1" latinLnBrk="0" hangingPunct="1">
-              <a:lnSpc>
-                <a:spcPct val="100000"/>
-              </a:lnSpc>
-              <a:spcBef>
-                <a:spcPts val="0"/>
-              </a:spcBef>
-              <a:buFont typeface="Helvetica" pitchFamily="2" charset="0"/>
-              <a:buChar char="●"/>
-              <a:tabLst/>
-              <a:defRPr sz="2800" kern="1200" baseline="0">
-                <a:solidFill>
-                  <a:schemeClr val="tx1"/>
-                </a:solidFill>
-                <a:latin typeface="Arial" panose="020B0604020202020204" pitchFamily="34" charset="0"/>
-                <a:ea typeface="微軟正黑體" panose="020B0604030504040204" pitchFamily="34" charset="-120"/>
-                <a:cs typeface="Arial" panose="020B0604020202020204" pitchFamily="34" charset="0"/>
-              </a:defRPr>
-            </a:lvl5pPr>
-            <a:lvl6pPr marL="2514600" indent="-228600" algn="l" defTabSz="914400" rtl="0" eaLnBrk="1" latinLnBrk="0" hangingPunct="1">
-              <a:lnSpc>
-                <a:spcPct val="90000"/>
-              </a:lnSpc>
-              <a:spcBef>
-                <a:spcPts val="500"/>
-              </a:spcBef>
-              <a:buFont typeface="Arial" panose="020B0604020202020204" pitchFamily="34" charset="0"/>
-              <a:buChar char="•"/>
-              <a:defRPr sz="1800" kern="1200">
-                <a:solidFill>
-                  <a:schemeClr val="tx1"/>
-                </a:solidFill>
-                <a:latin typeface="+mn-lt"/>
-                <a:ea typeface="+mn-ea"/>
-                <a:cs typeface="+mn-cs"/>
-              </a:defRPr>
-            </a:lvl6pPr>
-            <a:lvl7pPr marL="2971800" indent="-228600" algn="l" defTabSz="914400" rtl="0" eaLnBrk="1" latinLnBrk="0" hangingPunct="1">
-              <a:lnSpc>
-                <a:spcPct val="90000"/>
-              </a:lnSpc>
-              <a:spcBef>
-                <a:spcPts val="500"/>
-              </a:spcBef>
-              <a:buFont typeface="Arial" panose="020B0604020202020204" pitchFamily="34" charset="0"/>
-              <a:buChar char="•"/>
-              <a:defRPr sz="1800" kern="1200">
-                <a:solidFill>
-                  <a:schemeClr val="tx1"/>
-                </a:solidFill>
-                <a:latin typeface="+mn-lt"/>
-                <a:ea typeface="+mn-ea"/>
-                <a:cs typeface="+mn-cs"/>
-              </a:defRPr>
-            </a:lvl7pPr>
-            <a:lvl8pPr marL="3429000" indent="-228600" algn="l" defTabSz="914400" rtl="0" eaLnBrk="1" latinLnBrk="0" hangingPunct="1">
-              <a:lnSpc>
-                <a:spcPct val="90000"/>
-              </a:lnSpc>
-              <a:spcBef>
-                <a:spcPts val="500"/>
-              </a:spcBef>
-              <a:buFont typeface="Arial" panose="020B0604020202020204" pitchFamily="34" charset="0"/>
-              <a:buChar char="•"/>
-              <a:defRPr sz="1800" kern="1200">
-                <a:solidFill>
-                  <a:schemeClr val="tx1"/>
-                </a:solidFill>
-                <a:latin typeface="+mn-lt"/>
-                <a:ea typeface="+mn-ea"/>
-                <a:cs typeface="+mn-cs"/>
-              </a:defRPr>
-            </a:lvl8pPr>
-            <a:lvl9pPr marL="3886200" indent="-228600" algn="l" defTabSz="914400" rtl="0" eaLnBrk="1" latinLnBrk="0" hangingPunct="1">
-              <a:lnSpc>
-                <a:spcPct val="90000"/>
-              </a:lnSpc>
-              <a:spcBef>
-                <a:spcPts val="500"/>
-              </a:spcBef>
-              <a:buFont typeface="Arial" panose="020B0604020202020204" pitchFamily="34" charset="0"/>
-              <a:buChar char="•"/>
-              <a:defRPr sz="1800" kern="1200">
-                <a:solidFill>
-                  <a:schemeClr val="tx1"/>
-                </a:solidFill>
-                <a:latin typeface="+mn-lt"/>
-                <a:ea typeface="+mn-ea"/>
-                <a:cs typeface="+mn-cs"/>
-              </a:defRPr>
-            </a:lvl9pPr>
-          </a:lstStyle>
-          <a:p>
-            <a:pPr>
-              <a:lnSpc>
-                <a:spcPct val="150000"/>
-              </a:lnSpc>
-            </a:pPr>
-            <a:r>
-              <a:rPr lang="en-US" altLang="zh-TW" sz="3200" b="1" dirty="0" smtClean="0">
-                <a:solidFill>
-                  <a:srgbClr val="FFFF00"/>
-                </a:solidFill>
-                <a:latin typeface="Times New Roman" charset="0"/>
-                <a:ea typeface="Times New Roman" charset="0"/>
-                <a:cs typeface="Times New Roman" charset="0"/>
-              </a:rPr>
-              <a:t>Channel</a:t>
-            </a:r>
-          </a:p>
-        </p:txBody>
-      </p:sp>
-    </p:spTree>
-    <p:extLst>
-      <p:ext uri="{BB962C8B-B14F-4D97-AF65-F5344CB8AC3E}">
-        <p14:creationId xmlns:p14="http://schemas.microsoft.com/office/powerpoint/2010/main" val="154414517"/>
-      </p:ext>
-    </p:extLst>
-  </p:cSld>
-  <p:clrMapOvr>
-    <a:masterClrMapping/>
-  </p:clrMapOvr>
-  <mc:AlternateContent xmlns:mc="http://schemas.openxmlformats.org/markup-compatibility/2006" xmlns:p14="http://schemas.microsoft.com/office/powerpoint/2010/main">
-    <mc:Choice Requires="p14">
-      <p:transition spd="med" p14:dur="700">
-        <p:fade/>
-      </p:transition>
-    </mc:Choice>
-    <mc:Fallback xmlns="">
-      <p:transition spd="med">
-        <p:fade/>
-      </p:transition>
-    </mc:Fallback>
-  </mc:AlternateContent>
-  <p:timing>
-    <p:tnLst>
-      <p:par>
-        <p:cTn id="1" dur="indefinite" restart="never" nodeType="tmRoot"/>
-      </p:par>
-    </p:tnLst>
-  </p:timing>
-</p:sld>
-</file>
-
-<file path=ppt/slides/slide30.xml><?xml version="1.0" encoding="utf-8"?>
-<p:sld xmlns:a="http://schemas.openxmlformats.org/drawingml/2006/main" xmlns:r="http://schemas.openxmlformats.org/officeDocument/2006/relationships" xmlns:p="http://schemas.openxmlformats.org/presentationml/2006/main">
-  <p:cSld>
-    <p:spTree>
-      <p:nvGrpSpPr>
-        <p:cNvPr id="1" name=""/>
-        <p:cNvGrpSpPr/>
-        <p:nvPr/>
-      </p:nvGrpSpPr>
-      <p:grpSpPr>
-        <a:xfrm>
-          <a:off x="0" y="0"/>
-          <a:ext cx="0" cy="0"/>
-          <a:chOff x="0" y="0"/>
-          <a:chExt cx="0" cy="0"/>
-        </a:xfrm>
-      </p:grpSpPr>
-      <p:sp>
-        <p:nvSpPr>
-          <p:cNvPr id="2" name="標題 1"/>
-          <p:cNvSpPr>
-            <a:spLocks noGrp="1"/>
-          </p:cNvSpPr>
-          <p:nvPr>
-            <p:ph type="title"/>
-          </p:nvPr>
-        </p:nvSpPr>
-        <p:spPr/>
-        <p:txBody>
-          <a:bodyPr/>
-          <a:lstStyle/>
-          <a:p>
-            <a:r>
               <a:rPr kumimoji="1" lang="en-US" altLang="zh-TW" dirty="0" smtClean="0">
                 <a:latin typeface="Times New Roman" charset="0"/>
                 <a:ea typeface="Times New Roman" charset="0"/>
@@ -25664,7 +26269,7 @@
             <a:fld id="{3EBBE1F4-AE36-AD42-8177-96288CD18AD2}" type="slidenum">
               <a:rPr lang="en-US" smtClean="0"/>
               <a:pPr/>
-              <a:t>30</a:t>
+              <a:t>31</a:t>
             </a:fld>
             <a:endParaRPr lang="en-US"/>
           </a:p>
@@ -26115,7 +26720,7 @@
 </p:sld>
 </file>
 
-<file path=ppt/slides/slide31.xml><?xml version="1.0" encoding="utf-8"?>
+<file path=ppt/slides/slide32.xml><?xml version="1.0" encoding="utf-8"?>
 <p:sld xmlns:a="http://schemas.openxmlformats.org/drawingml/2006/main" xmlns:r="http://schemas.openxmlformats.org/officeDocument/2006/relationships" xmlns:p="http://schemas.openxmlformats.org/presentationml/2006/main">
   <p:cSld>
     <p:spTree>
@@ -26149,7 +26754,7 @@
           <a:p>
             <a:fld id="{3EBBE1F4-AE36-AD42-8177-96288CD18AD2}" type="slidenum">
               <a:rPr lang="en-US" smtClean="0"/>
-              <a:t>31</a:t>
+              <a:t>32</a:t>
             </a:fld>
             <a:endParaRPr lang="en-US"/>
           </a:p>
@@ -26312,7 +26917,7 @@
 </p:sld>
 </file>
 
-<file path=ppt/slides/slide32.xml><?xml version="1.0" encoding="utf-8"?>
+<file path=ppt/slides/slide33.xml><?xml version="1.0" encoding="utf-8"?>
 <p:sld xmlns:a="http://schemas.openxmlformats.org/drawingml/2006/main" xmlns:r="http://schemas.openxmlformats.org/officeDocument/2006/relationships" xmlns:p="http://schemas.openxmlformats.org/presentationml/2006/main">
   <p:cSld>
     <p:spTree>
@@ -26346,7 +26951,7 @@
           <a:p>
             <a:fld id="{3EBBE1F4-AE36-AD42-8177-96288CD18AD2}" type="slidenum">
               <a:rPr lang="en-US" smtClean="0"/>
-              <a:t>32</a:t>
+              <a:t>33</a:t>
             </a:fld>
             <a:endParaRPr lang="en-US"/>
           </a:p>
@@ -26414,7 +27019,7 @@
 </p:sld>
 </file>
 
-<file path=ppt/slides/slide33.xml><?xml version="1.0" encoding="utf-8"?>
+<file path=ppt/slides/slide34.xml><?xml version="1.0" encoding="utf-8"?>
 <p:sld xmlns:a="http://schemas.openxmlformats.org/drawingml/2006/main" xmlns:r="http://schemas.openxmlformats.org/officeDocument/2006/relationships" xmlns:p="http://schemas.openxmlformats.org/presentationml/2006/main">
   <p:cSld>
     <p:spTree>
@@ -26635,7 +27240,7 @@
             <a:fld id="{3EBBE1F4-AE36-AD42-8177-96288CD18AD2}" type="slidenum">
               <a:rPr lang="en-US" smtClean="0"/>
               <a:pPr/>
-              <a:t>33</a:t>
+              <a:t>34</a:t>
             </a:fld>
             <a:endParaRPr lang="en-US"/>
           </a:p>
@@ -26673,7 +27278,7 @@
 </p:sld>
 </file>
 
-<file path=ppt/slides/slide34.xml><?xml version="1.0" encoding="utf-8"?>
+<file path=ppt/slides/slide35.xml><?xml version="1.0" encoding="utf-8"?>
 <p:sld xmlns:a="http://schemas.openxmlformats.org/drawingml/2006/main" xmlns:r="http://schemas.openxmlformats.org/officeDocument/2006/relationships" xmlns:p="http://schemas.openxmlformats.org/presentationml/2006/main">
   <p:cSld>
     <p:spTree>
@@ -26707,7 +27312,7 @@
           <a:p>
             <a:fld id="{3EBBE1F4-AE36-AD42-8177-96288CD18AD2}" type="slidenum">
               <a:rPr lang="en-US" smtClean="0"/>
-              <a:t>34</a:t>
+              <a:t>35</a:t>
             </a:fld>
             <a:endParaRPr lang="en-US"/>
           </a:p>
@@ -30952,6 +31557,540 @@
           <a:lstStyle/>
           <a:p>
             <a:r>
+              <a:rPr lang="it-IT" altLang="zh-TW" b="0" dirty="0" err="1" smtClean="0">
+                <a:effectLst/>
+                <a:latin typeface="Times New Roman" charset="0"/>
+                <a:ea typeface="Times New Roman" charset="0"/>
+                <a:cs typeface="Times New Roman" charset="0"/>
+              </a:rPr>
+              <a:t>Shannon-Hartley</a:t>
+            </a:r>
+            <a:r>
+              <a:rPr lang="it-IT" altLang="zh-TW" b="0" dirty="0" smtClean="0">
+                <a:effectLst/>
+                <a:latin typeface="Times New Roman" charset="0"/>
+                <a:ea typeface="Times New Roman" charset="0"/>
+                <a:cs typeface="Times New Roman" charset="0"/>
+              </a:rPr>
+              <a:t> Equation</a:t>
+            </a:r>
+            <a:endParaRPr kumimoji="1" lang="zh-TW" altLang="en-US" dirty="0">
+              <a:latin typeface="Times New Roman" charset="0"/>
+              <a:ea typeface="Times New Roman" charset="0"/>
+              <a:cs typeface="Times New Roman" charset="0"/>
+            </a:endParaRPr>
+          </a:p>
+        </p:txBody>
+      </p:sp>
+      <mc:AlternateContent xmlns:mc="http://schemas.openxmlformats.org/markup-compatibility/2006">
+        <mc:Choice xmlns:a14="http://schemas.microsoft.com/office/drawing/2010/main" Requires="a14">
+          <p:sp>
+            <p:nvSpPr>
+              <p:cNvPr id="3" name="內容版面配置區 2"/>
+              <p:cNvSpPr>
+                <a:spLocks noGrp="1"/>
+              </p:cNvSpPr>
+              <p:nvPr>
+                <p:ph idx="1"/>
+              </p:nvPr>
+            </p:nvSpPr>
+            <p:spPr/>
+            <p:txBody>
+              <a:bodyPr/>
+              <a:lstStyle/>
+              <a:p>
+                <a:pPr marL="11112" indent="0">
+                  <a:buNone/>
+                </a:pPr>
+                <a:endParaRPr kumimoji="1" lang="en-US" altLang="zh-TW" sz="4000" b="0" i="1" dirty="0" smtClean="0">
+                  <a:latin typeface="Cambria Math" charset="0"/>
+                </a:endParaRPr>
+              </a:p>
+              <a:p>
+                <a:pPr marL="11112" indent="0">
+                  <a:buNone/>
+                </a:pPr>
+                <a:endParaRPr kumimoji="1" lang="en-US" altLang="zh-TW" sz="4000" i="1" dirty="0" smtClean="0">
+                  <a:latin typeface="Cambria Math" charset="0"/>
+                </a:endParaRPr>
+              </a:p>
+              <a:p>
+                <a:pPr marL="11112" indent="0">
+                  <a:buNone/>
+                </a:pPr>
+                <a14:m>
+                  <m:oMathPara xmlns:m="http://schemas.openxmlformats.org/officeDocument/2006/math">
+                    <m:oMathParaPr>
+                      <m:jc m:val="centerGroup"/>
+                    </m:oMathParaPr>
+                    <m:oMath xmlns:m="http://schemas.openxmlformats.org/officeDocument/2006/math">
+                      <m:r>
+                        <a:rPr kumimoji="1" lang="en-US" altLang="zh-TW" sz="4200" b="0" i="1" smtClean="0">
+                          <a:latin typeface="Cambria Math" charset="0"/>
+                        </a:rPr>
+                        <m:t>𝐶</m:t>
+                      </m:r>
+                      <m:r>
+                        <a:rPr kumimoji="1" lang="en-US" altLang="zh-TW" sz="4200" b="0" i="1" smtClean="0">
+                          <a:latin typeface="Cambria Math" charset="0"/>
+                        </a:rPr>
+                        <m:t>=</m:t>
+                      </m:r>
+                      <m:r>
+                        <a:rPr kumimoji="1" lang="en-US" altLang="zh-TW" sz="4200" b="0" i="1" smtClean="0">
+                          <a:latin typeface="Cambria Math" charset="0"/>
+                        </a:rPr>
+                        <m:t>𝐵</m:t>
+                      </m:r>
+                      <m:sSub>
+                        <m:sSubPr>
+                          <m:ctrlPr>
+                            <a:rPr kumimoji="1" lang="en-US" altLang="zh-TW" sz="4200" b="0" i="1" smtClean="0">
+                              <a:latin typeface="Cambria Math" charset="0"/>
+                            </a:rPr>
+                          </m:ctrlPr>
+                        </m:sSubPr>
+                        <m:e>
+                          <m:r>
+                            <a:rPr kumimoji="1" lang="en-US" altLang="zh-TW" sz="4200" b="0" i="1" smtClean="0">
+                              <a:latin typeface="Cambria Math" charset="0"/>
+                            </a:rPr>
+                            <m:t>𝑙𝑜𝑔</m:t>
+                          </m:r>
+                        </m:e>
+                        <m:sub>
+                          <m:r>
+                            <a:rPr kumimoji="1" lang="en-US" altLang="zh-TW" sz="4200" b="0" i="1" smtClean="0">
+                              <a:latin typeface="Cambria Math" charset="0"/>
+                            </a:rPr>
+                            <m:t>2</m:t>
+                          </m:r>
+                        </m:sub>
+                      </m:sSub>
+                      <m:d>
+                        <m:dPr>
+                          <m:ctrlPr>
+                            <a:rPr kumimoji="1" lang="en-US" altLang="zh-TW" sz="4200" b="0" i="1" smtClean="0">
+                              <a:latin typeface="Cambria Math" charset="0"/>
+                            </a:rPr>
+                          </m:ctrlPr>
+                        </m:dPr>
+                        <m:e>
+                          <m:r>
+                            <a:rPr kumimoji="1" lang="en-US" altLang="zh-TW" sz="4200" b="0" i="1" smtClean="0">
+                              <a:latin typeface="Cambria Math" charset="0"/>
+                            </a:rPr>
+                            <m:t>1+</m:t>
+                          </m:r>
+                          <m:f>
+                            <m:fPr>
+                              <m:ctrlPr>
+                                <a:rPr kumimoji="1" lang="mr-IN" altLang="zh-TW" sz="4200" b="0" i="1" smtClean="0">
+                                  <a:latin typeface="Cambria Math" charset="0"/>
+                                </a:rPr>
+                              </m:ctrlPr>
+                            </m:fPr>
+                            <m:num>
+                              <m:r>
+                                <a:rPr kumimoji="1" lang="en-US" altLang="zh-TW" sz="4200" b="0" i="1" smtClean="0">
+                                  <a:latin typeface="Cambria Math" charset="0"/>
+                                </a:rPr>
+                                <m:t>𝑆</m:t>
+                              </m:r>
+                            </m:num>
+                            <m:den>
+                              <m:r>
+                                <a:rPr kumimoji="1" lang="en-US" altLang="zh-TW" sz="4200" b="0" i="1" smtClean="0">
+                                  <a:latin typeface="Cambria Math" charset="0"/>
+                                </a:rPr>
+                                <m:t>𝑁</m:t>
+                              </m:r>
+                            </m:den>
+                          </m:f>
+                        </m:e>
+                      </m:d>
+                    </m:oMath>
+                  </m:oMathPara>
+                </a14:m>
+                <a:endParaRPr kumimoji="1" lang="en-US" altLang="zh-TW" sz="4200" b="0" dirty="0" smtClean="0"/>
+              </a:p>
+              <a:p>
+                <a:pPr marL="11112" indent="0">
+                  <a:buNone/>
+                </a:pPr>
+                <a:endParaRPr kumimoji="1" lang="zh-TW" altLang="en-US" sz="4200" dirty="0"/>
+              </a:p>
+            </p:txBody>
+          </p:sp>
+        </mc:Choice>
+        <mc:Fallback>
+          <p:sp>
+            <p:nvSpPr>
+              <p:cNvPr id="3" name="內容版面配置區 2"/>
+              <p:cNvSpPr>
+                <a:spLocks noGrp="1" noRot="1" noChangeAspect="1" noMove="1" noResize="1" noEditPoints="1" noAdjustHandles="1" noChangeArrowheads="1" noChangeShapeType="1" noTextEdit="1"/>
+              </p:cNvSpPr>
+              <p:nvPr>
+                <p:ph idx="1"/>
+              </p:nvPr>
+            </p:nvSpPr>
+            <p:spPr>
+              <a:blipFill rotWithShape="0">
+                <a:blip r:embed="rId2"/>
+                <a:stretch>
+                  <a:fillRect/>
+                </a:stretch>
+              </a:blipFill>
+            </p:spPr>
+            <p:txBody>
+              <a:bodyPr/>
+              <a:lstStyle/>
+              <a:p>
+                <a:r>
+                  <a:rPr lang="zh-TW" altLang="en-US">
+                    <a:noFill/>
+                  </a:rPr>
+                  <a:t> </a:t>
+                </a:r>
+              </a:p>
+            </p:txBody>
+          </p:sp>
+        </mc:Fallback>
+      </mc:AlternateContent>
+      <p:sp>
+        <p:nvSpPr>
+          <p:cNvPr id="4" name="投影片編號版面配置區 3"/>
+          <p:cNvSpPr>
+            <a:spLocks noGrp="1"/>
+          </p:cNvSpPr>
+          <p:nvPr>
+            <p:ph type="sldNum" sz="quarter" idx="12"/>
+          </p:nvPr>
+        </p:nvSpPr>
+        <p:spPr/>
+        <p:txBody>
+          <a:bodyPr/>
+          <a:lstStyle/>
+          <a:p>
+            <a:fld id="{3EBBE1F4-AE36-AD42-8177-96288CD18AD2}" type="slidenum">
+              <a:rPr lang="en-US" smtClean="0"/>
+              <a:pPr/>
+              <a:t>8</a:t>
+            </a:fld>
+            <a:endParaRPr lang="en-US"/>
+          </a:p>
+        </p:txBody>
+      </p:sp>
+      <p:sp>
+        <p:nvSpPr>
+          <p:cNvPr id="5" name="TextBox 12"/>
+          <p:cNvSpPr txBox="1"/>
+          <p:nvPr/>
+        </p:nvSpPr>
+        <p:spPr>
+          <a:xfrm>
+            <a:off x="2143005" y="5178910"/>
+            <a:ext cx="1460656" cy="523220"/>
+          </a:xfrm>
+          <a:prstGeom prst="rect">
+            <a:avLst/>
+          </a:prstGeom>
+          <a:noFill/>
+        </p:spPr>
+        <p:txBody>
+          <a:bodyPr wrap="none" rtlCol="0">
+            <a:spAutoFit/>
+          </a:bodyPr>
+          <a:lstStyle/>
+          <a:p>
+            <a:r>
+              <a:rPr lang="en-US" sz="2800" b="1" dirty="0" smtClean="0">
+                <a:solidFill>
+                  <a:schemeClr val="accent2"/>
+                </a:solidFill>
+                <a:latin typeface="Times New Roman" charset="0"/>
+                <a:ea typeface="Times New Roman" charset="0"/>
+                <a:cs typeface="Times New Roman" charset="0"/>
+              </a:rPr>
+              <a:t>capacity</a:t>
+            </a:r>
+            <a:endParaRPr lang="en-US" sz="2200" b="1" dirty="0">
+              <a:solidFill>
+                <a:schemeClr val="accent2"/>
+              </a:solidFill>
+              <a:latin typeface="Times New Roman" charset="0"/>
+              <a:ea typeface="Times New Roman" charset="0"/>
+              <a:cs typeface="Times New Roman" charset="0"/>
+            </a:endParaRPr>
+          </a:p>
+        </p:txBody>
+      </p:sp>
+      <p:cxnSp>
+        <p:nvCxnSpPr>
+          <p:cNvPr id="6" name="Straight Arrow Connector 16"/>
+          <p:cNvCxnSpPr>
+            <a:stCxn id="5" idx="0"/>
+          </p:cNvCxnSpPr>
+          <p:nvPr/>
+        </p:nvCxnSpPr>
+        <p:spPr>
+          <a:xfrm flipV="1">
+            <a:off x="2873333" y="3921322"/>
+            <a:ext cx="1006561" cy="1257588"/>
+          </a:xfrm>
+          <a:prstGeom prst="straightConnector1">
+            <a:avLst/>
+          </a:prstGeom>
+          <a:ln w="76200">
+            <a:solidFill>
+              <a:schemeClr val="accent2"/>
+            </a:solidFill>
+            <a:tailEnd type="triangle"/>
+          </a:ln>
+        </p:spPr>
+        <p:style>
+          <a:lnRef idx="1">
+            <a:schemeClr val="accent1"/>
+          </a:lnRef>
+          <a:fillRef idx="0">
+            <a:schemeClr val="accent1"/>
+          </a:fillRef>
+          <a:effectRef idx="0">
+            <a:schemeClr val="accent1"/>
+          </a:effectRef>
+          <a:fontRef idx="minor">
+            <a:schemeClr val="tx1"/>
+          </a:fontRef>
+        </p:style>
+      </p:cxnSp>
+      <p:sp>
+        <p:nvSpPr>
+          <p:cNvPr id="7" name="TextBox 12"/>
+          <p:cNvSpPr txBox="1"/>
+          <p:nvPr/>
+        </p:nvSpPr>
+        <p:spPr>
+          <a:xfrm>
+            <a:off x="5015766" y="5178910"/>
+            <a:ext cx="1832553" cy="523220"/>
+          </a:xfrm>
+          <a:prstGeom prst="rect">
+            <a:avLst/>
+          </a:prstGeom>
+          <a:noFill/>
+        </p:spPr>
+        <p:txBody>
+          <a:bodyPr wrap="square" rtlCol="0">
+            <a:spAutoFit/>
+          </a:bodyPr>
+          <a:lstStyle/>
+          <a:p>
+            <a:r>
+              <a:rPr lang="en-US" sz="2800" b="1" dirty="0" smtClean="0">
+                <a:solidFill>
+                  <a:schemeClr val="accent2"/>
+                </a:solidFill>
+                <a:latin typeface="Times New Roman" charset="0"/>
+                <a:ea typeface="Times New Roman" charset="0"/>
+                <a:cs typeface="Times New Roman" charset="0"/>
+              </a:rPr>
+              <a:t>bandwidth</a:t>
+            </a:r>
+            <a:endParaRPr lang="en-US" sz="2200" b="1" dirty="0">
+              <a:solidFill>
+                <a:schemeClr val="accent2"/>
+              </a:solidFill>
+              <a:latin typeface="Times New Roman" charset="0"/>
+              <a:ea typeface="Times New Roman" charset="0"/>
+              <a:cs typeface="Times New Roman" charset="0"/>
+            </a:endParaRPr>
+          </a:p>
+        </p:txBody>
+      </p:sp>
+      <p:cxnSp>
+        <p:nvCxnSpPr>
+          <p:cNvPr id="8" name="Straight Arrow Connector 16"/>
+          <p:cNvCxnSpPr>
+            <a:stCxn id="7" idx="0"/>
+          </p:cNvCxnSpPr>
+          <p:nvPr/>
+        </p:nvCxnSpPr>
+        <p:spPr>
+          <a:xfrm flipH="1" flipV="1">
+            <a:off x="5057471" y="3921321"/>
+            <a:ext cx="874572" cy="1257589"/>
+          </a:xfrm>
+          <a:prstGeom prst="straightConnector1">
+            <a:avLst/>
+          </a:prstGeom>
+          <a:ln w="76200">
+            <a:solidFill>
+              <a:schemeClr val="accent2"/>
+            </a:solidFill>
+            <a:tailEnd type="triangle"/>
+          </a:ln>
+        </p:spPr>
+        <p:style>
+          <a:lnRef idx="1">
+            <a:schemeClr val="accent1"/>
+          </a:lnRef>
+          <a:fillRef idx="0">
+            <a:schemeClr val="accent1"/>
+          </a:fillRef>
+          <a:effectRef idx="0">
+            <a:schemeClr val="accent1"/>
+          </a:effectRef>
+          <a:fontRef idx="minor">
+            <a:schemeClr val="tx1"/>
+          </a:fontRef>
+        </p:style>
+      </p:cxnSp>
+      <p:sp>
+        <p:nvSpPr>
+          <p:cNvPr id="10" name="TextBox 12"/>
+          <p:cNvSpPr txBox="1"/>
+          <p:nvPr/>
+        </p:nvSpPr>
+        <p:spPr>
+          <a:xfrm>
+            <a:off x="8025896" y="5178931"/>
+            <a:ext cx="1832553" cy="523220"/>
+          </a:xfrm>
+          <a:prstGeom prst="rect">
+            <a:avLst/>
+          </a:prstGeom>
+          <a:noFill/>
+        </p:spPr>
+        <p:txBody>
+          <a:bodyPr wrap="square" rtlCol="0">
+            <a:spAutoFit/>
+          </a:bodyPr>
+          <a:lstStyle/>
+          <a:p>
+            <a:pPr algn="ctr"/>
+            <a:r>
+              <a:rPr lang="en-US" sz="2800" b="1" dirty="0" smtClean="0">
+                <a:solidFill>
+                  <a:schemeClr val="accent2"/>
+                </a:solidFill>
+                <a:latin typeface="Times New Roman" charset="0"/>
+                <a:ea typeface="Times New Roman" charset="0"/>
+                <a:cs typeface="Times New Roman" charset="0"/>
+              </a:rPr>
+              <a:t>SNR</a:t>
+            </a:r>
+            <a:endParaRPr lang="en-US" sz="2200" b="1" dirty="0">
+              <a:solidFill>
+                <a:schemeClr val="accent2"/>
+              </a:solidFill>
+              <a:latin typeface="Times New Roman" charset="0"/>
+              <a:ea typeface="Times New Roman" charset="0"/>
+              <a:cs typeface="Times New Roman" charset="0"/>
+            </a:endParaRPr>
+          </a:p>
+        </p:txBody>
+      </p:sp>
+      <p:cxnSp>
+        <p:nvCxnSpPr>
+          <p:cNvPr id="11" name="Straight Arrow Connector 16"/>
+          <p:cNvCxnSpPr/>
+          <p:nvPr/>
+        </p:nvCxnSpPr>
+        <p:spPr>
+          <a:xfrm flipH="1" flipV="1">
+            <a:off x="7772400" y="4235116"/>
+            <a:ext cx="1169774" cy="943816"/>
+          </a:xfrm>
+          <a:prstGeom prst="straightConnector1">
+            <a:avLst/>
+          </a:prstGeom>
+          <a:ln w="76200">
+            <a:solidFill>
+              <a:schemeClr val="accent2"/>
+            </a:solidFill>
+            <a:tailEnd type="triangle"/>
+          </a:ln>
+        </p:spPr>
+        <p:style>
+          <a:lnRef idx="1">
+            <a:schemeClr val="accent1"/>
+          </a:lnRef>
+          <a:fillRef idx="0">
+            <a:schemeClr val="accent1"/>
+          </a:fillRef>
+          <a:effectRef idx="0">
+            <a:schemeClr val="accent1"/>
+          </a:effectRef>
+          <a:fontRef idx="minor">
+            <a:schemeClr val="tx1"/>
+          </a:fontRef>
+        </p:style>
+      </p:cxnSp>
+    </p:spTree>
+    <p:extLst>
+      <p:ext uri="{BB962C8B-B14F-4D97-AF65-F5344CB8AC3E}">
+        <p14:creationId xmlns:p14="http://schemas.microsoft.com/office/powerpoint/2010/main" val="1367836111"/>
+      </p:ext>
+    </p:extLst>
+  </p:cSld>
+  <p:clrMapOvr>
+    <a:masterClrMapping/>
+  </p:clrMapOvr>
+  <mc:AlternateContent xmlns:mc="http://schemas.openxmlformats.org/markup-compatibility/2006">
+    <mc:Choice xmlns:p14="http://schemas.microsoft.com/office/powerpoint/2010/main" Requires="p14">
+      <p:transition spd="med" p14:dur="700">
+        <p:fade/>
+      </p:transition>
+    </mc:Choice>
+    <mc:Fallback>
+      <p:transition spd="med">
+        <p:fade/>
+      </p:transition>
+    </mc:Fallback>
+  </mc:AlternateContent>
+  <p:timing>
+    <p:tnLst>
+      <p:par>
+        <p:cTn id="1" dur="indefinite" restart="never" nodeType="tmRoot"/>
+      </p:par>
+    </p:tnLst>
+  </p:timing>
+</p:sld>
+</file>
+
+<file path=ppt/slides/slide9.xml><?xml version="1.0" encoding="utf-8"?>
+<p:sld xmlns:a="http://schemas.openxmlformats.org/drawingml/2006/main" xmlns:r="http://schemas.openxmlformats.org/officeDocument/2006/relationships" xmlns:p="http://schemas.openxmlformats.org/presentationml/2006/main">
+  <p:cSld>
+    <p:spTree>
+      <p:nvGrpSpPr>
+        <p:cNvPr id="1" name=""/>
+        <p:cNvGrpSpPr/>
+        <p:nvPr/>
+      </p:nvGrpSpPr>
+      <p:grpSpPr>
+        <a:xfrm>
+          <a:off x="0" y="0"/>
+          <a:ext cx="0" cy="0"/>
+          <a:chOff x="0" y="0"/>
+          <a:chExt cx="0" cy="0"/>
+        </a:xfrm>
+      </p:grpSpPr>
+      <p:sp>
+        <p:nvSpPr>
+          <p:cNvPr id="2" name="標題 1"/>
+          <p:cNvSpPr>
+            <a:spLocks noGrp="1"/>
+          </p:cNvSpPr>
+          <p:nvPr>
+            <p:ph type="title"/>
+          </p:nvPr>
+        </p:nvSpPr>
+        <p:spPr/>
+        <p:txBody>
+          <a:bodyPr/>
+          <a:lstStyle/>
+          <a:p>
+            <a:r>
               <a:rPr kumimoji="1" lang="en-US" altLang="zh-TW" dirty="0" smtClean="0"/>
               <a:t>Phase Delay</a:t>
             </a:r>
@@ -31453,7 +32592,7 @@
             <a:fld id="{3EBBE1F4-AE36-AD42-8177-96288CD18AD2}" type="slidenum">
               <a:rPr lang="en-US" smtClean="0"/>
               <a:pPr/>
-              <a:t>8</a:t>
+              <a:t>9</a:t>
             </a:fld>
             <a:endParaRPr lang="en-US"/>
           </a:p>
@@ -31493,609 +32632,6 @@
     <p:extLst>
       <p:ext uri="{BB962C8B-B14F-4D97-AF65-F5344CB8AC3E}">
         <p14:creationId xmlns:p14="http://schemas.microsoft.com/office/powerpoint/2010/main" val="263194865"/>
-      </p:ext>
-    </p:extLst>
-  </p:cSld>
-  <p:clrMapOvr>
-    <a:masterClrMapping/>
-  </p:clrMapOvr>
-  <mc:AlternateContent xmlns:mc="http://schemas.openxmlformats.org/markup-compatibility/2006" xmlns:p14="http://schemas.microsoft.com/office/powerpoint/2010/main">
-    <mc:Choice Requires="p14">
-      <p:transition spd="med" p14:dur="700">
-        <p:fade/>
-      </p:transition>
-    </mc:Choice>
-    <mc:Fallback xmlns="">
-      <p:transition spd="med">
-        <p:fade/>
-      </p:transition>
-    </mc:Fallback>
-  </mc:AlternateContent>
-  <p:timing>
-    <p:tnLst>
-      <p:par>
-        <p:cTn id="1" dur="indefinite" restart="never" nodeType="tmRoot"/>
-      </p:par>
-    </p:tnLst>
-  </p:timing>
-</p:sld>
-</file>
-
-<file path=ppt/slides/slide9.xml><?xml version="1.0" encoding="utf-8"?>
-<p:sld xmlns:a="http://schemas.openxmlformats.org/drawingml/2006/main" xmlns:r="http://schemas.openxmlformats.org/officeDocument/2006/relationships" xmlns:p="http://schemas.openxmlformats.org/presentationml/2006/main">
-  <p:cSld>
-    <p:spTree>
-      <p:nvGrpSpPr>
-        <p:cNvPr id="1" name=""/>
-        <p:cNvGrpSpPr/>
-        <p:nvPr/>
-      </p:nvGrpSpPr>
-      <p:grpSpPr>
-        <a:xfrm>
-          <a:off x="0" y="0"/>
-          <a:ext cx="0" cy="0"/>
-          <a:chOff x="0" y="0"/>
-          <a:chExt cx="0" cy="0"/>
-        </a:xfrm>
-      </p:grpSpPr>
-      <p:sp>
-        <p:nvSpPr>
-          <p:cNvPr id="2" name="標題 1"/>
-          <p:cNvSpPr>
-            <a:spLocks noGrp="1"/>
-          </p:cNvSpPr>
-          <p:nvPr>
-            <p:ph type="title"/>
-          </p:nvPr>
-        </p:nvSpPr>
-        <p:spPr/>
-        <p:txBody>
-          <a:bodyPr/>
-          <a:lstStyle/>
-          <a:p>
-            <a:r>
-              <a:rPr kumimoji="1" lang="en-US" altLang="zh-TW" dirty="0" smtClean="0"/>
-              <a:t>Channel Fading</a:t>
-            </a:r>
-            <a:endParaRPr kumimoji="1" lang="zh-TW" altLang="en-US" dirty="0"/>
-          </a:p>
-        </p:txBody>
-      </p:sp>
-      <p:sp>
-        <p:nvSpPr>
-          <p:cNvPr id="4" name="投影片編號版面配置區 3"/>
-          <p:cNvSpPr>
-            <a:spLocks noGrp="1"/>
-          </p:cNvSpPr>
-          <p:nvPr>
-            <p:ph type="sldNum" sz="quarter" idx="12"/>
-          </p:nvPr>
-        </p:nvSpPr>
-        <p:spPr/>
-        <p:txBody>
-          <a:bodyPr/>
-          <a:lstStyle/>
-          <a:p>
-            <a:fld id="{3EBBE1F4-AE36-AD42-8177-96288CD18AD2}" type="slidenum">
-              <a:rPr lang="en-US" smtClean="0"/>
-              <a:pPr/>
-              <a:t>9</a:t>
-            </a:fld>
-            <a:endParaRPr lang="en-US"/>
-          </a:p>
-        </p:txBody>
-      </p:sp>
-      <p:pic>
-        <p:nvPicPr>
-          <p:cNvPr id="60" name="內容版面配置區 59"/>
-          <p:cNvPicPr>
-            <a:picLocks noGrp="1" noChangeAspect="1"/>
-          </p:cNvPicPr>
-          <p:nvPr>
-            <p:ph idx="1"/>
-          </p:nvPr>
-        </p:nvPicPr>
-        <p:blipFill>
-          <a:blip r:embed="rId3">
-            <a:extLst>
-              <a:ext uri="{28A0092B-C50C-407E-A947-70E740481C1C}">
-                <a14:useLocalDpi xmlns:a14="http://schemas.microsoft.com/office/drawing/2010/main" val="0"/>
-              </a:ext>
-            </a:extLst>
-          </a:blip>
-          <a:stretch>
-            <a:fillRect/>
-          </a:stretch>
-        </p:blipFill>
-        <p:spPr>
-          <a:xfrm>
-            <a:off x="335360" y="1769641"/>
-            <a:ext cx="7117527" cy="4611687"/>
-          </a:xfrm>
-        </p:spPr>
-      </p:pic>
-      <p:cxnSp>
-        <p:nvCxnSpPr>
-          <p:cNvPr id="62" name="直線接點 61"/>
-          <p:cNvCxnSpPr/>
-          <p:nvPr/>
-        </p:nvCxnSpPr>
-        <p:spPr>
-          <a:xfrm>
-            <a:off x="5915756" y="4555158"/>
-            <a:ext cx="1537131" cy="583227"/>
-          </a:xfrm>
-          <a:prstGeom prst="line">
-            <a:avLst/>
-          </a:prstGeom>
-          <a:ln w="12700">
-            <a:solidFill>
-              <a:srgbClr val="F60F1F"/>
-            </a:solidFill>
-          </a:ln>
-        </p:spPr>
-        <p:style>
-          <a:lnRef idx="1">
-            <a:schemeClr val="accent1"/>
-          </a:lnRef>
-          <a:fillRef idx="0">
-            <a:schemeClr val="accent1"/>
-          </a:fillRef>
-          <a:effectRef idx="0">
-            <a:schemeClr val="accent1"/>
-          </a:effectRef>
-          <a:fontRef idx="minor">
-            <a:schemeClr val="tx1"/>
-          </a:fontRef>
-        </p:style>
-      </p:cxnSp>
-      <p:sp>
-        <p:nvSpPr>
-          <p:cNvPr id="69" name="文字方塊 68"/>
-          <p:cNvSpPr txBox="1"/>
-          <p:nvPr/>
-        </p:nvSpPr>
-        <p:spPr>
-          <a:xfrm>
-            <a:off x="6795896" y="4410655"/>
-            <a:ext cx="4575290" cy="1015663"/>
-          </a:xfrm>
-          <a:prstGeom prst="rect">
-            <a:avLst/>
-          </a:prstGeom>
-        </p:spPr>
-        <p:txBody>
-          <a:bodyPr vert="horz" wrap="none" lIns="91440" tIns="45720" rIns="91440" bIns="45720" rtlCol="0" anchor="ctr">
-            <a:spAutoFit/>
-          </a:bodyPr>
-          <a:lstStyle/>
-          <a:p>
-            <a:pPr algn="ctr"/>
-            <a:r>
-              <a:rPr lang="en-US" altLang="zh-TW" sz="2800" dirty="0">
-                <a:solidFill>
-                  <a:srgbClr val="FF0000"/>
-                </a:solidFill>
-                <a:latin typeface="Times New Roman" charset="0"/>
-                <a:ea typeface="Times New Roman" charset="0"/>
-                <a:cs typeface="Times New Roman" charset="0"/>
-              </a:rPr>
-              <a:t>Fluctuation of the local mean: </a:t>
-            </a:r>
-            <a:endParaRPr lang="en-US" altLang="zh-TW" sz="2800" dirty="0" smtClean="0">
-              <a:solidFill>
-                <a:srgbClr val="FF0000"/>
-              </a:solidFill>
-              <a:latin typeface="Times New Roman" charset="0"/>
-              <a:ea typeface="Times New Roman" charset="0"/>
-              <a:cs typeface="Times New Roman" charset="0"/>
-            </a:endParaRPr>
-          </a:p>
-          <a:p>
-            <a:pPr algn="ctr"/>
-            <a:r>
-              <a:rPr lang="en-US" altLang="zh-TW" sz="3200" b="1" dirty="0" smtClean="0">
-                <a:solidFill>
-                  <a:srgbClr val="FF0000"/>
-                </a:solidFill>
-                <a:latin typeface="Times New Roman" charset="0"/>
-                <a:ea typeface="Times New Roman" charset="0"/>
-                <a:cs typeface="Times New Roman" charset="0"/>
-              </a:rPr>
-              <a:t>Large-scale</a:t>
-            </a:r>
-            <a:r>
-              <a:rPr lang="en-US" altLang="zh-TW" sz="3200" dirty="0" smtClean="0">
-                <a:solidFill>
-                  <a:srgbClr val="FF0000"/>
-                </a:solidFill>
-                <a:latin typeface="Times New Roman" charset="0"/>
-                <a:ea typeface="Times New Roman" charset="0"/>
-                <a:cs typeface="Times New Roman" charset="0"/>
-              </a:rPr>
-              <a:t> </a:t>
-            </a:r>
-            <a:r>
-              <a:rPr lang="en-US" altLang="zh-TW" sz="2800" dirty="0" smtClean="0">
-                <a:solidFill>
-                  <a:srgbClr val="FF0000"/>
-                </a:solidFill>
-                <a:latin typeface="Times New Roman" charset="0"/>
-                <a:ea typeface="Times New Roman" charset="0"/>
-                <a:cs typeface="Times New Roman" charset="0"/>
-              </a:rPr>
-              <a:t>fading</a:t>
-            </a:r>
-            <a:endParaRPr lang="en-US" altLang="zh-TW" sz="2800" dirty="0">
-              <a:solidFill>
-                <a:srgbClr val="FF0000"/>
-              </a:solidFill>
-              <a:latin typeface="Times New Roman" charset="0"/>
-              <a:ea typeface="Times New Roman" charset="0"/>
-              <a:cs typeface="Times New Roman" charset="0"/>
-            </a:endParaRPr>
-          </a:p>
-        </p:txBody>
-      </p:sp>
-      <p:cxnSp>
-        <p:nvCxnSpPr>
-          <p:cNvPr id="71" name="直線箭頭接點 70"/>
-          <p:cNvCxnSpPr/>
-          <p:nvPr/>
-        </p:nvCxnSpPr>
-        <p:spPr>
-          <a:xfrm flipV="1">
-            <a:off x="6206515" y="2909152"/>
-            <a:ext cx="1246372" cy="506496"/>
-          </a:xfrm>
-          <a:prstGeom prst="straightConnector1">
-            <a:avLst/>
-          </a:prstGeom>
-          <a:ln w="12700">
-            <a:headEnd type="triangle" w="lg" len="med"/>
-            <a:tailEnd type="none"/>
-          </a:ln>
-        </p:spPr>
-        <p:style>
-          <a:lnRef idx="1">
-            <a:schemeClr val="accent1"/>
-          </a:lnRef>
-          <a:fillRef idx="0">
-            <a:schemeClr val="accent1"/>
-          </a:fillRef>
-          <a:effectRef idx="0">
-            <a:schemeClr val="accent1"/>
-          </a:effectRef>
-          <a:fontRef idx="minor">
-            <a:schemeClr val="tx1"/>
-          </a:fontRef>
-        </p:style>
-      </p:cxnSp>
-      <p:sp>
-        <p:nvSpPr>
-          <p:cNvPr id="76" name="文字方塊 75"/>
-          <p:cNvSpPr txBox="1"/>
-          <p:nvPr/>
-        </p:nvSpPr>
-        <p:spPr>
-          <a:xfrm>
-            <a:off x="6805101" y="2147219"/>
-            <a:ext cx="4575290" cy="1015663"/>
-          </a:xfrm>
-          <a:prstGeom prst="rect">
-            <a:avLst/>
-          </a:prstGeom>
-        </p:spPr>
-        <p:txBody>
-          <a:bodyPr vert="horz" wrap="none" lIns="91440" tIns="45720" rIns="91440" bIns="45720" rtlCol="0" anchor="ctr">
-            <a:spAutoFit/>
-          </a:bodyPr>
-          <a:lstStyle/>
-          <a:p>
-            <a:pPr algn="ctr"/>
-            <a:r>
-              <a:rPr lang="en-US" altLang="zh-TW" sz="2800" dirty="0">
-                <a:solidFill>
-                  <a:schemeClr val="accent1"/>
-                </a:solidFill>
-                <a:latin typeface="Times New Roman" charset="0"/>
-                <a:ea typeface="Times New Roman" charset="0"/>
-                <a:cs typeface="Times New Roman" charset="0"/>
-              </a:rPr>
-              <a:t>Fluctuation of the local mean: </a:t>
-            </a:r>
-          </a:p>
-          <a:p>
-            <a:pPr algn="ctr"/>
-            <a:r>
-              <a:rPr lang="en-US" altLang="zh-TW" sz="3200" b="1" dirty="0" smtClean="0">
-                <a:solidFill>
-                  <a:schemeClr val="accent1"/>
-                </a:solidFill>
-                <a:latin typeface="Times New Roman" charset="0"/>
-                <a:ea typeface="Times New Roman" charset="0"/>
-                <a:cs typeface="Times New Roman" charset="0"/>
-              </a:rPr>
-              <a:t>Small-scale</a:t>
-            </a:r>
-            <a:r>
-              <a:rPr lang="en-US" altLang="zh-TW" sz="3200" dirty="0" smtClean="0">
-                <a:solidFill>
-                  <a:schemeClr val="accent1"/>
-                </a:solidFill>
-                <a:latin typeface="Times New Roman" charset="0"/>
-                <a:ea typeface="Times New Roman" charset="0"/>
-                <a:cs typeface="Times New Roman" charset="0"/>
-              </a:rPr>
-              <a:t> </a:t>
-            </a:r>
-            <a:r>
-              <a:rPr lang="en-US" altLang="zh-TW" sz="2800" dirty="0" smtClean="0">
-                <a:solidFill>
-                  <a:schemeClr val="accent1"/>
-                </a:solidFill>
-                <a:latin typeface="Times New Roman" charset="0"/>
-                <a:ea typeface="Times New Roman" charset="0"/>
-                <a:cs typeface="Times New Roman" charset="0"/>
-              </a:rPr>
-              <a:t>fading</a:t>
-            </a:r>
-            <a:endParaRPr lang="en-US" altLang="zh-TW" sz="2800" dirty="0">
-              <a:solidFill>
-                <a:schemeClr val="accent1"/>
-              </a:solidFill>
-              <a:latin typeface="Times New Roman" charset="0"/>
-              <a:ea typeface="Times New Roman" charset="0"/>
-              <a:cs typeface="Times New Roman" charset="0"/>
-            </a:endParaRPr>
-          </a:p>
-        </p:txBody>
-      </p:sp>
-      <mc:AlternateContent xmlns:mc="http://schemas.openxmlformats.org/markup-compatibility/2006" xmlns:a14="http://schemas.microsoft.com/office/drawing/2010/main">
-        <mc:Choice Requires="a14">
-          <p:sp>
-            <p:nvSpPr>
-              <p:cNvPr id="77" name="文字方塊 76"/>
-              <p:cNvSpPr txBox="1"/>
-              <p:nvPr/>
-            </p:nvSpPr>
-            <p:spPr>
-              <a:xfrm>
-                <a:off x="7267467" y="5609783"/>
-                <a:ext cx="3632148" cy="954107"/>
-              </a:xfrm>
-              <a:prstGeom prst="rect">
-                <a:avLst/>
-              </a:prstGeom>
-            </p:spPr>
-            <p:txBody>
-              <a:bodyPr vert="horz" wrap="none" lIns="91440" tIns="45720" rIns="91440" bIns="45720" rtlCol="0" anchor="ctr">
-                <a:spAutoFit/>
-              </a:bodyPr>
-              <a:lstStyle/>
-              <a:p>
-                <a14:m>
-                  <m:oMath xmlns:m="http://schemas.openxmlformats.org/officeDocument/2006/math">
-                    <m:sSub>
-                      <m:sSubPr>
-                        <m:ctrlPr>
-                          <a:rPr kumimoji="1" lang="en-US" altLang="zh-TW" sz="2800" b="0" i="1" baseline="0" smtClean="0">
-                            <a:solidFill>
-                              <a:schemeClr val="tx1">
-                                <a:lumMod val="65000"/>
-                                <a:lumOff val="35000"/>
-                              </a:schemeClr>
-                            </a:solidFill>
-                            <a:latin typeface="Cambria Math" charset="0"/>
-                            <a:ea typeface="微軟正黑體" panose="020B0604030504040204" pitchFamily="34" charset="-120"/>
-                            <a:cs typeface="Arial" panose="020B0604020202020204" pitchFamily="34" charset="0"/>
-                          </a:rPr>
-                        </m:ctrlPr>
-                      </m:sSubPr>
-                      <m:e>
-                        <m:r>
-                          <a:rPr kumimoji="1" lang="en-US" altLang="zh-TW" sz="2800" b="0" i="1" baseline="0" smtClean="0">
-                            <a:solidFill>
-                              <a:schemeClr val="tx1">
-                                <a:lumMod val="65000"/>
-                                <a:lumOff val="35000"/>
-                              </a:schemeClr>
-                            </a:solidFill>
-                            <a:latin typeface="Cambria Math" charset="0"/>
-                            <a:ea typeface="微軟正黑體" panose="020B0604030504040204" pitchFamily="34" charset="-120"/>
-                            <a:cs typeface="Arial" panose="020B0604020202020204" pitchFamily="34" charset="0"/>
-                          </a:rPr>
-                          <m:t>𝑃</m:t>
-                        </m:r>
-                      </m:e>
-                      <m:sub>
-                        <m:r>
-                          <a:rPr kumimoji="1" lang="en-US" altLang="zh-TW" sz="2800" b="0" i="1" baseline="0" smtClean="0">
-                            <a:solidFill>
-                              <a:schemeClr val="tx1">
-                                <a:lumMod val="65000"/>
-                                <a:lumOff val="35000"/>
-                              </a:schemeClr>
-                            </a:solidFill>
-                            <a:latin typeface="Cambria Math" charset="0"/>
-                            <a:ea typeface="微軟正黑體" panose="020B0604030504040204" pitchFamily="34" charset="-120"/>
-                            <a:cs typeface="Arial" panose="020B0604020202020204" pitchFamily="34" charset="0"/>
-                          </a:rPr>
-                          <m:t>𝑡</m:t>
-                        </m:r>
-                      </m:sub>
-                    </m:sSub>
-                  </m:oMath>
-                </a14:m>
-                <a:r>
-                  <a:rPr kumimoji="1" lang="en-US" altLang="zh-TW" sz="2800" b="0" baseline="0" dirty="0" smtClean="0">
-                    <a:solidFill>
-                      <a:schemeClr val="tx1">
-                        <a:lumMod val="65000"/>
-                        <a:lumOff val="35000"/>
-                      </a:schemeClr>
-                    </a:solidFill>
-                    <a:latin typeface="Calibri" panose="020F0502020204030204" pitchFamily="34" charset="0"/>
-                    <a:ea typeface="微軟正黑體" panose="020B0604030504040204" pitchFamily="34" charset="-120"/>
-                    <a:cs typeface="Arial" panose="020B0604020202020204" pitchFamily="34" charset="0"/>
-                  </a:rPr>
-                  <a:t> : transmission power</a:t>
-                </a:r>
-              </a:p>
-              <a:p>
-                <a14:m>
-                  <m:oMath xmlns:m="http://schemas.openxmlformats.org/officeDocument/2006/math">
-                    <m:sSub>
-                      <m:sSubPr>
-                        <m:ctrlPr>
-                          <a:rPr kumimoji="1" lang="en-US" altLang="zh-TW" sz="2800" i="1">
-                            <a:solidFill>
-                              <a:schemeClr val="tx1">
-                                <a:lumMod val="65000"/>
-                                <a:lumOff val="35000"/>
-                              </a:schemeClr>
-                            </a:solidFill>
-                            <a:latin typeface="Cambria Math" charset="0"/>
-                            <a:ea typeface="微軟正黑體" panose="020B0604030504040204" pitchFamily="34" charset="-120"/>
-                            <a:cs typeface="Arial" panose="020B0604020202020204" pitchFamily="34" charset="0"/>
-                          </a:rPr>
-                        </m:ctrlPr>
-                      </m:sSubPr>
-                      <m:e>
-                        <m:r>
-                          <a:rPr kumimoji="1" lang="en-US" altLang="zh-TW" sz="2800" i="1">
-                            <a:solidFill>
-                              <a:schemeClr val="tx1">
-                                <a:lumMod val="65000"/>
-                                <a:lumOff val="35000"/>
-                              </a:schemeClr>
-                            </a:solidFill>
-                            <a:latin typeface="Cambria Math" charset="0"/>
-                            <a:ea typeface="微軟正黑體" panose="020B0604030504040204" pitchFamily="34" charset="-120"/>
-                            <a:cs typeface="Arial" panose="020B0604020202020204" pitchFamily="34" charset="0"/>
-                          </a:rPr>
-                          <m:t>𝑃</m:t>
-                        </m:r>
-                      </m:e>
-                      <m:sub>
-                        <m:r>
-                          <a:rPr kumimoji="1" lang="en-US" altLang="zh-TW" sz="2800" b="0" i="1" smtClean="0">
-                            <a:solidFill>
-                              <a:schemeClr val="tx1">
-                                <a:lumMod val="65000"/>
-                                <a:lumOff val="35000"/>
-                              </a:schemeClr>
-                            </a:solidFill>
-                            <a:latin typeface="Cambria Math" charset="0"/>
-                            <a:ea typeface="微軟正黑體" panose="020B0604030504040204" pitchFamily="34" charset="-120"/>
-                            <a:cs typeface="Arial" panose="020B0604020202020204" pitchFamily="34" charset="0"/>
-                          </a:rPr>
-                          <m:t>𝑟</m:t>
-                        </m:r>
-                      </m:sub>
-                    </m:sSub>
-                  </m:oMath>
-                </a14:m>
-                <a:r>
-                  <a:rPr kumimoji="1" lang="en-US" altLang="zh-TW" sz="2800" dirty="0">
-                    <a:solidFill>
-                      <a:schemeClr val="tx1">
-                        <a:lumMod val="65000"/>
-                        <a:lumOff val="35000"/>
-                      </a:schemeClr>
-                    </a:solidFill>
-                    <a:latin typeface="Calibri" panose="020F0502020204030204" pitchFamily="34" charset="0"/>
-                    <a:ea typeface="微軟正黑體" panose="020B0604030504040204" pitchFamily="34" charset="-120"/>
-                    <a:cs typeface="Arial" panose="020B0604020202020204" pitchFamily="34" charset="0"/>
-                  </a:rPr>
-                  <a:t> : </a:t>
-                </a:r>
-                <a:r>
-                  <a:rPr kumimoji="1" lang="en-US" altLang="zh-TW" sz="2800" dirty="0" smtClean="0">
-                    <a:solidFill>
-                      <a:schemeClr val="tx1">
-                        <a:lumMod val="65000"/>
-                        <a:lumOff val="35000"/>
-                      </a:schemeClr>
-                    </a:solidFill>
-                    <a:latin typeface="Calibri" panose="020F0502020204030204" pitchFamily="34" charset="0"/>
-                    <a:ea typeface="微軟正黑體" panose="020B0604030504040204" pitchFamily="34" charset="-120"/>
-                    <a:cs typeface="Arial" panose="020B0604020202020204" pitchFamily="34" charset="0"/>
-                  </a:rPr>
-                  <a:t>received </a:t>
-                </a:r>
-                <a:r>
-                  <a:rPr kumimoji="1" lang="en-US" altLang="zh-TW" sz="2800" dirty="0">
-                    <a:solidFill>
-                      <a:schemeClr val="tx1">
-                        <a:lumMod val="65000"/>
-                        <a:lumOff val="35000"/>
-                      </a:schemeClr>
-                    </a:solidFill>
-                    <a:latin typeface="Calibri" panose="020F0502020204030204" pitchFamily="34" charset="0"/>
-                    <a:ea typeface="微軟正黑體" panose="020B0604030504040204" pitchFamily="34" charset="-120"/>
-                    <a:cs typeface="Arial" panose="020B0604020202020204" pitchFamily="34" charset="0"/>
-                  </a:rPr>
-                  <a:t>power</a:t>
-                </a:r>
-                <a:endParaRPr kumimoji="1" lang="zh-TW" altLang="en-US" sz="2800" b="0" baseline="0" dirty="0">
-                  <a:solidFill>
-                    <a:schemeClr val="tx1">
-                      <a:lumMod val="65000"/>
-                      <a:lumOff val="35000"/>
-                    </a:schemeClr>
-                  </a:solidFill>
-                  <a:latin typeface="Calibri" panose="020F0502020204030204" pitchFamily="34" charset="0"/>
-                  <a:ea typeface="微軟正黑體" panose="020B0604030504040204" pitchFamily="34" charset="-120"/>
-                  <a:cs typeface="Arial" panose="020B0604020202020204" pitchFamily="34" charset="0"/>
-                </a:endParaRPr>
-              </a:p>
-            </p:txBody>
-          </p:sp>
-        </mc:Choice>
-        <mc:Fallback xmlns="">
-          <p:sp>
-            <p:nvSpPr>
-              <p:cNvPr id="77" name="文字方塊 76"/>
-              <p:cNvSpPr txBox="1">
-                <a:spLocks noRot="1" noChangeAspect="1" noMove="1" noResize="1" noEditPoints="1" noAdjustHandles="1" noChangeArrowheads="1" noChangeShapeType="1" noTextEdit="1"/>
-              </p:cNvSpPr>
-              <p:nvPr/>
-            </p:nvSpPr>
-            <p:spPr>
-              <a:xfrm>
-                <a:off x="7267467" y="5609783"/>
-                <a:ext cx="3632148" cy="954107"/>
-              </a:xfrm>
-              <a:prstGeom prst="rect">
-                <a:avLst/>
-              </a:prstGeom>
-              <a:blipFill rotWithShape="0">
-                <a:blip r:embed="rId4"/>
-                <a:stretch>
-                  <a:fillRect t="-5732" r="-2349" b="-17834"/>
-                </a:stretch>
-              </a:blipFill>
-            </p:spPr>
-            <p:txBody>
-              <a:bodyPr/>
-              <a:lstStyle/>
-              <a:p>
-                <a:r>
-                  <a:rPr lang="zh-TW" altLang="en-US">
-                    <a:noFill/>
-                  </a:rPr>
-                  <a:t> </a:t>
-                </a:r>
-              </a:p>
-            </p:txBody>
-          </p:sp>
-        </mc:Fallback>
-      </mc:AlternateContent>
-    </p:spTree>
-    <p:extLst>
-      <p:ext uri="{BB962C8B-B14F-4D97-AF65-F5344CB8AC3E}">
-        <p14:creationId xmlns:p14="http://schemas.microsoft.com/office/powerpoint/2010/main" val="1570010807"/>
       </p:ext>
     </p:extLst>
   </p:cSld>

--- a/Freshman_Training_Signal.pptx
+++ b/Freshman_Training_Signal.pptx
@@ -684,24 +684,16 @@
           <a:p>
             <a:r>
               <a:rPr kumimoji="1" lang="zh-TW" altLang="en-US" dirty="0" smtClean="0"/>
-              <a:t>在這先介紹以移動影響 </a:t>
+              <a:t>主要以兩種原因分成四種 </a:t>
             </a:r>
             <a:r>
               <a:rPr kumimoji="1" lang="en-US" altLang="zh-TW" dirty="0" smtClean="0"/>
-              <a:t>channel </a:t>
-            </a:r>
-            <a:r>
-              <a:rPr kumimoji="1" lang="zh-TW" altLang="en-US" dirty="0" smtClean="0"/>
-              <a:t>的其中兩種 </a:t>
-            </a:r>
-            <a:r>
-              <a:rPr kumimoji="1" lang="en-US" altLang="zh-TW" dirty="0" smtClean="0"/>
-              <a:t>fading</a:t>
+              <a:t>fading </a:t>
             </a:r>
             <a:endParaRPr kumimoji="1" lang="zh-TW" altLang="en-US" dirty="0" smtClean="0"/>
           </a:p>
           <a:p>
-            <a:endParaRPr kumimoji="1" lang="zh-TW" altLang="en-US" dirty="0" smtClean="0"/>
+            <a:endParaRPr kumimoji="1" lang="zh-TW" altLang="en-US" dirty="0"/>
           </a:p>
         </p:txBody>
       </p:sp>
@@ -722,7 +714,7 @@
           <a:p>
             <a:fld id="{C79F9334-C2B5-40DC-A82F-94CC416C9799}" type="slidenum">
               <a:rPr lang="zh-TW" altLang="en-US" smtClean="0"/>
-              <a:t>13</a:t>
+              <a:t>12</a:t>
             </a:fld>
             <a:endParaRPr lang="zh-TW" altLang="en-US"/>
           </a:p>
@@ -731,7 +723,7 @@
     </p:spTree>
     <p:extLst>
       <p:ext uri="{BB962C8B-B14F-4D97-AF65-F5344CB8AC3E}">
-        <p14:creationId xmlns:p14="http://schemas.microsoft.com/office/powerpoint/2010/main" val="26942382"/>
+        <p14:creationId xmlns:p14="http://schemas.microsoft.com/office/powerpoint/2010/main" val="1365645379"/>
       </p:ext>
     </p:extLst>
   </p:cSld>
@@ -787,50 +779,24 @@
           <a:p>
             <a:r>
               <a:rPr kumimoji="1" lang="zh-TW" altLang="en-US" dirty="0" smtClean="0"/>
-              <a:t>因為是 移動的影響 所以頻域方面會考慮 </a:t>
+              <a:t>在這先介紹以移動影響 </a:t>
             </a:r>
             <a:r>
               <a:rPr kumimoji="1" lang="en-US" altLang="zh-TW" dirty="0" smtClean="0"/>
-              <a:t>Doppler </a:t>
+              <a:t>channel </a:t>
             </a:r>
             <a:r>
               <a:rPr kumimoji="1" lang="zh-TW" altLang="en-US" dirty="0" smtClean="0"/>
-              <a:t>效應</a:t>
-            </a:r>
-            <a:endParaRPr kumimoji="1" lang="en-US" altLang="zh-TW" dirty="0" smtClean="0"/>
-          </a:p>
-          <a:p>
+              <a:t>的其中兩種 </a:t>
+            </a:r>
             <a:r>
               <a:rPr kumimoji="1" lang="en-US" altLang="zh-TW" dirty="0" smtClean="0"/>
-              <a:t>Coherence time </a:t>
-            </a:r>
-            <a:r>
-              <a:rPr kumimoji="1" lang="zh-TW" altLang="en-US" dirty="0" smtClean="0"/>
-              <a:t>就是一段時間</a:t>
-            </a:r>
-            <a:r>
-              <a:rPr kumimoji="1" lang="zh-TW" altLang="en-US" baseline="0" dirty="0" smtClean="0"/>
-              <a:t> </a:t>
-            </a:r>
-            <a:r>
-              <a:rPr kumimoji="1" lang="en-US" altLang="zh-TW" baseline="0" dirty="0" smtClean="0"/>
-              <a:t>channel impulse response </a:t>
-            </a:r>
-            <a:r>
-              <a:rPr kumimoji="1" lang="zh-TW" altLang="en-US" baseline="0" dirty="0" smtClean="0"/>
-              <a:t>沒有改變</a:t>
-            </a:r>
-          </a:p>
-          <a:p>
-            <a:r>
-              <a:rPr kumimoji="1" lang="en-US" altLang="zh-TW" dirty="0" smtClean="0"/>
-              <a:t>Tc Ds </a:t>
-            </a:r>
-            <a:r>
-              <a:rPr kumimoji="1" lang="zh-TW" altLang="en-US" dirty="0" smtClean="0"/>
-              <a:t>成反比</a:t>
-            </a:r>
-            <a:endParaRPr kumimoji="1" lang="zh-TW" altLang="en-US" dirty="0"/>
+              <a:t>fading</a:t>
+            </a:r>
+            <a:endParaRPr kumimoji="1" lang="zh-TW" altLang="en-US" dirty="0" smtClean="0"/>
+          </a:p>
+          <a:p>
+            <a:endParaRPr kumimoji="1" lang="zh-TW" altLang="en-US" dirty="0" smtClean="0"/>
           </a:p>
         </p:txBody>
       </p:sp>
@@ -851,7 +817,7 @@
           <a:p>
             <a:fld id="{C79F9334-C2B5-40DC-A82F-94CC416C9799}" type="slidenum">
               <a:rPr lang="zh-TW" altLang="en-US" smtClean="0"/>
-              <a:t>14</a:t>
+              <a:t>13</a:t>
             </a:fld>
             <a:endParaRPr lang="zh-TW" altLang="en-US"/>
           </a:p>
@@ -860,7 +826,7 @@
     </p:spTree>
     <p:extLst>
       <p:ext uri="{BB962C8B-B14F-4D97-AF65-F5344CB8AC3E}">
-        <p14:creationId xmlns:p14="http://schemas.microsoft.com/office/powerpoint/2010/main" val="2128178061"/>
+        <p14:creationId xmlns:p14="http://schemas.microsoft.com/office/powerpoint/2010/main" val="26942382"/>
       </p:ext>
     </p:extLst>
   </p:cSld>
@@ -916,25 +882,48 @@
           <a:p>
             <a:r>
               <a:rPr kumimoji="1" lang="zh-TW" altLang="en-US" dirty="0" smtClean="0"/>
-              <a:t>先定義 </a:t>
+              <a:t>因為是 移動的影響 所以頻域方面會考慮 </a:t>
             </a:r>
             <a:r>
               <a:rPr kumimoji="1" lang="en-US" altLang="zh-TW" dirty="0" smtClean="0"/>
-              <a:t>threshold Tc</a:t>
+              <a:t>Doppler </a:t>
+            </a:r>
+            <a:r>
+              <a:rPr kumimoji="1" lang="zh-TW" altLang="en-US" dirty="0" smtClean="0"/>
+              <a:t>效應</a:t>
+            </a:r>
+            <a:endParaRPr kumimoji="1" lang="en-US" altLang="zh-TW" dirty="0" smtClean="0"/>
+          </a:p>
+          <a:p>
+            <a:r>
+              <a:rPr kumimoji="1" lang="en-US" altLang="zh-TW" dirty="0" smtClean="0"/>
+              <a:t>Coherence time </a:t>
+            </a:r>
+            <a:r>
+              <a:rPr kumimoji="1" lang="zh-TW" altLang="en-US" dirty="0" smtClean="0"/>
+              <a:t>就是一段時間</a:t>
+            </a:r>
+            <a:r>
+              <a:rPr kumimoji="1" lang="zh-TW" altLang="en-US" baseline="0" dirty="0" smtClean="0"/>
+              <a:t> </a:t>
             </a:r>
             <a:r>
               <a:rPr kumimoji="1" lang="en-US" altLang="zh-TW" baseline="0" dirty="0" smtClean="0"/>
-              <a:t> Ds</a:t>
+              <a:t>channel impulse response </a:t>
+            </a:r>
+            <a:r>
+              <a:rPr kumimoji="1" lang="zh-TW" altLang="en-US" baseline="0" dirty="0" smtClean="0"/>
+              <a:t>沒有改變</a:t>
             </a:r>
           </a:p>
           <a:p>
             <a:r>
               <a:rPr kumimoji="1" lang="en-US" altLang="zh-TW" dirty="0" smtClean="0"/>
-              <a:t>Symbol</a:t>
-            </a:r>
-            <a:r>
-              <a:rPr kumimoji="1" lang="en-US" altLang="zh-TW" baseline="0" dirty="0" smtClean="0"/>
-              <a:t> time &lt; Tc W&gt;Ds slow</a:t>
+              <a:t>Tc Ds </a:t>
+            </a:r>
+            <a:r>
+              <a:rPr kumimoji="1" lang="zh-TW" altLang="en-US" dirty="0" smtClean="0"/>
+              <a:t>成反比</a:t>
             </a:r>
             <a:endParaRPr kumimoji="1" lang="zh-TW" altLang="en-US" dirty="0"/>
           </a:p>
@@ -957,7 +946,7 @@
           <a:p>
             <a:fld id="{C79F9334-C2B5-40DC-A82F-94CC416C9799}" type="slidenum">
               <a:rPr lang="zh-TW" altLang="en-US" smtClean="0"/>
-              <a:t>15</a:t>
+              <a:t>14</a:t>
             </a:fld>
             <a:endParaRPr lang="zh-TW" altLang="en-US"/>
           </a:p>
@@ -966,7 +955,7 @@
     </p:spTree>
     <p:extLst>
       <p:ext uri="{BB962C8B-B14F-4D97-AF65-F5344CB8AC3E}">
-        <p14:creationId xmlns:p14="http://schemas.microsoft.com/office/powerpoint/2010/main" val="1108902827"/>
+        <p14:creationId xmlns:p14="http://schemas.microsoft.com/office/powerpoint/2010/main" val="2128178061"/>
       </p:ext>
     </p:extLst>
   </p:cSld>
@@ -1022,11 +1011,25 @@
           <a:p>
             <a:r>
               <a:rPr kumimoji="1" lang="zh-TW" altLang="en-US" dirty="0" smtClean="0"/>
-              <a:t>相反地就是 </a:t>
+              <a:t>先定義 </a:t>
             </a:r>
             <a:r>
               <a:rPr kumimoji="1" lang="en-US" altLang="zh-TW" dirty="0" smtClean="0"/>
-              <a:t>fast</a:t>
+              <a:t>threshold Tc</a:t>
+            </a:r>
+            <a:r>
+              <a:rPr kumimoji="1" lang="en-US" altLang="zh-TW" baseline="0" dirty="0" smtClean="0"/>
+              <a:t> Ds</a:t>
+            </a:r>
+          </a:p>
+          <a:p>
+            <a:r>
+              <a:rPr kumimoji="1" lang="en-US" altLang="zh-TW" dirty="0" smtClean="0"/>
+              <a:t>Symbol</a:t>
+            </a:r>
+            <a:r>
+              <a:rPr kumimoji="1" lang="en-US" altLang="zh-TW" baseline="0" dirty="0" smtClean="0"/>
+              <a:t> time &lt; Tc W&gt;Ds slow</a:t>
             </a:r>
             <a:endParaRPr kumimoji="1" lang="zh-TW" altLang="en-US" dirty="0"/>
           </a:p>
@@ -1049,7 +1052,7 @@
           <a:p>
             <a:fld id="{C79F9334-C2B5-40DC-A82F-94CC416C9799}" type="slidenum">
               <a:rPr lang="zh-TW" altLang="en-US" smtClean="0"/>
-              <a:t>16</a:t>
+              <a:t>15</a:t>
             </a:fld>
             <a:endParaRPr lang="zh-TW" altLang="en-US"/>
           </a:p>
@@ -1058,7 +1061,7 @@
     </p:spTree>
     <p:extLst>
       <p:ext uri="{BB962C8B-B14F-4D97-AF65-F5344CB8AC3E}">
-        <p14:creationId xmlns:p14="http://schemas.microsoft.com/office/powerpoint/2010/main" val="697638908"/>
+        <p14:creationId xmlns:p14="http://schemas.microsoft.com/office/powerpoint/2010/main" val="1108902827"/>
       </p:ext>
     </p:extLst>
   </p:cSld>
@@ -1114,36 +1117,13 @@
           <a:p>
             <a:r>
               <a:rPr kumimoji="1" lang="zh-TW" altLang="en-US" dirty="0" smtClean="0"/>
-              <a:t>接下來介紹以</a:t>
-            </a:r>
-            <a:r>
-              <a:rPr kumimoji="1" lang="zh-TW" altLang="en-US" baseline="0" dirty="0" smtClean="0"/>
-              <a:t> </a:t>
-            </a:r>
-            <a:r>
-              <a:rPr kumimoji="1" lang="en-US" altLang="zh-TW" baseline="0" dirty="0" smtClean="0"/>
-              <a:t>multipath </a:t>
-            </a:r>
-            <a:r>
-              <a:rPr kumimoji="1" lang="zh-TW" altLang="en-US" dirty="0" smtClean="0"/>
-              <a:t>影響 </a:t>
+              <a:t>相反地就是 </a:t>
             </a:r>
             <a:r>
               <a:rPr kumimoji="1" lang="en-US" altLang="zh-TW" dirty="0" smtClean="0"/>
-              <a:t>channel </a:t>
-            </a:r>
-            <a:r>
-              <a:rPr kumimoji="1" lang="zh-TW" altLang="en-US" dirty="0" smtClean="0"/>
-              <a:t>的其中兩種 </a:t>
-            </a:r>
-            <a:r>
-              <a:rPr kumimoji="1" lang="en-US" altLang="zh-TW" dirty="0" smtClean="0"/>
-              <a:t>fading</a:t>
-            </a:r>
-            <a:endParaRPr kumimoji="1" lang="zh-TW" altLang="en-US" dirty="0" smtClean="0"/>
-          </a:p>
-          <a:p>
-            <a:endParaRPr kumimoji="1" lang="zh-TW" altLang="en-US" dirty="0" smtClean="0"/>
+              <a:t>fast</a:t>
+            </a:r>
+            <a:endParaRPr kumimoji="1" lang="zh-TW" altLang="en-US" dirty="0"/>
           </a:p>
         </p:txBody>
       </p:sp>
@@ -1164,7 +1144,7 @@
           <a:p>
             <a:fld id="{C79F9334-C2B5-40DC-A82F-94CC416C9799}" type="slidenum">
               <a:rPr lang="zh-TW" altLang="en-US" smtClean="0"/>
-              <a:t>17</a:t>
+              <a:t>16</a:t>
             </a:fld>
             <a:endParaRPr lang="zh-TW" altLang="en-US"/>
           </a:p>
@@ -1173,7 +1153,7 @@
     </p:spTree>
     <p:extLst>
       <p:ext uri="{BB962C8B-B14F-4D97-AF65-F5344CB8AC3E}">
-        <p14:creationId xmlns:p14="http://schemas.microsoft.com/office/powerpoint/2010/main" val="1835622822"/>
+        <p14:creationId xmlns:p14="http://schemas.microsoft.com/office/powerpoint/2010/main" val="697638908"/>
       </p:ext>
     </p:extLst>
   </p:cSld>
@@ -1229,87 +1209,36 @@
           <a:p>
             <a:r>
               <a:rPr kumimoji="1" lang="zh-TW" altLang="en-US" dirty="0" smtClean="0"/>
-              <a:t>針對 </a:t>
+              <a:t>接下來介紹以</a:t>
+            </a:r>
+            <a:r>
+              <a:rPr kumimoji="1" lang="zh-TW" altLang="en-US" baseline="0" dirty="0" smtClean="0"/>
+              <a:t> </a:t>
+            </a:r>
+            <a:r>
+              <a:rPr kumimoji="1" lang="en-US" altLang="zh-TW" baseline="0" dirty="0" smtClean="0"/>
+              <a:t>multipath </a:t>
+            </a:r>
+            <a:r>
+              <a:rPr kumimoji="1" lang="zh-TW" altLang="en-US" dirty="0" smtClean="0"/>
+              <a:t>影響 </a:t>
             </a:r>
             <a:r>
               <a:rPr kumimoji="1" lang="en-US" altLang="zh-TW" dirty="0" smtClean="0"/>
-              <a:t>multipath</a:t>
-            </a:r>
-            <a:r>
-              <a:rPr kumimoji="1" lang="zh-TW" altLang="en-US" baseline="0" dirty="0" smtClean="0"/>
-              <a:t> 由兩個指標做判斷</a:t>
-            </a:r>
-          </a:p>
-          <a:p>
-            <a:r>
-              <a:rPr kumimoji="1" lang="en-US" altLang="zh-TW" sz="1200" dirty="0" smtClean="0">
-                <a:latin typeface="Times New Roman" charset="0"/>
-                <a:ea typeface="Times New Roman" charset="0"/>
-                <a:cs typeface="Times New Roman" charset="0"/>
-              </a:rPr>
-              <a:t>Coherence Bandwidth : </a:t>
-            </a:r>
-            <a:r>
-              <a:rPr kumimoji="1" lang="zh-TW" altLang="en-US" sz="1200" dirty="0" smtClean="0">
-                <a:latin typeface="Times New Roman" charset="0"/>
-                <a:ea typeface="Times New Roman" charset="0"/>
-                <a:cs typeface="Times New Roman" charset="0"/>
-              </a:rPr>
-              <a:t>兩訊號大致最大的頻寬</a:t>
-            </a:r>
-          </a:p>
-          <a:p>
-            <a:r>
-              <a:rPr kumimoji="1" lang="en-US" altLang="zh-TW" sz="1200" dirty="0" smtClean="0">
-                <a:latin typeface="Times New Roman" charset="0"/>
-                <a:ea typeface="Times New Roman" charset="0"/>
-                <a:cs typeface="Times New Roman" charset="0"/>
-              </a:rPr>
-              <a:t>Delay Spread</a:t>
-            </a:r>
-            <a:r>
-              <a:rPr kumimoji="1" lang="zh-TW" altLang="en-US" sz="1200" dirty="0" smtClean="0">
-                <a:latin typeface="Times New Roman" charset="0"/>
-                <a:ea typeface="Times New Roman" charset="0"/>
-                <a:cs typeface="Times New Roman" charset="0"/>
-              </a:rPr>
-              <a:t> </a:t>
-            </a:r>
-            <a:r>
-              <a:rPr kumimoji="1" lang="en-US" altLang="zh-TW" sz="1200" dirty="0" smtClean="0">
-                <a:latin typeface="Times New Roman" charset="0"/>
-                <a:ea typeface="Times New Roman" charset="0"/>
-                <a:cs typeface="Times New Roman" charset="0"/>
-              </a:rPr>
-              <a:t>: </a:t>
-            </a:r>
-            <a:r>
-              <a:rPr kumimoji="1" lang="zh-TW" altLang="en-US" sz="1200" dirty="0" smtClean="0">
-                <a:latin typeface="Times New Roman" charset="0"/>
-                <a:ea typeface="Times New Roman" charset="0"/>
-                <a:cs typeface="Times New Roman" charset="0"/>
-              </a:rPr>
-              <a:t>兩段路徑的 </a:t>
-            </a:r>
-            <a:r>
-              <a:rPr kumimoji="1" lang="en-US" altLang="zh-TW" sz="1200" dirty="0" smtClean="0">
-                <a:latin typeface="Times New Roman" charset="0"/>
-                <a:ea typeface="Times New Roman" charset="0"/>
-                <a:cs typeface="Times New Roman" charset="0"/>
-              </a:rPr>
-              <a:t>propagation delay </a:t>
-            </a:r>
-            <a:r>
-              <a:rPr kumimoji="1" lang="zh-TW" altLang="en-US" sz="1200" dirty="0" smtClean="0">
-                <a:latin typeface="Times New Roman" charset="0"/>
-                <a:ea typeface="Times New Roman" charset="0"/>
-                <a:cs typeface="Times New Roman" charset="0"/>
-              </a:rPr>
-              <a:t>的差距</a:t>
-            </a:r>
-          </a:p>
-          <a:p>
-            <a:endParaRPr kumimoji="1" lang="zh-TW" altLang="en-US" dirty="0"/>
+              <a:t>channel </a:t>
+            </a:r>
+            <a:r>
+              <a:rPr kumimoji="1" lang="zh-TW" altLang="en-US" dirty="0" smtClean="0"/>
+              <a:t>的其中兩種 </a:t>
+            </a:r>
+            <a:r>
+              <a:rPr kumimoji="1" lang="en-US" altLang="zh-TW" dirty="0" smtClean="0"/>
+              <a:t>fading</a:t>
+            </a:r>
+            <a:endParaRPr kumimoji="1" lang="zh-TW" altLang="en-US" dirty="0" smtClean="0"/>
+          </a:p>
+          <a:p>
+            <a:endParaRPr kumimoji="1" lang="zh-TW" altLang="en-US" dirty="0" smtClean="0"/>
           </a:p>
         </p:txBody>
       </p:sp>
@@ -1330,7 +1259,7 @@
           <a:p>
             <a:fld id="{C79F9334-C2B5-40DC-A82F-94CC416C9799}" type="slidenum">
               <a:rPr lang="zh-TW" altLang="en-US" smtClean="0"/>
-              <a:t>18</a:t>
+              <a:t>17</a:t>
             </a:fld>
             <a:endParaRPr lang="zh-TW" altLang="en-US"/>
           </a:p>
@@ -1339,7 +1268,7 @@
     </p:spTree>
     <p:extLst>
       <p:ext uri="{BB962C8B-B14F-4D97-AF65-F5344CB8AC3E}">
-        <p14:creationId xmlns:p14="http://schemas.microsoft.com/office/powerpoint/2010/main" val="2128327786"/>
+        <p14:creationId xmlns:p14="http://schemas.microsoft.com/office/powerpoint/2010/main" val="1835622822"/>
       </p:ext>
     </p:extLst>
   </p:cSld>
@@ -1395,12 +1324,86 @@
           <a:p>
             <a:r>
               <a:rPr kumimoji="1" lang="zh-TW" altLang="en-US" dirty="0" smtClean="0"/>
-              <a:t>訊號在頻域的比閥值小而時域超過 </a:t>
+              <a:t>針對 </a:t>
             </a:r>
             <a:r>
               <a:rPr kumimoji="1" lang="en-US" altLang="zh-TW" dirty="0" smtClean="0"/>
-              <a:t>delay spread</a:t>
-            </a:r>
+              <a:t>multipath</a:t>
+            </a:r>
+            <a:r>
+              <a:rPr kumimoji="1" lang="zh-TW" altLang="en-US" baseline="0" dirty="0" smtClean="0"/>
+              <a:t> 由兩個指標做判斷</a:t>
+            </a:r>
+          </a:p>
+          <a:p>
+            <a:r>
+              <a:rPr kumimoji="1" lang="en-US" altLang="zh-TW" sz="1200" dirty="0" smtClean="0">
+                <a:latin typeface="Times New Roman" charset="0"/>
+                <a:ea typeface="Times New Roman" charset="0"/>
+                <a:cs typeface="Times New Roman" charset="0"/>
+              </a:rPr>
+              <a:t>Coherence Bandwidth : </a:t>
+            </a:r>
+            <a:r>
+              <a:rPr kumimoji="1" lang="zh-TW" altLang="en-US" sz="1200" dirty="0" smtClean="0">
+                <a:latin typeface="Times New Roman" charset="0"/>
+                <a:ea typeface="Times New Roman" charset="0"/>
+                <a:cs typeface="Times New Roman" charset="0"/>
+              </a:rPr>
+              <a:t>兩訊號大致最大的頻寬</a:t>
+            </a:r>
+          </a:p>
+          <a:p>
+            <a:r>
+              <a:rPr kumimoji="1" lang="en-US" altLang="zh-TW" sz="1200" dirty="0" smtClean="0">
+                <a:latin typeface="Times New Roman" charset="0"/>
+                <a:ea typeface="Times New Roman" charset="0"/>
+                <a:cs typeface="Times New Roman" charset="0"/>
+              </a:rPr>
+              <a:t>Delay Spread</a:t>
+            </a:r>
+            <a:r>
+              <a:rPr kumimoji="1" lang="zh-TW" altLang="en-US" sz="1200" dirty="0" smtClean="0">
+                <a:latin typeface="Times New Roman" charset="0"/>
+                <a:ea typeface="Times New Roman" charset="0"/>
+                <a:cs typeface="Times New Roman" charset="0"/>
+              </a:rPr>
+              <a:t> </a:t>
+            </a:r>
+            <a:r>
+              <a:rPr kumimoji="1" lang="en-US" altLang="zh-TW" sz="1200" dirty="0" smtClean="0">
+                <a:latin typeface="Times New Roman" charset="0"/>
+                <a:ea typeface="Times New Roman" charset="0"/>
+                <a:cs typeface="Times New Roman" charset="0"/>
+              </a:rPr>
+              <a:t>: </a:t>
+            </a:r>
+            <a:r>
+              <a:rPr kumimoji="1" lang="zh-TW" altLang="en-US" sz="1200" dirty="0" smtClean="0">
+                <a:latin typeface="Times New Roman" charset="0"/>
+                <a:ea typeface="Times New Roman" charset="0"/>
+                <a:cs typeface="Times New Roman" charset="0"/>
+              </a:rPr>
+              <a:t>兩段路徑的 </a:t>
+            </a:r>
+            <a:r>
+              <a:rPr kumimoji="1" lang="en-US" altLang="zh-TW" sz="1200" dirty="0" smtClean="0">
+                <a:latin typeface="Times New Roman" charset="0"/>
+                <a:ea typeface="Times New Roman" charset="0"/>
+                <a:cs typeface="Times New Roman" charset="0"/>
+              </a:rPr>
+              <a:t>propagation delay </a:t>
+            </a:r>
+            <a:r>
+              <a:rPr kumimoji="1" lang="zh-TW" altLang="en-US" sz="1200" dirty="0" smtClean="0">
+                <a:latin typeface="Times New Roman" charset="0"/>
+                <a:ea typeface="Times New Roman" charset="0"/>
+                <a:cs typeface="Times New Roman" charset="0"/>
+              </a:rPr>
+              <a:t>的差距</a:t>
+            </a:r>
+          </a:p>
+          <a:p>
             <a:endParaRPr kumimoji="1" lang="zh-TW" altLang="en-US" dirty="0"/>
           </a:p>
         </p:txBody>
@@ -1422,7 +1425,7 @@
           <a:p>
             <a:fld id="{C79F9334-C2B5-40DC-A82F-94CC416C9799}" type="slidenum">
               <a:rPr lang="zh-TW" altLang="en-US" smtClean="0"/>
-              <a:t>19</a:t>
+              <a:t>18</a:t>
             </a:fld>
             <a:endParaRPr lang="zh-TW" altLang="en-US"/>
           </a:p>
@@ -1431,7 +1434,7 @@
     </p:spTree>
     <p:extLst>
       <p:ext uri="{BB962C8B-B14F-4D97-AF65-F5344CB8AC3E}">
-        <p14:creationId xmlns:p14="http://schemas.microsoft.com/office/powerpoint/2010/main" val="1745431623"/>
+        <p14:creationId xmlns:p14="http://schemas.microsoft.com/office/powerpoint/2010/main" val="2128327786"/>
       </p:ext>
     </p:extLst>
   </p:cSld>
@@ -1487,43 +1490,12 @@
           <a:p>
             <a:r>
               <a:rPr kumimoji="1" lang="zh-TW" altLang="en-US" dirty="0" smtClean="0"/>
-              <a:t>相反稱為 </a:t>
-            </a:r>
-            <a:r>
-              <a:rPr kumimoji="1" lang="en-US" altLang="zh-TW" sz="1200" dirty="0" smtClean="0">
-                <a:solidFill>
-                  <a:srgbClr val="FF0000"/>
-                </a:solidFill>
-                <a:latin typeface="Times New Roman" charset="0"/>
-                <a:ea typeface="Times New Roman" charset="0"/>
-                <a:cs typeface="Times New Roman" charset="0"/>
-              </a:rPr>
-              <a:t>Frequency-selective</a:t>
-            </a:r>
-            <a:r>
-              <a:rPr kumimoji="1" lang="en-US" altLang="zh-TW" sz="1200" baseline="0" dirty="0" smtClean="0">
-                <a:solidFill>
-                  <a:srgbClr val="FF0000"/>
-                </a:solidFill>
-                <a:latin typeface="Times New Roman" charset="0"/>
-                <a:ea typeface="Times New Roman" charset="0"/>
-                <a:cs typeface="Times New Roman" charset="0"/>
-              </a:rPr>
-              <a:t> </a:t>
-            </a:r>
-            <a:r>
-              <a:rPr kumimoji="1" lang="en-US" altLang="zh-TW" sz="1200" b="0" baseline="0" dirty="0" smtClean="0">
-                <a:solidFill>
-                  <a:srgbClr val="FF0000"/>
-                </a:solidFill>
-                <a:latin typeface="Times New Roman" charset="0"/>
-                <a:ea typeface="Times New Roman" charset="0"/>
-                <a:cs typeface="Times New Roman" charset="0"/>
-              </a:rPr>
-              <a:t>Fading</a:t>
-            </a:r>
-          </a:p>
-          <a:p>
+              <a:t>訊號在頻域的比閥值小而時域超過 </a:t>
+            </a:r>
+            <a:r>
+              <a:rPr kumimoji="1" lang="en-US" altLang="zh-TW" dirty="0" smtClean="0"/>
+              <a:t>delay spread</a:t>
+            </a:r>
             <a:endParaRPr kumimoji="1" lang="zh-TW" altLang="en-US" dirty="0"/>
           </a:p>
         </p:txBody>
@@ -1545,7 +1517,7 @@
           <a:p>
             <a:fld id="{C79F9334-C2B5-40DC-A82F-94CC416C9799}" type="slidenum">
               <a:rPr lang="zh-TW" altLang="en-US" smtClean="0"/>
-              <a:t>20</a:t>
+              <a:t>19</a:t>
             </a:fld>
             <a:endParaRPr lang="zh-TW" altLang="en-US"/>
           </a:p>
@@ -1554,7 +1526,7 @@
     </p:spTree>
     <p:extLst>
       <p:ext uri="{BB962C8B-B14F-4D97-AF65-F5344CB8AC3E}">
-        <p14:creationId xmlns:p14="http://schemas.microsoft.com/office/powerpoint/2010/main" val="903283019"/>
+        <p14:creationId xmlns:p14="http://schemas.microsoft.com/office/powerpoint/2010/main" val="1745431623"/>
       </p:ext>
     </p:extLst>
   </p:cSld>
@@ -1610,26 +1582,43 @@
           <a:p>
             <a:r>
               <a:rPr kumimoji="1" lang="zh-TW" altLang="en-US" dirty="0" smtClean="0"/>
-              <a:t>前面介紹的是 </a:t>
-            </a:r>
-            <a:r>
-              <a:rPr kumimoji="1" lang="en-US" altLang="zh-TW" dirty="0" smtClean="0"/>
-              <a:t>small scale fading</a:t>
-            </a:r>
-          </a:p>
-          <a:p>
-            <a:r>
-              <a:rPr kumimoji="1" lang="zh-TW" altLang="en-US" dirty="0" smtClean="0"/>
-              <a:t>接下來介紹 </a:t>
-            </a:r>
-            <a:r>
-              <a:rPr kumimoji="1" lang="en-US" altLang="zh-TW" dirty="0" smtClean="0"/>
-              <a:t>large</a:t>
-            </a:r>
-            <a:r>
-              <a:rPr kumimoji="1" lang="en-US" altLang="zh-TW" baseline="0" dirty="0" smtClean="0"/>
-              <a:t> scale fading</a:t>
-            </a:r>
+              <a:t>相反稱為 </a:t>
+            </a:r>
+            <a:r>
+              <a:rPr kumimoji="1" lang="en-US" altLang="zh-TW" sz="1200" dirty="0" smtClean="0">
+                <a:solidFill>
+                  <a:srgbClr val="FF0000"/>
+                </a:solidFill>
+                <a:latin typeface="Times New Roman" charset="0"/>
+                <a:ea typeface="Times New Roman" charset="0"/>
+                <a:cs typeface="Times New Roman" charset="0"/>
+              </a:rPr>
+              <a:t>Frequency-selective</a:t>
+            </a:r>
+            <a:r>
+              <a:rPr kumimoji="1" lang="en-US" altLang="zh-TW" sz="1200" baseline="0" dirty="0" smtClean="0">
+                <a:solidFill>
+                  <a:srgbClr val="FF0000"/>
+                </a:solidFill>
+                <a:latin typeface="Times New Roman" charset="0"/>
+                <a:ea typeface="Times New Roman" charset="0"/>
+                <a:cs typeface="Times New Roman" charset="0"/>
+              </a:rPr>
+              <a:t> </a:t>
+            </a:r>
+            <a:r>
+              <a:rPr kumimoji="1" lang="en-US" altLang="zh-TW" sz="1200" b="0" baseline="0" dirty="0" smtClean="0">
+                <a:solidFill>
+                  <a:srgbClr val="FF0000"/>
+                </a:solidFill>
+                <a:latin typeface="Times New Roman" charset="0"/>
+                <a:ea typeface="Times New Roman" charset="0"/>
+                <a:cs typeface="Times New Roman" charset="0"/>
+              </a:rPr>
+              <a:t>Fading</a:t>
+            </a:r>
+          </a:p>
+          <a:p>
             <a:endParaRPr kumimoji="1" lang="zh-TW" altLang="en-US" dirty="0"/>
           </a:p>
         </p:txBody>
@@ -1651,7 +1640,7 @@
           <a:p>
             <a:fld id="{C79F9334-C2B5-40DC-A82F-94CC416C9799}" type="slidenum">
               <a:rPr lang="zh-TW" altLang="en-US" smtClean="0"/>
-              <a:t>21</a:t>
+              <a:t>20</a:t>
             </a:fld>
             <a:endParaRPr lang="zh-TW" altLang="en-US"/>
           </a:p>
@@ -1660,7 +1649,7 @@
     </p:spTree>
     <p:extLst>
       <p:ext uri="{BB962C8B-B14F-4D97-AF65-F5344CB8AC3E}">
-        <p14:creationId xmlns:p14="http://schemas.microsoft.com/office/powerpoint/2010/main" val="65303607"/>
+        <p14:creationId xmlns:p14="http://schemas.microsoft.com/office/powerpoint/2010/main" val="903283019"/>
       </p:ext>
     </p:extLst>
   </p:cSld>
@@ -1716,69 +1705,27 @@
           <a:p>
             <a:r>
               <a:rPr kumimoji="1" lang="zh-TW" altLang="en-US" dirty="0" smtClean="0"/>
-              <a:t>看 </a:t>
+              <a:t>前面介紹的是 </a:t>
             </a:r>
             <a:r>
               <a:rPr kumimoji="1" lang="en-US" altLang="zh-TW" dirty="0" smtClean="0"/>
-              <a:t>Path</a:t>
+              <a:t>small scale fading</a:t>
+            </a:r>
+          </a:p>
+          <a:p>
+            <a:r>
+              <a:rPr kumimoji="1" lang="zh-TW" altLang="en-US" dirty="0" smtClean="0"/>
+              <a:t>接下來介紹 </a:t>
+            </a:r>
+            <a:r>
+              <a:rPr kumimoji="1" lang="en-US" altLang="zh-TW" dirty="0" smtClean="0"/>
+              <a:t>large</a:t>
             </a:r>
             <a:r>
               <a:rPr kumimoji="1" lang="en-US" altLang="zh-TW" baseline="0" dirty="0" smtClean="0"/>
-              <a:t> loss</a:t>
-            </a:r>
-            <a:r>
-              <a:rPr kumimoji="1" lang="zh-TW" altLang="en-US" baseline="0" dirty="0" smtClean="0"/>
-              <a:t> 主要是看送出比上收到的能量</a:t>
-            </a:r>
-          </a:p>
-          <a:p>
-            <a:r>
-              <a:rPr kumimoji="1" lang="zh-TW" altLang="en-US" dirty="0" smtClean="0"/>
-              <a:t>收到的訊號會受到 </a:t>
-            </a:r>
-            <a:r>
-              <a:rPr kumimoji="1" lang="en-US" altLang="zh-TW" dirty="0" smtClean="0"/>
-              <a:t>fading </a:t>
-            </a:r>
-            <a:r>
-              <a:rPr kumimoji="1" lang="zh-TW" altLang="en-US" dirty="0" smtClean="0"/>
-              <a:t>的影響稱為 </a:t>
-            </a:r>
-            <a:r>
-              <a:rPr kumimoji="1" lang="en-US" altLang="zh-TW" dirty="0" smtClean="0"/>
-              <a:t>shadowing</a:t>
-            </a:r>
-            <a:r>
-              <a:rPr kumimoji="1" lang="en-US" altLang="zh-TW" baseline="0" dirty="0" smtClean="0"/>
-              <a:t> </a:t>
-            </a:r>
-          </a:p>
-          <a:p>
-            <a:r>
-              <a:rPr kumimoji="1" lang="zh-TW" altLang="en-US" dirty="0" smtClean="0"/>
-              <a:t>最常見的就是 </a:t>
-            </a:r>
-            <a:r>
-              <a:rPr kumimoji="1" lang="en-US" altLang="zh-TW" dirty="0" err="1" smtClean="0"/>
-              <a:t>tx</a:t>
-            </a:r>
-            <a:r>
-              <a:rPr kumimoji="1" lang="en-US" altLang="zh-TW" dirty="0" smtClean="0"/>
-              <a:t> </a:t>
-            </a:r>
-            <a:r>
-              <a:rPr kumimoji="1" lang="en-US" altLang="zh-TW" dirty="0" err="1" smtClean="0"/>
-              <a:t>rx</a:t>
-            </a:r>
-            <a:r>
-              <a:rPr kumimoji="1" lang="en-US" altLang="zh-TW" baseline="0" dirty="0" smtClean="0"/>
-              <a:t> </a:t>
-            </a:r>
-            <a:r>
-              <a:rPr kumimoji="1" lang="zh-TW" altLang="en-US" baseline="0" dirty="0" smtClean="0"/>
-              <a:t>間的傳送路徑有東西阻擋</a:t>
-            </a:r>
-            <a:endParaRPr kumimoji="1" lang="zh-TW" altLang="en-US" dirty="0" smtClean="0"/>
+              <a:t> scale fading</a:t>
+            </a:r>
+            <a:endParaRPr kumimoji="1" lang="zh-TW" altLang="en-US" dirty="0"/>
           </a:p>
         </p:txBody>
       </p:sp>
@@ -1799,7 +1746,7 @@
           <a:p>
             <a:fld id="{C79F9334-C2B5-40DC-A82F-94CC416C9799}" type="slidenum">
               <a:rPr lang="zh-TW" altLang="en-US" smtClean="0"/>
-              <a:t>22</a:t>
+              <a:t>21</a:t>
             </a:fld>
             <a:endParaRPr lang="zh-TW" altLang="en-US"/>
           </a:p>
@@ -1808,7 +1755,7 @@
     </p:spTree>
     <p:extLst>
       <p:ext uri="{BB962C8B-B14F-4D97-AF65-F5344CB8AC3E}">
-        <p14:creationId xmlns:p14="http://schemas.microsoft.com/office/powerpoint/2010/main" val="1645736684"/>
+        <p14:creationId xmlns:p14="http://schemas.microsoft.com/office/powerpoint/2010/main" val="65303607"/>
       </p:ext>
     </p:extLst>
   </p:cSld>
@@ -1994,31 +1941,69 @@
           <a:p>
             <a:r>
               <a:rPr kumimoji="1" lang="zh-TW" altLang="en-US" dirty="0" smtClean="0"/>
-              <a:t>針對 </a:t>
+              <a:t>看 </a:t>
             </a:r>
             <a:r>
               <a:rPr kumimoji="1" lang="en-US" altLang="zh-TW" dirty="0" smtClean="0"/>
-              <a:t>path loss </a:t>
-            </a:r>
+              <a:t>Path</a:t>
+            </a:r>
+            <a:r>
+              <a:rPr kumimoji="1" lang="en-US" altLang="zh-TW" baseline="0" dirty="0" smtClean="0"/>
+              <a:t> loss</a:t>
+            </a:r>
+            <a:r>
+              <a:rPr kumimoji="1" lang="zh-TW" altLang="en-US" baseline="0" dirty="0" smtClean="0"/>
+              <a:t> 主要是看送出比上收到的能量</a:t>
+            </a:r>
+          </a:p>
+          <a:p>
             <a:r>
               <a:rPr kumimoji="1" lang="zh-TW" altLang="en-US" dirty="0" smtClean="0"/>
-              <a:t>的描述</a:t>
-            </a:r>
-          </a:p>
-          <a:p>
-            <a:r>
-              <a:rPr kumimoji="1" lang="en-US" altLang="zh-TW" dirty="0" err="1" smtClean="0"/>
-              <a:t>Friis</a:t>
+              <a:t>收到的訊號會受到 </a:t>
+            </a:r>
+            <a:r>
+              <a:rPr kumimoji="1" lang="en-US" altLang="zh-TW" dirty="0" smtClean="0"/>
+              <a:t>fading </a:t>
+            </a:r>
+            <a:r>
+              <a:rPr kumimoji="1" lang="zh-TW" altLang="en-US" dirty="0" smtClean="0"/>
+              <a:t>的影響稱為 </a:t>
+            </a:r>
+            <a:r>
+              <a:rPr kumimoji="1" lang="en-US" altLang="zh-TW" dirty="0" smtClean="0"/>
+              <a:t>shadowing</a:t>
             </a:r>
             <a:r>
               <a:rPr kumimoji="1" lang="en-US" altLang="zh-TW" baseline="0" dirty="0" smtClean="0"/>
               <a:t> </a:t>
             </a:r>
+          </a:p>
+          <a:p>
+            <a:r>
+              <a:rPr kumimoji="1" lang="zh-TW" altLang="en-US" dirty="0" smtClean="0"/>
+              <a:t>最常見的就是 </a:t>
+            </a:r>
+            <a:r>
+              <a:rPr kumimoji="1" lang="en-US" altLang="zh-TW" dirty="0" err="1" smtClean="0"/>
+              <a:t>tx</a:t>
+            </a:r>
+            <a:r>
+              <a:rPr kumimoji="1" lang="en-US" altLang="zh-TW" dirty="0" smtClean="0"/>
+              <a:t> </a:t>
+            </a:r>
+            <a:r>
+              <a:rPr kumimoji="1" lang="en-US" altLang="zh-TW" dirty="0" err="1" smtClean="0"/>
+              <a:t>rx</a:t>
+            </a:r>
+            <a:r>
+              <a:rPr kumimoji="1" lang="en-US" altLang="zh-TW" baseline="0" dirty="0" smtClean="0"/>
+              <a:t> </a:t>
+            </a:r>
             <a:r>
               <a:rPr kumimoji="1" lang="zh-TW" altLang="en-US" baseline="0" dirty="0" smtClean="0"/>
-              <a:t>提出一個公式來表達</a:t>
-            </a:r>
-            <a:endParaRPr kumimoji="1" lang="zh-TW" altLang="en-US" dirty="0"/>
+              <a:t>間的傳送路徑有東西阻擋</a:t>
+            </a:r>
+            <a:endParaRPr kumimoji="1" lang="zh-TW" altLang="en-US" dirty="0" smtClean="0"/>
           </a:p>
         </p:txBody>
       </p:sp>
@@ -2039,7 +2024,7 @@
           <a:p>
             <a:fld id="{C79F9334-C2B5-40DC-A82F-94CC416C9799}" type="slidenum">
               <a:rPr lang="zh-TW" altLang="en-US" smtClean="0"/>
-              <a:t>23</a:t>
+              <a:t>22</a:t>
             </a:fld>
             <a:endParaRPr lang="zh-TW" altLang="en-US"/>
           </a:p>
@@ -2048,7 +2033,7 @@
     </p:spTree>
     <p:extLst>
       <p:ext uri="{BB962C8B-B14F-4D97-AF65-F5344CB8AC3E}">
-        <p14:creationId xmlns:p14="http://schemas.microsoft.com/office/powerpoint/2010/main" val="1655020256"/>
+        <p14:creationId xmlns:p14="http://schemas.microsoft.com/office/powerpoint/2010/main" val="1645736684"/>
       </p:ext>
     </p:extLst>
   </p:cSld>
@@ -2104,21 +2089,16 @@
           <a:p>
             <a:r>
               <a:rPr kumimoji="1" lang="zh-TW" altLang="en-US" dirty="0" smtClean="0"/>
-              <a:t>通常會用 </a:t>
+              <a:t>針對 </a:t>
             </a:r>
             <a:r>
               <a:rPr kumimoji="1" lang="en-US" altLang="zh-TW" dirty="0" smtClean="0"/>
-              <a:t>gain </a:t>
+              <a:t>path loss </a:t>
             </a:r>
             <a:r>
               <a:rPr kumimoji="1" lang="zh-TW" altLang="en-US" dirty="0" smtClean="0"/>
-              <a:t>表達天線的 </a:t>
-            </a:r>
-            <a:r>
-              <a:rPr kumimoji="1" lang="en-US" altLang="zh-TW" dirty="0" smtClean="0"/>
-              <a:t>performance </a:t>
-            </a:r>
-            <a:endParaRPr kumimoji="1" lang="zh-TW" altLang="en-US" dirty="0" smtClean="0"/>
+              <a:t>的描述</a:t>
+            </a:r>
           </a:p>
           <a:p>
             <a:r>
@@ -2131,34 +2111,7 @@
             </a:r>
             <a:r>
               <a:rPr kumimoji="1" lang="zh-TW" altLang="en-US" baseline="0" dirty="0" smtClean="0"/>
-              <a:t>認為</a:t>
-            </a:r>
-            <a:r>
-              <a:rPr kumimoji="1" lang="zh-TW" altLang="en-US" dirty="0" smtClean="0"/>
-              <a:t>現有的公式都太多係數要記</a:t>
-            </a:r>
-            <a:endParaRPr kumimoji="1" lang="en-US" altLang="zh-TW" dirty="0" smtClean="0"/>
-          </a:p>
-          <a:p>
-            <a:r>
-              <a:rPr kumimoji="1" lang="en-US" altLang="zh-TW" dirty="0" smtClean="0"/>
-              <a:t>Capture area </a:t>
-            </a:r>
-            <a:r>
-              <a:rPr kumimoji="1" lang="zh-TW" altLang="en-US" dirty="0" smtClean="0"/>
-              <a:t>展現 </a:t>
-            </a:r>
-            <a:r>
-              <a:rPr kumimoji="1" lang="en-US" altLang="zh-TW" dirty="0" smtClean="0"/>
-              <a:t>free space radio</a:t>
-            </a:r>
-            <a:r>
-              <a:rPr kumimoji="1" lang="en-US" altLang="zh-TW" baseline="0" dirty="0" smtClean="0"/>
-              <a:t> circuit </a:t>
-            </a:r>
-            <a:r>
-              <a:rPr kumimoji="1" lang="zh-TW" altLang="en-US" baseline="0" dirty="0" smtClean="0"/>
-              <a:t>的特色</a:t>
+              <a:t>提出一個公式來表達</a:t>
             </a:r>
             <a:endParaRPr kumimoji="1" lang="zh-TW" altLang="en-US" dirty="0"/>
           </a:p>
@@ -2181,7 +2134,7 @@
           <a:p>
             <a:fld id="{C79F9334-C2B5-40DC-A82F-94CC416C9799}" type="slidenum">
               <a:rPr lang="zh-TW" altLang="en-US" smtClean="0"/>
-              <a:t>24</a:t>
+              <a:t>23</a:t>
             </a:fld>
             <a:endParaRPr lang="zh-TW" altLang="en-US"/>
           </a:p>
@@ -2190,7 +2143,7 @@
     </p:spTree>
     <p:extLst>
       <p:ext uri="{BB962C8B-B14F-4D97-AF65-F5344CB8AC3E}">
-        <p14:creationId xmlns:p14="http://schemas.microsoft.com/office/powerpoint/2010/main" val="854770306"/>
+        <p14:creationId xmlns:p14="http://schemas.microsoft.com/office/powerpoint/2010/main" val="1655020256"/>
       </p:ext>
     </p:extLst>
   </p:cSld>
@@ -2246,7 +2199,61 @@
           <a:p>
             <a:r>
               <a:rPr kumimoji="1" lang="zh-TW" altLang="en-US" dirty="0" smtClean="0"/>
-              <a:t>單純用可以量測的數據描述收到及送出訊號的能量比值</a:t>
+              <a:t>通常會用 </a:t>
+            </a:r>
+            <a:r>
+              <a:rPr kumimoji="1" lang="en-US" altLang="zh-TW" dirty="0" smtClean="0"/>
+              <a:t>gain </a:t>
+            </a:r>
+            <a:r>
+              <a:rPr kumimoji="1" lang="zh-TW" altLang="en-US" dirty="0" smtClean="0"/>
+              <a:t>表達天線的 </a:t>
+            </a:r>
+            <a:r>
+              <a:rPr kumimoji="1" lang="en-US" altLang="zh-TW" dirty="0" smtClean="0"/>
+              <a:t>performance </a:t>
+            </a:r>
+            <a:endParaRPr kumimoji="1" lang="zh-TW" altLang="en-US" dirty="0" smtClean="0"/>
+          </a:p>
+          <a:p>
+            <a:r>
+              <a:rPr kumimoji="1" lang="en-US" altLang="zh-TW" dirty="0" err="1" smtClean="0"/>
+              <a:t>Friis</a:t>
+            </a:r>
+            <a:r>
+              <a:rPr kumimoji="1" lang="en-US" altLang="zh-TW" baseline="0" dirty="0" smtClean="0"/>
+              <a:t> </a:t>
+            </a:r>
+            <a:r>
+              <a:rPr kumimoji="1" lang="zh-TW" altLang="en-US" baseline="0" dirty="0" smtClean="0"/>
+              <a:t>認為</a:t>
+            </a:r>
+            <a:r>
+              <a:rPr kumimoji="1" lang="zh-TW" altLang="en-US" dirty="0" smtClean="0"/>
+              <a:t>現有的公式都太多係數要記</a:t>
+            </a:r>
+            <a:endParaRPr kumimoji="1" lang="en-US" altLang="zh-TW" dirty="0" smtClean="0"/>
+          </a:p>
+          <a:p>
+            <a:r>
+              <a:rPr kumimoji="1" lang="en-US" altLang="zh-TW" dirty="0" smtClean="0"/>
+              <a:t>Capture area </a:t>
+            </a:r>
+            <a:r>
+              <a:rPr kumimoji="1" lang="zh-TW" altLang="en-US" dirty="0" smtClean="0"/>
+              <a:t>展現 </a:t>
+            </a:r>
+            <a:r>
+              <a:rPr kumimoji="1" lang="en-US" altLang="zh-TW" dirty="0" smtClean="0"/>
+              <a:t>free space radio</a:t>
+            </a:r>
+            <a:r>
+              <a:rPr kumimoji="1" lang="en-US" altLang="zh-TW" baseline="0" dirty="0" smtClean="0"/>
+              <a:t> circuit </a:t>
+            </a:r>
+            <a:r>
+              <a:rPr kumimoji="1" lang="zh-TW" altLang="en-US" baseline="0" dirty="0" smtClean="0"/>
+              <a:t>的特色</a:t>
             </a:r>
             <a:endParaRPr kumimoji="1" lang="zh-TW" altLang="en-US" dirty="0"/>
           </a:p>
@@ -2269,7 +2276,7 @@
           <a:p>
             <a:fld id="{C79F9334-C2B5-40DC-A82F-94CC416C9799}" type="slidenum">
               <a:rPr lang="zh-TW" altLang="en-US" smtClean="0"/>
-              <a:t>25</a:t>
+              <a:t>24</a:t>
             </a:fld>
             <a:endParaRPr lang="zh-TW" altLang="en-US"/>
           </a:p>
@@ -2278,7 +2285,7 @@
     </p:spTree>
     <p:extLst>
       <p:ext uri="{BB962C8B-B14F-4D97-AF65-F5344CB8AC3E}">
-        <p14:creationId xmlns:p14="http://schemas.microsoft.com/office/powerpoint/2010/main" val="456638554"/>
+        <p14:creationId xmlns:p14="http://schemas.microsoft.com/office/powerpoint/2010/main" val="854770306"/>
       </p:ext>
     </p:extLst>
   </p:cSld>
@@ -2334,26 +2341,7 @@
           <a:p>
             <a:r>
               <a:rPr kumimoji="1" lang="zh-TW" altLang="en-US" dirty="0" smtClean="0"/>
-              <a:t>但後來大家都不用 有效天線面積 而改用 </a:t>
-            </a:r>
-            <a:r>
-              <a:rPr kumimoji="1" lang="en-US" altLang="zh-TW" dirty="0" smtClean="0"/>
-              <a:t>antenna directivities</a:t>
-            </a:r>
-            <a:r>
-              <a:rPr kumimoji="1" lang="en-US" altLang="zh-TW" baseline="0" dirty="0" smtClean="0"/>
-              <a:t> </a:t>
-            </a:r>
-            <a:endParaRPr kumimoji="1" lang="zh-TW" altLang="en-US" baseline="0" dirty="0" smtClean="0"/>
-          </a:p>
-          <a:p>
-            <a:r>
-              <a:rPr kumimoji="1" lang="en-US" altLang="zh-TW" dirty="0" smtClean="0"/>
-              <a:t>D </a:t>
-            </a:r>
-            <a:r>
-              <a:rPr kumimoji="1" lang="zh-TW" altLang="en-US" dirty="0" smtClean="0"/>
-              <a:t>的介紹投影片有，有興趣可自行閱讀</a:t>
+              <a:t>單純用可以量測的數據描述收到及送出訊號的能量比值</a:t>
             </a:r>
             <a:endParaRPr kumimoji="1" lang="zh-TW" altLang="en-US" dirty="0"/>
           </a:p>
@@ -2376,7 +2364,7 @@
           <a:p>
             <a:fld id="{C79F9334-C2B5-40DC-A82F-94CC416C9799}" type="slidenum">
               <a:rPr lang="zh-TW" altLang="en-US" smtClean="0"/>
-              <a:t>26</a:t>
+              <a:t>25</a:t>
             </a:fld>
             <a:endParaRPr lang="zh-TW" altLang="en-US"/>
           </a:p>
@@ -2385,7 +2373,7 @@
     </p:spTree>
     <p:extLst>
       <p:ext uri="{BB962C8B-B14F-4D97-AF65-F5344CB8AC3E}">
-        <p14:creationId xmlns:p14="http://schemas.microsoft.com/office/powerpoint/2010/main" val="184033425"/>
+        <p14:creationId xmlns:p14="http://schemas.microsoft.com/office/powerpoint/2010/main" val="456638554"/>
       </p:ext>
     </p:extLst>
   </p:cSld>
@@ -2440,76 +2428,29 @@
           <a:lstStyle/>
           <a:p>
             <a:r>
-              <a:rPr lang="en-US" altLang="zh-TW" sz="1200" b="0" i="0" kern="1200" dirty="0" smtClean="0">
-                <a:solidFill>
-                  <a:schemeClr val="tx1"/>
-                </a:solidFill>
-                <a:effectLst/>
-                <a:latin typeface="+mn-lt"/>
-                <a:ea typeface="+mn-ea"/>
-                <a:cs typeface="+mn-cs"/>
-              </a:rPr>
-              <a:t>D_{t}  and D_{r}  are the antenna </a:t>
-            </a:r>
-            <a:r>
-              <a:rPr lang="en-US" altLang="zh-TW" sz="1200" b="0" i="0" u="none" strike="noStrike" kern="1200" dirty="0" smtClean="0">
-                <a:solidFill>
-                  <a:schemeClr val="tx1"/>
-                </a:solidFill>
-                <a:effectLst/>
-                <a:latin typeface="+mn-lt"/>
-                <a:ea typeface="+mn-ea"/>
-                <a:cs typeface="+mn-cs"/>
-                <a:hlinkClick r:id="rId3" tooltip="Directivity"/>
-              </a:rPr>
-              <a:t>directivities</a:t>
-            </a:r>
-            <a:r>
-              <a:rPr lang="en-US" altLang="zh-TW" sz="1200" b="0" i="0" kern="1200" dirty="0" smtClean="0">
-                <a:solidFill>
-                  <a:schemeClr val="tx1"/>
-                </a:solidFill>
-                <a:effectLst/>
-                <a:latin typeface="+mn-lt"/>
-                <a:ea typeface="+mn-ea"/>
-                <a:cs typeface="+mn-cs"/>
-              </a:rPr>
-              <a:t> </a:t>
-            </a:r>
-          </a:p>
-          <a:p>
-            <a:r>
-              <a:rPr lang="en-US" altLang="zh-TW" sz="1200" b="0" i="0" kern="1200" dirty="0" smtClean="0">
-                <a:solidFill>
-                  <a:schemeClr val="tx1"/>
-                </a:solidFill>
-                <a:effectLst/>
-                <a:latin typeface="+mn-lt"/>
-                <a:ea typeface="+mn-ea"/>
-                <a:cs typeface="+mn-cs"/>
-              </a:rPr>
-              <a:t>the antenna directivities are linear values</a:t>
-            </a:r>
-            <a:endParaRPr lang="zh-TW" altLang="en-US" sz="1200" b="0" i="0" kern="1200" dirty="0" smtClean="0">
-              <a:solidFill>
-                <a:schemeClr val="tx1"/>
-              </a:solidFill>
-              <a:effectLst/>
-              <a:latin typeface="+mn-lt"/>
-              <a:ea typeface="+mn-ea"/>
-              <a:cs typeface="+mn-cs"/>
-            </a:endParaRPr>
-          </a:p>
-          <a:p>
-            <a:endParaRPr lang="en-US" altLang="zh-TW" sz="1200" b="0" i="0" kern="1200" dirty="0" smtClean="0">
-              <a:solidFill>
-                <a:schemeClr val="tx1"/>
-              </a:solidFill>
-              <a:effectLst/>
-              <a:latin typeface="+mn-lt"/>
-              <a:ea typeface="+mn-ea"/>
-              <a:cs typeface="+mn-cs"/>
-            </a:endParaRPr>
+              <a:rPr kumimoji="1" lang="zh-TW" altLang="en-US" dirty="0" smtClean="0"/>
+              <a:t>但後來大家都不用 有效天線面積 而改用 </a:t>
+            </a:r>
+            <a:r>
+              <a:rPr kumimoji="1" lang="en-US" altLang="zh-TW" dirty="0" smtClean="0"/>
+              <a:t>antenna directivities</a:t>
+            </a:r>
+            <a:r>
+              <a:rPr kumimoji="1" lang="en-US" altLang="zh-TW" baseline="0" dirty="0" smtClean="0"/>
+              <a:t> </a:t>
+            </a:r>
+            <a:endParaRPr kumimoji="1" lang="zh-TW" altLang="en-US" baseline="0" dirty="0" smtClean="0"/>
+          </a:p>
+          <a:p>
+            <a:r>
+              <a:rPr kumimoji="1" lang="en-US" altLang="zh-TW" dirty="0" smtClean="0"/>
+              <a:t>D </a:t>
+            </a:r>
+            <a:r>
+              <a:rPr kumimoji="1" lang="zh-TW" altLang="en-US" dirty="0" smtClean="0"/>
+              <a:t>的介紹投影片有，有興趣可自行閱讀</a:t>
+            </a:r>
+            <a:endParaRPr kumimoji="1" lang="zh-TW" altLang="en-US" dirty="0"/>
           </a:p>
         </p:txBody>
       </p:sp>
@@ -2530,7 +2471,7 @@
           <a:p>
             <a:fld id="{C79F9334-C2B5-40DC-A82F-94CC416C9799}" type="slidenum">
               <a:rPr lang="zh-TW" altLang="en-US" smtClean="0"/>
-              <a:t>27</a:t>
+              <a:t>26</a:t>
             </a:fld>
             <a:endParaRPr lang="zh-TW" altLang="en-US"/>
           </a:p>
@@ -2539,7 +2480,7 @@
     </p:spTree>
     <p:extLst>
       <p:ext uri="{BB962C8B-B14F-4D97-AF65-F5344CB8AC3E}">
-        <p14:creationId xmlns:p14="http://schemas.microsoft.com/office/powerpoint/2010/main" val="463380874"/>
+        <p14:creationId xmlns:p14="http://schemas.microsoft.com/office/powerpoint/2010/main" val="184033425"/>
       </p:ext>
     </p:extLst>
   </p:cSld>
@@ -2594,18 +2535,76 @@
           <a:lstStyle/>
           <a:p>
             <a:r>
-              <a:rPr kumimoji="1" lang="zh-TW" altLang="en-US" dirty="0" smtClean="0"/>
-              <a:t>看個角度的訊號最強 以 </a:t>
-            </a:r>
-            <a:r>
-              <a:rPr kumimoji="1" lang="en-US" altLang="zh-TW" dirty="0" smtClean="0"/>
-              <a:t>D </a:t>
-            </a:r>
-            <a:r>
-              <a:rPr kumimoji="1" lang="zh-TW" altLang="en-US" dirty="0" smtClean="0"/>
-              <a:t>表示之</a:t>
-            </a:r>
-            <a:endParaRPr kumimoji="1" lang="en-US" altLang="zh-TW" dirty="0" smtClean="0"/>
+              <a:rPr lang="en-US" altLang="zh-TW" sz="1200" b="0" i="0" kern="1200" dirty="0" smtClean="0">
+                <a:solidFill>
+                  <a:schemeClr val="tx1"/>
+                </a:solidFill>
+                <a:effectLst/>
+                <a:latin typeface="+mn-lt"/>
+                <a:ea typeface="+mn-ea"/>
+                <a:cs typeface="+mn-cs"/>
+              </a:rPr>
+              <a:t>D_{t}  and D_{r}  are the antenna </a:t>
+            </a:r>
+            <a:r>
+              <a:rPr lang="en-US" altLang="zh-TW" sz="1200" b="0" i="0" u="none" strike="noStrike" kern="1200" dirty="0" smtClean="0">
+                <a:solidFill>
+                  <a:schemeClr val="tx1"/>
+                </a:solidFill>
+                <a:effectLst/>
+                <a:latin typeface="+mn-lt"/>
+                <a:ea typeface="+mn-ea"/>
+                <a:cs typeface="+mn-cs"/>
+                <a:hlinkClick r:id="rId3" tooltip="Directivity"/>
+              </a:rPr>
+              <a:t>directivities</a:t>
+            </a:r>
+            <a:r>
+              <a:rPr lang="en-US" altLang="zh-TW" sz="1200" b="0" i="0" kern="1200" dirty="0" smtClean="0">
+                <a:solidFill>
+                  <a:schemeClr val="tx1"/>
+                </a:solidFill>
+                <a:effectLst/>
+                <a:latin typeface="+mn-lt"/>
+                <a:ea typeface="+mn-ea"/>
+                <a:cs typeface="+mn-cs"/>
+              </a:rPr>
+              <a:t> </a:t>
+            </a:r>
+          </a:p>
+          <a:p>
+            <a:r>
+              <a:rPr lang="en-US" altLang="zh-TW" sz="1200" b="0" i="0" kern="1200" dirty="0" smtClean="0">
+                <a:solidFill>
+                  <a:schemeClr val="tx1"/>
+                </a:solidFill>
+                <a:effectLst/>
+                <a:latin typeface="+mn-lt"/>
+                <a:ea typeface="+mn-ea"/>
+                <a:cs typeface="+mn-cs"/>
+              </a:rPr>
+              <a:t>the antenna directivities are linear values</a:t>
+            </a:r>
+            <a:endParaRPr lang="zh-TW" altLang="en-US" sz="1200" b="0" i="0" kern="1200" dirty="0" smtClean="0">
+              <a:solidFill>
+                <a:schemeClr val="tx1"/>
+              </a:solidFill>
+              <a:effectLst/>
+              <a:latin typeface="+mn-lt"/>
+              <a:ea typeface="+mn-ea"/>
+              <a:cs typeface="+mn-cs"/>
+            </a:endParaRPr>
+          </a:p>
+          <a:p>
+            <a:endParaRPr lang="en-US" altLang="zh-TW" sz="1200" b="0" i="0" kern="1200" dirty="0" smtClean="0">
+              <a:solidFill>
+                <a:schemeClr val="tx1"/>
+              </a:solidFill>
+              <a:effectLst/>
+              <a:latin typeface="+mn-lt"/>
+              <a:ea typeface="+mn-ea"/>
+              <a:cs typeface="+mn-cs"/>
+            </a:endParaRPr>
           </a:p>
         </p:txBody>
       </p:sp>
@@ -2626,7 +2625,7 @@
           <a:p>
             <a:fld id="{C79F9334-C2B5-40DC-A82F-94CC416C9799}" type="slidenum">
               <a:rPr lang="zh-TW" altLang="en-US" smtClean="0"/>
-              <a:t>28</a:t>
+              <a:t>27</a:t>
             </a:fld>
             <a:endParaRPr lang="zh-TW" altLang="en-US"/>
           </a:p>
@@ -2635,7 +2634,7 @@
     </p:spTree>
     <p:extLst>
       <p:ext uri="{BB962C8B-B14F-4D97-AF65-F5344CB8AC3E}">
-        <p14:creationId xmlns:p14="http://schemas.microsoft.com/office/powerpoint/2010/main" val="141678843"/>
+        <p14:creationId xmlns:p14="http://schemas.microsoft.com/office/powerpoint/2010/main" val="463380874"/>
       </p:ext>
     </p:extLst>
   </p:cSld>
@@ -2690,36 +2689,18 @@
           <a:lstStyle/>
           <a:p>
             <a:r>
-              <a:rPr kumimoji="1" lang="en-US" altLang="zh-TW" dirty="0" err="1" smtClean="0"/>
-              <a:t>dBi</a:t>
+              <a:rPr kumimoji="1" lang="zh-TW" altLang="en-US" dirty="0" smtClean="0"/>
+              <a:t>看個角度的訊號最強 以 </a:t>
             </a:r>
             <a:r>
               <a:rPr kumimoji="1" lang="en-US" altLang="zh-TW" dirty="0" smtClean="0"/>
-              <a:t> </a:t>
+              <a:t>D </a:t>
             </a:r>
             <a:r>
               <a:rPr kumimoji="1" lang="zh-TW" altLang="en-US" dirty="0" smtClean="0"/>
-              <a:t>的 ｉ的意思是</a:t>
-            </a:r>
-            <a:r>
-              <a:rPr kumimoji="1" lang="en-US" altLang="zh-TW" dirty="0" smtClean="0"/>
-              <a:t> </a:t>
-            </a:r>
-            <a:r>
-              <a:rPr kumimoji="1" lang="zh-TW" altLang="en-US" dirty="0" smtClean="0"/>
-              <a:t>從點來源發散出的訊號的 能量（</a:t>
-            </a:r>
-            <a:r>
-              <a:rPr kumimoji="1" lang="en-US" altLang="zh-TW" dirty="0" smtClean="0"/>
-              <a:t>dB</a:t>
-            </a:r>
-            <a:r>
-              <a:rPr kumimoji="1" lang="zh-TW" altLang="en-US" dirty="0" smtClean="0"/>
-              <a:t>）</a:t>
-            </a:r>
-          </a:p>
-          <a:p>
-            <a:endParaRPr kumimoji="1" lang="zh-TW" altLang="en-US" dirty="0"/>
+              <a:t>表示之</a:t>
+            </a:r>
+            <a:endParaRPr kumimoji="1" lang="en-US" altLang="zh-TW" dirty="0" smtClean="0"/>
           </a:p>
         </p:txBody>
       </p:sp>
@@ -2740,7 +2721,7 @@
           <a:p>
             <a:fld id="{C79F9334-C2B5-40DC-A82F-94CC416C9799}" type="slidenum">
               <a:rPr lang="zh-TW" altLang="en-US" smtClean="0"/>
-              <a:t>29</a:t>
+              <a:t>28</a:t>
             </a:fld>
             <a:endParaRPr lang="zh-TW" altLang="en-US"/>
           </a:p>
@@ -2749,7 +2730,7 @@
     </p:spTree>
     <p:extLst>
       <p:ext uri="{BB962C8B-B14F-4D97-AF65-F5344CB8AC3E}">
-        <p14:creationId xmlns:p14="http://schemas.microsoft.com/office/powerpoint/2010/main" val="1454203672"/>
+        <p14:creationId xmlns:p14="http://schemas.microsoft.com/office/powerpoint/2010/main" val="141678843"/>
       </p:ext>
     </p:extLst>
   </p:cSld>
@@ -2804,17 +2785,35 @@
           <a:lstStyle/>
           <a:p>
             <a:r>
+              <a:rPr kumimoji="1" lang="en-US" altLang="zh-TW" dirty="0" err="1" smtClean="0"/>
+              <a:t>dBi</a:t>
+            </a:r>
+            <a:r>
+              <a:rPr kumimoji="1" lang="en-US" altLang="zh-TW" dirty="0" smtClean="0"/>
+              <a:t> </a:t>
+            </a:r>
+            <a:r>
               <a:rPr kumimoji="1" lang="zh-TW" altLang="en-US" dirty="0" smtClean="0"/>
-              <a:t>從一開始有效天線面積到最後常用的 </a:t>
+              <a:t>的 ｉ的意思是</a:t>
             </a:r>
             <a:r>
               <a:rPr kumimoji="1" lang="en-US" altLang="zh-TW" dirty="0" smtClean="0"/>
-              <a:t>directivity </a:t>
+              <a:t> </a:t>
             </a:r>
             <a:r>
               <a:rPr kumimoji="1" lang="zh-TW" altLang="en-US" dirty="0" smtClean="0"/>
-              <a:t>來呈現天線的效能</a:t>
-            </a:r>
+              <a:t>從點來源發散出的訊號的 能量（</a:t>
+            </a:r>
+            <a:r>
+              <a:rPr kumimoji="1" lang="en-US" altLang="zh-TW" dirty="0" smtClean="0"/>
+              <a:t>dB</a:t>
+            </a:r>
+            <a:r>
+              <a:rPr kumimoji="1" lang="zh-TW" altLang="en-US" dirty="0" smtClean="0"/>
+              <a:t>）</a:t>
+            </a:r>
+          </a:p>
+          <a:p>
             <a:endParaRPr kumimoji="1" lang="zh-TW" altLang="en-US" dirty="0"/>
           </a:p>
         </p:txBody>
@@ -2836,7 +2835,7 @@
           <a:p>
             <a:fld id="{C79F9334-C2B5-40DC-A82F-94CC416C9799}" type="slidenum">
               <a:rPr lang="zh-TW" altLang="en-US" smtClean="0"/>
-              <a:t>30</a:t>
+              <a:t>29</a:t>
             </a:fld>
             <a:endParaRPr lang="zh-TW" altLang="en-US"/>
           </a:p>
@@ -2845,7 +2844,7 @@
     </p:spTree>
     <p:extLst>
       <p:ext uri="{BB962C8B-B14F-4D97-AF65-F5344CB8AC3E}">
-        <p14:creationId xmlns:p14="http://schemas.microsoft.com/office/powerpoint/2010/main" val="601892381"/>
+        <p14:creationId xmlns:p14="http://schemas.microsoft.com/office/powerpoint/2010/main" val="1454203672"/>
       </p:ext>
     </p:extLst>
   </p:cSld>
@@ -2900,41 +2899,17 @@
           <a:lstStyle/>
           <a:p>
             <a:r>
+              <a:rPr kumimoji="1" lang="zh-TW" altLang="en-US" dirty="0" smtClean="0"/>
+              <a:t>從一開始有效天線面積到最後常用的 </a:t>
+            </a:r>
+            <a:r>
               <a:rPr kumimoji="1" lang="en-US" altLang="zh-TW" dirty="0" smtClean="0"/>
-              <a:t>Small scale </a:t>
-            </a:r>
-          </a:p>
-          <a:p>
+              <a:t>directivity </a:t>
+            </a:r>
             <a:r>
               <a:rPr kumimoji="1" lang="zh-TW" altLang="en-US" dirty="0" smtClean="0"/>
-              <a:t>以 </a:t>
-            </a:r>
-            <a:r>
-              <a:rPr kumimoji="1" lang="en-US" altLang="zh-TW" dirty="0" smtClean="0"/>
-              <a:t>time domain </a:t>
-            </a:r>
-            <a:r>
-              <a:rPr kumimoji="1" lang="zh-TW" altLang="en-US" dirty="0" smtClean="0"/>
-              <a:t>來分類，</a:t>
-            </a:r>
-            <a:r>
-              <a:rPr kumimoji="1" lang="en-US" altLang="zh-TW" dirty="0" smtClean="0"/>
-              <a:t>Doppler mobility Delay multipath</a:t>
-            </a:r>
-          </a:p>
-          <a:p>
-            <a:r>
-              <a:rPr kumimoji="1" lang="en-US" altLang="zh-TW" dirty="0" smtClean="0"/>
-              <a:t>Large scale</a:t>
-            </a:r>
-          </a:p>
-          <a:p>
-            <a:r>
-              <a:rPr kumimoji="1" lang="en-US" altLang="zh-TW" dirty="0" smtClean="0"/>
-              <a:t>Path loss  shadowing</a:t>
-            </a:r>
-          </a:p>
-          <a:p>
+              <a:t>來呈現天線的效能</a:t>
+            </a:r>
             <a:endParaRPr kumimoji="1" lang="zh-TW" altLang="en-US" dirty="0"/>
           </a:p>
         </p:txBody>
@@ -2956,7 +2931,7 @@
           <a:p>
             <a:fld id="{C79F9334-C2B5-40DC-A82F-94CC416C9799}" type="slidenum">
               <a:rPr lang="zh-TW" altLang="en-US" smtClean="0"/>
-              <a:t>31</a:t>
+              <a:t>30</a:t>
             </a:fld>
             <a:endParaRPr lang="zh-TW" altLang="en-US"/>
           </a:p>
@@ -2965,7 +2940,7 @@
     </p:spTree>
     <p:extLst>
       <p:ext uri="{BB962C8B-B14F-4D97-AF65-F5344CB8AC3E}">
-        <p14:creationId xmlns:p14="http://schemas.microsoft.com/office/powerpoint/2010/main" val="560582867"/>
+        <p14:creationId xmlns:p14="http://schemas.microsoft.com/office/powerpoint/2010/main" val="601892381"/>
       </p:ext>
     </p:extLst>
   </p:cSld>
@@ -3020,21 +2995,41 @@
           <a:lstStyle/>
           <a:p>
             <a:r>
+              <a:rPr kumimoji="1" lang="en-US" altLang="zh-TW" dirty="0" smtClean="0"/>
+              <a:t>Small scale </a:t>
+            </a:r>
+          </a:p>
+          <a:p>
+            <a:r>
               <a:rPr kumimoji="1" lang="zh-TW" altLang="en-US" dirty="0" smtClean="0"/>
-              <a:t>看 </a:t>
-            </a:r>
-            <a:r>
-              <a:rPr kumimoji="1" lang="en-US" altLang="zh-TW" dirty="0" err="1" smtClean="0"/>
-              <a:t>matlab</a:t>
+              <a:t>以 </a:t>
             </a:r>
             <a:r>
               <a:rPr kumimoji="1" lang="en-US" altLang="zh-TW" dirty="0" smtClean="0"/>
-              <a:t> </a:t>
+              <a:t>time domain </a:t>
             </a:r>
             <a:r>
               <a:rPr kumimoji="1" lang="zh-TW" altLang="en-US" dirty="0" smtClean="0"/>
-              <a:t>小示範</a:t>
-            </a:r>
+              <a:t>來分類，</a:t>
+            </a:r>
+            <a:r>
+              <a:rPr kumimoji="1" lang="en-US" altLang="zh-TW" dirty="0" smtClean="0"/>
+              <a:t>Doppler mobility Delay multipath</a:t>
+            </a:r>
+          </a:p>
+          <a:p>
+            <a:r>
+              <a:rPr kumimoji="1" lang="en-US" altLang="zh-TW" dirty="0" smtClean="0"/>
+              <a:t>Large scale</a:t>
+            </a:r>
+          </a:p>
+          <a:p>
+            <a:r>
+              <a:rPr kumimoji="1" lang="en-US" altLang="zh-TW" dirty="0" smtClean="0"/>
+              <a:t>Path loss  shadowing</a:t>
+            </a:r>
+          </a:p>
+          <a:p>
             <a:endParaRPr kumimoji="1" lang="zh-TW" altLang="en-US" dirty="0"/>
           </a:p>
         </p:txBody>
@@ -3056,7 +3051,7 @@
           <a:p>
             <a:fld id="{C79F9334-C2B5-40DC-A82F-94CC416C9799}" type="slidenum">
               <a:rPr lang="zh-TW" altLang="en-US" smtClean="0"/>
-              <a:t>32</a:t>
+              <a:t>31</a:t>
             </a:fld>
             <a:endParaRPr lang="zh-TW" altLang="en-US"/>
           </a:p>
@@ -3065,7 +3060,7 @@
     </p:spTree>
     <p:extLst>
       <p:ext uri="{BB962C8B-B14F-4D97-AF65-F5344CB8AC3E}">
-        <p14:creationId xmlns:p14="http://schemas.microsoft.com/office/powerpoint/2010/main" val="1456111173"/>
+        <p14:creationId xmlns:p14="http://schemas.microsoft.com/office/powerpoint/2010/main" val="560582867"/>
       </p:ext>
     </p:extLst>
   </p:cSld>
@@ -3290,7 +3285,19 @@
           <a:p>
             <a:r>
               <a:rPr kumimoji="1" lang="zh-TW" altLang="en-US" dirty="0" smtClean="0"/>
-              <a:t>剛剛畫出來的圖是 圓形的原因</a:t>
+              <a:t>看 </a:t>
+            </a:r>
+            <a:r>
+              <a:rPr kumimoji="1" lang="en-US" altLang="zh-TW" dirty="0" err="1" smtClean="0"/>
+              <a:t>matlab</a:t>
+            </a:r>
+            <a:r>
+              <a:rPr kumimoji="1" lang="en-US" altLang="zh-TW" dirty="0" smtClean="0"/>
+              <a:t> </a:t>
+            </a:r>
+            <a:r>
+              <a:rPr kumimoji="1" lang="zh-TW" altLang="en-US" dirty="0" smtClean="0"/>
+              <a:t>小示範</a:t>
             </a:r>
             <a:endParaRPr kumimoji="1" lang="zh-TW" altLang="en-US" dirty="0"/>
           </a:p>
@@ -3313,6 +3320,94 @@
           <a:p>
             <a:fld id="{C79F9334-C2B5-40DC-A82F-94CC416C9799}" type="slidenum">
               <a:rPr lang="zh-TW" altLang="en-US" smtClean="0"/>
+              <a:t>32</a:t>
+            </a:fld>
+            <a:endParaRPr lang="zh-TW" altLang="en-US"/>
+          </a:p>
+        </p:txBody>
+      </p:sp>
+    </p:spTree>
+    <p:extLst>
+      <p:ext uri="{BB962C8B-B14F-4D97-AF65-F5344CB8AC3E}">
+        <p14:creationId xmlns:p14="http://schemas.microsoft.com/office/powerpoint/2010/main" val="1456111173"/>
+      </p:ext>
+    </p:extLst>
+  </p:cSld>
+  <p:clrMapOvr>
+    <a:masterClrMapping/>
+  </p:clrMapOvr>
+</p:notes>
+</file>
+
+<file path=ppt/notesSlides/notesSlide31.xml><?xml version="1.0" encoding="utf-8"?>
+<p:notes xmlns:a="http://schemas.openxmlformats.org/drawingml/2006/main" xmlns:r="http://schemas.openxmlformats.org/officeDocument/2006/relationships" xmlns:p="http://schemas.openxmlformats.org/presentationml/2006/main">
+  <p:cSld>
+    <p:spTree>
+      <p:nvGrpSpPr>
+        <p:cNvPr id="1" name=""/>
+        <p:cNvGrpSpPr/>
+        <p:nvPr/>
+      </p:nvGrpSpPr>
+      <p:grpSpPr>
+        <a:xfrm>
+          <a:off x="0" y="0"/>
+          <a:ext cx="0" cy="0"/>
+          <a:chOff x="0" y="0"/>
+          <a:chExt cx="0" cy="0"/>
+        </a:xfrm>
+      </p:grpSpPr>
+      <p:sp>
+        <p:nvSpPr>
+          <p:cNvPr id="2" name="投影片影像版面配置區 1"/>
+          <p:cNvSpPr>
+            <a:spLocks noGrp="1" noRot="1" noChangeAspect="1"/>
+          </p:cNvSpPr>
+          <p:nvPr>
+            <p:ph type="sldImg"/>
+          </p:nvPr>
+        </p:nvSpPr>
+        <p:spPr/>
+      </p:sp>
+      <p:sp>
+        <p:nvSpPr>
+          <p:cNvPr id="3" name="備忘稿版面配置區 2"/>
+          <p:cNvSpPr>
+            <a:spLocks noGrp="1"/>
+          </p:cNvSpPr>
+          <p:nvPr>
+            <p:ph type="body" idx="1"/>
+          </p:nvPr>
+        </p:nvSpPr>
+        <p:spPr/>
+        <p:txBody>
+          <a:bodyPr/>
+          <a:lstStyle/>
+          <a:p>
+            <a:r>
+              <a:rPr kumimoji="1" lang="zh-TW" altLang="en-US" dirty="0" smtClean="0"/>
+              <a:t>剛剛畫出來的圖是 圓形的原因</a:t>
+            </a:r>
+            <a:endParaRPr kumimoji="1" lang="zh-TW" altLang="en-US" dirty="0"/>
+          </a:p>
+        </p:txBody>
+      </p:sp>
+      <p:sp>
+        <p:nvSpPr>
+          <p:cNvPr id="4" name="投影片編號版面配置區 3"/>
+          <p:cNvSpPr>
+            <a:spLocks noGrp="1"/>
+          </p:cNvSpPr>
+          <p:nvPr>
+            <p:ph type="sldNum" sz="quarter" idx="10"/>
+          </p:nvPr>
+        </p:nvSpPr>
+        <p:spPr/>
+        <p:txBody>
+          <a:bodyPr/>
+          <a:lstStyle/>
+          <a:p>
+            <a:fld id="{C79F9334-C2B5-40DC-A82F-94CC416C9799}" type="slidenum">
+              <a:rPr lang="zh-TW" altLang="en-US" smtClean="0"/>
               <a:t>33</a:t>
             </a:fld>
             <a:endParaRPr lang="zh-TW" altLang="en-US"/>
@@ -3332,7 +3427,7 @@
 </p:notes>
 </file>
 
-<file path=ppt/notesSlides/notesSlide31.xml><?xml version="1.0" encoding="utf-8"?>
+<file path=ppt/notesSlides/notesSlide32.xml><?xml version="1.0" encoding="utf-8"?>
 <p:notes xmlns:a="http://schemas.openxmlformats.org/drawingml/2006/main" xmlns:r="http://schemas.openxmlformats.org/officeDocument/2006/relationships" xmlns:p="http://schemas.openxmlformats.org/presentationml/2006/main">
   <p:cSld>
     <p:spTree>
@@ -3818,41 +3913,18 @@
           <a:lstStyle/>
           <a:p>
             <a:r>
-              <a:rPr kumimoji="1" lang="zh-TW" altLang="en-US" dirty="0" smtClean="0"/>
-              <a:t>頻域的</a:t>
-            </a:r>
-            <a:r>
-              <a:rPr kumimoji="1" lang="zh-TW" altLang="en-US" baseline="0" dirty="0" smtClean="0"/>
-              <a:t> </a:t>
-            </a:r>
-            <a:r>
-              <a:rPr kumimoji="1" lang="en-US" altLang="zh-TW" baseline="0" dirty="0" smtClean="0"/>
-              <a:t>phase delay </a:t>
-            </a:r>
-            <a:r>
-              <a:rPr kumimoji="1" lang="zh-TW" altLang="en-US" dirty="0" smtClean="0"/>
-              <a:t>就是時域的延遲</a:t>
-            </a:r>
-          </a:p>
-          <a:p>
-            <a:r>
-              <a:rPr kumimoji="1" lang="zh-TW" altLang="en-US" dirty="0" smtClean="0"/>
-              <a:t>從第二式可得</a:t>
-            </a:r>
-          </a:p>
-          <a:p>
-            <a:r>
-              <a:rPr kumimoji="1" lang="en-US" altLang="zh-TW" dirty="0" smtClean="0"/>
-              <a:t>P(f)  </a:t>
-            </a:r>
-            <a:r>
-              <a:rPr kumimoji="1" lang="zh-TW" altLang="en-US" dirty="0" smtClean="0"/>
-              <a:t>就是 </a:t>
-            </a:r>
-            <a:r>
-              <a:rPr kumimoji="1" lang="en-US" altLang="zh-TW" dirty="0" smtClean="0"/>
-              <a:t>phase delay</a:t>
-            </a:r>
+              <a:rPr lang="en-US" altLang="zh-TW" sz="1200" b="0" i="0" kern="1200" smtClean="0">
+                <a:solidFill>
+                  <a:schemeClr val="tx1"/>
+                </a:solidFill>
+                <a:effectLst/>
+                <a:latin typeface="+mn-lt"/>
+                <a:ea typeface="+mn-ea"/>
+                <a:cs typeface="+mn-cs"/>
+              </a:rPr>
+              <a:t>maximum capacity of the channel in bits/second </a:t>
+            </a:r>
+            <a:endParaRPr kumimoji="1" lang="zh-TW" altLang="en-US"/>
           </a:p>
         </p:txBody>
       </p:sp>
@@ -3873,7 +3945,7 @@
           <a:p>
             <a:fld id="{C79F9334-C2B5-40DC-A82F-94CC416C9799}" type="slidenum">
               <a:rPr lang="zh-TW" altLang="en-US" smtClean="0"/>
-              <a:t>9</a:t>
+              <a:t>8</a:t>
             </a:fld>
             <a:endParaRPr lang="zh-TW" altLang="en-US"/>
           </a:p>
@@ -3882,7 +3954,7 @@
     </p:spTree>
     <p:extLst>
       <p:ext uri="{BB962C8B-B14F-4D97-AF65-F5344CB8AC3E}">
-        <p14:creationId xmlns:p14="http://schemas.microsoft.com/office/powerpoint/2010/main" val="313299068"/>
+        <p14:creationId xmlns:p14="http://schemas.microsoft.com/office/powerpoint/2010/main" val="818826662"/>
       </p:ext>
     </p:extLst>
   </p:cSld>
@@ -3938,58 +4010,40 @@
           <a:p>
             <a:r>
               <a:rPr kumimoji="1" lang="zh-TW" altLang="en-US" dirty="0" smtClean="0"/>
-              <a:t>時域的訊號圖   送出與接收 </a:t>
-            </a:r>
+              <a:t>頻域的</a:t>
+            </a:r>
+            <a:r>
+              <a:rPr kumimoji="1" lang="zh-TW" altLang="en-US" baseline="0" dirty="0" smtClean="0"/>
+              <a:t> </a:t>
+            </a:r>
+            <a:r>
+              <a:rPr kumimoji="1" lang="en-US" altLang="zh-TW" baseline="0" dirty="0" smtClean="0"/>
+              <a:t>phase delay </a:t>
+            </a:r>
+            <a:r>
+              <a:rPr kumimoji="1" lang="zh-TW" altLang="en-US" dirty="0" smtClean="0"/>
+              <a:t>就是時域的延遲</a:t>
+            </a:r>
+          </a:p>
+          <a:p>
+            <a:r>
+              <a:rPr kumimoji="1" lang="zh-TW" altLang="en-US" dirty="0" smtClean="0"/>
+              <a:t>從第二式可得</a:t>
+            </a:r>
+          </a:p>
+          <a:p>
             <a:r>
               <a:rPr kumimoji="1" lang="en-US" altLang="zh-TW" dirty="0" smtClean="0"/>
-              <a:t>power </a:t>
+              <a:t>P(f)  </a:t>
             </a:r>
             <a:r>
               <a:rPr kumimoji="1" lang="zh-TW" altLang="en-US" dirty="0" smtClean="0"/>
-              <a:t>的比值圖</a:t>
-            </a:r>
-          </a:p>
-          <a:p>
-            <a:r>
-              <a:rPr kumimoji="1" lang="zh-TW" altLang="en-US" dirty="0" smtClean="0"/>
-              <a:t>較大的模型波動稱為 </a:t>
+              <a:t>就是 </a:t>
             </a:r>
             <a:r>
               <a:rPr kumimoji="1" lang="en-US" altLang="zh-TW" dirty="0" smtClean="0"/>
-              <a:t>large scale fading</a:t>
-            </a:r>
-            <a:endParaRPr kumimoji="1" lang="zh-TW" altLang="en-US" dirty="0" smtClean="0"/>
-          </a:p>
-          <a:p>
-            <a:pPr marL="0" marR="0" indent="0" algn="l" defTabSz="914400" rtl="0" eaLnBrk="1" fontAlgn="auto" latinLnBrk="0" hangingPunct="1">
-              <a:lnSpc>
-                <a:spcPct val="100000"/>
-              </a:lnSpc>
-              <a:spcBef>
-                <a:spcPts val="0"/>
-              </a:spcBef>
-              <a:spcAft>
-                <a:spcPts val="0"/>
-              </a:spcAft>
-              <a:buClrTx/>
-              <a:buSzTx/>
-              <a:buFontTx/>
-              <a:buNone/>
-              <a:tabLst/>
-              <a:defRPr/>
-            </a:pPr>
-            <a:r>
-              <a:rPr kumimoji="1" lang="zh-TW" altLang="en-US" dirty="0" smtClean="0"/>
-              <a:t>較小的模型波動稱為 </a:t>
-            </a:r>
-            <a:r>
-              <a:rPr kumimoji="1" lang="en-US" altLang="zh-TW" dirty="0" smtClean="0"/>
-              <a:t>small scale fading</a:t>
-            </a:r>
-            <a:endParaRPr kumimoji="1" lang="zh-TW" altLang="en-US" dirty="0" smtClean="0"/>
-          </a:p>
-          <a:p>
-            <a:endParaRPr kumimoji="1" lang="zh-TW" altLang="en-US" dirty="0" smtClean="0"/>
+              <a:t>phase delay</a:t>
+            </a:r>
           </a:p>
         </p:txBody>
       </p:sp>
@@ -4010,7 +4064,7 @@
           <a:p>
             <a:fld id="{C79F9334-C2B5-40DC-A82F-94CC416C9799}" type="slidenum">
               <a:rPr lang="zh-TW" altLang="en-US" smtClean="0"/>
-              <a:t>10</a:t>
+              <a:t>9</a:t>
             </a:fld>
             <a:endParaRPr lang="zh-TW" altLang="en-US"/>
           </a:p>
@@ -4019,7 +4073,7 @@
     </p:spTree>
     <p:extLst>
       <p:ext uri="{BB962C8B-B14F-4D97-AF65-F5344CB8AC3E}">
-        <p14:creationId xmlns:p14="http://schemas.microsoft.com/office/powerpoint/2010/main" val="2132701261"/>
+        <p14:creationId xmlns:p14="http://schemas.microsoft.com/office/powerpoint/2010/main" val="313299068"/>
       </p:ext>
     </p:extLst>
   </p:cSld>
@@ -4075,13 +4129,58 @@
           <a:p>
             <a:r>
               <a:rPr kumimoji="1" lang="zh-TW" altLang="en-US" dirty="0" smtClean="0"/>
-              <a:t>先介紹 </a:t>
+              <a:t>時域的訊號圖   送出與接收 </a:t>
+            </a:r>
+            <a:r>
+              <a:rPr kumimoji="1" lang="en-US" altLang="zh-TW" dirty="0" smtClean="0"/>
+              <a:t>power </a:t>
+            </a:r>
+            <a:r>
+              <a:rPr kumimoji="1" lang="zh-TW" altLang="en-US" dirty="0" smtClean="0"/>
+              <a:t>的比值圖</a:t>
+            </a:r>
+          </a:p>
+          <a:p>
+            <a:r>
+              <a:rPr kumimoji="1" lang="zh-TW" altLang="en-US" dirty="0" smtClean="0"/>
+              <a:t>較大的模型波動稱為 </a:t>
+            </a:r>
+            <a:r>
+              <a:rPr kumimoji="1" lang="en-US" altLang="zh-TW" dirty="0" smtClean="0"/>
+              <a:t>large scale fading</a:t>
+            </a:r>
+            <a:endParaRPr kumimoji="1" lang="zh-TW" altLang="en-US" dirty="0" smtClean="0"/>
+          </a:p>
+          <a:p>
+            <a:pPr marL="0" marR="0" indent="0" algn="l" defTabSz="914400" rtl="0" eaLnBrk="1" fontAlgn="auto" latinLnBrk="0" hangingPunct="1">
+              <a:lnSpc>
+                <a:spcPct val="100000"/>
+              </a:lnSpc>
+              <a:spcBef>
+                <a:spcPts val="0"/>
+              </a:spcBef>
+              <a:spcAft>
+                <a:spcPts val="0"/>
+              </a:spcAft>
+              <a:buClrTx/>
+              <a:buSzTx/>
+              <a:buFontTx/>
+              <a:buNone/>
+              <a:tabLst/>
+              <a:defRPr/>
+            </a:pPr>
+            <a:r>
+              <a:rPr kumimoji="1" lang="zh-TW" altLang="en-US" dirty="0" smtClean="0"/>
+              <a:t>較小的模型波動稱為 </a:t>
             </a:r>
             <a:r>
               <a:rPr kumimoji="1" lang="en-US" altLang="zh-TW" dirty="0" smtClean="0"/>
               <a:t>small scale fading</a:t>
             </a:r>
-            <a:endParaRPr kumimoji="1" lang="zh-TW" altLang="en-US" dirty="0"/>
+            <a:endParaRPr kumimoji="1" lang="zh-TW" altLang="en-US" dirty="0" smtClean="0"/>
+          </a:p>
+          <a:p>
+            <a:endParaRPr kumimoji="1" lang="zh-TW" altLang="en-US" dirty="0" smtClean="0"/>
           </a:p>
         </p:txBody>
       </p:sp>
@@ -4102,7 +4201,7 @@
           <a:p>
             <a:fld id="{C79F9334-C2B5-40DC-A82F-94CC416C9799}" type="slidenum">
               <a:rPr lang="zh-TW" altLang="en-US" smtClean="0"/>
-              <a:t>11</a:t>
+              <a:t>10</a:t>
             </a:fld>
             <a:endParaRPr lang="zh-TW" altLang="en-US"/>
           </a:p>
@@ -4111,7 +4210,7 @@
     </p:spTree>
     <p:extLst>
       <p:ext uri="{BB962C8B-B14F-4D97-AF65-F5344CB8AC3E}">
-        <p14:creationId xmlns:p14="http://schemas.microsoft.com/office/powerpoint/2010/main" val="1975068260"/>
+        <p14:creationId xmlns:p14="http://schemas.microsoft.com/office/powerpoint/2010/main" val="2132701261"/>
       </p:ext>
     </p:extLst>
   </p:cSld>
@@ -4167,15 +4266,12 @@
           <a:p>
             <a:r>
               <a:rPr kumimoji="1" lang="zh-TW" altLang="en-US" dirty="0" smtClean="0"/>
-              <a:t>主要以兩種原因分成四種 </a:t>
+              <a:t>先介紹 </a:t>
             </a:r>
             <a:r>
               <a:rPr kumimoji="1" lang="en-US" altLang="zh-TW" dirty="0" smtClean="0"/>
-              <a:t>fading </a:t>
-            </a:r>
-            <a:endParaRPr kumimoji="1" lang="zh-TW" altLang="en-US" dirty="0" smtClean="0"/>
-          </a:p>
-          <a:p>
+              <a:t>small scale fading</a:t>
+            </a:r>
             <a:endParaRPr kumimoji="1" lang="zh-TW" altLang="en-US" dirty="0"/>
           </a:p>
         </p:txBody>
@@ -4197,7 +4293,7 @@
           <a:p>
             <a:fld id="{C79F9334-C2B5-40DC-A82F-94CC416C9799}" type="slidenum">
               <a:rPr lang="zh-TW" altLang="en-US" smtClean="0"/>
-              <a:t>12</a:t>
+              <a:t>11</a:t>
             </a:fld>
             <a:endParaRPr lang="zh-TW" altLang="en-US"/>
           </a:p>
@@ -4206,7 +4302,7 @@
     </p:spTree>
     <p:extLst>
       <p:ext uri="{BB962C8B-B14F-4D97-AF65-F5344CB8AC3E}">
-        <p14:creationId xmlns:p14="http://schemas.microsoft.com/office/powerpoint/2010/main" val="1365645379"/>
+        <p14:creationId xmlns:p14="http://schemas.microsoft.com/office/powerpoint/2010/main" val="1975068260"/>
       </p:ext>
     </p:extLst>
   </p:cSld>
@@ -31736,7 +31832,7 @@
             </p:nvSpPr>
             <p:spPr>
               <a:blipFill rotWithShape="0">
-                <a:blip r:embed="rId2"/>
+                <a:blip r:embed="rId3"/>
                 <a:stretch>
                   <a:fillRect/>
                 </a:stretch>
